--- a/docs/source/resources/ha/Bridge Configurations_V3.pptx
+++ b/docs/source/resources/ha/Bridge Configurations_V3.pptx
@@ -5,7 +5,7 @@
     <p:sldMasterId id="2147483648" r:id="rId1"/>
   </p:sldMasterIdLst>
   <p:notesMasterIdLst>
-    <p:notesMasterId r:id="rId10"/>
+    <p:notesMasterId r:id="rId11"/>
   </p:notesMasterIdLst>
   <p:sldIdLst>
     <p:sldId id="256" r:id="rId2"/>
@@ -14,8 +14,9 @@
     <p:sldId id="259" r:id="rId5"/>
     <p:sldId id="260" r:id="rId6"/>
     <p:sldId id="261" r:id="rId7"/>
-    <p:sldId id="262" r:id="rId8"/>
-    <p:sldId id="263" r:id="rId9"/>
+    <p:sldId id="264" r:id="rId8"/>
+    <p:sldId id="262" r:id="rId9"/>
+    <p:sldId id="263" r:id="rId10"/>
   </p:sldIdLst>
   <p:sldSz cx="12192000" cy="6858000"/>
   <p:notesSz cx="6858000" cy="9144000"/>
@@ -207,7 +208,7 @@
           <a:p>
             <a:fld id="{2C82E4B6-2456-4935-B807-26B7F91AC855}" type="datetimeFigureOut">
               <a:rPr lang="en-GB" smtClean="0"/>
-              <a:t>24/05/2018</a:t>
+              <a:t>13/03/2019</a:t>
             </a:fld>
             <a:endParaRPr lang="en-GB"/>
           </a:p>
@@ -708,7 +709,7 @@
           <a:p>
             <a:fld id="{72A4DE50-58D0-4AE8-8BAA-5262A4FF172B}" type="datetimeFigureOut">
               <a:rPr lang="en-GB" smtClean="0"/>
-              <a:t>24/05/2018</a:t>
+              <a:t>13/03/2019</a:t>
             </a:fld>
             <a:endParaRPr lang="en-GB"/>
           </a:p>
@@ -908,7 +909,7 @@
           <a:p>
             <a:fld id="{72A4DE50-58D0-4AE8-8BAA-5262A4FF172B}" type="datetimeFigureOut">
               <a:rPr lang="en-GB" smtClean="0"/>
-              <a:t>24/05/2018</a:t>
+              <a:t>13/03/2019</a:t>
             </a:fld>
             <a:endParaRPr lang="en-GB"/>
           </a:p>
@@ -1118,7 +1119,7 @@
           <a:p>
             <a:fld id="{72A4DE50-58D0-4AE8-8BAA-5262A4FF172B}" type="datetimeFigureOut">
               <a:rPr lang="en-GB" smtClean="0"/>
-              <a:t>24/05/2018</a:t>
+              <a:t>13/03/2019</a:t>
             </a:fld>
             <a:endParaRPr lang="en-GB"/>
           </a:p>
@@ -1318,7 +1319,7 @@
           <a:p>
             <a:fld id="{72A4DE50-58D0-4AE8-8BAA-5262A4FF172B}" type="datetimeFigureOut">
               <a:rPr lang="en-GB" smtClean="0"/>
-              <a:t>24/05/2018</a:t>
+              <a:t>13/03/2019</a:t>
             </a:fld>
             <a:endParaRPr lang="en-GB"/>
           </a:p>
@@ -1594,7 +1595,7 @@
           <a:p>
             <a:fld id="{72A4DE50-58D0-4AE8-8BAA-5262A4FF172B}" type="datetimeFigureOut">
               <a:rPr lang="en-GB" smtClean="0"/>
-              <a:t>24/05/2018</a:t>
+              <a:t>13/03/2019</a:t>
             </a:fld>
             <a:endParaRPr lang="en-GB"/>
           </a:p>
@@ -1862,7 +1863,7 @@
           <a:p>
             <a:fld id="{72A4DE50-58D0-4AE8-8BAA-5262A4FF172B}" type="datetimeFigureOut">
               <a:rPr lang="en-GB" smtClean="0"/>
-              <a:t>24/05/2018</a:t>
+              <a:t>13/03/2019</a:t>
             </a:fld>
             <a:endParaRPr lang="en-GB"/>
           </a:p>
@@ -2277,7 +2278,7 @@
           <a:p>
             <a:fld id="{72A4DE50-58D0-4AE8-8BAA-5262A4FF172B}" type="datetimeFigureOut">
               <a:rPr lang="en-GB" smtClean="0"/>
-              <a:t>24/05/2018</a:t>
+              <a:t>13/03/2019</a:t>
             </a:fld>
             <a:endParaRPr lang="en-GB"/>
           </a:p>
@@ -2419,7 +2420,7 @@
           <a:p>
             <a:fld id="{72A4DE50-58D0-4AE8-8BAA-5262A4FF172B}" type="datetimeFigureOut">
               <a:rPr lang="en-GB" smtClean="0"/>
-              <a:t>24/05/2018</a:t>
+              <a:t>13/03/2019</a:t>
             </a:fld>
             <a:endParaRPr lang="en-GB"/>
           </a:p>
@@ -2532,7 +2533,7 @@
           <a:p>
             <a:fld id="{72A4DE50-58D0-4AE8-8BAA-5262A4FF172B}" type="datetimeFigureOut">
               <a:rPr lang="en-GB" smtClean="0"/>
-              <a:t>24/05/2018</a:t>
+              <a:t>13/03/2019</a:t>
             </a:fld>
             <a:endParaRPr lang="en-GB"/>
           </a:p>
@@ -2845,7 +2846,7 @@
           <a:p>
             <a:fld id="{72A4DE50-58D0-4AE8-8BAA-5262A4FF172B}" type="datetimeFigureOut">
               <a:rPr lang="en-GB" smtClean="0"/>
-              <a:t>24/05/2018</a:t>
+              <a:t>13/03/2019</a:t>
             </a:fld>
             <a:endParaRPr lang="en-GB"/>
           </a:p>
@@ -3134,7 +3135,7 @@
           <a:p>
             <a:fld id="{72A4DE50-58D0-4AE8-8BAA-5262A4FF172B}" type="datetimeFigureOut">
               <a:rPr lang="en-GB" smtClean="0"/>
-              <a:t>24/05/2018</a:t>
+              <a:t>13/03/2019</a:t>
             </a:fld>
             <a:endParaRPr lang="en-GB"/>
           </a:p>
@@ -3377,7 +3378,7 @@
           <a:p>
             <a:fld id="{72A4DE50-58D0-4AE8-8BAA-5262A4FF172B}" type="datetimeFigureOut">
               <a:rPr lang="en-GB" smtClean="0"/>
-              <a:t>24/05/2018</a:t>
+              <a:t>13/03/2019</a:t>
             </a:fld>
             <a:endParaRPr lang="en-GB"/>
           </a:p>
@@ -6018,7 +6019,20 @@
                 <a:latin typeface="Times New Roman" panose="02020603050405020304" pitchFamily="18" charset="0"/>
                 <a:cs typeface="Times New Roman" panose="02020603050405020304" pitchFamily="18" charset="0"/>
               </a:rPr>
-              <a:t>Bridge</a:t>
+              <a:t>Bridge/</a:t>
+            </a:r>
+          </a:p>
+          <a:p>
+            <a:pPr algn="ctr"/>
+            <a:r>
+              <a:rPr lang="en-GB" sz="1600" dirty="0">
+                <a:solidFill>
+                  <a:schemeClr val="tx1"/>
+                </a:solidFill>
+                <a:latin typeface="Times New Roman" panose="02020603050405020304" pitchFamily="18" charset="0"/>
+                <a:cs typeface="Times New Roman" panose="02020603050405020304" pitchFamily="18" charset="0"/>
+              </a:rPr>
+              <a:t>Float</a:t>
             </a:r>
           </a:p>
         </p:txBody>
@@ -6173,8 +6187,8 @@
         </p:nvCxnSpPr>
         <p:spPr>
           <a:xfrm rot="5400000" flipH="1" flipV="1">
-            <a:off x="2006363" y="2257701"/>
-            <a:ext cx="565581" cy="1358203"/>
+            <a:off x="1769521" y="2020859"/>
+            <a:ext cx="565577" cy="1831891"/>
           </a:xfrm>
           <a:prstGeom prst="bentConnector2">
             <a:avLst/>
@@ -6289,8 +6303,8 @@
         </p:nvSpPr>
         <p:spPr>
           <a:xfrm>
-            <a:off x="3343484" y="0"/>
-            <a:ext cx="5505033" cy="400110"/>
+            <a:off x="3303408" y="10466"/>
+            <a:ext cx="5585183" cy="400110"/>
           </a:xfrm>
           <a:prstGeom prst="rect">
             <a:avLst/>
@@ -6309,7 +6323,7 @@
                 <a:latin typeface="Times New Roman" panose="02020603050405020304" pitchFamily="18" charset="0"/>
                 <a:cs typeface="Times New Roman" panose="02020603050405020304" pitchFamily="18" charset="0"/>
               </a:rPr>
-              <a:t>Simple Node, Single External Bridge Configuration</a:t>
+              <a:t>Simple Node, Combined Bridge/Float Configuration</a:t>
             </a:r>
           </a:p>
         </p:txBody>
@@ -6374,7 +6388,7 @@
         <p:spPr>
           <a:xfrm>
             <a:off x="208065" y="3219592"/>
-            <a:ext cx="2803973" cy="3170099"/>
+            <a:ext cx="1856598" cy="1938992"/>
           </a:xfrm>
           <a:prstGeom prst="rect">
             <a:avLst/>
@@ -6412,318 +6426,14 @@
           </a:p>
           <a:p>
             <a:r>
-              <a:rPr lang="en-US" altLang="en-US" sz="800" dirty="0" err="1">
+              <a:rPr lang="en-US" altLang="en-US" sz="800" dirty="0">
                 <a:solidFill>
                   <a:srgbClr val="000000"/>
                 </a:solidFill>
                 <a:latin typeface="Courier New" panose="02070309020205020404" pitchFamily="49" charset="0"/>
                 <a:cs typeface="Courier New" panose="02070309020205020404" pitchFamily="49" charset="0"/>
               </a:rPr>
-              <a:t>myLegalName</a:t>
-            </a:r>
-            <a:r>
-              <a:rPr lang="en-US" altLang="en-US" sz="800" dirty="0">
-                <a:solidFill>
-                  <a:srgbClr val="000000"/>
-                </a:solidFill>
-                <a:latin typeface="Courier New" panose="02070309020205020404" pitchFamily="49" charset="0"/>
-                <a:cs typeface="Courier New" panose="02070309020205020404" pitchFamily="49" charset="0"/>
-              </a:rPr>
-              <a:t> = "O=Bank A, L=New York, C=US"</a:t>
-            </a:r>
-            <a:br>
-              <a:rPr lang="en-US" altLang="en-US" sz="800" dirty="0">
-                <a:solidFill>
-                  <a:srgbClr val="000000"/>
-                </a:solidFill>
-                <a:latin typeface="Courier New" panose="02070309020205020404" pitchFamily="49" charset="0"/>
-                <a:cs typeface="Courier New" panose="02070309020205020404" pitchFamily="49" charset="0"/>
-              </a:rPr>
-            </a:br>
-            <a:r>
-              <a:rPr lang="en-US" altLang="en-US" sz="800" dirty="0">
-                <a:solidFill>
-                  <a:srgbClr val="000000"/>
-                </a:solidFill>
-                <a:latin typeface="Courier New" panose="02070309020205020404" pitchFamily="49" charset="0"/>
-                <a:cs typeface="Courier New" panose="02070309020205020404" pitchFamily="49" charset="0"/>
-              </a:rPr>
-              <a:t>p2pAddress = "banka.com:10005"</a:t>
-            </a:r>
-          </a:p>
-          <a:p>
-            <a:r>
-              <a:rPr lang="en-GB" sz="800" dirty="0" err="1">
-                <a:solidFill>
-                  <a:srgbClr val="FF0000"/>
-                </a:solidFill>
-                <a:latin typeface="Courier New" panose="02070309020205020404" pitchFamily="49" charset="0"/>
-                <a:cs typeface="Courier New" panose="02070309020205020404" pitchFamily="49" charset="0"/>
-              </a:rPr>
-              <a:t>messagingServerAddress</a:t>
-            </a:r>
-            <a:r>
-              <a:rPr lang="en-GB" sz="800" dirty="0">
-                <a:solidFill>
-                  <a:srgbClr val="FF0000"/>
-                </a:solidFill>
-                <a:latin typeface="Courier New" panose="02070309020205020404" pitchFamily="49" charset="0"/>
-                <a:cs typeface="Courier New" panose="02070309020205020404" pitchFamily="49" charset="0"/>
-              </a:rPr>
-              <a:t> = </a:t>
-            </a:r>
-            <a:r>
-              <a:rPr lang="en-US" altLang="en-US" sz="800" dirty="0">
-                <a:solidFill>
-                  <a:srgbClr val="FF0000"/>
-                </a:solidFill>
-                <a:latin typeface="Courier New" panose="02070309020205020404" pitchFamily="49" charset="0"/>
-                <a:cs typeface="Courier New" panose="02070309020205020404" pitchFamily="49" charset="0"/>
-              </a:rPr>
-              <a:t>"</a:t>
-            </a:r>
-            <a:r>
-              <a:rPr lang="en-GB" sz="800" dirty="0">
-                <a:solidFill>
-                  <a:srgbClr val="FF0000"/>
-                </a:solidFill>
-                <a:latin typeface="Courier New" panose="02070309020205020404" pitchFamily="49" charset="0"/>
-                <a:cs typeface="Courier New" panose="02070309020205020404" pitchFamily="49" charset="0"/>
-              </a:rPr>
-              <a:t>nodeserver:11005</a:t>
-            </a:r>
-            <a:r>
-              <a:rPr lang="en-US" altLang="en-US" sz="800" dirty="0">
-                <a:solidFill>
-                  <a:srgbClr val="FF0000"/>
-                </a:solidFill>
-                <a:latin typeface="Courier New" panose="02070309020205020404" pitchFamily="49" charset="0"/>
-                <a:cs typeface="Courier New" panose="02070309020205020404" pitchFamily="49" charset="0"/>
-              </a:rPr>
-              <a:t>"</a:t>
-            </a:r>
-            <a:endParaRPr lang="en-GB" sz="800" dirty="0">
-              <a:solidFill>
-                <a:srgbClr val="FF0000"/>
-              </a:solidFill>
-              <a:latin typeface="Courier New" panose="02070309020205020404" pitchFamily="49" charset="0"/>
-              <a:cs typeface="Courier New" panose="02070309020205020404" pitchFamily="49" charset="0"/>
-            </a:endParaRPr>
-          </a:p>
-          <a:p>
-            <a:r>
-              <a:rPr lang="en-GB" sz="800" dirty="0" err="1">
-                <a:solidFill>
-                  <a:srgbClr val="FF0000"/>
-                </a:solidFill>
-                <a:latin typeface="Courier New" panose="02070309020205020404" pitchFamily="49" charset="0"/>
-                <a:cs typeface="Courier New" panose="02070309020205020404" pitchFamily="49" charset="0"/>
-              </a:rPr>
-              <a:t>messagingServerExternal</a:t>
-            </a:r>
-            <a:r>
-              <a:rPr lang="en-GB" sz="800" dirty="0">
-                <a:solidFill>
-                  <a:srgbClr val="FF0000"/>
-                </a:solidFill>
-                <a:latin typeface="Courier New" panose="02070309020205020404" pitchFamily="49" charset="0"/>
-                <a:cs typeface="Courier New" panose="02070309020205020404" pitchFamily="49" charset="0"/>
-              </a:rPr>
-              <a:t> = false</a:t>
-            </a:r>
-          </a:p>
-          <a:p>
-            <a:r>
-              <a:rPr lang="en-US" altLang="en-US" sz="800" dirty="0" err="1">
-                <a:solidFill>
-                  <a:srgbClr val="000000"/>
-                </a:solidFill>
-                <a:latin typeface="Courier New" panose="02070309020205020404" pitchFamily="49" charset="0"/>
-                <a:cs typeface="Courier New" panose="02070309020205020404" pitchFamily="49" charset="0"/>
-              </a:rPr>
-              <a:t>rpcSettings</a:t>
-            </a:r>
-            <a:r>
-              <a:rPr lang="en-US" altLang="en-US" sz="800" dirty="0">
-                <a:solidFill>
-                  <a:srgbClr val="000000"/>
-                </a:solidFill>
-                <a:latin typeface="Courier New" panose="02070309020205020404" pitchFamily="49" charset="0"/>
-                <a:cs typeface="Courier New" panose="02070309020205020404" pitchFamily="49" charset="0"/>
-              </a:rPr>
-              <a:t> {</a:t>
-            </a:r>
-            <a:br>
-              <a:rPr lang="en-US" altLang="en-US" sz="800" dirty="0">
-                <a:solidFill>
-                  <a:srgbClr val="000000"/>
-                </a:solidFill>
-                <a:latin typeface="Courier New" panose="02070309020205020404" pitchFamily="49" charset="0"/>
-                <a:cs typeface="Courier New" panose="02070309020205020404" pitchFamily="49" charset="0"/>
-              </a:rPr>
-            </a:br>
-            <a:r>
-              <a:rPr lang="en-US" altLang="en-US" sz="800" dirty="0">
-                <a:solidFill>
-                  <a:srgbClr val="000000"/>
-                </a:solidFill>
-                <a:latin typeface="Courier New" panose="02070309020205020404" pitchFamily="49" charset="0"/>
-                <a:cs typeface="Courier New" panose="02070309020205020404" pitchFamily="49" charset="0"/>
-              </a:rPr>
-              <a:t>    address = "</a:t>
-            </a:r>
-            <a:r>
-              <a:rPr lang="en-GB" sz="800" dirty="0" err="1">
-                <a:latin typeface="Courier New" panose="02070309020205020404" pitchFamily="49" charset="0"/>
-                <a:cs typeface="Courier New" panose="02070309020205020404" pitchFamily="49" charset="0"/>
-              </a:rPr>
-              <a:t>nodeserver</a:t>
-            </a:r>
-            <a:r>
-              <a:rPr lang="en-US" altLang="en-US" sz="800" dirty="0">
-                <a:solidFill>
-                  <a:srgbClr val="000000"/>
-                </a:solidFill>
-                <a:latin typeface="Courier New" panose="02070309020205020404" pitchFamily="49" charset="0"/>
-                <a:cs typeface="Courier New" panose="02070309020205020404" pitchFamily="49" charset="0"/>
-              </a:rPr>
-              <a:t>:10006"</a:t>
-            </a:r>
-            <a:br>
-              <a:rPr lang="en-US" altLang="en-US" sz="800" dirty="0">
-                <a:solidFill>
-                  <a:srgbClr val="000000"/>
-                </a:solidFill>
-                <a:latin typeface="Courier New" panose="02070309020205020404" pitchFamily="49" charset="0"/>
-                <a:cs typeface="Courier New" panose="02070309020205020404" pitchFamily="49" charset="0"/>
-              </a:rPr>
-            </a:br>
-            <a:r>
-              <a:rPr lang="en-US" altLang="en-US" sz="800" dirty="0">
-                <a:solidFill>
-                  <a:srgbClr val="000000"/>
-                </a:solidFill>
-                <a:latin typeface="Courier New" panose="02070309020205020404" pitchFamily="49" charset="0"/>
-                <a:cs typeface="Courier New" panose="02070309020205020404" pitchFamily="49" charset="0"/>
-              </a:rPr>
-              <a:t>    </a:t>
-            </a:r>
-            <a:r>
-              <a:rPr lang="en-US" altLang="en-US" sz="800" dirty="0" err="1">
-                <a:solidFill>
-                  <a:srgbClr val="000000"/>
-                </a:solidFill>
-                <a:latin typeface="Courier New" panose="02070309020205020404" pitchFamily="49" charset="0"/>
-                <a:cs typeface="Courier New" panose="02070309020205020404" pitchFamily="49" charset="0"/>
-              </a:rPr>
-              <a:t>adminAddress</a:t>
-            </a:r>
-            <a:r>
-              <a:rPr lang="en-US" altLang="en-US" sz="800" dirty="0">
-                <a:solidFill>
-                  <a:srgbClr val="000000"/>
-                </a:solidFill>
-                <a:latin typeface="Courier New" panose="02070309020205020404" pitchFamily="49" charset="0"/>
-                <a:cs typeface="Courier New" panose="02070309020205020404" pitchFamily="49" charset="0"/>
-              </a:rPr>
-              <a:t> = "</a:t>
-            </a:r>
-            <a:r>
-              <a:rPr lang="en-GB" sz="800" dirty="0" err="1">
-                <a:latin typeface="Courier New" panose="02070309020205020404" pitchFamily="49" charset="0"/>
-                <a:cs typeface="Courier New" panose="02070309020205020404" pitchFamily="49" charset="0"/>
-              </a:rPr>
-              <a:t>nodeserver</a:t>
-            </a:r>
-            <a:r>
-              <a:rPr lang="en-GB" sz="800" dirty="0">
-                <a:latin typeface="Courier New" panose="02070309020205020404" pitchFamily="49" charset="0"/>
-                <a:cs typeface="Courier New" panose="02070309020205020404" pitchFamily="49" charset="0"/>
-              </a:rPr>
-              <a:t> </a:t>
-            </a:r>
-            <a:r>
-              <a:rPr lang="en-US" altLang="en-US" sz="800" dirty="0">
-                <a:solidFill>
-                  <a:srgbClr val="000000"/>
-                </a:solidFill>
-                <a:latin typeface="Courier New" panose="02070309020205020404" pitchFamily="49" charset="0"/>
-                <a:cs typeface="Courier New" panose="02070309020205020404" pitchFamily="49" charset="0"/>
-              </a:rPr>
-              <a:t>:10007"</a:t>
-            </a:r>
-            <a:br>
-              <a:rPr lang="en-US" altLang="en-US" sz="800" dirty="0">
-                <a:solidFill>
-                  <a:srgbClr val="000000"/>
-                </a:solidFill>
-                <a:latin typeface="Courier New" panose="02070309020205020404" pitchFamily="49" charset="0"/>
-                <a:cs typeface="Courier New" panose="02070309020205020404" pitchFamily="49" charset="0"/>
-              </a:rPr>
-            </a:br>
-            <a:r>
-              <a:rPr lang="en-US" altLang="en-US" sz="800" dirty="0">
-                <a:solidFill>
-                  <a:srgbClr val="000000"/>
-                </a:solidFill>
-                <a:latin typeface="Courier New" panose="02070309020205020404" pitchFamily="49" charset="0"/>
-                <a:cs typeface="Courier New" panose="02070309020205020404" pitchFamily="49" charset="0"/>
-              </a:rPr>
-              <a:t>}</a:t>
-            </a:r>
-          </a:p>
-          <a:p>
-            <a:r>
-              <a:rPr lang="en-GB" sz="800" dirty="0" err="1">
-                <a:latin typeface="Courier New" panose="02070309020205020404" pitchFamily="49" charset="0"/>
-                <a:cs typeface="Courier New" panose="02070309020205020404" pitchFamily="49" charset="0"/>
-              </a:rPr>
-              <a:t>enterpriseConfiguration</a:t>
-            </a:r>
-            <a:r>
-              <a:rPr lang="en-GB" sz="800" dirty="0">
-                <a:latin typeface="Courier New" panose="02070309020205020404" pitchFamily="49" charset="0"/>
-                <a:cs typeface="Courier New" panose="02070309020205020404" pitchFamily="49" charset="0"/>
-              </a:rPr>
-              <a:t> {</a:t>
-            </a:r>
-          </a:p>
-          <a:p>
-            <a:r>
-              <a:rPr lang="en-GB" sz="800" dirty="0">
-                <a:latin typeface="Courier New" panose="02070309020205020404" pitchFamily="49" charset="0"/>
-                <a:cs typeface="Courier New" panose="02070309020205020404" pitchFamily="49" charset="0"/>
-              </a:rPr>
-              <a:t>    </a:t>
-            </a:r>
-            <a:r>
-              <a:rPr lang="en-GB" sz="800" dirty="0" err="1">
-                <a:solidFill>
-                  <a:srgbClr val="FF0000"/>
-                </a:solidFill>
-                <a:latin typeface="Courier New" panose="02070309020205020404" pitchFamily="49" charset="0"/>
-                <a:cs typeface="Courier New" panose="02070309020205020404" pitchFamily="49" charset="0"/>
-              </a:rPr>
-              <a:t>externalBridge</a:t>
-            </a:r>
-            <a:r>
-              <a:rPr lang="en-GB" sz="800" dirty="0">
-                <a:solidFill>
-                  <a:srgbClr val="FF0000"/>
-                </a:solidFill>
-                <a:latin typeface="Courier New" panose="02070309020205020404" pitchFamily="49" charset="0"/>
-                <a:cs typeface="Courier New" panose="02070309020205020404" pitchFamily="49" charset="0"/>
-              </a:rPr>
-              <a:t>=true</a:t>
-            </a:r>
-          </a:p>
-          <a:p>
-            <a:r>
-              <a:rPr lang="en-GB" sz="800" dirty="0">
-                <a:latin typeface="Courier New" panose="02070309020205020404" pitchFamily="49" charset="0"/>
-                <a:cs typeface="Courier New" panose="02070309020205020404" pitchFamily="49" charset="0"/>
-              </a:rPr>
-              <a:t>}</a:t>
+              <a:t>(see below)</a:t>
             </a:r>
           </a:p>
           <a:p>
@@ -6813,7 +6523,7 @@
         <p:spPr>
           <a:xfrm>
             <a:off x="6596064" y="3588924"/>
-            <a:ext cx="2925801" cy="2554545"/>
+            <a:ext cx="1972015" cy="1692771"/>
           </a:xfrm>
           <a:prstGeom prst="rect">
             <a:avLst/>
@@ -6845,195 +6555,11 @@
           </a:p>
           <a:p>
             <a:r>
-              <a:rPr lang="en-GB" sz="800" dirty="0" err="1">
-                <a:solidFill>
-                  <a:srgbClr val="FF0000"/>
-                </a:solidFill>
-                <a:latin typeface="Courier New" panose="02070309020205020404" pitchFamily="49" charset="0"/>
-                <a:cs typeface="Courier New" panose="02070309020205020404" pitchFamily="49" charset="0"/>
-              </a:rPr>
-              <a:t>bridgeMode</a:t>
-            </a:r>
-            <a:r>
               <a:rPr lang="en-GB" sz="800" dirty="0">
-                <a:solidFill>
-                  <a:srgbClr val="FF0000"/>
-                </a:solidFill>
-                <a:latin typeface="Courier New" panose="02070309020205020404" pitchFamily="49" charset="0"/>
-                <a:cs typeface="Courier New" panose="02070309020205020404" pitchFamily="49" charset="0"/>
-              </a:rPr>
-              <a:t> = </a:t>
-            </a:r>
-            <a:r>
-              <a:rPr lang="en-GB" sz="800" dirty="0" err="1">
-                <a:solidFill>
-                  <a:srgbClr val="FF0000"/>
-                </a:solidFill>
-                <a:latin typeface="Courier New" panose="02070309020205020404" pitchFamily="49" charset="0"/>
-                <a:cs typeface="Courier New" panose="02070309020205020404" pitchFamily="49" charset="0"/>
-              </a:rPr>
-              <a:t>SenderReceiver</a:t>
-            </a:r>
-            <a:endParaRPr lang="en-GB" sz="800" dirty="0">
-              <a:solidFill>
-                <a:srgbClr val="FF0000"/>
-              </a:solidFill>
-              <a:latin typeface="Courier New" panose="02070309020205020404" pitchFamily="49" charset="0"/>
-              <a:cs typeface="Courier New" panose="02070309020205020404" pitchFamily="49" charset="0"/>
-            </a:endParaRPr>
-          </a:p>
-          <a:p>
-            <a:r>
-              <a:rPr lang="en-GB" sz="800" dirty="0" err="1">
-                <a:solidFill>
-                  <a:srgbClr val="FF0000"/>
-                </a:solidFill>
-                <a:latin typeface="Courier New" panose="02070309020205020404" pitchFamily="49" charset="0"/>
-                <a:cs typeface="Courier New" panose="02070309020205020404" pitchFamily="49" charset="0"/>
-              </a:rPr>
-              <a:t>outboundConfig</a:t>
-            </a:r>
-            <a:r>
-              <a:rPr lang="en-GB" sz="800" dirty="0">
-                <a:solidFill>
-                  <a:srgbClr val="FF0000"/>
-                </a:solidFill>
-                <a:latin typeface="Courier New" panose="02070309020205020404" pitchFamily="49" charset="0"/>
-                <a:cs typeface="Courier New" panose="02070309020205020404" pitchFamily="49" charset="0"/>
-              </a:rPr>
-              <a:t> {</a:t>
-            </a:r>
-          </a:p>
-          <a:p>
-            <a:r>
-              <a:rPr lang="en-GB" sz="800" dirty="0">
-                <a:solidFill>
-                  <a:srgbClr val="FF0000"/>
-                </a:solidFill>
-                <a:latin typeface="Courier New" panose="02070309020205020404" pitchFamily="49" charset="0"/>
-                <a:cs typeface="Courier New" panose="02070309020205020404" pitchFamily="49" charset="0"/>
-              </a:rPr>
-              <a:t>    </a:t>
-            </a:r>
-            <a:r>
-              <a:rPr lang="en-GB" sz="800" dirty="0" err="1">
-                <a:solidFill>
-                  <a:srgbClr val="FF0000"/>
-                </a:solidFill>
-                <a:latin typeface="Courier New" panose="02070309020205020404" pitchFamily="49" charset="0"/>
-                <a:cs typeface="Courier New" panose="02070309020205020404" pitchFamily="49" charset="0"/>
-              </a:rPr>
-              <a:t>artemisBrokerAddress</a:t>
-            </a:r>
-            <a:r>
-              <a:rPr lang="en-GB" sz="800" dirty="0">
-                <a:solidFill>
-                  <a:srgbClr val="FF0000"/>
-                </a:solidFill>
-                <a:latin typeface="Courier New" panose="02070309020205020404" pitchFamily="49" charset="0"/>
-                <a:cs typeface="Courier New" panose="02070309020205020404" pitchFamily="49" charset="0"/>
-              </a:rPr>
-              <a:t> = "nodeserver:11005"</a:t>
-            </a:r>
-          </a:p>
-          <a:p>
-            <a:r>
-              <a:rPr lang="en-GB" sz="800" dirty="0">
-                <a:solidFill>
-                  <a:srgbClr val="FF0000"/>
-                </a:solidFill>
-                <a:latin typeface="Courier New" panose="02070309020205020404" pitchFamily="49" charset="0"/>
-                <a:cs typeface="Courier New" panose="02070309020205020404" pitchFamily="49" charset="0"/>
-              </a:rPr>
-              <a:t>}</a:t>
-            </a:r>
-          </a:p>
-          <a:p>
-            <a:r>
-              <a:rPr lang="en-GB" sz="800" dirty="0" err="1">
-                <a:solidFill>
-                  <a:srgbClr val="FF0000"/>
-                </a:solidFill>
-                <a:latin typeface="Courier New" panose="02070309020205020404" pitchFamily="49" charset="0"/>
-                <a:cs typeface="Courier New" panose="02070309020205020404" pitchFamily="49" charset="0"/>
-              </a:rPr>
-              <a:t>inboundConfig</a:t>
-            </a:r>
-            <a:r>
-              <a:rPr lang="en-GB" sz="800" dirty="0">
-                <a:solidFill>
-                  <a:srgbClr val="FF0000"/>
-                </a:solidFill>
-                <a:latin typeface="Courier New" panose="02070309020205020404" pitchFamily="49" charset="0"/>
-                <a:cs typeface="Courier New" panose="02070309020205020404" pitchFamily="49" charset="0"/>
-              </a:rPr>
-              <a:t> {</a:t>
-            </a:r>
-          </a:p>
-          <a:p>
-            <a:r>
-              <a:rPr lang="en-GB" sz="800" dirty="0">
-                <a:solidFill>
-                  <a:srgbClr val="FF0000"/>
-                </a:solidFill>
-                <a:latin typeface="Courier New" panose="02070309020205020404" pitchFamily="49" charset="0"/>
-                <a:cs typeface="Courier New" panose="02070309020205020404" pitchFamily="49" charset="0"/>
-              </a:rPr>
-              <a:t>    </a:t>
-            </a:r>
-            <a:r>
-              <a:rPr lang="en-GB" sz="800" dirty="0" err="1">
-                <a:solidFill>
-                  <a:srgbClr val="FF0000"/>
-                </a:solidFill>
-                <a:latin typeface="Courier New" panose="02070309020205020404" pitchFamily="49" charset="0"/>
-                <a:cs typeface="Courier New" panose="02070309020205020404" pitchFamily="49" charset="0"/>
-              </a:rPr>
-              <a:t>listeningAddress</a:t>
-            </a:r>
-            <a:r>
-              <a:rPr lang="en-GB" sz="800" dirty="0">
-                <a:solidFill>
-                  <a:srgbClr val="FF0000"/>
-                </a:solidFill>
-                <a:latin typeface="Courier New" panose="02070309020205020404" pitchFamily="49" charset="0"/>
-                <a:cs typeface="Courier New" panose="02070309020205020404" pitchFamily="49" charset="0"/>
-              </a:rPr>
-              <a:t> = "bridgeexternal:10005"</a:t>
-            </a:r>
-          </a:p>
-          <a:p>
-            <a:r>
-              <a:rPr lang="en-GB" sz="800" dirty="0">
-                <a:solidFill>
-                  <a:srgbClr val="FF0000"/>
-                </a:solidFill>
-                <a:latin typeface="Courier New" panose="02070309020205020404" pitchFamily="49" charset="0"/>
-                <a:cs typeface="Courier New" panose="02070309020205020404" pitchFamily="49" charset="0"/>
-              </a:rPr>
-              <a:t>}</a:t>
-            </a:r>
-          </a:p>
-          <a:p>
-            <a:r>
-              <a:rPr lang="en-GB" sz="800" dirty="0" err="1">
-                <a:solidFill>
-                  <a:srgbClr val="FF0000"/>
-                </a:solidFill>
-                <a:latin typeface="Courier New" panose="02070309020205020404" pitchFamily="49" charset="0"/>
-                <a:cs typeface="Courier New" panose="02070309020205020404" pitchFamily="49" charset="0"/>
-              </a:rPr>
-              <a:t>networkParametersPath</a:t>
-            </a:r>
-            <a:r>
-              <a:rPr lang="en-GB" sz="800" dirty="0">
-                <a:solidFill>
-                  <a:srgbClr val="FF0000"/>
-                </a:solidFill>
-                <a:latin typeface="Courier New" panose="02070309020205020404" pitchFamily="49" charset="0"/>
-                <a:cs typeface="Courier New" panose="02070309020205020404" pitchFamily="49" charset="0"/>
-              </a:rPr>
-              <a:t> = network-parameters</a:t>
+                <a:latin typeface="Courier New" panose="02070309020205020404" pitchFamily="49" charset="0"/>
+                <a:cs typeface="Courier New" panose="02070309020205020404" pitchFamily="49" charset="0"/>
+              </a:rPr>
+              <a:t>(see below)</a:t>
             </a:r>
           </a:p>
           <a:p>
@@ -7398,6 +6924,180 @@
           </a:p>
         </p:txBody>
       </p:sp>
+      <p:sp>
+        <p:nvSpPr>
+          <p:cNvPr id="34" name="Rectangle 33">
+            <a:extLst>
+              <a:ext uri="{FF2B5EF4-FFF2-40B4-BE49-F238E27FC236}">
+                <a16:creationId xmlns:a16="http://schemas.microsoft.com/office/drawing/2014/main" id="{EE7A5EB4-F4A9-9640-9E6A-1A9A82AABC8A}"/>
+              </a:ext>
+            </a:extLst>
+          </p:cNvPr>
+          <p:cNvSpPr/>
+          <p:nvPr/>
+        </p:nvSpPr>
+        <p:spPr>
+          <a:xfrm>
+            <a:off x="9555390" y="711154"/>
+            <a:ext cx="2064796" cy="742678"/>
+          </a:xfrm>
+          <a:prstGeom prst="rect">
+            <a:avLst/>
+          </a:prstGeom>
+          <a:noFill/>
+          <a:ln>
+            <a:solidFill>
+              <a:schemeClr val="tx1"/>
+            </a:solidFill>
+          </a:ln>
+        </p:spPr>
+        <p:style>
+          <a:lnRef idx="2">
+            <a:schemeClr val="accent1">
+              <a:shade val="50000"/>
+            </a:schemeClr>
+          </a:lnRef>
+          <a:fillRef idx="1">
+            <a:schemeClr val="accent1"/>
+          </a:fillRef>
+          <a:effectRef idx="0">
+            <a:schemeClr val="accent1"/>
+          </a:effectRef>
+          <a:fontRef idx="minor">
+            <a:schemeClr val="lt1"/>
+          </a:fontRef>
+        </p:style>
+        <p:txBody>
+          <a:bodyPr rot="0" spcFirstLastPara="0" vertOverflow="overflow" horzOverflow="overflow" vert="horz" wrap="square" lIns="91440" tIns="45720" rIns="91440" bIns="45720" numCol="1" spcCol="0" rtlCol="0" fromWordArt="0" anchor="t" anchorCtr="0" forceAA="0" compatLnSpc="1">
+            <a:prstTxWarp prst="textNoShape">
+              <a:avLst/>
+            </a:prstTxWarp>
+            <a:noAutofit/>
+          </a:bodyPr>
+          <a:lstStyle/>
+          <a:p>
+            <a:pPr algn="ctr"/>
+            <a:r>
+              <a:rPr lang="en-GB" sz="1600" dirty="0">
+                <a:solidFill>
+                  <a:schemeClr val="tx1"/>
+                </a:solidFill>
+                <a:latin typeface="Times New Roman" panose="02020603050405020304" pitchFamily="18" charset="0"/>
+                <a:cs typeface="Times New Roman" panose="02020603050405020304" pitchFamily="18" charset="0"/>
+              </a:rPr>
+              <a:t>Network Services</a:t>
+            </a:r>
+          </a:p>
+          <a:p>
+            <a:pPr algn="ctr"/>
+            <a:r>
+              <a:rPr lang="en-GB" sz="1200" dirty="0">
+                <a:solidFill>
+                  <a:schemeClr val="tx1"/>
+                </a:solidFill>
+                <a:latin typeface="Times New Roman" panose="02020603050405020304" pitchFamily="18" charset="0"/>
+                <a:cs typeface="Times New Roman" panose="02020603050405020304" pitchFamily="18" charset="0"/>
+              </a:rPr>
+              <a:t>Network Map</a:t>
+            </a:r>
+          </a:p>
+          <a:p>
+            <a:pPr algn="ctr"/>
+            <a:r>
+              <a:rPr lang="en-GB" sz="1200" dirty="0">
+                <a:solidFill>
+                  <a:schemeClr val="tx1"/>
+                </a:solidFill>
+                <a:latin typeface="Times New Roman" panose="02020603050405020304" pitchFamily="18" charset="0"/>
+                <a:cs typeface="Times New Roman" panose="02020603050405020304" pitchFamily="18" charset="0"/>
+              </a:rPr>
+              <a:t>Doorman &amp; CRL</a:t>
+            </a:r>
+          </a:p>
+        </p:txBody>
+      </p:sp>
+      <p:cxnSp>
+        <p:nvCxnSpPr>
+          <p:cNvPr id="11" name="Elbow Connector 10">
+            <a:extLst>
+              <a:ext uri="{FF2B5EF4-FFF2-40B4-BE49-F238E27FC236}">
+                <a16:creationId xmlns:a16="http://schemas.microsoft.com/office/drawing/2014/main" id="{EA8E3ADB-58E7-D348-A0DA-6570296D63E7}"/>
+              </a:ext>
+            </a:extLst>
+          </p:cNvPr>
+          <p:cNvCxnSpPr>
+            <a:stCxn id="48" idx="0"/>
+          </p:cNvCxnSpPr>
+          <p:nvPr/>
+        </p:nvCxnSpPr>
+        <p:spPr>
+          <a:xfrm rot="5400000" flipH="1" flipV="1">
+            <a:off x="8059879" y="389699"/>
+            <a:ext cx="956809" cy="2034213"/>
+          </a:xfrm>
+          <a:prstGeom prst="bentConnector2">
+            <a:avLst/>
+          </a:prstGeom>
+          <a:ln>
+            <a:tailEnd type="triangle"/>
+          </a:ln>
+        </p:spPr>
+        <p:style>
+          <a:lnRef idx="1">
+            <a:schemeClr val="accent1"/>
+          </a:lnRef>
+          <a:fillRef idx="0">
+            <a:schemeClr val="accent1"/>
+          </a:fillRef>
+          <a:effectRef idx="0">
+            <a:schemeClr val="accent1"/>
+          </a:effectRef>
+          <a:fontRef idx="minor">
+            <a:schemeClr val="tx1"/>
+          </a:fontRef>
+        </p:style>
+      </p:cxnSp>
+      <p:cxnSp>
+        <p:nvCxnSpPr>
+          <p:cNvPr id="15" name="Straight Arrow Connector 14">
+            <a:extLst>
+              <a:ext uri="{FF2B5EF4-FFF2-40B4-BE49-F238E27FC236}">
+                <a16:creationId xmlns:a16="http://schemas.microsoft.com/office/drawing/2014/main" id="{7C4CFF97-0EB0-C040-9445-C026FCD4F0C8}"/>
+              </a:ext>
+            </a:extLst>
+          </p:cNvPr>
+          <p:cNvCxnSpPr>
+            <a:cxnSpLocks/>
+          </p:cNvCxnSpPr>
+          <p:nvPr/>
+        </p:nvCxnSpPr>
+        <p:spPr>
+          <a:xfrm>
+            <a:off x="6760370" y="854765"/>
+            <a:ext cx="2795020" cy="0"/>
+          </a:xfrm>
+          <a:prstGeom prst="straightConnector1">
+            <a:avLst/>
+          </a:prstGeom>
+          <a:ln>
+            <a:tailEnd type="triangle"/>
+          </a:ln>
+        </p:spPr>
+        <p:style>
+          <a:lnRef idx="1">
+            <a:schemeClr val="accent1"/>
+          </a:lnRef>
+          <a:fillRef idx="0">
+            <a:schemeClr val="accent1"/>
+          </a:fillRef>
+          <a:effectRef idx="0">
+            <a:schemeClr val="accent1"/>
+          </a:effectRef>
+          <a:fontRef idx="minor">
+            <a:schemeClr val="tx1"/>
+          </a:fontRef>
+        </p:style>
+      </p:cxnSp>
     </p:spTree>
     <p:extLst>
       <p:ext uri="{BB962C8B-B14F-4D97-AF65-F5344CB8AC3E}">
@@ -8746,8 +8446,8 @@
         </p:nvCxnSpPr>
         <p:spPr>
           <a:xfrm rot="5400000" flipH="1" flipV="1">
-            <a:off x="1951548" y="2527340"/>
-            <a:ext cx="652109" cy="1395361"/>
+            <a:off x="1775133" y="1880592"/>
+            <a:ext cx="652107" cy="1869049"/>
           </a:xfrm>
           <a:prstGeom prst="bentConnector2">
             <a:avLst/>
@@ -8788,8 +8488,8 @@
         </p:nvSpPr>
         <p:spPr>
           <a:xfrm>
-            <a:off x="177935" y="3551074"/>
-            <a:ext cx="2803973" cy="3170099"/>
+            <a:off x="238363" y="3141169"/>
+            <a:ext cx="1856598" cy="1815882"/>
           </a:xfrm>
           <a:prstGeom prst="rect">
             <a:avLst/>
@@ -8826,291 +8526,6 @@
             </a:endParaRPr>
           </a:p>
           <a:p>
-            <a:r>
-              <a:rPr lang="en-US" altLang="en-US" sz="800" dirty="0" err="1">
-                <a:solidFill>
-                  <a:srgbClr val="000000"/>
-                </a:solidFill>
-                <a:latin typeface="Courier New" panose="02070309020205020404" pitchFamily="49" charset="0"/>
-                <a:cs typeface="Courier New" panose="02070309020205020404" pitchFamily="49" charset="0"/>
-              </a:rPr>
-              <a:t>myLegalName</a:t>
-            </a:r>
-            <a:r>
-              <a:rPr lang="en-US" altLang="en-US" sz="800" dirty="0">
-                <a:solidFill>
-                  <a:srgbClr val="000000"/>
-                </a:solidFill>
-                <a:latin typeface="Courier New" panose="02070309020205020404" pitchFamily="49" charset="0"/>
-                <a:cs typeface="Courier New" panose="02070309020205020404" pitchFamily="49" charset="0"/>
-              </a:rPr>
-              <a:t> = "O=Bank A, L=New York, C=US"</a:t>
-            </a:r>
-            <a:br>
-              <a:rPr lang="en-US" altLang="en-US" sz="800" dirty="0">
-                <a:solidFill>
-                  <a:srgbClr val="000000"/>
-                </a:solidFill>
-                <a:latin typeface="Courier New" panose="02070309020205020404" pitchFamily="49" charset="0"/>
-                <a:cs typeface="Courier New" panose="02070309020205020404" pitchFamily="49" charset="0"/>
-              </a:rPr>
-            </a:br>
-            <a:r>
-              <a:rPr lang="en-US" altLang="en-US" sz="800" dirty="0">
-                <a:solidFill>
-                  <a:srgbClr val="000000"/>
-                </a:solidFill>
-                <a:latin typeface="Courier New" panose="02070309020205020404" pitchFamily="49" charset="0"/>
-                <a:cs typeface="Courier New" panose="02070309020205020404" pitchFamily="49" charset="0"/>
-              </a:rPr>
-              <a:t>p2pAddress = "banka.com:10005"</a:t>
-            </a:r>
-          </a:p>
-          <a:p>
-            <a:r>
-              <a:rPr lang="en-GB" sz="800" dirty="0" err="1">
-                <a:latin typeface="Courier New" panose="02070309020205020404" pitchFamily="49" charset="0"/>
-                <a:cs typeface="Courier New" panose="02070309020205020404" pitchFamily="49" charset="0"/>
-              </a:rPr>
-              <a:t>messagingServerAddress</a:t>
-            </a:r>
-            <a:r>
-              <a:rPr lang="en-GB" sz="800" dirty="0">
-                <a:latin typeface="Courier New" panose="02070309020205020404" pitchFamily="49" charset="0"/>
-                <a:cs typeface="Courier New" panose="02070309020205020404" pitchFamily="49" charset="0"/>
-              </a:rPr>
-              <a:t> = </a:t>
-            </a:r>
-            <a:r>
-              <a:rPr lang="en-US" altLang="en-US" sz="800" dirty="0">
-                <a:solidFill>
-                  <a:srgbClr val="000000"/>
-                </a:solidFill>
-                <a:latin typeface="Courier New" panose="02070309020205020404" pitchFamily="49" charset="0"/>
-                <a:cs typeface="Courier New" panose="02070309020205020404" pitchFamily="49" charset="0"/>
-              </a:rPr>
-              <a:t>"</a:t>
-            </a:r>
-            <a:r>
-              <a:rPr lang="en-GB" sz="800" dirty="0">
-                <a:latin typeface="Courier New" panose="02070309020205020404" pitchFamily="49" charset="0"/>
-                <a:cs typeface="Courier New" panose="02070309020205020404" pitchFamily="49" charset="0"/>
-              </a:rPr>
-              <a:t>nodeserver:11005</a:t>
-            </a:r>
-            <a:r>
-              <a:rPr lang="en-US" altLang="en-US" sz="800" dirty="0">
-                <a:solidFill>
-                  <a:srgbClr val="000000"/>
-                </a:solidFill>
-                <a:latin typeface="Courier New" panose="02070309020205020404" pitchFamily="49" charset="0"/>
-                <a:cs typeface="Courier New" panose="02070309020205020404" pitchFamily="49" charset="0"/>
-              </a:rPr>
-              <a:t>"</a:t>
-            </a:r>
-            <a:endParaRPr lang="en-GB" sz="800" dirty="0">
-              <a:latin typeface="Courier New" panose="02070309020205020404" pitchFamily="49" charset="0"/>
-              <a:cs typeface="Courier New" panose="02070309020205020404" pitchFamily="49" charset="0"/>
-            </a:endParaRPr>
-          </a:p>
-          <a:p>
-            <a:r>
-              <a:rPr lang="en-GB" sz="800" dirty="0" err="1">
-                <a:latin typeface="Courier New" panose="02070309020205020404" pitchFamily="49" charset="0"/>
-                <a:cs typeface="Courier New" panose="02070309020205020404" pitchFamily="49" charset="0"/>
-              </a:rPr>
-              <a:t>messagingServerExternal</a:t>
-            </a:r>
-            <a:r>
-              <a:rPr lang="en-GB" sz="800" dirty="0">
-                <a:latin typeface="Courier New" panose="02070309020205020404" pitchFamily="49" charset="0"/>
-                <a:cs typeface="Courier New" panose="02070309020205020404" pitchFamily="49" charset="0"/>
-              </a:rPr>
-              <a:t> = false</a:t>
-            </a:r>
-          </a:p>
-          <a:p>
-            <a:r>
-              <a:rPr lang="en-US" altLang="en-US" sz="800" dirty="0" err="1">
-                <a:solidFill>
-                  <a:srgbClr val="000000"/>
-                </a:solidFill>
-                <a:latin typeface="Courier New" panose="02070309020205020404" pitchFamily="49" charset="0"/>
-                <a:cs typeface="Courier New" panose="02070309020205020404" pitchFamily="49" charset="0"/>
-              </a:rPr>
-              <a:t>rpcSettings</a:t>
-            </a:r>
-            <a:r>
-              <a:rPr lang="en-US" altLang="en-US" sz="800" dirty="0">
-                <a:solidFill>
-                  <a:srgbClr val="000000"/>
-                </a:solidFill>
-                <a:latin typeface="Courier New" panose="02070309020205020404" pitchFamily="49" charset="0"/>
-                <a:cs typeface="Courier New" panose="02070309020205020404" pitchFamily="49" charset="0"/>
-              </a:rPr>
-              <a:t> {</a:t>
-            </a:r>
-            <a:br>
-              <a:rPr lang="en-US" altLang="en-US" sz="800" dirty="0">
-                <a:solidFill>
-                  <a:srgbClr val="000000"/>
-                </a:solidFill>
-                <a:latin typeface="Courier New" panose="02070309020205020404" pitchFamily="49" charset="0"/>
-                <a:cs typeface="Courier New" panose="02070309020205020404" pitchFamily="49" charset="0"/>
-              </a:rPr>
-            </a:br>
-            <a:r>
-              <a:rPr lang="en-US" altLang="en-US" sz="800" dirty="0">
-                <a:solidFill>
-                  <a:srgbClr val="000000"/>
-                </a:solidFill>
-                <a:latin typeface="Courier New" panose="02070309020205020404" pitchFamily="49" charset="0"/>
-                <a:cs typeface="Courier New" panose="02070309020205020404" pitchFamily="49" charset="0"/>
-              </a:rPr>
-              <a:t>    address = "</a:t>
-            </a:r>
-            <a:r>
-              <a:rPr lang="en-GB" sz="800" dirty="0" err="1">
-                <a:latin typeface="Courier New" panose="02070309020205020404" pitchFamily="49" charset="0"/>
-                <a:cs typeface="Courier New" panose="02070309020205020404" pitchFamily="49" charset="0"/>
-              </a:rPr>
-              <a:t>nodeserver</a:t>
-            </a:r>
-            <a:r>
-              <a:rPr lang="en-US" altLang="en-US" sz="800" dirty="0">
-                <a:solidFill>
-                  <a:srgbClr val="000000"/>
-                </a:solidFill>
-                <a:latin typeface="Courier New" panose="02070309020205020404" pitchFamily="49" charset="0"/>
-                <a:cs typeface="Courier New" panose="02070309020205020404" pitchFamily="49" charset="0"/>
-              </a:rPr>
-              <a:t>:10006"</a:t>
-            </a:r>
-            <a:br>
-              <a:rPr lang="en-US" altLang="en-US" sz="800" dirty="0">
-                <a:solidFill>
-                  <a:srgbClr val="000000"/>
-                </a:solidFill>
-                <a:latin typeface="Courier New" panose="02070309020205020404" pitchFamily="49" charset="0"/>
-                <a:cs typeface="Courier New" panose="02070309020205020404" pitchFamily="49" charset="0"/>
-              </a:rPr>
-            </a:br>
-            <a:r>
-              <a:rPr lang="en-US" altLang="en-US" sz="800" dirty="0">
-                <a:solidFill>
-                  <a:srgbClr val="000000"/>
-                </a:solidFill>
-                <a:latin typeface="Courier New" panose="02070309020205020404" pitchFamily="49" charset="0"/>
-                <a:cs typeface="Courier New" panose="02070309020205020404" pitchFamily="49" charset="0"/>
-              </a:rPr>
-              <a:t>    </a:t>
-            </a:r>
-            <a:r>
-              <a:rPr lang="en-US" altLang="en-US" sz="800" dirty="0" err="1">
-                <a:solidFill>
-                  <a:srgbClr val="000000"/>
-                </a:solidFill>
-                <a:latin typeface="Courier New" panose="02070309020205020404" pitchFamily="49" charset="0"/>
-                <a:cs typeface="Courier New" panose="02070309020205020404" pitchFamily="49" charset="0"/>
-              </a:rPr>
-              <a:t>adminAddress</a:t>
-            </a:r>
-            <a:r>
-              <a:rPr lang="en-US" altLang="en-US" sz="800" dirty="0">
-                <a:solidFill>
-                  <a:srgbClr val="000000"/>
-                </a:solidFill>
-                <a:latin typeface="Courier New" panose="02070309020205020404" pitchFamily="49" charset="0"/>
-                <a:cs typeface="Courier New" panose="02070309020205020404" pitchFamily="49" charset="0"/>
-              </a:rPr>
-              <a:t> = "</a:t>
-            </a:r>
-            <a:r>
-              <a:rPr lang="en-GB" sz="800" dirty="0" err="1">
-                <a:latin typeface="Courier New" panose="02070309020205020404" pitchFamily="49" charset="0"/>
-                <a:cs typeface="Courier New" panose="02070309020205020404" pitchFamily="49" charset="0"/>
-              </a:rPr>
-              <a:t>nodeserver</a:t>
-            </a:r>
-            <a:r>
-              <a:rPr lang="en-US" altLang="en-US" sz="800" dirty="0">
-                <a:solidFill>
-                  <a:srgbClr val="000000"/>
-                </a:solidFill>
-                <a:latin typeface="Courier New" panose="02070309020205020404" pitchFamily="49" charset="0"/>
-                <a:cs typeface="Courier New" panose="02070309020205020404" pitchFamily="49" charset="0"/>
-              </a:rPr>
-              <a:t>:10007"</a:t>
-            </a:r>
-            <a:br>
-              <a:rPr lang="en-US" altLang="en-US" sz="800" dirty="0">
-                <a:solidFill>
-                  <a:srgbClr val="000000"/>
-                </a:solidFill>
-                <a:latin typeface="Courier New" panose="02070309020205020404" pitchFamily="49" charset="0"/>
-                <a:cs typeface="Courier New" panose="02070309020205020404" pitchFamily="49" charset="0"/>
-              </a:rPr>
-            </a:br>
-            <a:r>
-              <a:rPr lang="en-US" altLang="en-US" sz="800" dirty="0">
-                <a:solidFill>
-                  <a:srgbClr val="000000"/>
-                </a:solidFill>
-                <a:latin typeface="Courier New" panose="02070309020205020404" pitchFamily="49" charset="0"/>
-                <a:cs typeface="Courier New" panose="02070309020205020404" pitchFamily="49" charset="0"/>
-              </a:rPr>
-              <a:t>}</a:t>
-            </a:r>
-          </a:p>
-          <a:p>
-            <a:r>
-              <a:rPr lang="en-GB" sz="800" dirty="0" err="1">
-                <a:latin typeface="Courier New" panose="02070309020205020404" pitchFamily="49" charset="0"/>
-                <a:cs typeface="Courier New" panose="02070309020205020404" pitchFamily="49" charset="0"/>
-              </a:rPr>
-              <a:t>enterpriseConfiguration</a:t>
-            </a:r>
-            <a:r>
-              <a:rPr lang="en-GB" sz="800" dirty="0">
-                <a:latin typeface="Courier New" panose="02070309020205020404" pitchFamily="49" charset="0"/>
-                <a:cs typeface="Courier New" panose="02070309020205020404" pitchFamily="49" charset="0"/>
-              </a:rPr>
-              <a:t> = {</a:t>
-            </a:r>
-          </a:p>
-          <a:p>
-            <a:r>
-              <a:rPr lang="en-GB" sz="800" dirty="0">
-                <a:latin typeface="Courier New" panose="02070309020205020404" pitchFamily="49" charset="0"/>
-                <a:cs typeface="Courier New" panose="02070309020205020404" pitchFamily="49" charset="0"/>
-              </a:rPr>
-              <a:t>    </a:t>
-            </a:r>
-            <a:r>
-              <a:rPr lang="en-GB" sz="800" dirty="0" err="1">
-                <a:latin typeface="Courier New" panose="02070309020205020404" pitchFamily="49" charset="0"/>
-                <a:cs typeface="Courier New" panose="02070309020205020404" pitchFamily="49" charset="0"/>
-              </a:rPr>
-              <a:t>externalBridge</a:t>
-            </a:r>
-            <a:r>
-              <a:rPr lang="en-GB" sz="800" dirty="0">
-                <a:latin typeface="Courier New" panose="02070309020205020404" pitchFamily="49" charset="0"/>
-                <a:cs typeface="Courier New" panose="02070309020205020404" pitchFamily="49" charset="0"/>
-              </a:rPr>
-              <a:t> = true</a:t>
-            </a:r>
-          </a:p>
-          <a:p>
-            <a:r>
-              <a:rPr lang="en-GB" sz="800" dirty="0">
-                <a:latin typeface="Courier New" panose="02070309020205020404" pitchFamily="49" charset="0"/>
-                <a:cs typeface="Courier New" panose="02070309020205020404" pitchFamily="49" charset="0"/>
-              </a:rPr>
-              <a:t>}</a:t>
-            </a:r>
-          </a:p>
-          <a:p>
             <a:endParaRPr lang="en-US" altLang="en-US" sz="800" dirty="0">
               <a:solidFill>
                 <a:srgbClr val="000000"/>
@@ -9196,8 +8611,8 @@
         </p:nvSpPr>
         <p:spPr>
           <a:xfrm>
-            <a:off x="3101855" y="3181743"/>
-            <a:ext cx="4513130" cy="3662541"/>
+            <a:off x="5898097" y="3229463"/>
+            <a:ext cx="2003465" cy="1723549"/>
           </a:xfrm>
           <a:prstGeom prst="rect">
             <a:avLst/>
@@ -9228,586 +8643,10 @@
             </a:endParaRPr>
           </a:p>
           <a:p>
-            <a:r>
-              <a:rPr lang="en-GB" sz="800" dirty="0" err="1">
-                <a:solidFill>
-                  <a:srgbClr val="FF0000"/>
-                </a:solidFill>
-                <a:latin typeface="Courier New" panose="02070309020205020404" pitchFamily="49" charset="0"/>
-                <a:cs typeface="Courier New" panose="02070309020205020404" pitchFamily="49" charset="0"/>
-              </a:rPr>
-              <a:t>bridgeMode</a:t>
-            </a:r>
-            <a:r>
-              <a:rPr lang="en-GB" sz="800" dirty="0">
-                <a:solidFill>
-                  <a:srgbClr val="FF0000"/>
-                </a:solidFill>
-                <a:latin typeface="Courier New" panose="02070309020205020404" pitchFamily="49" charset="0"/>
-                <a:cs typeface="Courier New" panose="02070309020205020404" pitchFamily="49" charset="0"/>
-              </a:rPr>
-              <a:t> = </a:t>
-            </a:r>
-            <a:r>
-              <a:rPr lang="en-GB" sz="800" dirty="0" err="1">
-                <a:solidFill>
-                  <a:srgbClr val="FF0000"/>
-                </a:solidFill>
-                <a:latin typeface="Courier New" panose="02070309020205020404" pitchFamily="49" charset="0"/>
-                <a:cs typeface="Courier New" panose="02070309020205020404" pitchFamily="49" charset="0"/>
-              </a:rPr>
-              <a:t>BridgeInner</a:t>
-            </a:r>
-            <a:endParaRPr lang="en-GB" sz="800" dirty="0">
-              <a:solidFill>
-                <a:srgbClr val="FF0000"/>
-              </a:solidFill>
-              <a:latin typeface="Courier New" panose="02070309020205020404" pitchFamily="49" charset="0"/>
-              <a:cs typeface="Courier New" panose="02070309020205020404" pitchFamily="49" charset="0"/>
+            <a:endParaRPr lang="en-GB" sz="1600" dirty="0">
+              <a:latin typeface="Times New Roman" panose="02020603050405020304" pitchFamily="18" charset="0"/>
+              <a:cs typeface="Times New Roman" panose="02020603050405020304" pitchFamily="18" charset="0"/>
             </a:endParaRPr>
-          </a:p>
-          <a:p>
-            <a:r>
-              <a:rPr lang="en-GB" sz="800" dirty="0" err="1">
-                <a:latin typeface="Courier New" panose="02070309020205020404" pitchFamily="49" charset="0"/>
-                <a:cs typeface="Courier New" panose="02070309020205020404" pitchFamily="49" charset="0"/>
-              </a:rPr>
-              <a:t>outboundConfig</a:t>
-            </a:r>
-            <a:r>
-              <a:rPr lang="en-GB" sz="800" dirty="0">
-                <a:latin typeface="Courier New" panose="02070309020205020404" pitchFamily="49" charset="0"/>
-                <a:cs typeface="Courier New" panose="02070309020205020404" pitchFamily="49" charset="0"/>
-              </a:rPr>
-              <a:t> {</a:t>
-            </a:r>
-          </a:p>
-          <a:p>
-            <a:r>
-              <a:rPr lang="en-GB" sz="800" dirty="0">
-                <a:latin typeface="Courier New" panose="02070309020205020404" pitchFamily="49" charset="0"/>
-                <a:cs typeface="Courier New" panose="02070309020205020404" pitchFamily="49" charset="0"/>
-              </a:rPr>
-              <a:t>    </a:t>
-            </a:r>
-            <a:r>
-              <a:rPr lang="en-GB" sz="800" dirty="0" err="1">
-                <a:latin typeface="Courier New" panose="02070309020205020404" pitchFamily="49" charset="0"/>
-                <a:cs typeface="Courier New" panose="02070309020205020404" pitchFamily="49" charset="0"/>
-              </a:rPr>
-              <a:t>artemisBrokerAddress</a:t>
-            </a:r>
-            <a:r>
-              <a:rPr lang="en-GB" sz="800" dirty="0">
-                <a:latin typeface="Courier New" panose="02070309020205020404" pitchFamily="49" charset="0"/>
-                <a:cs typeface="Courier New" panose="02070309020205020404" pitchFamily="49" charset="0"/>
-              </a:rPr>
-              <a:t> = "nodeserver:11005"</a:t>
-            </a:r>
-          </a:p>
-          <a:p>
-            <a:r>
-              <a:rPr lang="en-GB" sz="800" dirty="0">
-                <a:latin typeface="Courier New" panose="02070309020205020404" pitchFamily="49" charset="0"/>
-                <a:cs typeface="Courier New" panose="02070309020205020404" pitchFamily="49" charset="0"/>
-              </a:rPr>
-              <a:t>}</a:t>
-            </a:r>
-          </a:p>
-          <a:p>
-            <a:r>
-              <a:rPr lang="en-GB" sz="800" dirty="0" err="1">
-                <a:solidFill>
-                  <a:srgbClr val="FF0000"/>
-                </a:solidFill>
-                <a:latin typeface="Courier New" panose="02070309020205020404" pitchFamily="49" charset="0"/>
-                <a:cs typeface="Courier New" panose="02070309020205020404" pitchFamily="49" charset="0"/>
-              </a:rPr>
-              <a:t>bridgeInnerConfig</a:t>
-            </a:r>
-            <a:r>
-              <a:rPr lang="en-GB" sz="800" dirty="0">
-                <a:solidFill>
-                  <a:srgbClr val="FF0000"/>
-                </a:solidFill>
-                <a:latin typeface="Courier New" panose="02070309020205020404" pitchFamily="49" charset="0"/>
-                <a:cs typeface="Courier New" panose="02070309020205020404" pitchFamily="49" charset="0"/>
-              </a:rPr>
-              <a:t> {</a:t>
-            </a:r>
-          </a:p>
-          <a:p>
-            <a:r>
-              <a:rPr lang="en-GB" sz="800" dirty="0">
-                <a:solidFill>
-                  <a:srgbClr val="FF0000"/>
-                </a:solidFill>
-                <a:latin typeface="Courier New" panose="02070309020205020404" pitchFamily="49" charset="0"/>
-                <a:cs typeface="Courier New" panose="02070309020205020404" pitchFamily="49" charset="0"/>
-              </a:rPr>
-              <a:t>    </a:t>
-            </a:r>
-            <a:r>
-              <a:rPr lang="en-GB" sz="800" dirty="0" err="1">
-                <a:solidFill>
-                  <a:srgbClr val="FF0000"/>
-                </a:solidFill>
-                <a:latin typeface="Courier New" panose="02070309020205020404" pitchFamily="49" charset="0"/>
-                <a:cs typeface="Courier New" panose="02070309020205020404" pitchFamily="49" charset="0"/>
-              </a:rPr>
-              <a:t>floatAddresses</a:t>
-            </a:r>
-            <a:r>
-              <a:rPr lang="en-GB" sz="800" dirty="0">
-                <a:solidFill>
-                  <a:srgbClr val="FF0000"/>
-                </a:solidFill>
-                <a:latin typeface="Courier New" panose="02070309020205020404" pitchFamily="49" charset="0"/>
-                <a:cs typeface="Courier New" panose="02070309020205020404" pitchFamily="49" charset="0"/>
-              </a:rPr>
-              <a:t> = [ "dmzinternal:12005" ]</a:t>
-            </a:r>
-          </a:p>
-          <a:p>
-            <a:r>
-              <a:rPr lang="en-GB" sz="800" dirty="0">
-                <a:solidFill>
-                  <a:srgbClr val="FF0000"/>
-                </a:solidFill>
-                <a:latin typeface="Courier New" panose="02070309020205020404" pitchFamily="49" charset="0"/>
-                <a:cs typeface="Courier New" panose="02070309020205020404" pitchFamily="49" charset="0"/>
-              </a:rPr>
-              <a:t>    </a:t>
-            </a:r>
-            <a:r>
-              <a:rPr lang="en-GB" sz="800" dirty="0" err="1">
-                <a:solidFill>
-                  <a:srgbClr val="FF0000"/>
-                </a:solidFill>
-                <a:latin typeface="Courier New" panose="02070309020205020404" pitchFamily="49" charset="0"/>
-                <a:cs typeface="Courier New" panose="02070309020205020404" pitchFamily="49" charset="0"/>
-              </a:rPr>
-              <a:t>expectedCertificateSubject</a:t>
-            </a:r>
-            <a:r>
-              <a:rPr lang="en-GB" sz="800" dirty="0">
-                <a:solidFill>
-                  <a:srgbClr val="FF0000"/>
-                </a:solidFill>
-                <a:latin typeface="Courier New" panose="02070309020205020404" pitchFamily="49" charset="0"/>
-                <a:cs typeface="Courier New" panose="02070309020205020404" pitchFamily="49" charset="0"/>
-              </a:rPr>
-              <a:t> = "CN=Float </a:t>
-            </a:r>
-            <a:r>
-              <a:rPr lang="en-GB" sz="800" dirty="0" err="1">
-                <a:solidFill>
-                  <a:srgbClr val="FF0000"/>
-                </a:solidFill>
-                <a:latin typeface="Courier New" panose="02070309020205020404" pitchFamily="49" charset="0"/>
-                <a:cs typeface="Courier New" panose="02070309020205020404" pitchFamily="49" charset="0"/>
-              </a:rPr>
-              <a:t>Local,O</a:t>
-            </a:r>
-            <a:r>
-              <a:rPr lang="en-GB" sz="800" dirty="0">
-                <a:solidFill>
-                  <a:srgbClr val="FF0000"/>
-                </a:solidFill>
-                <a:latin typeface="Courier New" panose="02070309020205020404" pitchFamily="49" charset="0"/>
-                <a:cs typeface="Courier New" panose="02070309020205020404" pitchFamily="49" charset="0"/>
-              </a:rPr>
-              <a:t>=</a:t>
-            </a:r>
-            <a:r>
-              <a:rPr lang="en-GB" sz="800" dirty="0" err="1">
-                <a:solidFill>
-                  <a:srgbClr val="FF0000"/>
-                </a:solidFill>
-                <a:latin typeface="Courier New" panose="02070309020205020404" pitchFamily="49" charset="0"/>
-                <a:cs typeface="Courier New" panose="02070309020205020404" pitchFamily="49" charset="0"/>
-              </a:rPr>
-              <a:t>Tunnel,L</a:t>
-            </a:r>
-            <a:r>
-              <a:rPr lang="en-GB" sz="800" dirty="0">
-                <a:solidFill>
-                  <a:srgbClr val="FF0000"/>
-                </a:solidFill>
-                <a:latin typeface="Courier New" panose="02070309020205020404" pitchFamily="49" charset="0"/>
-                <a:cs typeface="Courier New" panose="02070309020205020404" pitchFamily="49" charset="0"/>
-              </a:rPr>
-              <a:t>=</a:t>
-            </a:r>
-            <a:r>
-              <a:rPr lang="en-GB" sz="800" dirty="0" err="1">
-                <a:solidFill>
-                  <a:srgbClr val="FF0000"/>
-                </a:solidFill>
-                <a:latin typeface="Courier New" panose="02070309020205020404" pitchFamily="49" charset="0"/>
-                <a:cs typeface="Courier New" panose="02070309020205020404" pitchFamily="49" charset="0"/>
-              </a:rPr>
-              <a:t>London,C</a:t>
-            </a:r>
-            <a:r>
-              <a:rPr lang="en-GB" sz="800" dirty="0">
-                <a:solidFill>
-                  <a:srgbClr val="FF0000"/>
-                </a:solidFill>
-                <a:latin typeface="Courier New" panose="02070309020205020404" pitchFamily="49" charset="0"/>
-                <a:cs typeface="Courier New" panose="02070309020205020404" pitchFamily="49" charset="0"/>
-              </a:rPr>
-              <a:t>=GB"</a:t>
-            </a:r>
-          </a:p>
-          <a:p>
-            <a:r>
-              <a:rPr lang="en-GB" sz="800" dirty="0">
-                <a:solidFill>
-                  <a:srgbClr val="FF0000"/>
-                </a:solidFill>
-                <a:latin typeface="Courier New" panose="02070309020205020404" pitchFamily="49" charset="0"/>
-                <a:cs typeface="Courier New" panose="02070309020205020404" pitchFamily="49" charset="0"/>
-              </a:rPr>
-              <a:t>    </a:t>
-            </a:r>
-            <a:r>
-              <a:rPr lang="en-GB" sz="800" dirty="0" err="1">
-                <a:solidFill>
-                  <a:srgbClr val="FF0000"/>
-                </a:solidFill>
-                <a:latin typeface="Courier New" panose="02070309020205020404" pitchFamily="49" charset="0"/>
-                <a:cs typeface="Courier New" panose="02070309020205020404" pitchFamily="49" charset="0"/>
-              </a:rPr>
-              <a:t>customSSLConfiguration</a:t>
-            </a:r>
-            <a:r>
-              <a:rPr lang="en-GB" sz="800" dirty="0">
-                <a:solidFill>
-                  <a:srgbClr val="FF0000"/>
-                </a:solidFill>
-                <a:latin typeface="Courier New" panose="02070309020205020404" pitchFamily="49" charset="0"/>
-                <a:cs typeface="Courier New" panose="02070309020205020404" pitchFamily="49" charset="0"/>
-              </a:rPr>
-              <a:t> {</a:t>
-            </a:r>
-          </a:p>
-          <a:p>
-            <a:r>
-              <a:rPr lang="en-GB" sz="800" dirty="0">
-                <a:solidFill>
-                  <a:srgbClr val="FF0000"/>
-                </a:solidFill>
-                <a:latin typeface="Courier New" panose="02070309020205020404" pitchFamily="49" charset="0"/>
-                <a:cs typeface="Courier New" panose="02070309020205020404" pitchFamily="49" charset="0"/>
-              </a:rPr>
-              <a:t>           </a:t>
-            </a:r>
-            <a:r>
-              <a:rPr lang="en-GB" sz="800" dirty="0" err="1">
-                <a:solidFill>
-                  <a:srgbClr val="FF0000"/>
-                </a:solidFill>
-                <a:latin typeface="Courier New" panose="02070309020205020404" pitchFamily="49" charset="0"/>
-                <a:cs typeface="Courier New" panose="02070309020205020404" pitchFamily="49" charset="0"/>
-              </a:rPr>
-              <a:t>keyStorePassword</a:t>
-            </a:r>
-            <a:r>
-              <a:rPr lang="en-GB" sz="800" dirty="0">
-                <a:solidFill>
-                  <a:srgbClr val="FF0000"/>
-                </a:solidFill>
-                <a:latin typeface="Courier New" panose="02070309020205020404" pitchFamily="49" charset="0"/>
-                <a:cs typeface="Courier New" panose="02070309020205020404" pitchFamily="49" charset="0"/>
-              </a:rPr>
-              <a:t> = "</a:t>
-            </a:r>
-            <a:r>
-              <a:rPr lang="en-GB" sz="800" dirty="0" err="1">
-                <a:solidFill>
-                  <a:srgbClr val="FF0000"/>
-                </a:solidFill>
-                <a:latin typeface="Courier New" panose="02070309020205020404" pitchFamily="49" charset="0"/>
-                <a:cs typeface="Courier New" panose="02070309020205020404" pitchFamily="49" charset="0"/>
-              </a:rPr>
-              <a:t>bridgepass</a:t>
-            </a:r>
-            <a:r>
-              <a:rPr lang="en-GB" sz="800" dirty="0">
-                <a:solidFill>
-                  <a:srgbClr val="FF0000"/>
-                </a:solidFill>
-                <a:latin typeface="Courier New" panose="02070309020205020404" pitchFamily="49" charset="0"/>
-                <a:cs typeface="Courier New" panose="02070309020205020404" pitchFamily="49" charset="0"/>
-              </a:rPr>
-              <a:t>"</a:t>
-            </a:r>
-          </a:p>
-          <a:p>
-            <a:r>
-              <a:rPr lang="en-GB" sz="800" dirty="0">
-                <a:solidFill>
-                  <a:srgbClr val="FF0000"/>
-                </a:solidFill>
-                <a:latin typeface="Courier New" panose="02070309020205020404" pitchFamily="49" charset="0"/>
-                <a:cs typeface="Courier New" panose="02070309020205020404" pitchFamily="49" charset="0"/>
-              </a:rPr>
-              <a:t>           </a:t>
-            </a:r>
-            <a:r>
-              <a:rPr lang="en-GB" sz="800" dirty="0" err="1">
-                <a:solidFill>
-                  <a:srgbClr val="FF0000"/>
-                </a:solidFill>
-                <a:latin typeface="Courier New" panose="02070309020205020404" pitchFamily="49" charset="0"/>
-                <a:cs typeface="Courier New" panose="02070309020205020404" pitchFamily="49" charset="0"/>
-              </a:rPr>
-              <a:t>trustStorePassword</a:t>
-            </a:r>
-            <a:r>
-              <a:rPr lang="en-GB" sz="800" dirty="0">
-                <a:solidFill>
-                  <a:srgbClr val="FF0000"/>
-                </a:solidFill>
-                <a:latin typeface="Courier New" panose="02070309020205020404" pitchFamily="49" charset="0"/>
-                <a:cs typeface="Courier New" panose="02070309020205020404" pitchFamily="49" charset="0"/>
-              </a:rPr>
-              <a:t> = "</a:t>
-            </a:r>
-            <a:r>
-              <a:rPr lang="en-GB" sz="800" dirty="0" err="1">
-                <a:solidFill>
-                  <a:srgbClr val="FF0000"/>
-                </a:solidFill>
-                <a:latin typeface="Courier New" panose="02070309020205020404" pitchFamily="49" charset="0"/>
-                <a:cs typeface="Courier New" panose="02070309020205020404" pitchFamily="49" charset="0"/>
-              </a:rPr>
-              <a:t>trustpass</a:t>
-            </a:r>
-            <a:r>
-              <a:rPr lang="en-GB" sz="800" dirty="0">
-                <a:solidFill>
-                  <a:srgbClr val="FF0000"/>
-                </a:solidFill>
-                <a:latin typeface="Courier New" panose="02070309020205020404" pitchFamily="49" charset="0"/>
-                <a:cs typeface="Courier New" panose="02070309020205020404" pitchFamily="49" charset="0"/>
-              </a:rPr>
-              <a:t>"</a:t>
-            </a:r>
-          </a:p>
-          <a:p>
-            <a:r>
-              <a:rPr lang="en-GB" sz="800" dirty="0">
-                <a:solidFill>
-                  <a:srgbClr val="FF0000"/>
-                </a:solidFill>
-                <a:latin typeface="Courier New" panose="02070309020205020404" pitchFamily="49" charset="0"/>
-                <a:cs typeface="Courier New" panose="02070309020205020404" pitchFamily="49" charset="0"/>
-              </a:rPr>
-              <a:t>           </a:t>
-            </a:r>
-            <a:r>
-              <a:rPr lang="en-GB" sz="800" dirty="0" err="1">
-                <a:solidFill>
-                  <a:srgbClr val="FF0000"/>
-                </a:solidFill>
-                <a:latin typeface="Courier New" panose="02070309020205020404" pitchFamily="49" charset="0"/>
-                <a:cs typeface="Courier New" panose="02070309020205020404" pitchFamily="49" charset="0"/>
-              </a:rPr>
-              <a:t>sslKeystore</a:t>
-            </a:r>
-            <a:r>
-              <a:rPr lang="en-GB" sz="800" dirty="0">
-                <a:solidFill>
-                  <a:srgbClr val="FF0000"/>
-                </a:solidFill>
-                <a:latin typeface="Courier New" panose="02070309020205020404" pitchFamily="49" charset="0"/>
-                <a:cs typeface="Courier New" panose="02070309020205020404" pitchFamily="49" charset="0"/>
-              </a:rPr>
-              <a:t> = "./</a:t>
-            </a:r>
-            <a:r>
-              <a:rPr lang="en-GB" sz="800" dirty="0" err="1">
-                <a:solidFill>
-                  <a:srgbClr val="FF0000"/>
-                </a:solidFill>
-                <a:latin typeface="Courier New" panose="02070309020205020404" pitchFamily="49" charset="0"/>
-                <a:cs typeface="Courier New" panose="02070309020205020404" pitchFamily="49" charset="0"/>
-              </a:rPr>
-              <a:t>bridgecerts</a:t>
-            </a:r>
-            <a:r>
-              <a:rPr lang="en-GB" sz="800" dirty="0">
-                <a:solidFill>
-                  <a:srgbClr val="FF0000"/>
-                </a:solidFill>
-                <a:latin typeface="Courier New" panose="02070309020205020404" pitchFamily="49" charset="0"/>
-                <a:cs typeface="Courier New" panose="02070309020205020404" pitchFamily="49" charset="0"/>
-              </a:rPr>
-              <a:t>/</a:t>
-            </a:r>
-            <a:r>
-              <a:rPr lang="en-GB" sz="800" dirty="0" err="1">
-                <a:solidFill>
-                  <a:srgbClr val="FF0000"/>
-                </a:solidFill>
-                <a:latin typeface="Courier New" panose="02070309020205020404" pitchFamily="49" charset="0"/>
-                <a:cs typeface="Courier New" panose="02070309020205020404" pitchFamily="49" charset="0"/>
-              </a:rPr>
-              <a:t>bridge.jks</a:t>
-            </a:r>
-            <a:r>
-              <a:rPr lang="en-GB" sz="800" dirty="0">
-                <a:solidFill>
-                  <a:srgbClr val="FF0000"/>
-                </a:solidFill>
-                <a:latin typeface="Courier New" panose="02070309020205020404" pitchFamily="49" charset="0"/>
-                <a:cs typeface="Courier New" panose="02070309020205020404" pitchFamily="49" charset="0"/>
-              </a:rPr>
-              <a:t>"</a:t>
-            </a:r>
-          </a:p>
-          <a:p>
-            <a:r>
-              <a:rPr lang="en-GB" sz="800" dirty="0">
-                <a:solidFill>
-                  <a:srgbClr val="FF0000"/>
-                </a:solidFill>
-                <a:latin typeface="Courier New" panose="02070309020205020404" pitchFamily="49" charset="0"/>
-                <a:cs typeface="Courier New" panose="02070309020205020404" pitchFamily="49" charset="0"/>
-              </a:rPr>
-              <a:t>           </a:t>
-            </a:r>
-            <a:r>
-              <a:rPr lang="en-GB" sz="800" dirty="0" err="1">
-                <a:solidFill>
-                  <a:srgbClr val="FF0000"/>
-                </a:solidFill>
-                <a:latin typeface="Courier New" panose="02070309020205020404" pitchFamily="49" charset="0"/>
-                <a:cs typeface="Courier New" panose="02070309020205020404" pitchFamily="49" charset="0"/>
-              </a:rPr>
-              <a:t>trustStoreFile</a:t>
-            </a:r>
-            <a:r>
-              <a:rPr lang="en-GB" sz="800" dirty="0">
-                <a:solidFill>
-                  <a:srgbClr val="FF0000"/>
-                </a:solidFill>
-                <a:latin typeface="Courier New" panose="02070309020205020404" pitchFamily="49" charset="0"/>
-                <a:cs typeface="Courier New" panose="02070309020205020404" pitchFamily="49" charset="0"/>
-              </a:rPr>
-              <a:t> = "./</a:t>
-            </a:r>
-            <a:r>
-              <a:rPr lang="en-GB" sz="800" dirty="0" err="1">
-                <a:solidFill>
-                  <a:srgbClr val="FF0000"/>
-                </a:solidFill>
-                <a:latin typeface="Courier New" panose="02070309020205020404" pitchFamily="49" charset="0"/>
-                <a:cs typeface="Courier New" panose="02070309020205020404" pitchFamily="49" charset="0"/>
-              </a:rPr>
-              <a:t>bridgecerts</a:t>
-            </a:r>
-            <a:r>
-              <a:rPr lang="en-GB" sz="800" dirty="0">
-                <a:solidFill>
-                  <a:srgbClr val="FF0000"/>
-                </a:solidFill>
-                <a:latin typeface="Courier New" panose="02070309020205020404" pitchFamily="49" charset="0"/>
-                <a:cs typeface="Courier New" panose="02070309020205020404" pitchFamily="49" charset="0"/>
-              </a:rPr>
-              <a:t>/</a:t>
-            </a:r>
-            <a:r>
-              <a:rPr lang="en-GB" sz="800" dirty="0" err="1">
-                <a:solidFill>
-                  <a:srgbClr val="FF0000"/>
-                </a:solidFill>
-                <a:latin typeface="Courier New" panose="02070309020205020404" pitchFamily="49" charset="0"/>
-                <a:cs typeface="Courier New" panose="02070309020205020404" pitchFamily="49" charset="0"/>
-              </a:rPr>
-              <a:t>trust.jks</a:t>
-            </a:r>
-            <a:r>
-              <a:rPr lang="en-GB" sz="800" dirty="0">
-                <a:solidFill>
-                  <a:srgbClr val="FF0000"/>
-                </a:solidFill>
-                <a:latin typeface="Courier New" panose="02070309020205020404" pitchFamily="49" charset="0"/>
-                <a:cs typeface="Courier New" panose="02070309020205020404" pitchFamily="49" charset="0"/>
-              </a:rPr>
-              <a:t>“</a:t>
-            </a:r>
-          </a:p>
-          <a:p>
-            <a:r>
-              <a:rPr lang="en-GB" sz="800" dirty="0">
-                <a:solidFill>
-                  <a:srgbClr val="FF0000"/>
-                </a:solidFill>
-                <a:latin typeface="Courier New" panose="02070309020205020404" pitchFamily="49" charset="0"/>
-                <a:cs typeface="Courier New" panose="02070309020205020404" pitchFamily="49" charset="0"/>
-              </a:rPr>
-              <a:t>           </a:t>
-            </a:r>
-            <a:r>
-              <a:rPr lang="en-GB" sz="800" dirty="0" err="1">
-                <a:solidFill>
-                  <a:srgbClr val="FF0000"/>
-                </a:solidFill>
-                <a:latin typeface="Courier New" panose="02070309020205020404" pitchFamily="49" charset="0"/>
-                <a:cs typeface="Courier New" panose="02070309020205020404" pitchFamily="49" charset="0"/>
-              </a:rPr>
-              <a:t>crlCheckSoftFail</a:t>
-            </a:r>
-            <a:r>
-              <a:rPr lang="en-GB" sz="800" dirty="0">
-                <a:solidFill>
-                  <a:srgbClr val="FF0000"/>
-                </a:solidFill>
-                <a:latin typeface="Courier New" panose="02070309020205020404" pitchFamily="49" charset="0"/>
-                <a:cs typeface="Courier New" panose="02070309020205020404" pitchFamily="49" charset="0"/>
-              </a:rPr>
-              <a:t> = true</a:t>
-            </a:r>
-          </a:p>
-          <a:p>
-            <a:r>
-              <a:rPr lang="en-GB" sz="800" dirty="0">
-                <a:solidFill>
-                  <a:srgbClr val="FF0000"/>
-                </a:solidFill>
-                <a:latin typeface="Courier New" panose="02070309020205020404" pitchFamily="49" charset="0"/>
-                <a:cs typeface="Courier New" panose="02070309020205020404" pitchFamily="49" charset="0"/>
-              </a:rPr>
-              <a:t>    }</a:t>
-            </a:r>
-          </a:p>
-          <a:p>
-            <a:r>
-              <a:rPr lang="en-GB" sz="800" dirty="0">
-                <a:latin typeface="Courier New" panose="02070309020205020404" pitchFamily="49" charset="0"/>
-                <a:cs typeface="Courier New" panose="02070309020205020404" pitchFamily="49" charset="0"/>
-              </a:rPr>
-              <a:t>}</a:t>
-            </a:r>
-          </a:p>
-          <a:p>
-            <a:r>
-              <a:rPr lang="en-GB" sz="800" dirty="0" err="1">
-                <a:latin typeface="Courier New" panose="02070309020205020404" pitchFamily="49" charset="0"/>
-                <a:cs typeface="Courier New" panose="02070309020205020404" pitchFamily="49" charset="0"/>
-              </a:rPr>
-              <a:t>networkParametersPath</a:t>
-            </a:r>
-            <a:r>
-              <a:rPr lang="en-GB" sz="800" dirty="0">
-                <a:latin typeface="Courier New" panose="02070309020205020404" pitchFamily="49" charset="0"/>
-                <a:cs typeface="Courier New" panose="02070309020205020404" pitchFamily="49" charset="0"/>
-              </a:rPr>
-              <a:t> = network-parameters</a:t>
-            </a:r>
           </a:p>
           <a:p>
             <a:r>
@@ -9898,8 +8737,8 @@
         </p:nvSpPr>
         <p:spPr>
           <a:xfrm>
-            <a:off x="7761240" y="3674185"/>
-            <a:ext cx="4306648" cy="3170099"/>
+            <a:off x="8266487" y="3724426"/>
+            <a:ext cx="2003472" cy="1231106"/>
           </a:xfrm>
           <a:prstGeom prst="rect">
             <a:avLst/>
@@ -9922,7 +8761,7 @@
                 <a:latin typeface="Times New Roman" panose="02020603050405020304" pitchFamily="18" charset="0"/>
                 <a:cs typeface="Times New Roman" panose="02020603050405020304" pitchFamily="18" charset="0"/>
               </a:rPr>
-              <a:t>bridge.conf</a:t>
+              <a:t>float.conf</a:t>
             </a:r>
             <a:endParaRPr lang="en-GB" sz="1600" dirty="0">
               <a:latin typeface="Times New Roman" panose="02020603050405020304" pitchFamily="18" charset="0"/>
@@ -9930,613 +8769,10 @@
             </a:endParaRPr>
           </a:p>
           <a:p>
-            <a:r>
-              <a:rPr lang="en-GB" sz="800" dirty="0" err="1">
-                <a:solidFill>
-                  <a:srgbClr val="FF0000"/>
-                </a:solidFill>
-                <a:latin typeface="Courier New" panose="02070309020205020404" pitchFamily="49" charset="0"/>
-                <a:cs typeface="Courier New" panose="02070309020205020404" pitchFamily="49" charset="0"/>
-              </a:rPr>
-              <a:t>bridgeMode</a:t>
-            </a:r>
-            <a:r>
-              <a:rPr lang="en-GB" sz="800" dirty="0">
-                <a:solidFill>
-                  <a:srgbClr val="FF0000"/>
-                </a:solidFill>
-                <a:latin typeface="Courier New" panose="02070309020205020404" pitchFamily="49" charset="0"/>
-                <a:cs typeface="Courier New" panose="02070309020205020404" pitchFamily="49" charset="0"/>
-              </a:rPr>
-              <a:t> = </a:t>
-            </a:r>
-            <a:r>
-              <a:rPr lang="en-GB" sz="800" dirty="0" err="1">
-                <a:solidFill>
-                  <a:srgbClr val="FF0000"/>
-                </a:solidFill>
-                <a:latin typeface="Courier New" panose="02070309020205020404" pitchFamily="49" charset="0"/>
-                <a:cs typeface="Courier New" panose="02070309020205020404" pitchFamily="49" charset="0"/>
-              </a:rPr>
-              <a:t>FloatOuter</a:t>
-            </a:r>
-            <a:endParaRPr lang="en-GB" sz="800" dirty="0">
-              <a:solidFill>
-                <a:srgbClr val="FF0000"/>
-              </a:solidFill>
-              <a:latin typeface="Courier New" panose="02070309020205020404" pitchFamily="49" charset="0"/>
-              <a:cs typeface="Courier New" panose="02070309020205020404" pitchFamily="49" charset="0"/>
+            <a:endParaRPr lang="en-GB" sz="1600" dirty="0">
+              <a:latin typeface="Times New Roman" panose="02020603050405020304" pitchFamily="18" charset="0"/>
+              <a:cs typeface="Times New Roman" panose="02020603050405020304" pitchFamily="18" charset="0"/>
             </a:endParaRPr>
-          </a:p>
-          <a:p>
-            <a:r>
-              <a:rPr lang="en-GB" sz="800" dirty="0" err="1">
-                <a:solidFill>
-                  <a:srgbClr val="FF0000"/>
-                </a:solidFill>
-                <a:latin typeface="Courier New" panose="02070309020205020404" pitchFamily="49" charset="0"/>
-                <a:cs typeface="Courier New" panose="02070309020205020404" pitchFamily="49" charset="0"/>
-              </a:rPr>
-              <a:t>inboundConfig</a:t>
-            </a:r>
-            <a:r>
-              <a:rPr lang="en-GB" sz="800" dirty="0">
-                <a:solidFill>
-                  <a:srgbClr val="FF0000"/>
-                </a:solidFill>
-                <a:latin typeface="Courier New" panose="02070309020205020404" pitchFamily="49" charset="0"/>
-                <a:cs typeface="Courier New" panose="02070309020205020404" pitchFamily="49" charset="0"/>
-              </a:rPr>
-              <a:t> {</a:t>
-            </a:r>
-          </a:p>
-          <a:p>
-            <a:r>
-              <a:rPr lang="en-GB" sz="800" dirty="0">
-                <a:solidFill>
-                  <a:srgbClr val="FF0000"/>
-                </a:solidFill>
-                <a:latin typeface="Courier New" panose="02070309020205020404" pitchFamily="49" charset="0"/>
-                <a:cs typeface="Courier New" panose="02070309020205020404" pitchFamily="49" charset="0"/>
-              </a:rPr>
-              <a:t>    </a:t>
-            </a:r>
-            <a:r>
-              <a:rPr lang="en-GB" sz="800" dirty="0" err="1">
-                <a:solidFill>
-                  <a:srgbClr val="FF0000"/>
-                </a:solidFill>
-                <a:latin typeface="Courier New" panose="02070309020205020404" pitchFamily="49" charset="0"/>
-                <a:cs typeface="Courier New" panose="02070309020205020404" pitchFamily="49" charset="0"/>
-              </a:rPr>
-              <a:t>listeningAddress</a:t>
-            </a:r>
-            <a:r>
-              <a:rPr lang="en-GB" sz="800" dirty="0">
-                <a:solidFill>
-                  <a:srgbClr val="FF0000"/>
-                </a:solidFill>
-                <a:latin typeface="Courier New" panose="02070309020205020404" pitchFamily="49" charset="0"/>
-                <a:cs typeface="Courier New" panose="02070309020205020404" pitchFamily="49" charset="0"/>
-              </a:rPr>
-              <a:t> = "dmzexternal:10005"</a:t>
-            </a:r>
-          </a:p>
-          <a:p>
-            <a:r>
-              <a:rPr lang="en-GB" sz="800" dirty="0">
-                <a:solidFill>
-                  <a:srgbClr val="FF0000"/>
-                </a:solidFill>
-                <a:latin typeface="Courier New" panose="02070309020205020404" pitchFamily="49" charset="0"/>
-                <a:cs typeface="Courier New" panose="02070309020205020404" pitchFamily="49" charset="0"/>
-              </a:rPr>
-              <a:t>}</a:t>
-            </a:r>
-          </a:p>
-          <a:p>
-            <a:r>
-              <a:rPr lang="en-GB" sz="800" dirty="0" err="1">
-                <a:solidFill>
-                  <a:srgbClr val="FF0000"/>
-                </a:solidFill>
-                <a:latin typeface="Courier New" panose="02070309020205020404" pitchFamily="49" charset="0"/>
-                <a:cs typeface="Courier New" panose="02070309020205020404" pitchFamily="49" charset="0"/>
-              </a:rPr>
-              <a:t>floatOuterConfig</a:t>
-            </a:r>
-            <a:r>
-              <a:rPr lang="en-GB" sz="800" dirty="0">
-                <a:solidFill>
-                  <a:srgbClr val="FF0000"/>
-                </a:solidFill>
-                <a:latin typeface="Courier New" panose="02070309020205020404" pitchFamily="49" charset="0"/>
-                <a:cs typeface="Courier New" panose="02070309020205020404" pitchFamily="49" charset="0"/>
-              </a:rPr>
-              <a:t> {</a:t>
-            </a:r>
-          </a:p>
-          <a:p>
-            <a:r>
-              <a:rPr lang="en-GB" sz="800" dirty="0">
-                <a:solidFill>
-                  <a:srgbClr val="FF0000"/>
-                </a:solidFill>
-                <a:latin typeface="Courier New" panose="02070309020205020404" pitchFamily="49" charset="0"/>
-                <a:cs typeface="Courier New" panose="02070309020205020404" pitchFamily="49" charset="0"/>
-              </a:rPr>
-              <a:t>    </a:t>
-            </a:r>
-            <a:r>
-              <a:rPr lang="en-GB" sz="800" dirty="0" err="1">
-                <a:solidFill>
-                  <a:srgbClr val="FF0000"/>
-                </a:solidFill>
-                <a:latin typeface="Courier New" panose="02070309020205020404" pitchFamily="49" charset="0"/>
-                <a:cs typeface="Courier New" panose="02070309020205020404" pitchFamily="49" charset="0"/>
-              </a:rPr>
-              <a:t>floatAddress</a:t>
-            </a:r>
-            <a:r>
-              <a:rPr lang="en-GB" sz="800" dirty="0">
-                <a:solidFill>
-                  <a:srgbClr val="FF0000"/>
-                </a:solidFill>
-                <a:latin typeface="Courier New" panose="02070309020205020404" pitchFamily="49" charset="0"/>
-                <a:cs typeface="Courier New" panose="02070309020205020404" pitchFamily="49" charset="0"/>
-              </a:rPr>
-              <a:t> = "dmzinternal:12005"</a:t>
-            </a:r>
-          </a:p>
-          <a:p>
-            <a:r>
-              <a:rPr lang="en-GB" sz="800" dirty="0">
-                <a:solidFill>
-                  <a:srgbClr val="FF0000"/>
-                </a:solidFill>
-                <a:latin typeface="Courier New" panose="02070309020205020404" pitchFamily="49" charset="0"/>
-                <a:cs typeface="Courier New" panose="02070309020205020404" pitchFamily="49" charset="0"/>
-              </a:rPr>
-              <a:t>    </a:t>
-            </a:r>
-            <a:r>
-              <a:rPr lang="en-GB" sz="800" dirty="0" err="1">
-                <a:solidFill>
-                  <a:srgbClr val="FF0000"/>
-                </a:solidFill>
-                <a:latin typeface="Courier New" panose="02070309020205020404" pitchFamily="49" charset="0"/>
-                <a:cs typeface="Courier New" panose="02070309020205020404" pitchFamily="49" charset="0"/>
-              </a:rPr>
-              <a:t>expectedCertificateSubject</a:t>
-            </a:r>
-            <a:r>
-              <a:rPr lang="en-GB" sz="800" dirty="0">
-                <a:solidFill>
-                  <a:srgbClr val="FF0000"/>
-                </a:solidFill>
-                <a:latin typeface="Courier New" panose="02070309020205020404" pitchFamily="49" charset="0"/>
-                <a:cs typeface="Courier New" panose="02070309020205020404" pitchFamily="49" charset="0"/>
-              </a:rPr>
-              <a:t> = "CN=Bridge </a:t>
-            </a:r>
-            <a:r>
-              <a:rPr lang="en-GB" sz="800" dirty="0" err="1">
-                <a:solidFill>
-                  <a:srgbClr val="FF0000"/>
-                </a:solidFill>
-                <a:latin typeface="Courier New" panose="02070309020205020404" pitchFamily="49" charset="0"/>
-                <a:cs typeface="Courier New" panose="02070309020205020404" pitchFamily="49" charset="0"/>
-              </a:rPr>
-              <a:t>Local,O</a:t>
-            </a:r>
-            <a:r>
-              <a:rPr lang="en-GB" sz="800" dirty="0">
-                <a:solidFill>
-                  <a:srgbClr val="FF0000"/>
-                </a:solidFill>
-                <a:latin typeface="Courier New" panose="02070309020205020404" pitchFamily="49" charset="0"/>
-                <a:cs typeface="Courier New" panose="02070309020205020404" pitchFamily="49" charset="0"/>
-              </a:rPr>
-              <a:t>=</a:t>
-            </a:r>
-            <a:r>
-              <a:rPr lang="en-GB" sz="800" dirty="0" err="1">
-                <a:solidFill>
-                  <a:srgbClr val="FF0000"/>
-                </a:solidFill>
-                <a:latin typeface="Courier New" panose="02070309020205020404" pitchFamily="49" charset="0"/>
-                <a:cs typeface="Courier New" panose="02070309020205020404" pitchFamily="49" charset="0"/>
-              </a:rPr>
-              <a:t>Tunnel,L</a:t>
-            </a:r>
-            <a:r>
-              <a:rPr lang="en-GB" sz="800" dirty="0">
-                <a:solidFill>
-                  <a:srgbClr val="FF0000"/>
-                </a:solidFill>
-                <a:latin typeface="Courier New" panose="02070309020205020404" pitchFamily="49" charset="0"/>
-                <a:cs typeface="Courier New" panose="02070309020205020404" pitchFamily="49" charset="0"/>
-              </a:rPr>
-              <a:t>=</a:t>
-            </a:r>
-            <a:r>
-              <a:rPr lang="en-GB" sz="800" dirty="0" err="1">
-                <a:solidFill>
-                  <a:srgbClr val="FF0000"/>
-                </a:solidFill>
-                <a:latin typeface="Courier New" panose="02070309020205020404" pitchFamily="49" charset="0"/>
-                <a:cs typeface="Courier New" panose="02070309020205020404" pitchFamily="49" charset="0"/>
-              </a:rPr>
-              <a:t>London,C</a:t>
-            </a:r>
-            <a:r>
-              <a:rPr lang="en-GB" sz="800" dirty="0">
-                <a:solidFill>
-                  <a:srgbClr val="FF0000"/>
-                </a:solidFill>
-                <a:latin typeface="Courier New" panose="02070309020205020404" pitchFamily="49" charset="0"/>
-                <a:cs typeface="Courier New" panose="02070309020205020404" pitchFamily="49" charset="0"/>
-              </a:rPr>
-              <a:t>=GB"</a:t>
-            </a:r>
-          </a:p>
-          <a:p>
-            <a:r>
-              <a:rPr lang="en-GB" sz="800" dirty="0">
-                <a:solidFill>
-                  <a:srgbClr val="FF0000"/>
-                </a:solidFill>
-                <a:latin typeface="Courier New" panose="02070309020205020404" pitchFamily="49" charset="0"/>
-                <a:cs typeface="Courier New" panose="02070309020205020404" pitchFamily="49" charset="0"/>
-              </a:rPr>
-              <a:t>    </a:t>
-            </a:r>
-            <a:r>
-              <a:rPr lang="en-GB" sz="800" dirty="0" err="1">
-                <a:solidFill>
-                  <a:srgbClr val="FF0000"/>
-                </a:solidFill>
-                <a:latin typeface="Courier New" panose="02070309020205020404" pitchFamily="49" charset="0"/>
-                <a:cs typeface="Courier New" panose="02070309020205020404" pitchFamily="49" charset="0"/>
-              </a:rPr>
-              <a:t>customSSLConfiguration</a:t>
-            </a:r>
-            <a:r>
-              <a:rPr lang="en-GB" sz="800" dirty="0">
-                <a:solidFill>
-                  <a:srgbClr val="FF0000"/>
-                </a:solidFill>
-                <a:latin typeface="Courier New" panose="02070309020205020404" pitchFamily="49" charset="0"/>
-                <a:cs typeface="Courier New" panose="02070309020205020404" pitchFamily="49" charset="0"/>
-              </a:rPr>
-              <a:t> {</a:t>
-            </a:r>
-          </a:p>
-          <a:p>
-            <a:r>
-              <a:rPr lang="en-GB" sz="800" dirty="0">
-                <a:solidFill>
-                  <a:srgbClr val="FF0000"/>
-                </a:solidFill>
-                <a:latin typeface="Courier New" panose="02070309020205020404" pitchFamily="49" charset="0"/>
-                <a:cs typeface="Courier New" panose="02070309020205020404" pitchFamily="49" charset="0"/>
-              </a:rPr>
-              <a:t>           </a:t>
-            </a:r>
-            <a:r>
-              <a:rPr lang="en-GB" sz="800" dirty="0" err="1">
-                <a:solidFill>
-                  <a:srgbClr val="FF0000"/>
-                </a:solidFill>
-                <a:latin typeface="Courier New" panose="02070309020205020404" pitchFamily="49" charset="0"/>
-                <a:cs typeface="Courier New" panose="02070309020205020404" pitchFamily="49" charset="0"/>
-              </a:rPr>
-              <a:t>keyStorePassword</a:t>
-            </a:r>
-            <a:r>
-              <a:rPr lang="en-GB" sz="800" dirty="0">
-                <a:solidFill>
-                  <a:srgbClr val="FF0000"/>
-                </a:solidFill>
-                <a:latin typeface="Courier New" panose="02070309020205020404" pitchFamily="49" charset="0"/>
-                <a:cs typeface="Courier New" panose="02070309020205020404" pitchFamily="49" charset="0"/>
-              </a:rPr>
-              <a:t> = "</a:t>
-            </a:r>
-            <a:r>
-              <a:rPr lang="en-GB" sz="800" dirty="0" err="1">
-                <a:solidFill>
-                  <a:srgbClr val="FF0000"/>
-                </a:solidFill>
-                <a:latin typeface="Courier New" panose="02070309020205020404" pitchFamily="49" charset="0"/>
-                <a:cs typeface="Courier New" panose="02070309020205020404" pitchFamily="49" charset="0"/>
-              </a:rPr>
-              <a:t>floatpass</a:t>
-            </a:r>
-            <a:r>
-              <a:rPr lang="en-GB" sz="800" dirty="0">
-                <a:solidFill>
-                  <a:srgbClr val="FF0000"/>
-                </a:solidFill>
-                <a:latin typeface="Courier New" panose="02070309020205020404" pitchFamily="49" charset="0"/>
-                <a:cs typeface="Courier New" panose="02070309020205020404" pitchFamily="49" charset="0"/>
-              </a:rPr>
-              <a:t>"</a:t>
-            </a:r>
-          </a:p>
-          <a:p>
-            <a:r>
-              <a:rPr lang="en-GB" sz="800" dirty="0">
-                <a:solidFill>
-                  <a:srgbClr val="FF0000"/>
-                </a:solidFill>
-                <a:latin typeface="Courier New" panose="02070309020205020404" pitchFamily="49" charset="0"/>
-                <a:cs typeface="Courier New" panose="02070309020205020404" pitchFamily="49" charset="0"/>
-              </a:rPr>
-              <a:t>           </a:t>
-            </a:r>
-            <a:r>
-              <a:rPr lang="en-GB" sz="800" dirty="0" err="1">
-                <a:solidFill>
-                  <a:srgbClr val="FF0000"/>
-                </a:solidFill>
-                <a:latin typeface="Courier New" panose="02070309020205020404" pitchFamily="49" charset="0"/>
-                <a:cs typeface="Courier New" panose="02070309020205020404" pitchFamily="49" charset="0"/>
-              </a:rPr>
-              <a:t>trustStorePassword</a:t>
-            </a:r>
-            <a:r>
-              <a:rPr lang="en-GB" sz="800" dirty="0">
-                <a:solidFill>
-                  <a:srgbClr val="FF0000"/>
-                </a:solidFill>
-                <a:latin typeface="Courier New" panose="02070309020205020404" pitchFamily="49" charset="0"/>
-                <a:cs typeface="Courier New" panose="02070309020205020404" pitchFamily="49" charset="0"/>
-              </a:rPr>
-              <a:t> = "</a:t>
-            </a:r>
-            <a:r>
-              <a:rPr lang="en-GB" sz="800" dirty="0" err="1">
-                <a:solidFill>
-                  <a:srgbClr val="FF0000"/>
-                </a:solidFill>
-                <a:latin typeface="Courier New" panose="02070309020205020404" pitchFamily="49" charset="0"/>
-                <a:cs typeface="Courier New" panose="02070309020205020404" pitchFamily="49" charset="0"/>
-              </a:rPr>
-              <a:t>trustpass</a:t>
-            </a:r>
-            <a:r>
-              <a:rPr lang="en-GB" sz="800" dirty="0">
-                <a:solidFill>
-                  <a:srgbClr val="FF0000"/>
-                </a:solidFill>
-                <a:latin typeface="Courier New" panose="02070309020205020404" pitchFamily="49" charset="0"/>
-                <a:cs typeface="Courier New" panose="02070309020205020404" pitchFamily="49" charset="0"/>
-              </a:rPr>
-              <a:t>"</a:t>
-            </a:r>
-          </a:p>
-          <a:p>
-            <a:r>
-              <a:rPr lang="en-GB" sz="800" dirty="0">
-                <a:solidFill>
-                  <a:srgbClr val="FF0000"/>
-                </a:solidFill>
-                <a:latin typeface="Courier New" panose="02070309020205020404" pitchFamily="49" charset="0"/>
-                <a:cs typeface="Courier New" panose="02070309020205020404" pitchFamily="49" charset="0"/>
-              </a:rPr>
-              <a:t>           </a:t>
-            </a:r>
-            <a:r>
-              <a:rPr lang="en-GB" sz="800" dirty="0" err="1">
-                <a:solidFill>
-                  <a:srgbClr val="FF0000"/>
-                </a:solidFill>
-                <a:latin typeface="Courier New" panose="02070309020205020404" pitchFamily="49" charset="0"/>
-                <a:cs typeface="Courier New" panose="02070309020205020404" pitchFamily="49" charset="0"/>
-              </a:rPr>
-              <a:t>sslKeystore</a:t>
-            </a:r>
-            <a:r>
-              <a:rPr lang="en-GB" sz="800" dirty="0">
-                <a:solidFill>
-                  <a:srgbClr val="FF0000"/>
-                </a:solidFill>
-                <a:latin typeface="Courier New" panose="02070309020205020404" pitchFamily="49" charset="0"/>
-                <a:cs typeface="Courier New" panose="02070309020205020404" pitchFamily="49" charset="0"/>
-              </a:rPr>
-              <a:t> = "./</a:t>
-            </a:r>
-            <a:r>
-              <a:rPr lang="en-GB" sz="800" dirty="0" err="1">
-                <a:solidFill>
-                  <a:srgbClr val="FF0000"/>
-                </a:solidFill>
-                <a:latin typeface="Courier New" panose="02070309020205020404" pitchFamily="49" charset="0"/>
-                <a:cs typeface="Courier New" panose="02070309020205020404" pitchFamily="49" charset="0"/>
-              </a:rPr>
-              <a:t>floatcerts</a:t>
-            </a:r>
-            <a:r>
-              <a:rPr lang="en-GB" sz="800" dirty="0">
-                <a:solidFill>
-                  <a:srgbClr val="FF0000"/>
-                </a:solidFill>
-                <a:latin typeface="Courier New" panose="02070309020205020404" pitchFamily="49" charset="0"/>
-                <a:cs typeface="Courier New" panose="02070309020205020404" pitchFamily="49" charset="0"/>
-              </a:rPr>
-              <a:t>/</a:t>
-            </a:r>
-            <a:r>
-              <a:rPr lang="en-GB" sz="800" dirty="0" err="1">
-                <a:solidFill>
-                  <a:srgbClr val="FF0000"/>
-                </a:solidFill>
-                <a:latin typeface="Courier New" panose="02070309020205020404" pitchFamily="49" charset="0"/>
-                <a:cs typeface="Courier New" panose="02070309020205020404" pitchFamily="49" charset="0"/>
-              </a:rPr>
-              <a:t>float.jks</a:t>
-            </a:r>
-            <a:r>
-              <a:rPr lang="en-GB" sz="800" dirty="0">
-                <a:solidFill>
-                  <a:srgbClr val="FF0000"/>
-                </a:solidFill>
-                <a:latin typeface="Courier New" panose="02070309020205020404" pitchFamily="49" charset="0"/>
-                <a:cs typeface="Courier New" panose="02070309020205020404" pitchFamily="49" charset="0"/>
-              </a:rPr>
-              <a:t>"</a:t>
-            </a:r>
-          </a:p>
-          <a:p>
-            <a:r>
-              <a:rPr lang="en-GB" sz="800" dirty="0">
-                <a:solidFill>
-                  <a:srgbClr val="FF0000"/>
-                </a:solidFill>
-                <a:latin typeface="Courier New" panose="02070309020205020404" pitchFamily="49" charset="0"/>
-                <a:cs typeface="Courier New" panose="02070309020205020404" pitchFamily="49" charset="0"/>
-              </a:rPr>
-              <a:t>           </a:t>
-            </a:r>
-            <a:r>
-              <a:rPr lang="en-GB" sz="800" dirty="0" err="1">
-                <a:solidFill>
-                  <a:srgbClr val="FF0000"/>
-                </a:solidFill>
-                <a:latin typeface="Courier New" panose="02070309020205020404" pitchFamily="49" charset="0"/>
-                <a:cs typeface="Courier New" panose="02070309020205020404" pitchFamily="49" charset="0"/>
-              </a:rPr>
-              <a:t>trustStoreFile</a:t>
-            </a:r>
-            <a:r>
-              <a:rPr lang="en-GB" sz="800" dirty="0">
-                <a:solidFill>
-                  <a:srgbClr val="FF0000"/>
-                </a:solidFill>
-                <a:latin typeface="Courier New" panose="02070309020205020404" pitchFamily="49" charset="0"/>
-                <a:cs typeface="Courier New" panose="02070309020205020404" pitchFamily="49" charset="0"/>
-              </a:rPr>
-              <a:t> = "./</a:t>
-            </a:r>
-            <a:r>
-              <a:rPr lang="en-GB" sz="800" dirty="0" err="1">
-                <a:solidFill>
-                  <a:srgbClr val="FF0000"/>
-                </a:solidFill>
-                <a:latin typeface="Courier New" panose="02070309020205020404" pitchFamily="49" charset="0"/>
-                <a:cs typeface="Courier New" panose="02070309020205020404" pitchFamily="49" charset="0"/>
-              </a:rPr>
-              <a:t>floatcerts</a:t>
-            </a:r>
-            <a:r>
-              <a:rPr lang="en-GB" sz="800" dirty="0">
-                <a:solidFill>
-                  <a:srgbClr val="FF0000"/>
-                </a:solidFill>
-                <a:latin typeface="Courier New" panose="02070309020205020404" pitchFamily="49" charset="0"/>
-                <a:cs typeface="Courier New" panose="02070309020205020404" pitchFamily="49" charset="0"/>
-              </a:rPr>
-              <a:t>/</a:t>
-            </a:r>
-            <a:r>
-              <a:rPr lang="en-GB" sz="800" dirty="0" err="1">
-                <a:solidFill>
-                  <a:srgbClr val="FF0000"/>
-                </a:solidFill>
-                <a:latin typeface="Courier New" panose="02070309020205020404" pitchFamily="49" charset="0"/>
-                <a:cs typeface="Courier New" panose="02070309020205020404" pitchFamily="49" charset="0"/>
-              </a:rPr>
-              <a:t>trust.jks</a:t>
-            </a:r>
-            <a:r>
-              <a:rPr lang="en-GB" sz="800" dirty="0">
-                <a:solidFill>
-                  <a:srgbClr val="FF0000"/>
-                </a:solidFill>
-                <a:latin typeface="Courier New" panose="02070309020205020404" pitchFamily="49" charset="0"/>
-                <a:cs typeface="Courier New" panose="02070309020205020404" pitchFamily="49" charset="0"/>
-              </a:rPr>
-              <a:t>“</a:t>
-            </a:r>
-          </a:p>
-          <a:p>
-            <a:r>
-              <a:rPr lang="en-GB" sz="800" dirty="0">
-                <a:solidFill>
-                  <a:srgbClr val="FF0000"/>
-                </a:solidFill>
-                <a:latin typeface="Courier New" panose="02070309020205020404" pitchFamily="49" charset="0"/>
-                <a:cs typeface="Courier New" panose="02070309020205020404" pitchFamily="49" charset="0"/>
-              </a:rPr>
-              <a:t>           </a:t>
-            </a:r>
-            <a:r>
-              <a:rPr lang="en-GB" sz="800" dirty="0" err="1">
-                <a:solidFill>
-                  <a:srgbClr val="FF0000"/>
-                </a:solidFill>
-                <a:latin typeface="Courier New" panose="02070309020205020404" pitchFamily="49" charset="0"/>
-                <a:cs typeface="Courier New" panose="02070309020205020404" pitchFamily="49" charset="0"/>
-              </a:rPr>
-              <a:t>crlCheckSoftFail</a:t>
-            </a:r>
-            <a:r>
-              <a:rPr lang="en-GB" sz="800" dirty="0">
-                <a:solidFill>
-                  <a:srgbClr val="FF0000"/>
-                </a:solidFill>
-                <a:latin typeface="Courier New" panose="02070309020205020404" pitchFamily="49" charset="0"/>
-                <a:cs typeface="Courier New" panose="02070309020205020404" pitchFamily="49" charset="0"/>
-              </a:rPr>
-              <a:t> = true</a:t>
-            </a:r>
-          </a:p>
-          <a:p>
-            <a:r>
-              <a:rPr lang="en-GB" sz="800" dirty="0">
-                <a:solidFill>
-                  <a:srgbClr val="FF0000"/>
-                </a:solidFill>
-                <a:latin typeface="Courier New" panose="02070309020205020404" pitchFamily="49" charset="0"/>
-                <a:cs typeface="Courier New" panose="02070309020205020404" pitchFamily="49" charset="0"/>
-              </a:rPr>
-              <a:t>    }</a:t>
-            </a:r>
-          </a:p>
-          <a:p>
-            <a:r>
-              <a:rPr lang="en-GB" sz="800" dirty="0">
-                <a:solidFill>
-                  <a:srgbClr val="FF0000"/>
-                </a:solidFill>
-                <a:latin typeface="Courier New" panose="02070309020205020404" pitchFamily="49" charset="0"/>
-                <a:cs typeface="Courier New" panose="02070309020205020404" pitchFamily="49" charset="0"/>
-              </a:rPr>
-              <a:t>}</a:t>
-            </a:r>
-          </a:p>
-          <a:p>
-            <a:r>
-              <a:rPr lang="en-GB" sz="800" dirty="0" err="1">
-                <a:solidFill>
-                  <a:srgbClr val="FF0000"/>
-                </a:solidFill>
-                <a:latin typeface="Courier New" panose="02070309020205020404" pitchFamily="49" charset="0"/>
-                <a:cs typeface="Courier New" panose="02070309020205020404" pitchFamily="49" charset="0"/>
-              </a:rPr>
-              <a:t>networkParametersPath</a:t>
-            </a:r>
-            <a:r>
-              <a:rPr lang="en-GB" sz="800" dirty="0">
-                <a:solidFill>
-                  <a:srgbClr val="FF0000"/>
-                </a:solidFill>
-                <a:latin typeface="Courier New" panose="02070309020205020404" pitchFamily="49" charset="0"/>
-                <a:cs typeface="Courier New" panose="02070309020205020404" pitchFamily="49" charset="0"/>
-              </a:rPr>
-              <a:t> = network-parameters</a:t>
-            </a:r>
           </a:p>
           <a:p>
             <a:r>
@@ -10881,6 +9117,229 @@
           </a:p>
         </p:txBody>
       </p:sp>
+      <p:sp>
+        <p:nvSpPr>
+          <p:cNvPr id="37" name="Rectangle 36">
+            <a:extLst>
+              <a:ext uri="{FF2B5EF4-FFF2-40B4-BE49-F238E27FC236}">
+                <a16:creationId xmlns:a16="http://schemas.microsoft.com/office/drawing/2014/main" id="{2B4F9101-FCC6-3040-96B0-8E52A19A714B}"/>
+              </a:ext>
+            </a:extLst>
+          </p:cNvPr>
+          <p:cNvSpPr/>
+          <p:nvPr/>
+        </p:nvSpPr>
+        <p:spPr>
+          <a:xfrm>
+            <a:off x="10420944" y="549519"/>
+            <a:ext cx="1664661" cy="742678"/>
+          </a:xfrm>
+          <a:prstGeom prst="rect">
+            <a:avLst/>
+          </a:prstGeom>
+          <a:noFill/>
+          <a:ln>
+            <a:solidFill>
+              <a:schemeClr val="tx1"/>
+            </a:solidFill>
+          </a:ln>
+        </p:spPr>
+        <p:style>
+          <a:lnRef idx="2">
+            <a:schemeClr val="accent1">
+              <a:shade val="50000"/>
+            </a:schemeClr>
+          </a:lnRef>
+          <a:fillRef idx="1">
+            <a:schemeClr val="accent1"/>
+          </a:fillRef>
+          <a:effectRef idx="0">
+            <a:schemeClr val="accent1"/>
+          </a:effectRef>
+          <a:fontRef idx="minor">
+            <a:schemeClr val="lt1"/>
+          </a:fontRef>
+        </p:style>
+        <p:txBody>
+          <a:bodyPr rot="0" spcFirstLastPara="0" vertOverflow="overflow" horzOverflow="overflow" vert="horz" wrap="square" lIns="91440" tIns="45720" rIns="91440" bIns="45720" numCol="1" spcCol="0" rtlCol="0" fromWordArt="0" anchor="t" anchorCtr="0" forceAA="0" compatLnSpc="1">
+            <a:prstTxWarp prst="textNoShape">
+              <a:avLst/>
+            </a:prstTxWarp>
+            <a:noAutofit/>
+          </a:bodyPr>
+          <a:lstStyle/>
+          <a:p>
+            <a:pPr algn="ctr"/>
+            <a:r>
+              <a:rPr lang="en-GB" sz="1600" dirty="0">
+                <a:solidFill>
+                  <a:schemeClr val="tx1"/>
+                </a:solidFill>
+                <a:latin typeface="Times New Roman" panose="02020603050405020304" pitchFamily="18" charset="0"/>
+                <a:cs typeface="Times New Roman" panose="02020603050405020304" pitchFamily="18" charset="0"/>
+              </a:rPr>
+              <a:t>Network Services</a:t>
+            </a:r>
+          </a:p>
+          <a:p>
+            <a:pPr algn="ctr"/>
+            <a:r>
+              <a:rPr lang="en-GB" sz="1200" dirty="0">
+                <a:solidFill>
+                  <a:schemeClr val="tx1"/>
+                </a:solidFill>
+                <a:latin typeface="Times New Roman" panose="02020603050405020304" pitchFamily="18" charset="0"/>
+                <a:cs typeface="Times New Roman" panose="02020603050405020304" pitchFamily="18" charset="0"/>
+              </a:rPr>
+              <a:t>Network Map</a:t>
+            </a:r>
+          </a:p>
+          <a:p>
+            <a:pPr algn="ctr"/>
+            <a:r>
+              <a:rPr lang="en-GB" sz="1200" dirty="0">
+                <a:solidFill>
+                  <a:schemeClr val="tx1"/>
+                </a:solidFill>
+                <a:latin typeface="Times New Roman" panose="02020603050405020304" pitchFamily="18" charset="0"/>
+                <a:cs typeface="Times New Roman" panose="02020603050405020304" pitchFamily="18" charset="0"/>
+              </a:rPr>
+              <a:t>Doorman &amp; CRL</a:t>
+            </a:r>
+          </a:p>
+        </p:txBody>
+      </p:sp>
+      <p:cxnSp>
+        <p:nvCxnSpPr>
+          <p:cNvPr id="8" name="Elbow Connector 7">
+            <a:extLst>
+              <a:ext uri="{FF2B5EF4-FFF2-40B4-BE49-F238E27FC236}">
+                <a16:creationId xmlns:a16="http://schemas.microsoft.com/office/drawing/2014/main" id="{6F07EF85-3D02-6C4D-A212-CE69C3883444}"/>
+              </a:ext>
+            </a:extLst>
+          </p:cNvPr>
+          <p:cNvCxnSpPr>
+            <a:cxnSpLocks/>
+            <a:stCxn id="19" idx="0"/>
+          </p:cNvCxnSpPr>
+          <p:nvPr/>
+        </p:nvCxnSpPr>
+        <p:spPr>
+          <a:xfrm rot="5400000" flipH="1" flipV="1">
+            <a:off x="8505973" y="-30277"/>
+            <a:ext cx="930690" cy="2900282"/>
+          </a:xfrm>
+          <a:prstGeom prst="bentConnector2">
+            <a:avLst/>
+          </a:prstGeom>
+          <a:ln>
+            <a:tailEnd type="triangle"/>
+          </a:ln>
+        </p:spPr>
+        <p:style>
+          <a:lnRef idx="1">
+            <a:schemeClr val="accent1"/>
+          </a:lnRef>
+          <a:fillRef idx="0">
+            <a:schemeClr val="accent1"/>
+          </a:fillRef>
+          <a:effectRef idx="0">
+            <a:schemeClr val="accent1"/>
+          </a:effectRef>
+          <a:fontRef idx="minor">
+            <a:schemeClr val="tx1"/>
+          </a:fontRef>
+        </p:style>
+      </p:cxnSp>
+      <p:cxnSp>
+        <p:nvCxnSpPr>
+          <p:cNvPr id="15" name="Straight Arrow Connector 14">
+            <a:extLst>
+              <a:ext uri="{FF2B5EF4-FFF2-40B4-BE49-F238E27FC236}">
+                <a16:creationId xmlns:a16="http://schemas.microsoft.com/office/drawing/2014/main" id="{2DEFDB2C-52ED-4D40-A14F-DEFD84CC5ED5}"/>
+              </a:ext>
+            </a:extLst>
+          </p:cNvPr>
+          <p:cNvCxnSpPr>
+            <a:cxnSpLocks/>
+          </p:cNvCxnSpPr>
+          <p:nvPr/>
+        </p:nvCxnSpPr>
+        <p:spPr>
+          <a:xfrm>
+            <a:off x="6760370" y="824728"/>
+            <a:ext cx="3660574" cy="4269"/>
+          </a:xfrm>
+          <a:prstGeom prst="straightConnector1">
+            <a:avLst/>
+          </a:prstGeom>
+          <a:ln>
+            <a:tailEnd type="triangle"/>
+          </a:ln>
+        </p:spPr>
+        <p:style>
+          <a:lnRef idx="1">
+            <a:schemeClr val="accent1"/>
+          </a:lnRef>
+          <a:fillRef idx="0">
+            <a:schemeClr val="accent1"/>
+          </a:fillRef>
+          <a:effectRef idx="0">
+            <a:schemeClr val="accent1"/>
+          </a:effectRef>
+          <a:fontRef idx="minor">
+            <a:schemeClr val="tx1"/>
+          </a:fontRef>
+        </p:style>
+      </p:cxnSp>
+      <p:cxnSp>
+        <p:nvCxnSpPr>
+          <p:cNvPr id="7" name="Elbow Connector 6">
+            <a:extLst>
+              <a:ext uri="{FF2B5EF4-FFF2-40B4-BE49-F238E27FC236}">
+                <a16:creationId xmlns:a16="http://schemas.microsoft.com/office/drawing/2014/main" id="{6F9A5B02-4EB1-8047-A8BA-96837087C3DA}"/>
+              </a:ext>
+            </a:extLst>
+          </p:cNvPr>
+          <p:cNvCxnSpPr>
+            <a:cxnSpLocks/>
+            <a:stCxn id="32" idx="0"/>
+          </p:cNvCxnSpPr>
+          <p:nvPr/>
+        </p:nvCxnSpPr>
+        <p:spPr>
+          <a:xfrm rot="5400000" flipH="1" flipV="1">
+            <a:off x="9445275" y="914117"/>
+            <a:ext cx="794040" cy="1148144"/>
+          </a:xfrm>
+          <a:prstGeom prst="bentConnector2">
+            <a:avLst/>
+          </a:prstGeom>
+          <a:ln w="9525" cap="flat" cmpd="sng" algn="ctr">
+            <a:solidFill>
+              <a:schemeClr val="accent1"/>
+            </a:solidFill>
+            <a:prstDash val="solid"/>
+            <a:round/>
+            <a:headEnd type="none" w="med" len="med"/>
+            <a:tailEnd type="triangle"/>
+          </a:ln>
+        </p:spPr>
+        <p:style>
+          <a:lnRef idx="0">
+            <a:scrgbClr r="0" g="0" b="0"/>
+          </a:lnRef>
+          <a:fillRef idx="0">
+            <a:scrgbClr r="0" g="0" b="0"/>
+          </a:fillRef>
+          <a:effectRef idx="0">
+            <a:scrgbClr r="0" g="0" b="0"/>
+          </a:effectRef>
+          <a:fontRef idx="minor">
+            <a:schemeClr val="tx1"/>
+          </a:fontRef>
+        </p:style>
+      </p:cxnSp>
     </p:spTree>
     <p:extLst>
       <p:ext uri="{BB962C8B-B14F-4D97-AF65-F5344CB8AC3E}">
@@ -10925,7 +9384,7 @@
         </p:nvSpPr>
         <p:spPr>
           <a:xfrm>
-            <a:off x="2978150" y="779066"/>
+            <a:off x="2978150" y="1121954"/>
             <a:ext cx="3782220" cy="2252266"/>
           </a:xfrm>
           <a:prstGeom prst="rect">
@@ -10991,7 +9450,7 @@
         </p:nvSpPr>
         <p:spPr>
           <a:xfrm>
-            <a:off x="612775" y="1585516"/>
+            <a:off x="612775" y="1928404"/>
             <a:ext cx="2076450" cy="679450"/>
           </a:xfrm>
           <a:prstGeom prst="rect">
@@ -11073,7 +9532,7 @@
         </p:nvCxnSpPr>
         <p:spPr>
           <a:xfrm flipV="1">
-            <a:off x="2689225" y="1923257"/>
+            <a:off x="2689225" y="2266145"/>
             <a:ext cx="415926" cy="1984"/>
           </a:xfrm>
           <a:prstGeom prst="straightConnector1">
@@ -11113,7 +9572,7 @@
         </p:nvSpPr>
         <p:spPr>
           <a:xfrm>
-            <a:off x="3105151" y="1615282"/>
+            <a:off x="3105151" y="1958170"/>
             <a:ext cx="895350" cy="615950"/>
           </a:xfrm>
           <a:prstGeom prst="rect">
@@ -11179,7 +9638,7 @@
         </p:nvSpPr>
         <p:spPr>
           <a:xfrm>
-            <a:off x="4191001" y="1231900"/>
+            <a:off x="4191001" y="1574788"/>
             <a:ext cx="1095375" cy="387350"/>
           </a:xfrm>
           <a:prstGeom prst="rect">
@@ -11245,7 +9704,7 @@
         </p:nvSpPr>
         <p:spPr>
           <a:xfrm>
-            <a:off x="4191000" y="2231232"/>
+            <a:off x="4191000" y="2574120"/>
             <a:ext cx="1095375" cy="387350"/>
           </a:xfrm>
           <a:prstGeom prst="rect">
@@ -11314,7 +9773,7 @@
         </p:nvCxnSpPr>
         <p:spPr>
           <a:xfrm flipH="1">
-            <a:off x="4738688" y="1619250"/>
+            <a:off x="4738688" y="1962138"/>
             <a:ext cx="1" cy="611982"/>
           </a:xfrm>
           <a:prstGeom prst="straightConnector1">
@@ -11360,7 +9819,7 @@
         </p:nvCxnSpPr>
         <p:spPr>
           <a:xfrm flipV="1">
-            <a:off x="4000501" y="1425575"/>
+            <a:off x="4000501" y="1768463"/>
             <a:ext cx="190500" cy="497682"/>
           </a:xfrm>
           <a:prstGeom prst="straightConnector1">
@@ -11403,7 +9862,7 @@
         </p:nvCxnSpPr>
         <p:spPr>
           <a:xfrm>
-            <a:off x="4738689" y="1619250"/>
+            <a:off x="4738689" y="1962138"/>
             <a:ext cx="695324" cy="686595"/>
           </a:xfrm>
           <a:prstGeom prst="straightConnector1">
@@ -11450,7 +9909,7 @@
         </p:nvCxnSpPr>
         <p:spPr>
           <a:xfrm>
-            <a:off x="4000501" y="1923257"/>
+            <a:off x="4000501" y="2266145"/>
             <a:ext cx="190499" cy="501650"/>
           </a:xfrm>
           <a:prstGeom prst="straightConnector1">
@@ -11490,7 +9949,7 @@
         </p:nvSpPr>
         <p:spPr>
           <a:xfrm>
-            <a:off x="7024687" y="1885209"/>
+            <a:off x="7024687" y="2228097"/>
             <a:ext cx="992979" cy="841271"/>
           </a:xfrm>
           <a:prstGeom prst="rect">
@@ -11559,7 +10018,7 @@
         </p:nvCxnSpPr>
         <p:spPr>
           <a:xfrm>
-            <a:off x="6329363" y="2305845"/>
+            <a:off x="6329363" y="2648733"/>
             <a:ext cx="695324" cy="0"/>
           </a:xfrm>
           <a:prstGeom prst="straightConnector1">
@@ -11602,7 +10061,7 @@
         </p:nvSpPr>
         <p:spPr>
           <a:xfrm>
-            <a:off x="8394701" y="482600"/>
+            <a:off x="8394701" y="825488"/>
             <a:ext cx="126999" cy="2946400"/>
           </a:xfrm>
           <a:prstGeom prst="rect">
@@ -11665,14 +10124,15 @@
           </p:cNvPr>
           <p:cNvCxnSpPr>
             <a:cxnSpLocks/>
+            <a:stCxn id="86" idx="0"/>
             <a:endCxn id="70" idx="2"/>
           </p:cNvCxnSpPr>
           <p:nvPr/>
         </p:nvCxnSpPr>
         <p:spPr>
           <a:xfrm flipV="1">
-            <a:off x="7232650" y="2726480"/>
-            <a:ext cx="288527" cy="383968"/>
+            <a:off x="7007328" y="3069368"/>
+            <a:ext cx="513849" cy="814389"/>
           </a:xfrm>
           <a:prstGeom prst="straightConnector1">
             <a:avLst/>
@@ -11713,7 +10173,7 @@
         </p:nvSpPr>
         <p:spPr>
           <a:xfrm>
-            <a:off x="9976250" y="482600"/>
+            <a:off x="9976250" y="825488"/>
             <a:ext cx="126999" cy="2914650"/>
           </a:xfrm>
           <a:prstGeom prst="rect">
@@ -11779,7 +10239,7 @@
         </p:nvSpPr>
         <p:spPr>
           <a:xfrm>
-            <a:off x="8771733" y="1885209"/>
+            <a:off x="8771733" y="2228097"/>
             <a:ext cx="992979" cy="841271"/>
           </a:xfrm>
           <a:prstGeom prst="rect">
@@ -11849,7 +10309,7 @@
         </p:nvCxnSpPr>
         <p:spPr>
           <a:xfrm>
-            <a:off x="8017666" y="2305845"/>
+            <a:off x="8017666" y="2648733"/>
             <a:ext cx="754067" cy="0"/>
           </a:xfrm>
           <a:prstGeom prst="straightConnector1">
@@ -11896,7 +10356,7 @@
         </p:nvCxnSpPr>
         <p:spPr>
           <a:xfrm flipV="1">
-            <a:off x="9764712" y="2304899"/>
+            <a:off x="9764712" y="2647787"/>
             <a:ext cx="1309186" cy="946"/>
           </a:xfrm>
           <a:prstGeom prst="straightConnector1">
@@ -11939,7 +10399,7 @@
         </p:nvSpPr>
         <p:spPr>
           <a:xfrm>
-            <a:off x="10201387" y="2010574"/>
+            <a:off x="10201387" y="2353462"/>
             <a:ext cx="356188" cy="338554"/>
           </a:xfrm>
           <a:prstGeom prst="rect">
@@ -11981,7 +10441,7 @@
         </p:nvCxnSpPr>
         <p:spPr>
           <a:xfrm flipV="1">
-            <a:off x="9268223" y="2726480"/>
+            <a:off x="9268223" y="3069368"/>
             <a:ext cx="0" cy="947705"/>
           </a:xfrm>
           <a:prstGeom prst="straightConnector1">
@@ -12023,7 +10483,7 @@
         </p:nvSpPr>
         <p:spPr>
           <a:xfrm>
-            <a:off x="11073898" y="1950876"/>
+            <a:off x="11073898" y="2293764"/>
             <a:ext cx="1010653" cy="708046"/>
           </a:xfrm>
           <a:prstGeom prst="rect">
@@ -12144,13 +10604,14 @@
           <p:cNvCxnSpPr>
             <a:cxnSpLocks/>
             <a:stCxn id="85" idx="0"/>
+            <a:endCxn id="36" idx="1"/>
           </p:cNvCxnSpPr>
           <p:nvPr/>
         </p:nvCxnSpPr>
         <p:spPr>
           <a:xfrm rot="5400000" flipH="1" flipV="1">
-            <a:off x="1951548" y="2527338"/>
-            <a:ext cx="652110" cy="1395362"/>
+            <a:off x="1804361" y="2236711"/>
+            <a:ext cx="720689" cy="1670485"/>
           </a:xfrm>
           <a:prstGeom prst="bentConnector2">
             <a:avLst/>
@@ -12191,8 +10652,8 @@
         </p:nvSpPr>
         <p:spPr>
           <a:xfrm>
-            <a:off x="177935" y="3551074"/>
-            <a:ext cx="2803973" cy="3170099"/>
+            <a:off x="543030" y="3432297"/>
+            <a:ext cx="1572866" cy="1815882"/>
           </a:xfrm>
           <a:prstGeom prst="rect">
             <a:avLst/>
@@ -12229,291 +10690,6 @@
             </a:endParaRPr>
           </a:p>
           <a:p>
-            <a:r>
-              <a:rPr lang="en-US" altLang="en-US" sz="800" dirty="0" err="1">
-                <a:solidFill>
-                  <a:srgbClr val="000000"/>
-                </a:solidFill>
-                <a:latin typeface="Courier New" panose="02070309020205020404" pitchFamily="49" charset="0"/>
-                <a:cs typeface="Courier New" panose="02070309020205020404" pitchFamily="49" charset="0"/>
-              </a:rPr>
-              <a:t>myLegalName</a:t>
-            </a:r>
-            <a:r>
-              <a:rPr lang="en-US" altLang="en-US" sz="800" dirty="0">
-                <a:solidFill>
-                  <a:srgbClr val="000000"/>
-                </a:solidFill>
-                <a:latin typeface="Courier New" panose="02070309020205020404" pitchFamily="49" charset="0"/>
-                <a:cs typeface="Courier New" panose="02070309020205020404" pitchFamily="49" charset="0"/>
-              </a:rPr>
-              <a:t> = "O=Bank A, L=New York, C=US"</a:t>
-            </a:r>
-            <a:br>
-              <a:rPr lang="en-US" altLang="en-US" sz="800" dirty="0">
-                <a:solidFill>
-                  <a:srgbClr val="000000"/>
-                </a:solidFill>
-                <a:latin typeface="Courier New" panose="02070309020205020404" pitchFamily="49" charset="0"/>
-                <a:cs typeface="Courier New" panose="02070309020205020404" pitchFamily="49" charset="0"/>
-              </a:rPr>
-            </a:br>
-            <a:r>
-              <a:rPr lang="en-US" altLang="en-US" sz="800" dirty="0">
-                <a:solidFill>
-                  <a:srgbClr val="000000"/>
-                </a:solidFill>
-                <a:latin typeface="Courier New" panose="02070309020205020404" pitchFamily="49" charset="0"/>
-                <a:cs typeface="Courier New" panose="02070309020205020404" pitchFamily="49" charset="0"/>
-              </a:rPr>
-              <a:t>p2pAddress = "banka.com:10005"</a:t>
-            </a:r>
-          </a:p>
-          <a:p>
-            <a:r>
-              <a:rPr lang="en-GB" sz="800" dirty="0" err="1">
-                <a:latin typeface="Courier New" panose="02070309020205020404" pitchFamily="49" charset="0"/>
-                <a:cs typeface="Courier New" panose="02070309020205020404" pitchFamily="49" charset="0"/>
-              </a:rPr>
-              <a:t>messagingServerAddress</a:t>
-            </a:r>
-            <a:r>
-              <a:rPr lang="en-GB" sz="800" dirty="0">
-                <a:latin typeface="Courier New" panose="02070309020205020404" pitchFamily="49" charset="0"/>
-                <a:cs typeface="Courier New" panose="02070309020205020404" pitchFamily="49" charset="0"/>
-              </a:rPr>
-              <a:t> =</a:t>
-            </a:r>
-            <a:r>
-              <a:rPr lang="en-US" altLang="en-US" sz="800" dirty="0">
-                <a:solidFill>
-                  <a:srgbClr val="000000"/>
-                </a:solidFill>
-                <a:latin typeface="Courier New" panose="02070309020205020404" pitchFamily="49" charset="0"/>
-                <a:cs typeface="Courier New" panose="02070309020205020404" pitchFamily="49" charset="0"/>
-              </a:rPr>
-              <a:t> "</a:t>
-            </a:r>
-            <a:r>
-              <a:rPr lang="en-GB" sz="800" dirty="0">
-                <a:latin typeface="Courier New" panose="02070309020205020404" pitchFamily="49" charset="0"/>
-                <a:cs typeface="Courier New" panose="02070309020205020404" pitchFamily="49" charset="0"/>
-              </a:rPr>
-              <a:t>nodeserver:11005</a:t>
-            </a:r>
-            <a:r>
-              <a:rPr lang="en-US" altLang="en-US" sz="800" dirty="0">
-                <a:solidFill>
-                  <a:srgbClr val="000000"/>
-                </a:solidFill>
-                <a:latin typeface="Courier New" panose="02070309020205020404" pitchFamily="49" charset="0"/>
-                <a:cs typeface="Courier New" panose="02070309020205020404" pitchFamily="49" charset="0"/>
-              </a:rPr>
-              <a:t>"</a:t>
-            </a:r>
-            <a:endParaRPr lang="en-GB" sz="800" dirty="0">
-              <a:latin typeface="Courier New" panose="02070309020205020404" pitchFamily="49" charset="0"/>
-              <a:cs typeface="Courier New" panose="02070309020205020404" pitchFamily="49" charset="0"/>
-            </a:endParaRPr>
-          </a:p>
-          <a:p>
-            <a:r>
-              <a:rPr lang="en-GB" sz="800" dirty="0" err="1">
-                <a:latin typeface="Courier New" panose="02070309020205020404" pitchFamily="49" charset="0"/>
-                <a:cs typeface="Courier New" panose="02070309020205020404" pitchFamily="49" charset="0"/>
-              </a:rPr>
-              <a:t>messagingServerExternal</a:t>
-            </a:r>
-            <a:r>
-              <a:rPr lang="en-GB" sz="800" dirty="0">
-                <a:latin typeface="Courier New" panose="02070309020205020404" pitchFamily="49" charset="0"/>
-                <a:cs typeface="Courier New" panose="02070309020205020404" pitchFamily="49" charset="0"/>
-              </a:rPr>
-              <a:t> = false</a:t>
-            </a:r>
-          </a:p>
-          <a:p>
-            <a:r>
-              <a:rPr lang="en-US" altLang="en-US" sz="800" dirty="0" err="1">
-                <a:solidFill>
-                  <a:srgbClr val="000000"/>
-                </a:solidFill>
-                <a:latin typeface="Courier New" panose="02070309020205020404" pitchFamily="49" charset="0"/>
-                <a:cs typeface="Courier New" panose="02070309020205020404" pitchFamily="49" charset="0"/>
-              </a:rPr>
-              <a:t>rpcSettings</a:t>
-            </a:r>
-            <a:r>
-              <a:rPr lang="en-US" altLang="en-US" sz="800" dirty="0">
-                <a:solidFill>
-                  <a:srgbClr val="000000"/>
-                </a:solidFill>
-                <a:latin typeface="Courier New" panose="02070309020205020404" pitchFamily="49" charset="0"/>
-                <a:cs typeface="Courier New" panose="02070309020205020404" pitchFamily="49" charset="0"/>
-              </a:rPr>
-              <a:t> {</a:t>
-            </a:r>
-            <a:br>
-              <a:rPr lang="en-US" altLang="en-US" sz="800" dirty="0">
-                <a:solidFill>
-                  <a:srgbClr val="000000"/>
-                </a:solidFill>
-                <a:latin typeface="Courier New" panose="02070309020205020404" pitchFamily="49" charset="0"/>
-                <a:cs typeface="Courier New" panose="02070309020205020404" pitchFamily="49" charset="0"/>
-              </a:rPr>
-            </a:br>
-            <a:r>
-              <a:rPr lang="en-US" altLang="en-US" sz="800" dirty="0">
-                <a:solidFill>
-                  <a:srgbClr val="000000"/>
-                </a:solidFill>
-                <a:latin typeface="Courier New" panose="02070309020205020404" pitchFamily="49" charset="0"/>
-                <a:cs typeface="Courier New" panose="02070309020205020404" pitchFamily="49" charset="0"/>
-              </a:rPr>
-              <a:t>    address = "</a:t>
-            </a:r>
-            <a:r>
-              <a:rPr lang="en-GB" sz="800" dirty="0" err="1">
-                <a:latin typeface="Courier New" panose="02070309020205020404" pitchFamily="49" charset="0"/>
-                <a:cs typeface="Courier New" panose="02070309020205020404" pitchFamily="49" charset="0"/>
-              </a:rPr>
-              <a:t>nodeserver</a:t>
-            </a:r>
-            <a:r>
-              <a:rPr lang="en-US" altLang="en-US" sz="800" dirty="0">
-                <a:solidFill>
-                  <a:srgbClr val="000000"/>
-                </a:solidFill>
-                <a:latin typeface="Courier New" panose="02070309020205020404" pitchFamily="49" charset="0"/>
-                <a:cs typeface="Courier New" panose="02070309020205020404" pitchFamily="49" charset="0"/>
-              </a:rPr>
-              <a:t>:10006"</a:t>
-            </a:r>
-            <a:br>
-              <a:rPr lang="en-US" altLang="en-US" sz="800" dirty="0">
-                <a:solidFill>
-                  <a:srgbClr val="000000"/>
-                </a:solidFill>
-                <a:latin typeface="Courier New" panose="02070309020205020404" pitchFamily="49" charset="0"/>
-                <a:cs typeface="Courier New" panose="02070309020205020404" pitchFamily="49" charset="0"/>
-              </a:rPr>
-            </a:br>
-            <a:r>
-              <a:rPr lang="en-US" altLang="en-US" sz="800" dirty="0">
-                <a:solidFill>
-                  <a:srgbClr val="000000"/>
-                </a:solidFill>
-                <a:latin typeface="Courier New" panose="02070309020205020404" pitchFamily="49" charset="0"/>
-                <a:cs typeface="Courier New" panose="02070309020205020404" pitchFamily="49" charset="0"/>
-              </a:rPr>
-              <a:t>    </a:t>
-            </a:r>
-            <a:r>
-              <a:rPr lang="en-US" altLang="en-US" sz="800" dirty="0" err="1">
-                <a:solidFill>
-                  <a:srgbClr val="000000"/>
-                </a:solidFill>
-                <a:latin typeface="Courier New" panose="02070309020205020404" pitchFamily="49" charset="0"/>
-                <a:cs typeface="Courier New" panose="02070309020205020404" pitchFamily="49" charset="0"/>
-              </a:rPr>
-              <a:t>adminAddress</a:t>
-            </a:r>
-            <a:r>
-              <a:rPr lang="en-US" altLang="en-US" sz="800" dirty="0">
-                <a:solidFill>
-                  <a:srgbClr val="000000"/>
-                </a:solidFill>
-                <a:latin typeface="Courier New" panose="02070309020205020404" pitchFamily="49" charset="0"/>
-                <a:cs typeface="Courier New" panose="02070309020205020404" pitchFamily="49" charset="0"/>
-              </a:rPr>
-              <a:t> = "</a:t>
-            </a:r>
-            <a:r>
-              <a:rPr lang="en-GB" sz="800" dirty="0" err="1">
-                <a:latin typeface="Courier New" panose="02070309020205020404" pitchFamily="49" charset="0"/>
-                <a:cs typeface="Courier New" panose="02070309020205020404" pitchFamily="49" charset="0"/>
-              </a:rPr>
-              <a:t>nodeserver</a:t>
-            </a:r>
-            <a:r>
-              <a:rPr lang="en-US" altLang="en-US" sz="800" dirty="0">
-                <a:solidFill>
-                  <a:srgbClr val="000000"/>
-                </a:solidFill>
-                <a:latin typeface="Courier New" panose="02070309020205020404" pitchFamily="49" charset="0"/>
-                <a:cs typeface="Courier New" panose="02070309020205020404" pitchFamily="49" charset="0"/>
-              </a:rPr>
-              <a:t>:10007"</a:t>
-            </a:r>
-            <a:br>
-              <a:rPr lang="en-US" altLang="en-US" sz="800" dirty="0">
-                <a:solidFill>
-                  <a:srgbClr val="000000"/>
-                </a:solidFill>
-                <a:latin typeface="Courier New" panose="02070309020205020404" pitchFamily="49" charset="0"/>
-                <a:cs typeface="Courier New" panose="02070309020205020404" pitchFamily="49" charset="0"/>
-              </a:rPr>
-            </a:br>
-            <a:r>
-              <a:rPr lang="en-US" altLang="en-US" sz="800" dirty="0">
-                <a:solidFill>
-                  <a:srgbClr val="000000"/>
-                </a:solidFill>
-                <a:latin typeface="Courier New" panose="02070309020205020404" pitchFamily="49" charset="0"/>
-                <a:cs typeface="Courier New" panose="02070309020205020404" pitchFamily="49" charset="0"/>
-              </a:rPr>
-              <a:t>}</a:t>
-            </a:r>
-          </a:p>
-          <a:p>
-            <a:r>
-              <a:rPr lang="en-GB" sz="800" dirty="0" err="1">
-                <a:latin typeface="Courier New" panose="02070309020205020404" pitchFamily="49" charset="0"/>
-                <a:cs typeface="Courier New" panose="02070309020205020404" pitchFamily="49" charset="0"/>
-              </a:rPr>
-              <a:t>enterpriseConfiguration</a:t>
-            </a:r>
-            <a:r>
-              <a:rPr lang="en-GB" sz="800" dirty="0">
-                <a:latin typeface="Courier New" panose="02070309020205020404" pitchFamily="49" charset="0"/>
-                <a:cs typeface="Courier New" panose="02070309020205020404" pitchFamily="49" charset="0"/>
-              </a:rPr>
-              <a:t> = {</a:t>
-            </a:r>
-          </a:p>
-          <a:p>
-            <a:r>
-              <a:rPr lang="en-GB" sz="800" dirty="0">
-                <a:latin typeface="Courier New" panose="02070309020205020404" pitchFamily="49" charset="0"/>
-                <a:cs typeface="Courier New" panose="02070309020205020404" pitchFamily="49" charset="0"/>
-              </a:rPr>
-              <a:t>    </a:t>
-            </a:r>
-            <a:r>
-              <a:rPr lang="en-GB" sz="800" dirty="0" err="1">
-                <a:latin typeface="Courier New" panose="02070309020205020404" pitchFamily="49" charset="0"/>
-                <a:cs typeface="Courier New" panose="02070309020205020404" pitchFamily="49" charset="0"/>
-              </a:rPr>
-              <a:t>externalBridge</a:t>
-            </a:r>
-            <a:r>
-              <a:rPr lang="en-GB" sz="800" dirty="0">
-                <a:latin typeface="Courier New" panose="02070309020205020404" pitchFamily="49" charset="0"/>
-                <a:cs typeface="Courier New" panose="02070309020205020404" pitchFamily="49" charset="0"/>
-              </a:rPr>
-              <a:t> = true</a:t>
-            </a:r>
-          </a:p>
-          <a:p>
-            <a:r>
-              <a:rPr lang="en-GB" sz="800" dirty="0">
-                <a:latin typeface="Courier New" panose="02070309020205020404" pitchFamily="49" charset="0"/>
-                <a:cs typeface="Courier New" panose="02070309020205020404" pitchFamily="49" charset="0"/>
-              </a:rPr>
-              <a:t>}</a:t>
-            </a:r>
-          </a:p>
-          <a:p>
             <a:endParaRPr lang="en-US" altLang="en-US" sz="800" dirty="0">
               <a:solidFill>
                 <a:srgbClr val="000000"/>
@@ -12599,8 +10775,8 @@
         </p:nvSpPr>
         <p:spPr>
           <a:xfrm>
-            <a:off x="3132717" y="3084403"/>
-            <a:ext cx="4513130" cy="3754874"/>
+            <a:off x="5961441" y="3883757"/>
+            <a:ext cx="2091774" cy="1384995"/>
           </a:xfrm>
           <a:prstGeom prst="rect">
             <a:avLst/>
@@ -12631,571 +10807,10 @@
             </a:endParaRPr>
           </a:p>
           <a:p>
-            <a:r>
-              <a:rPr lang="en-GB" sz="800" dirty="0" err="1">
-                <a:latin typeface="Courier New" panose="02070309020205020404" pitchFamily="49" charset="0"/>
-                <a:cs typeface="Courier New" panose="02070309020205020404" pitchFamily="49" charset="0"/>
-              </a:rPr>
-              <a:t>bridgeMode</a:t>
-            </a:r>
-            <a:r>
-              <a:rPr lang="en-GB" sz="800" dirty="0">
-                <a:latin typeface="Courier New" panose="02070309020205020404" pitchFamily="49" charset="0"/>
-                <a:cs typeface="Courier New" panose="02070309020205020404" pitchFamily="49" charset="0"/>
-              </a:rPr>
-              <a:t> = </a:t>
-            </a:r>
-            <a:r>
-              <a:rPr lang="en-GB" sz="800" dirty="0" err="1">
-                <a:latin typeface="Courier New" panose="02070309020205020404" pitchFamily="49" charset="0"/>
-                <a:cs typeface="Courier New" panose="02070309020205020404" pitchFamily="49" charset="0"/>
-              </a:rPr>
-              <a:t>BridgeInner</a:t>
-            </a:r>
-            <a:endParaRPr lang="en-GB" sz="800" dirty="0">
-              <a:latin typeface="Courier New" panose="02070309020205020404" pitchFamily="49" charset="0"/>
-              <a:cs typeface="Courier New" panose="02070309020205020404" pitchFamily="49" charset="0"/>
+            <a:endParaRPr lang="en-GB" sz="1600" dirty="0">
+              <a:latin typeface="Times New Roman" panose="02020603050405020304" pitchFamily="18" charset="0"/>
+              <a:cs typeface="Times New Roman" panose="02020603050405020304" pitchFamily="18" charset="0"/>
             </a:endParaRPr>
-          </a:p>
-          <a:p>
-            <a:r>
-              <a:rPr lang="en-GB" sz="800" dirty="0" err="1">
-                <a:latin typeface="Courier New" panose="02070309020205020404" pitchFamily="49" charset="0"/>
-                <a:cs typeface="Courier New" panose="02070309020205020404" pitchFamily="49" charset="0"/>
-              </a:rPr>
-              <a:t>outboundConfig</a:t>
-            </a:r>
-            <a:r>
-              <a:rPr lang="en-GB" sz="800" dirty="0">
-                <a:latin typeface="Courier New" panose="02070309020205020404" pitchFamily="49" charset="0"/>
-                <a:cs typeface="Courier New" panose="02070309020205020404" pitchFamily="49" charset="0"/>
-              </a:rPr>
-              <a:t> {</a:t>
-            </a:r>
-          </a:p>
-          <a:p>
-            <a:r>
-              <a:rPr lang="en-GB" sz="800" dirty="0">
-                <a:latin typeface="Courier New" panose="02070309020205020404" pitchFamily="49" charset="0"/>
-                <a:cs typeface="Courier New" panose="02070309020205020404" pitchFamily="49" charset="0"/>
-              </a:rPr>
-              <a:t>    </a:t>
-            </a:r>
-            <a:r>
-              <a:rPr lang="en-GB" sz="800" dirty="0" err="1">
-                <a:latin typeface="Courier New" panose="02070309020205020404" pitchFamily="49" charset="0"/>
-                <a:cs typeface="Courier New" panose="02070309020205020404" pitchFamily="49" charset="0"/>
-              </a:rPr>
-              <a:t>artemisBrokerAddress</a:t>
-            </a:r>
-            <a:r>
-              <a:rPr lang="en-GB" sz="800" dirty="0">
-                <a:latin typeface="Courier New" panose="02070309020205020404" pitchFamily="49" charset="0"/>
-                <a:cs typeface="Courier New" panose="02070309020205020404" pitchFamily="49" charset="0"/>
-              </a:rPr>
-              <a:t> = "nodeserver:11005"</a:t>
-            </a:r>
-          </a:p>
-          <a:p>
-            <a:r>
-              <a:rPr lang="en-GB" sz="800" dirty="0">
-                <a:solidFill>
-                  <a:srgbClr val="FF0000"/>
-                </a:solidFill>
-                <a:latin typeface="Courier New" panose="02070309020205020404" pitchFamily="49" charset="0"/>
-                <a:cs typeface="Courier New" panose="02070309020205020404" pitchFamily="49" charset="0"/>
-              </a:rPr>
-              <a:t>    </a:t>
-            </a:r>
-            <a:r>
-              <a:rPr lang="en-GB" sz="800" dirty="0" err="1">
-                <a:solidFill>
-                  <a:srgbClr val="FF0000"/>
-                </a:solidFill>
-                <a:latin typeface="Courier New" panose="02070309020205020404" pitchFamily="49" charset="0"/>
-                <a:cs typeface="Courier New" panose="02070309020205020404" pitchFamily="49" charset="0"/>
-              </a:rPr>
-              <a:t>socksProxyConfig</a:t>
-            </a:r>
-            <a:r>
-              <a:rPr lang="en-GB" sz="800" dirty="0">
-                <a:solidFill>
-                  <a:srgbClr val="FF0000"/>
-                </a:solidFill>
-                <a:latin typeface="Courier New" panose="02070309020205020404" pitchFamily="49" charset="0"/>
-                <a:cs typeface="Courier New" panose="02070309020205020404" pitchFamily="49" charset="0"/>
-              </a:rPr>
-              <a:t> {</a:t>
-            </a:r>
-          </a:p>
-          <a:p>
-            <a:r>
-              <a:rPr lang="en-GB" sz="800" dirty="0">
-                <a:solidFill>
-                  <a:srgbClr val="FF0000"/>
-                </a:solidFill>
-                <a:latin typeface="Courier New" panose="02070309020205020404" pitchFamily="49" charset="0"/>
-                <a:cs typeface="Courier New" panose="02070309020205020404" pitchFamily="49" charset="0"/>
-              </a:rPr>
-              <a:t>       version = SOCKS5</a:t>
-            </a:r>
-          </a:p>
-          <a:p>
-            <a:r>
-              <a:rPr lang="en-GB" sz="800" dirty="0">
-                <a:solidFill>
-                  <a:srgbClr val="FF0000"/>
-                </a:solidFill>
-                <a:latin typeface="Courier New" panose="02070309020205020404" pitchFamily="49" charset="0"/>
-                <a:cs typeface="Courier New" panose="02070309020205020404" pitchFamily="49" charset="0"/>
-              </a:rPr>
-              <a:t>       </a:t>
-            </a:r>
-            <a:r>
-              <a:rPr lang="en-GB" sz="800" dirty="0" err="1">
-                <a:solidFill>
-                  <a:srgbClr val="FF0000"/>
-                </a:solidFill>
-                <a:latin typeface="Courier New" panose="02070309020205020404" pitchFamily="49" charset="0"/>
-                <a:cs typeface="Courier New" panose="02070309020205020404" pitchFamily="49" charset="0"/>
-              </a:rPr>
-              <a:t>proxyAddress</a:t>
-            </a:r>
-            <a:r>
-              <a:rPr lang="en-GB" sz="800" dirty="0">
-                <a:solidFill>
-                  <a:srgbClr val="FF0000"/>
-                </a:solidFill>
-                <a:latin typeface="Courier New" panose="02070309020205020404" pitchFamily="49" charset="0"/>
-                <a:cs typeface="Courier New" panose="02070309020205020404" pitchFamily="49" charset="0"/>
-              </a:rPr>
-              <a:t> = "proxyserver:12345"</a:t>
-            </a:r>
-          </a:p>
-          <a:p>
-            <a:r>
-              <a:rPr lang="en-GB" sz="800" dirty="0">
-                <a:solidFill>
-                  <a:srgbClr val="FF0000"/>
-                </a:solidFill>
-                <a:latin typeface="Courier New" panose="02070309020205020404" pitchFamily="49" charset="0"/>
-                <a:cs typeface="Courier New" panose="02070309020205020404" pitchFamily="49" charset="0"/>
-              </a:rPr>
-              <a:t>       username = "</a:t>
-            </a:r>
-            <a:r>
-              <a:rPr lang="en-GB" sz="800" dirty="0" err="1">
-                <a:solidFill>
-                  <a:srgbClr val="FF0000"/>
-                </a:solidFill>
-                <a:latin typeface="Courier New" panose="02070309020205020404" pitchFamily="49" charset="0"/>
-                <a:cs typeface="Courier New" panose="02070309020205020404" pitchFamily="49" charset="0"/>
-              </a:rPr>
-              <a:t>proxyuser</a:t>
-            </a:r>
-            <a:r>
-              <a:rPr lang="en-GB" sz="800" dirty="0">
-                <a:solidFill>
-                  <a:srgbClr val="FF0000"/>
-                </a:solidFill>
-                <a:latin typeface="Courier New" panose="02070309020205020404" pitchFamily="49" charset="0"/>
-                <a:cs typeface="Courier New" panose="02070309020205020404" pitchFamily="49" charset="0"/>
-              </a:rPr>
-              <a:t>"</a:t>
-            </a:r>
-          </a:p>
-          <a:p>
-            <a:r>
-              <a:rPr lang="en-GB" sz="800" dirty="0">
-                <a:solidFill>
-                  <a:srgbClr val="FF0000"/>
-                </a:solidFill>
-                <a:latin typeface="Courier New" panose="02070309020205020404" pitchFamily="49" charset="0"/>
-                <a:cs typeface="Courier New" panose="02070309020205020404" pitchFamily="49" charset="0"/>
-              </a:rPr>
-              <a:t>       password = "password"</a:t>
-            </a:r>
-          </a:p>
-          <a:p>
-            <a:r>
-              <a:rPr lang="en-GB" sz="800" dirty="0">
-                <a:solidFill>
-                  <a:srgbClr val="FF0000"/>
-                </a:solidFill>
-                <a:latin typeface="Courier New" panose="02070309020205020404" pitchFamily="49" charset="0"/>
-                <a:cs typeface="Courier New" panose="02070309020205020404" pitchFamily="49" charset="0"/>
-              </a:rPr>
-              <a:t>    }</a:t>
-            </a:r>
-          </a:p>
-          <a:p>
-            <a:r>
-              <a:rPr lang="en-GB" sz="800" dirty="0">
-                <a:latin typeface="Courier New" panose="02070309020205020404" pitchFamily="49" charset="0"/>
-                <a:cs typeface="Courier New" panose="02070309020205020404" pitchFamily="49" charset="0"/>
-              </a:rPr>
-              <a:t>}</a:t>
-            </a:r>
-          </a:p>
-          <a:p>
-            <a:r>
-              <a:rPr lang="en-GB" sz="800" dirty="0" err="1">
-                <a:latin typeface="Courier New" panose="02070309020205020404" pitchFamily="49" charset="0"/>
-                <a:cs typeface="Courier New" panose="02070309020205020404" pitchFamily="49" charset="0"/>
-              </a:rPr>
-              <a:t>bridgeInnerConfig</a:t>
-            </a:r>
-            <a:r>
-              <a:rPr lang="en-GB" sz="800" dirty="0">
-                <a:latin typeface="Courier New" panose="02070309020205020404" pitchFamily="49" charset="0"/>
-                <a:cs typeface="Courier New" panose="02070309020205020404" pitchFamily="49" charset="0"/>
-              </a:rPr>
-              <a:t> {</a:t>
-            </a:r>
-          </a:p>
-          <a:p>
-            <a:r>
-              <a:rPr lang="en-GB" sz="800" dirty="0">
-                <a:latin typeface="Courier New" panose="02070309020205020404" pitchFamily="49" charset="0"/>
-                <a:cs typeface="Courier New" panose="02070309020205020404" pitchFamily="49" charset="0"/>
-              </a:rPr>
-              <a:t>    </a:t>
-            </a:r>
-            <a:r>
-              <a:rPr lang="en-GB" sz="800" dirty="0" err="1">
-                <a:latin typeface="Courier New" panose="02070309020205020404" pitchFamily="49" charset="0"/>
-                <a:cs typeface="Courier New" panose="02070309020205020404" pitchFamily="49" charset="0"/>
-              </a:rPr>
-              <a:t>floatAddresses</a:t>
-            </a:r>
-            <a:r>
-              <a:rPr lang="en-GB" sz="800" dirty="0">
-                <a:latin typeface="Courier New" panose="02070309020205020404" pitchFamily="49" charset="0"/>
-                <a:cs typeface="Courier New" panose="02070309020205020404" pitchFamily="49" charset="0"/>
-              </a:rPr>
-              <a:t> = ["dmzinternal:12005" ]</a:t>
-            </a:r>
-          </a:p>
-          <a:p>
-            <a:r>
-              <a:rPr lang="en-GB" sz="800" dirty="0">
-                <a:latin typeface="Courier New" panose="02070309020205020404" pitchFamily="49" charset="0"/>
-                <a:cs typeface="Courier New" panose="02070309020205020404" pitchFamily="49" charset="0"/>
-              </a:rPr>
-              <a:t>    </a:t>
-            </a:r>
-            <a:r>
-              <a:rPr lang="en-GB" sz="800" dirty="0" err="1">
-                <a:latin typeface="Courier New" panose="02070309020205020404" pitchFamily="49" charset="0"/>
-                <a:cs typeface="Courier New" panose="02070309020205020404" pitchFamily="49" charset="0"/>
-              </a:rPr>
-              <a:t>expectedCertificateSubject</a:t>
-            </a:r>
-            <a:r>
-              <a:rPr lang="en-GB" sz="800" dirty="0">
-                <a:latin typeface="Courier New" panose="02070309020205020404" pitchFamily="49" charset="0"/>
-                <a:cs typeface="Courier New" panose="02070309020205020404" pitchFamily="49" charset="0"/>
-              </a:rPr>
-              <a:t> = "CN=Float </a:t>
-            </a:r>
-            <a:r>
-              <a:rPr lang="en-GB" sz="800" dirty="0" err="1">
-                <a:latin typeface="Courier New" panose="02070309020205020404" pitchFamily="49" charset="0"/>
-                <a:cs typeface="Courier New" panose="02070309020205020404" pitchFamily="49" charset="0"/>
-              </a:rPr>
-              <a:t>Local,O</a:t>
-            </a:r>
-            <a:r>
-              <a:rPr lang="en-GB" sz="800" dirty="0">
-                <a:latin typeface="Courier New" panose="02070309020205020404" pitchFamily="49" charset="0"/>
-                <a:cs typeface="Courier New" panose="02070309020205020404" pitchFamily="49" charset="0"/>
-              </a:rPr>
-              <a:t>=</a:t>
-            </a:r>
-            <a:r>
-              <a:rPr lang="en-GB" sz="800" dirty="0" err="1">
-                <a:latin typeface="Courier New" panose="02070309020205020404" pitchFamily="49" charset="0"/>
-                <a:cs typeface="Courier New" panose="02070309020205020404" pitchFamily="49" charset="0"/>
-              </a:rPr>
-              <a:t>Tunnel,L</a:t>
-            </a:r>
-            <a:r>
-              <a:rPr lang="en-GB" sz="800" dirty="0">
-                <a:latin typeface="Courier New" panose="02070309020205020404" pitchFamily="49" charset="0"/>
-                <a:cs typeface="Courier New" panose="02070309020205020404" pitchFamily="49" charset="0"/>
-              </a:rPr>
-              <a:t>=</a:t>
-            </a:r>
-            <a:r>
-              <a:rPr lang="en-GB" sz="800" dirty="0" err="1">
-                <a:latin typeface="Courier New" panose="02070309020205020404" pitchFamily="49" charset="0"/>
-                <a:cs typeface="Courier New" panose="02070309020205020404" pitchFamily="49" charset="0"/>
-              </a:rPr>
-              <a:t>London,C</a:t>
-            </a:r>
-            <a:r>
-              <a:rPr lang="en-GB" sz="800" dirty="0">
-                <a:latin typeface="Courier New" panose="02070309020205020404" pitchFamily="49" charset="0"/>
-                <a:cs typeface="Courier New" panose="02070309020205020404" pitchFamily="49" charset="0"/>
-              </a:rPr>
-              <a:t>=GB"</a:t>
-            </a:r>
-          </a:p>
-          <a:p>
-            <a:r>
-              <a:rPr lang="en-GB" sz="800" dirty="0">
-                <a:latin typeface="Courier New" panose="02070309020205020404" pitchFamily="49" charset="0"/>
-                <a:cs typeface="Courier New" panose="02070309020205020404" pitchFamily="49" charset="0"/>
-              </a:rPr>
-              <a:t>    </a:t>
-            </a:r>
-            <a:r>
-              <a:rPr lang="en-GB" sz="800" dirty="0" err="1">
-                <a:latin typeface="Courier New" panose="02070309020205020404" pitchFamily="49" charset="0"/>
-                <a:cs typeface="Courier New" panose="02070309020205020404" pitchFamily="49" charset="0"/>
-              </a:rPr>
-              <a:t>customSSLConfiguration</a:t>
-            </a:r>
-            <a:r>
-              <a:rPr lang="en-GB" sz="800" dirty="0">
-                <a:latin typeface="Courier New" panose="02070309020205020404" pitchFamily="49" charset="0"/>
-                <a:cs typeface="Courier New" panose="02070309020205020404" pitchFamily="49" charset="0"/>
-              </a:rPr>
-              <a:t> {</a:t>
-            </a:r>
-          </a:p>
-          <a:p>
-            <a:r>
-              <a:rPr lang="en-GB" sz="800" dirty="0">
-                <a:latin typeface="Courier New" panose="02070309020205020404" pitchFamily="49" charset="0"/>
-                <a:cs typeface="Courier New" panose="02070309020205020404" pitchFamily="49" charset="0"/>
-              </a:rPr>
-              <a:t>           </a:t>
-            </a:r>
-            <a:r>
-              <a:rPr lang="en-GB" sz="800" dirty="0" err="1">
-                <a:latin typeface="Courier New" panose="02070309020205020404" pitchFamily="49" charset="0"/>
-                <a:cs typeface="Courier New" panose="02070309020205020404" pitchFamily="49" charset="0"/>
-              </a:rPr>
-              <a:t>keyStorePassword</a:t>
-            </a:r>
-            <a:r>
-              <a:rPr lang="en-GB" sz="800" dirty="0">
-                <a:latin typeface="Courier New" panose="02070309020205020404" pitchFamily="49" charset="0"/>
-                <a:cs typeface="Courier New" panose="02070309020205020404" pitchFamily="49" charset="0"/>
-              </a:rPr>
-              <a:t> = "</a:t>
-            </a:r>
-            <a:r>
-              <a:rPr lang="en-GB" sz="800" dirty="0" err="1">
-                <a:latin typeface="Courier New" panose="02070309020205020404" pitchFamily="49" charset="0"/>
-                <a:cs typeface="Courier New" panose="02070309020205020404" pitchFamily="49" charset="0"/>
-              </a:rPr>
-              <a:t>bridgepass</a:t>
-            </a:r>
-            <a:r>
-              <a:rPr lang="en-GB" sz="800" dirty="0">
-                <a:latin typeface="Courier New" panose="02070309020205020404" pitchFamily="49" charset="0"/>
-                <a:cs typeface="Courier New" panose="02070309020205020404" pitchFamily="49" charset="0"/>
-              </a:rPr>
-              <a:t>"</a:t>
-            </a:r>
-          </a:p>
-          <a:p>
-            <a:r>
-              <a:rPr lang="en-GB" sz="800" dirty="0">
-                <a:latin typeface="Courier New" panose="02070309020205020404" pitchFamily="49" charset="0"/>
-                <a:cs typeface="Courier New" panose="02070309020205020404" pitchFamily="49" charset="0"/>
-              </a:rPr>
-              <a:t>           </a:t>
-            </a:r>
-            <a:r>
-              <a:rPr lang="en-GB" sz="800" dirty="0" err="1">
-                <a:latin typeface="Courier New" panose="02070309020205020404" pitchFamily="49" charset="0"/>
-                <a:cs typeface="Courier New" panose="02070309020205020404" pitchFamily="49" charset="0"/>
-              </a:rPr>
-              <a:t>trustStorePassword</a:t>
-            </a:r>
-            <a:r>
-              <a:rPr lang="en-GB" sz="800" dirty="0">
-                <a:latin typeface="Courier New" panose="02070309020205020404" pitchFamily="49" charset="0"/>
-                <a:cs typeface="Courier New" panose="02070309020205020404" pitchFamily="49" charset="0"/>
-              </a:rPr>
-              <a:t> = "</a:t>
-            </a:r>
-            <a:r>
-              <a:rPr lang="en-GB" sz="800" dirty="0" err="1">
-                <a:latin typeface="Courier New" panose="02070309020205020404" pitchFamily="49" charset="0"/>
-                <a:cs typeface="Courier New" panose="02070309020205020404" pitchFamily="49" charset="0"/>
-              </a:rPr>
-              <a:t>trustpass</a:t>
-            </a:r>
-            <a:r>
-              <a:rPr lang="en-GB" sz="800" dirty="0">
-                <a:latin typeface="Courier New" panose="02070309020205020404" pitchFamily="49" charset="0"/>
-                <a:cs typeface="Courier New" panose="02070309020205020404" pitchFamily="49" charset="0"/>
-              </a:rPr>
-              <a:t>"</a:t>
-            </a:r>
-          </a:p>
-          <a:p>
-            <a:r>
-              <a:rPr lang="en-GB" sz="800" dirty="0">
-                <a:latin typeface="Courier New" panose="02070309020205020404" pitchFamily="49" charset="0"/>
-                <a:cs typeface="Courier New" panose="02070309020205020404" pitchFamily="49" charset="0"/>
-              </a:rPr>
-              <a:t>           </a:t>
-            </a:r>
-            <a:r>
-              <a:rPr lang="en-GB" sz="800" dirty="0" err="1">
-                <a:latin typeface="Courier New" panose="02070309020205020404" pitchFamily="49" charset="0"/>
-                <a:cs typeface="Courier New" panose="02070309020205020404" pitchFamily="49" charset="0"/>
-              </a:rPr>
-              <a:t>sslKeystore</a:t>
-            </a:r>
-            <a:r>
-              <a:rPr lang="en-GB" sz="800" dirty="0">
-                <a:latin typeface="Courier New" panose="02070309020205020404" pitchFamily="49" charset="0"/>
-                <a:cs typeface="Courier New" panose="02070309020205020404" pitchFamily="49" charset="0"/>
-              </a:rPr>
-              <a:t> = "./</a:t>
-            </a:r>
-            <a:r>
-              <a:rPr lang="en-GB" sz="800" dirty="0" err="1">
-                <a:latin typeface="Courier New" panose="02070309020205020404" pitchFamily="49" charset="0"/>
-                <a:cs typeface="Courier New" panose="02070309020205020404" pitchFamily="49" charset="0"/>
-              </a:rPr>
-              <a:t>bridgecerts</a:t>
-            </a:r>
-            <a:r>
-              <a:rPr lang="en-GB" sz="800" dirty="0">
-                <a:latin typeface="Courier New" panose="02070309020205020404" pitchFamily="49" charset="0"/>
-                <a:cs typeface="Courier New" panose="02070309020205020404" pitchFamily="49" charset="0"/>
-              </a:rPr>
-              <a:t>/</a:t>
-            </a:r>
-            <a:r>
-              <a:rPr lang="en-GB" sz="800" dirty="0" err="1">
-                <a:latin typeface="Courier New" panose="02070309020205020404" pitchFamily="49" charset="0"/>
-                <a:cs typeface="Courier New" panose="02070309020205020404" pitchFamily="49" charset="0"/>
-              </a:rPr>
-              <a:t>bridge.jks</a:t>
-            </a:r>
-            <a:r>
-              <a:rPr lang="en-GB" sz="800" dirty="0">
-                <a:latin typeface="Courier New" panose="02070309020205020404" pitchFamily="49" charset="0"/>
-                <a:cs typeface="Courier New" panose="02070309020205020404" pitchFamily="49" charset="0"/>
-              </a:rPr>
-              <a:t>"</a:t>
-            </a:r>
-          </a:p>
-          <a:p>
-            <a:r>
-              <a:rPr lang="en-GB" sz="800" dirty="0">
-                <a:latin typeface="Courier New" panose="02070309020205020404" pitchFamily="49" charset="0"/>
-                <a:cs typeface="Courier New" panose="02070309020205020404" pitchFamily="49" charset="0"/>
-              </a:rPr>
-              <a:t>           </a:t>
-            </a:r>
-            <a:r>
-              <a:rPr lang="en-GB" sz="800" dirty="0" err="1">
-                <a:latin typeface="Courier New" panose="02070309020205020404" pitchFamily="49" charset="0"/>
-                <a:cs typeface="Courier New" panose="02070309020205020404" pitchFamily="49" charset="0"/>
-              </a:rPr>
-              <a:t>trustStoreFile</a:t>
-            </a:r>
-            <a:r>
-              <a:rPr lang="en-GB" sz="800" dirty="0">
-                <a:latin typeface="Courier New" panose="02070309020205020404" pitchFamily="49" charset="0"/>
-                <a:cs typeface="Courier New" panose="02070309020205020404" pitchFamily="49" charset="0"/>
-              </a:rPr>
-              <a:t> = "./</a:t>
-            </a:r>
-            <a:r>
-              <a:rPr lang="en-GB" sz="800" dirty="0" err="1">
-                <a:latin typeface="Courier New" panose="02070309020205020404" pitchFamily="49" charset="0"/>
-                <a:cs typeface="Courier New" panose="02070309020205020404" pitchFamily="49" charset="0"/>
-              </a:rPr>
-              <a:t>bridgecerts</a:t>
-            </a:r>
-            <a:r>
-              <a:rPr lang="en-GB" sz="800" dirty="0">
-                <a:latin typeface="Courier New" panose="02070309020205020404" pitchFamily="49" charset="0"/>
-                <a:cs typeface="Courier New" panose="02070309020205020404" pitchFamily="49" charset="0"/>
-              </a:rPr>
-              <a:t>/</a:t>
-            </a:r>
-            <a:r>
-              <a:rPr lang="en-GB" sz="800" dirty="0" err="1">
-                <a:latin typeface="Courier New" panose="02070309020205020404" pitchFamily="49" charset="0"/>
-                <a:cs typeface="Courier New" panose="02070309020205020404" pitchFamily="49" charset="0"/>
-              </a:rPr>
-              <a:t>trust.jks</a:t>
-            </a:r>
-            <a:r>
-              <a:rPr lang="en-GB" sz="800" dirty="0">
-                <a:latin typeface="Courier New" panose="02070309020205020404" pitchFamily="49" charset="0"/>
-                <a:cs typeface="Courier New" panose="02070309020205020404" pitchFamily="49" charset="0"/>
-              </a:rPr>
-              <a:t>“</a:t>
-            </a:r>
-          </a:p>
-          <a:p>
-            <a:r>
-              <a:rPr lang="en-GB" sz="800" dirty="0">
-                <a:latin typeface="Courier New" panose="02070309020205020404" pitchFamily="49" charset="0"/>
-                <a:cs typeface="Courier New" panose="02070309020205020404" pitchFamily="49" charset="0"/>
-              </a:rPr>
-              <a:t>           </a:t>
-            </a:r>
-            <a:r>
-              <a:rPr lang="en-GB" sz="800" dirty="0" err="1">
-                <a:latin typeface="Courier New" panose="02070309020205020404" pitchFamily="49" charset="0"/>
-                <a:cs typeface="Courier New" panose="02070309020205020404" pitchFamily="49" charset="0"/>
-              </a:rPr>
-              <a:t>crlCheckSoftFail</a:t>
-            </a:r>
-            <a:r>
-              <a:rPr lang="en-GB" sz="800" dirty="0">
-                <a:latin typeface="Courier New" panose="02070309020205020404" pitchFamily="49" charset="0"/>
-                <a:cs typeface="Courier New" panose="02070309020205020404" pitchFamily="49" charset="0"/>
-              </a:rPr>
-              <a:t> = true</a:t>
-            </a:r>
-          </a:p>
-          <a:p>
-            <a:r>
-              <a:rPr lang="en-GB" sz="800" dirty="0">
-                <a:latin typeface="Courier New" panose="02070309020205020404" pitchFamily="49" charset="0"/>
-                <a:cs typeface="Courier New" panose="02070309020205020404" pitchFamily="49" charset="0"/>
-              </a:rPr>
-              <a:t>    }</a:t>
-            </a:r>
-          </a:p>
-          <a:p>
-            <a:r>
-              <a:rPr lang="en-GB" sz="800" dirty="0">
-                <a:latin typeface="Courier New" panose="02070309020205020404" pitchFamily="49" charset="0"/>
-                <a:cs typeface="Courier New" panose="02070309020205020404" pitchFamily="49" charset="0"/>
-              </a:rPr>
-              <a:t>}</a:t>
-            </a:r>
-          </a:p>
-          <a:p>
-            <a:r>
-              <a:rPr lang="en-GB" sz="800" dirty="0" err="1">
-                <a:latin typeface="Courier New" panose="02070309020205020404" pitchFamily="49" charset="0"/>
-                <a:cs typeface="Courier New" panose="02070309020205020404" pitchFamily="49" charset="0"/>
-              </a:rPr>
-              <a:t>networkParametersPath</a:t>
-            </a:r>
-            <a:r>
-              <a:rPr lang="en-GB" sz="800" dirty="0">
-                <a:latin typeface="Courier New" panose="02070309020205020404" pitchFamily="49" charset="0"/>
-                <a:cs typeface="Courier New" panose="02070309020205020404" pitchFamily="49" charset="0"/>
-              </a:rPr>
-              <a:t> = network-parameters</a:t>
-            </a:r>
           </a:p>
           <a:p>
             <a:r>
@@ -13276,8 +10891,8 @@
         </p:nvSpPr>
         <p:spPr>
           <a:xfrm>
-            <a:off x="7761240" y="3674185"/>
-            <a:ext cx="4306648" cy="3170099"/>
+            <a:off x="8247241" y="4017073"/>
+            <a:ext cx="2003465" cy="1231106"/>
           </a:xfrm>
           <a:prstGeom prst="rect">
             <a:avLst/>
@@ -13300,7 +10915,7 @@
                 <a:latin typeface="Times New Roman" panose="02020603050405020304" pitchFamily="18" charset="0"/>
                 <a:cs typeface="Times New Roman" panose="02020603050405020304" pitchFamily="18" charset="0"/>
               </a:rPr>
-              <a:t>bridge.conf</a:t>
+              <a:t>float.conf</a:t>
             </a:r>
             <a:endParaRPr lang="en-GB" sz="1600" dirty="0">
               <a:latin typeface="Times New Roman" panose="02020603050405020304" pitchFamily="18" charset="0"/>
@@ -13308,439 +10923,10 @@
             </a:endParaRPr>
           </a:p>
           <a:p>
-            <a:r>
-              <a:rPr lang="en-GB" sz="800" dirty="0" err="1">
-                <a:latin typeface="Courier New" panose="02070309020205020404" pitchFamily="49" charset="0"/>
-                <a:cs typeface="Courier New" panose="02070309020205020404" pitchFamily="49" charset="0"/>
-              </a:rPr>
-              <a:t>bridgeMode</a:t>
-            </a:r>
-            <a:r>
-              <a:rPr lang="en-GB" sz="800" dirty="0">
-                <a:latin typeface="Courier New" panose="02070309020205020404" pitchFamily="49" charset="0"/>
-                <a:cs typeface="Courier New" panose="02070309020205020404" pitchFamily="49" charset="0"/>
-              </a:rPr>
-              <a:t> = </a:t>
-            </a:r>
-            <a:r>
-              <a:rPr lang="en-GB" sz="800" dirty="0" err="1">
-                <a:latin typeface="Courier New" panose="02070309020205020404" pitchFamily="49" charset="0"/>
-                <a:cs typeface="Courier New" panose="02070309020205020404" pitchFamily="49" charset="0"/>
-              </a:rPr>
-              <a:t>FloatOuter</a:t>
-            </a:r>
-            <a:endParaRPr lang="en-GB" sz="800" dirty="0">
-              <a:latin typeface="Courier New" panose="02070309020205020404" pitchFamily="49" charset="0"/>
-              <a:cs typeface="Courier New" panose="02070309020205020404" pitchFamily="49" charset="0"/>
+            <a:endParaRPr lang="en-GB" sz="1600" dirty="0">
+              <a:latin typeface="Times New Roman" panose="02020603050405020304" pitchFamily="18" charset="0"/>
+              <a:cs typeface="Times New Roman" panose="02020603050405020304" pitchFamily="18" charset="0"/>
             </a:endParaRPr>
-          </a:p>
-          <a:p>
-            <a:r>
-              <a:rPr lang="en-GB" sz="800" dirty="0" err="1">
-                <a:latin typeface="Courier New" panose="02070309020205020404" pitchFamily="49" charset="0"/>
-                <a:cs typeface="Courier New" panose="02070309020205020404" pitchFamily="49" charset="0"/>
-              </a:rPr>
-              <a:t>inboundConfig</a:t>
-            </a:r>
-            <a:r>
-              <a:rPr lang="en-GB" sz="800" dirty="0">
-                <a:latin typeface="Courier New" panose="02070309020205020404" pitchFamily="49" charset="0"/>
-                <a:cs typeface="Courier New" panose="02070309020205020404" pitchFamily="49" charset="0"/>
-              </a:rPr>
-              <a:t> {</a:t>
-            </a:r>
-          </a:p>
-          <a:p>
-            <a:r>
-              <a:rPr lang="en-GB" sz="800" dirty="0">
-                <a:latin typeface="Courier New" panose="02070309020205020404" pitchFamily="49" charset="0"/>
-                <a:cs typeface="Courier New" panose="02070309020205020404" pitchFamily="49" charset="0"/>
-              </a:rPr>
-              <a:t>    </a:t>
-            </a:r>
-            <a:r>
-              <a:rPr lang="en-GB" sz="800" dirty="0" err="1">
-                <a:latin typeface="Courier New" panose="02070309020205020404" pitchFamily="49" charset="0"/>
-                <a:cs typeface="Courier New" panose="02070309020205020404" pitchFamily="49" charset="0"/>
-              </a:rPr>
-              <a:t>listeningAddress</a:t>
-            </a:r>
-            <a:r>
-              <a:rPr lang="en-GB" sz="800" dirty="0">
-                <a:latin typeface="Courier New" panose="02070309020205020404" pitchFamily="49" charset="0"/>
-                <a:cs typeface="Courier New" panose="02070309020205020404" pitchFamily="49" charset="0"/>
-              </a:rPr>
-              <a:t> = "dmzexternal:10005"</a:t>
-            </a:r>
-          </a:p>
-          <a:p>
-            <a:r>
-              <a:rPr lang="en-GB" sz="800" dirty="0">
-                <a:latin typeface="Courier New" panose="02070309020205020404" pitchFamily="49" charset="0"/>
-                <a:cs typeface="Courier New" panose="02070309020205020404" pitchFamily="49" charset="0"/>
-              </a:rPr>
-              <a:t>}</a:t>
-            </a:r>
-          </a:p>
-          <a:p>
-            <a:r>
-              <a:rPr lang="en-GB" sz="800" dirty="0" err="1">
-                <a:latin typeface="Courier New" panose="02070309020205020404" pitchFamily="49" charset="0"/>
-                <a:cs typeface="Courier New" panose="02070309020205020404" pitchFamily="49" charset="0"/>
-              </a:rPr>
-              <a:t>floatOuterConfig</a:t>
-            </a:r>
-            <a:r>
-              <a:rPr lang="en-GB" sz="800" dirty="0">
-                <a:latin typeface="Courier New" panose="02070309020205020404" pitchFamily="49" charset="0"/>
-                <a:cs typeface="Courier New" panose="02070309020205020404" pitchFamily="49" charset="0"/>
-              </a:rPr>
-              <a:t> {</a:t>
-            </a:r>
-          </a:p>
-          <a:p>
-            <a:r>
-              <a:rPr lang="en-GB" sz="800" dirty="0">
-                <a:latin typeface="Courier New" panose="02070309020205020404" pitchFamily="49" charset="0"/>
-                <a:cs typeface="Courier New" panose="02070309020205020404" pitchFamily="49" charset="0"/>
-              </a:rPr>
-              <a:t>    </a:t>
-            </a:r>
-            <a:r>
-              <a:rPr lang="en-GB" sz="800" dirty="0" err="1">
-                <a:latin typeface="Courier New" panose="02070309020205020404" pitchFamily="49" charset="0"/>
-                <a:cs typeface="Courier New" panose="02070309020205020404" pitchFamily="49" charset="0"/>
-              </a:rPr>
-              <a:t>floatAddress</a:t>
-            </a:r>
-            <a:r>
-              <a:rPr lang="en-GB" sz="800" dirty="0">
-                <a:latin typeface="Courier New" panose="02070309020205020404" pitchFamily="49" charset="0"/>
-                <a:cs typeface="Courier New" panose="02070309020205020404" pitchFamily="49" charset="0"/>
-              </a:rPr>
-              <a:t> = "dmzinternal:12005"</a:t>
-            </a:r>
-          </a:p>
-          <a:p>
-            <a:r>
-              <a:rPr lang="en-GB" sz="800" dirty="0">
-                <a:latin typeface="Courier New" panose="02070309020205020404" pitchFamily="49" charset="0"/>
-                <a:cs typeface="Courier New" panose="02070309020205020404" pitchFamily="49" charset="0"/>
-              </a:rPr>
-              <a:t>    </a:t>
-            </a:r>
-            <a:r>
-              <a:rPr lang="en-GB" sz="800" dirty="0" err="1">
-                <a:latin typeface="Courier New" panose="02070309020205020404" pitchFamily="49" charset="0"/>
-                <a:cs typeface="Courier New" panose="02070309020205020404" pitchFamily="49" charset="0"/>
-              </a:rPr>
-              <a:t>expectedCertificateSubject</a:t>
-            </a:r>
-            <a:r>
-              <a:rPr lang="en-GB" sz="800" dirty="0">
-                <a:latin typeface="Courier New" panose="02070309020205020404" pitchFamily="49" charset="0"/>
-                <a:cs typeface="Courier New" panose="02070309020205020404" pitchFamily="49" charset="0"/>
-              </a:rPr>
-              <a:t> = "CN=Bridge </a:t>
-            </a:r>
-            <a:r>
-              <a:rPr lang="en-GB" sz="800" dirty="0" err="1">
-                <a:latin typeface="Courier New" panose="02070309020205020404" pitchFamily="49" charset="0"/>
-                <a:cs typeface="Courier New" panose="02070309020205020404" pitchFamily="49" charset="0"/>
-              </a:rPr>
-              <a:t>Local,O</a:t>
-            </a:r>
-            <a:r>
-              <a:rPr lang="en-GB" sz="800" dirty="0">
-                <a:latin typeface="Courier New" panose="02070309020205020404" pitchFamily="49" charset="0"/>
-                <a:cs typeface="Courier New" panose="02070309020205020404" pitchFamily="49" charset="0"/>
-              </a:rPr>
-              <a:t>=</a:t>
-            </a:r>
-            <a:r>
-              <a:rPr lang="en-GB" sz="800" dirty="0" err="1">
-                <a:latin typeface="Courier New" panose="02070309020205020404" pitchFamily="49" charset="0"/>
-                <a:cs typeface="Courier New" panose="02070309020205020404" pitchFamily="49" charset="0"/>
-              </a:rPr>
-              <a:t>Tunnel,L</a:t>
-            </a:r>
-            <a:r>
-              <a:rPr lang="en-GB" sz="800" dirty="0">
-                <a:latin typeface="Courier New" panose="02070309020205020404" pitchFamily="49" charset="0"/>
-                <a:cs typeface="Courier New" panose="02070309020205020404" pitchFamily="49" charset="0"/>
-              </a:rPr>
-              <a:t>=</a:t>
-            </a:r>
-            <a:r>
-              <a:rPr lang="en-GB" sz="800" dirty="0" err="1">
-                <a:latin typeface="Courier New" panose="02070309020205020404" pitchFamily="49" charset="0"/>
-                <a:cs typeface="Courier New" panose="02070309020205020404" pitchFamily="49" charset="0"/>
-              </a:rPr>
-              <a:t>London,C</a:t>
-            </a:r>
-            <a:r>
-              <a:rPr lang="en-GB" sz="800" dirty="0">
-                <a:latin typeface="Courier New" panose="02070309020205020404" pitchFamily="49" charset="0"/>
-                <a:cs typeface="Courier New" panose="02070309020205020404" pitchFamily="49" charset="0"/>
-              </a:rPr>
-              <a:t>=GB"</a:t>
-            </a:r>
-          </a:p>
-          <a:p>
-            <a:r>
-              <a:rPr lang="en-GB" sz="800" dirty="0">
-                <a:latin typeface="Courier New" panose="02070309020205020404" pitchFamily="49" charset="0"/>
-                <a:cs typeface="Courier New" panose="02070309020205020404" pitchFamily="49" charset="0"/>
-              </a:rPr>
-              <a:t>    </a:t>
-            </a:r>
-            <a:r>
-              <a:rPr lang="en-GB" sz="800" dirty="0" err="1">
-                <a:latin typeface="Courier New" panose="02070309020205020404" pitchFamily="49" charset="0"/>
-                <a:cs typeface="Courier New" panose="02070309020205020404" pitchFamily="49" charset="0"/>
-              </a:rPr>
-              <a:t>customSSLConfiguration</a:t>
-            </a:r>
-            <a:r>
-              <a:rPr lang="en-GB" sz="800" dirty="0">
-                <a:latin typeface="Courier New" panose="02070309020205020404" pitchFamily="49" charset="0"/>
-                <a:cs typeface="Courier New" panose="02070309020205020404" pitchFamily="49" charset="0"/>
-              </a:rPr>
-              <a:t> {</a:t>
-            </a:r>
-          </a:p>
-          <a:p>
-            <a:r>
-              <a:rPr lang="en-GB" sz="800" dirty="0">
-                <a:latin typeface="Courier New" panose="02070309020205020404" pitchFamily="49" charset="0"/>
-                <a:cs typeface="Courier New" panose="02070309020205020404" pitchFamily="49" charset="0"/>
-              </a:rPr>
-              <a:t>           </a:t>
-            </a:r>
-            <a:r>
-              <a:rPr lang="en-GB" sz="800" dirty="0" err="1">
-                <a:latin typeface="Courier New" panose="02070309020205020404" pitchFamily="49" charset="0"/>
-                <a:cs typeface="Courier New" panose="02070309020205020404" pitchFamily="49" charset="0"/>
-              </a:rPr>
-              <a:t>keyStorePassword</a:t>
-            </a:r>
-            <a:r>
-              <a:rPr lang="en-GB" sz="800" dirty="0">
-                <a:latin typeface="Courier New" panose="02070309020205020404" pitchFamily="49" charset="0"/>
-                <a:cs typeface="Courier New" panose="02070309020205020404" pitchFamily="49" charset="0"/>
-              </a:rPr>
-              <a:t> = "</a:t>
-            </a:r>
-            <a:r>
-              <a:rPr lang="en-GB" sz="800" dirty="0" err="1">
-                <a:latin typeface="Courier New" panose="02070309020205020404" pitchFamily="49" charset="0"/>
-                <a:cs typeface="Courier New" panose="02070309020205020404" pitchFamily="49" charset="0"/>
-              </a:rPr>
-              <a:t>floatpass</a:t>
-            </a:r>
-            <a:r>
-              <a:rPr lang="en-GB" sz="800" dirty="0">
-                <a:latin typeface="Courier New" panose="02070309020205020404" pitchFamily="49" charset="0"/>
-                <a:cs typeface="Courier New" panose="02070309020205020404" pitchFamily="49" charset="0"/>
-              </a:rPr>
-              <a:t>"</a:t>
-            </a:r>
-          </a:p>
-          <a:p>
-            <a:r>
-              <a:rPr lang="en-GB" sz="800" dirty="0">
-                <a:latin typeface="Courier New" panose="02070309020205020404" pitchFamily="49" charset="0"/>
-                <a:cs typeface="Courier New" panose="02070309020205020404" pitchFamily="49" charset="0"/>
-              </a:rPr>
-              <a:t>           </a:t>
-            </a:r>
-            <a:r>
-              <a:rPr lang="en-GB" sz="800" dirty="0" err="1">
-                <a:latin typeface="Courier New" panose="02070309020205020404" pitchFamily="49" charset="0"/>
-                <a:cs typeface="Courier New" panose="02070309020205020404" pitchFamily="49" charset="0"/>
-              </a:rPr>
-              <a:t>trustStorePassword</a:t>
-            </a:r>
-            <a:r>
-              <a:rPr lang="en-GB" sz="800" dirty="0">
-                <a:latin typeface="Courier New" panose="02070309020205020404" pitchFamily="49" charset="0"/>
-                <a:cs typeface="Courier New" panose="02070309020205020404" pitchFamily="49" charset="0"/>
-              </a:rPr>
-              <a:t> = "</a:t>
-            </a:r>
-            <a:r>
-              <a:rPr lang="en-GB" sz="800" dirty="0" err="1">
-                <a:latin typeface="Courier New" panose="02070309020205020404" pitchFamily="49" charset="0"/>
-                <a:cs typeface="Courier New" panose="02070309020205020404" pitchFamily="49" charset="0"/>
-              </a:rPr>
-              <a:t>trustpass</a:t>
-            </a:r>
-            <a:r>
-              <a:rPr lang="en-GB" sz="800" dirty="0">
-                <a:latin typeface="Courier New" panose="02070309020205020404" pitchFamily="49" charset="0"/>
-                <a:cs typeface="Courier New" panose="02070309020205020404" pitchFamily="49" charset="0"/>
-              </a:rPr>
-              <a:t>"</a:t>
-            </a:r>
-          </a:p>
-          <a:p>
-            <a:r>
-              <a:rPr lang="en-GB" sz="800" dirty="0">
-                <a:latin typeface="Courier New" panose="02070309020205020404" pitchFamily="49" charset="0"/>
-                <a:cs typeface="Courier New" panose="02070309020205020404" pitchFamily="49" charset="0"/>
-              </a:rPr>
-              <a:t>           </a:t>
-            </a:r>
-            <a:r>
-              <a:rPr lang="en-GB" sz="800" dirty="0" err="1">
-                <a:latin typeface="Courier New" panose="02070309020205020404" pitchFamily="49" charset="0"/>
-                <a:cs typeface="Courier New" panose="02070309020205020404" pitchFamily="49" charset="0"/>
-              </a:rPr>
-              <a:t>sslKeystore</a:t>
-            </a:r>
-            <a:r>
-              <a:rPr lang="en-GB" sz="800" dirty="0">
-                <a:latin typeface="Courier New" panose="02070309020205020404" pitchFamily="49" charset="0"/>
-                <a:cs typeface="Courier New" panose="02070309020205020404" pitchFamily="49" charset="0"/>
-              </a:rPr>
-              <a:t> = "./</a:t>
-            </a:r>
-            <a:r>
-              <a:rPr lang="en-GB" sz="800" dirty="0" err="1">
-                <a:latin typeface="Courier New" panose="02070309020205020404" pitchFamily="49" charset="0"/>
-                <a:cs typeface="Courier New" panose="02070309020205020404" pitchFamily="49" charset="0"/>
-              </a:rPr>
-              <a:t>floatcerts</a:t>
-            </a:r>
-            <a:r>
-              <a:rPr lang="en-GB" sz="800" dirty="0">
-                <a:latin typeface="Courier New" panose="02070309020205020404" pitchFamily="49" charset="0"/>
-                <a:cs typeface="Courier New" panose="02070309020205020404" pitchFamily="49" charset="0"/>
-              </a:rPr>
-              <a:t>/</a:t>
-            </a:r>
-            <a:r>
-              <a:rPr lang="en-GB" sz="800" dirty="0" err="1">
-                <a:latin typeface="Courier New" panose="02070309020205020404" pitchFamily="49" charset="0"/>
-                <a:cs typeface="Courier New" panose="02070309020205020404" pitchFamily="49" charset="0"/>
-              </a:rPr>
-              <a:t>float.jks</a:t>
-            </a:r>
-            <a:r>
-              <a:rPr lang="en-GB" sz="800" dirty="0">
-                <a:latin typeface="Courier New" panose="02070309020205020404" pitchFamily="49" charset="0"/>
-                <a:cs typeface="Courier New" panose="02070309020205020404" pitchFamily="49" charset="0"/>
-              </a:rPr>
-              <a:t>"</a:t>
-            </a:r>
-          </a:p>
-          <a:p>
-            <a:r>
-              <a:rPr lang="en-GB" sz="800" dirty="0">
-                <a:latin typeface="Courier New" panose="02070309020205020404" pitchFamily="49" charset="0"/>
-                <a:cs typeface="Courier New" panose="02070309020205020404" pitchFamily="49" charset="0"/>
-              </a:rPr>
-              <a:t>           </a:t>
-            </a:r>
-            <a:r>
-              <a:rPr lang="en-GB" sz="800" dirty="0" err="1">
-                <a:latin typeface="Courier New" panose="02070309020205020404" pitchFamily="49" charset="0"/>
-                <a:cs typeface="Courier New" panose="02070309020205020404" pitchFamily="49" charset="0"/>
-              </a:rPr>
-              <a:t>trustStoreFile</a:t>
-            </a:r>
-            <a:r>
-              <a:rPr lang="en-GB" sz="800" dirty="0">
-                <a:latin typeface="Courier New" panose="02070309020205020404" pitchFamily="49" charset="0"/>
-                <a:cs typeface="Courier New" panose="02070309020205020404" pitchFamily="49" charset="0"/>
-              </a:rPr>
-              <a:t> = "./</a:t>
-            </a:r>
-            <a:r>
-              <a:rPr lang="en-GB" sz="800" dirty="0" err="1">
-                <a:latin typeface="Courier New" panose="02070309020205020404" pitchFamily="49" charset="0"/>
-                <a:cs typeface="Courier New" panose="02070309020205020404" pitchFamily="49" charset="0"/>
-              </a:rPr>
-              <a:t>floatcerts</a:t>
-            </a:r>
-            <a:r>
-              <a:rPr lang="en-GB" sz="800" dirty="0">
-                <a:latin typeface="Courier New" panose="02070309020205020404" pitchFamily="49" charset="0"/>
-                <a:cs typeface="Courier New" panose="02070309020205020404" pitchFamily="49" charset="0"/>
-              </a:rPr>
-              <a:t>/</a:t>
-            </a:r>
-            <a:r>
-              <a:rPr lang="en-GB" sz="800" dirty="0" err="1">
-                <a:latin typeface="Courier New" panose="02070309020205020404" pitchFamily="49" charset="0"/>
-                <a:cs typeface="Courier New" panose="02070309020205020404" pitchFamily="49" charset="0"/>
-              </a:rPr>
-              <a:t>trust.jks</a:t>
-            </a:r>
-            <a:r>
-              <a:rPr lang="en-GB" sz="800" dirty="0">
-                <a:latin typeface="Courier New" panose="02070309020205020404" pitchFamily="49" charset="0"/>
-                <a:cs typeface="Courier New" panose="02070309020205020404" pitchFamily="49" charset="0"/>
-              </a:rPr>
-              <a:t>“</a:t>
-            </a:r>
-          </a:p>
-          <a:p>
-            <a:r>
-              <a:rPr lang="en-GB" sz="800" dirty="0">
-                <a:latin typeface="Courier New" panose="02070309020205020404" pitchFamily="49" charset="0"/>
-                <a:cs typeface="Courier New" panose="02070309020205020404" pitchFamily="49" charset="0"/>
-              </a:rPr>
-              <a:t>           </a:t>
-            </a:r>
-            <a:r>
-              <a:rPr lang="en-GB" sz="800" dirty="0" err="1">
-                <a:latin typeface="Courier New" panose="02070309020205020404" pitchFamily="49" charset="0"/>
-                <a:cs typeface="Courier New" panose="02070309020205020404" pitchFamily="49" charset="0"/>
-              </a:rPr>
-              <a:t>crlCheckSoftFail</a:t>
-            </a:r>
-            <a:r>
-              <a:rPr lang="en-GB" sz="800" dirty="0">
-                <a:latin typeface="Courier New" panose="02070309020205020404" pitchFamily="49" charset="0"/>
-                <a:cs typeface="Courier New" panose="02070309020205020404" pitchFamily="49" charset="0"/>
-              </a:rPr>
-              <a:t> = true</a:t>
-            </a:r>
-          </a:p>
-          <a:p>
-            <a:r>
-              <a:rPr lang="en-GB" sz="800" dirty="0">
-                <a:latin typeface="Courier New" panose="02070309020205020404" pitchFamily="49" charset="0"/>
-                <a:cs typeface="Courier New" panose="02070309020205020404" pitchFamily="49" charset="0"/>
-              </a:rPr>
-              <a:t>    }</a:t>
-            </a:r>
-          </a:p>
-          <a:p>
-            <a:r>
-              <a:rPr lang="en-GB" sz="800" dirty="0">
-                <a:latin typeface="Courier New" panose="02070309020205020404" pitchFamily="49" charset="0"/>
-                <a:cs typeface="Courier New" panose="02070309020205020404" pitchFamily="49" charset="0"/>
-              </a:rPr>
-              <a:t>}</a:t>
-            </a:r>
-          </a:p>
-          <a:p>
-            <a:r>
-              <a:rPr lang="en-GB" sz="800" dirty="0" err="1">
-                <a:latin typeface="Courier New" panose="02070309020205020404" pitchFamily="49" charset="0"/>
-                <a:cs typeface="Courier New" panose="02070309020205020404" pitchFamily="49" charset="0"/>
-              </a:rPr>
-              <a:t>networkParametersPath</a:t>
-            </a:r>
-            <a:r>
-              <a:rPr lang="en-GB" sz="800" dirty="0">
-                <a:latin typeface="Courier New" panose="02070309020205020404" pitchFamily="49" charset="0"/>
-                <a:cs typeface="Courier New" panose="02070309020205020404" pitchFamily="49" charset="0"/>
-              </a:rPr>
-              <a:t> = network-parameters</a:t>
-            </a:r>
           </a:p>
           <a:p>
             <a:r>
@@ -13793,7 +10979,7 @@
         </p:nvSpPr>
         <p:spPr>
           <a:xfrm>
-            <a:off x="8752485" y="689916"/>
+            <a:off x="8752485" y="1032804"/>
             <a:ext cx="992979" cy="649934"/>
           </a:xfrm>
           <a:prstGeom prst="rect">
@@ -13876,7 +11062,7 @@
         </p:nvCxnSpPr>
         <p:spPr>
           <a:xfrm flipV="1">
-            <a:off x="7521177" y="1014883"/>
+            <a:off x="7521177" y="1357771"/>
             <a:ext cx="1231308" cy="870326"/>
           </a:xfrm>
           <a:prstGeom prst="straightConnector1">
@@ -13923,7 +11109,7 @@
         </p:nvCxnSpPr>
         <p:spPr>
           <a:xfrm>
-            <a:off x="9745464" y="1014883"/>
+            <a:off x="9745464" y="1357771"/>
             <a:ext cx="1328434" cy="1290016"/>
           </a:xfrm>
           <a:prstGeom prst="straightConnector1">
@@ -13966,7 +11152,7 @@
         </p:nvSpPr>
         <p:spPr>
           <a:xfrm>
-            <a:off x="10285084" y="1258827"/>
+            <a:off x="10285084" y="1601715"/>
             <a:ext cx="492443" cy="338554"/>
           </a:xfrm>
           <a:prstGeom prst="rect">
@@ -14005,7 +11191,7 @@
         </p:nvSpPr>
         <p:spPr>
           <a:xfrm>
-            <a:off x="7652225" y="1217344"/>
+            <a:off x="7652225" y="1560232"/>
             <a:ext cx="492443" cy="338554"/>
           </a:xfrm>
           <a:prstGeom prst="rect">
@@ -14044,7 +11230,7 @@
         </p:nvSpPr>
         <p:spPr>
           <a:xfrm>
-            <a:off x="8070358" y="1966345"/>
+            <a:off x="8070358" y="2309233"/>
             <a:ext cx="356188" cy="338554"/>
           </a:xfrm>
           <a:prstGeom prst="rect">
@@ -14083,7 +11269,7 @@
         </p:nvSpPr>
         <p:spPr>
           <a:xfrm>
-            <a:off x="5367020" y="2634601"/>
+            <a:off x="5367020" y="2977489"/>
             <a:ext cx="1159292" cy="215444"/>
           </a:xfrm>
           <a:prstGeom prst="rect">
@@ -14125,7 +11311,7 @@
         </p:nvSpPr>
         <p:spPr>
           <a:xfrm>
-            <a:off x="2999948" y="2260998"/>
+            <a:off x="2999948" y="2603886"/>
             <a:ext cx="1159292" cy="215444"/>
           </a:xfrm>
           <a:prstGeom prst="rect">
@@ -14167,7 +11353,7 @@
         </p:nvSpPr>
         <p:spPr>
           <a:xfrm>
-            <a:off x="8483204" y="585300"/>
+            <a:off x="8483204" y="928188"/>
             <a:ext cx="307777" cy="1127873"/>
           </a:xfrm>
           <a:prstGeom prst="rect">
@@ -14215,7 +11401,7 @@
         </p:nvSpPr>
         <p:spPr>
           <a:xfrm>
-            <a:off x="10061531" y="2324068"/>
+            <a:off x="10061531" y="2666956"/>
             <a:ext cx="307777" cy="1006045"/>
           </a:xfrm>
           <a:prstGeom prst="rect">
@@ -14263,7 +11449,7 @@
         </p:nvSpPr>
         <p:spPr>
           <a:xfrm>
-            <a:off x="9730095" y="2349128"/>
+            <a:off x="9730095" y="2692016"/>
             <a:ext cx="307777" cy="1127873"/>
           </a:xfrm>
           <a:prstGeom prst="rect">
@@ -14311,7 +11497,7 @@
         </p:nvSpPr>
         <p:spPr>
           <a:xfrm>
-            <a:off x="8538266" y="2349128"/>
+            <a:off x="8538266" y="2692016"/>
             <a:ext cx="307777" cy="1127873"/>
           </a:xfrm>
           <a:prstGeom prst="rect">
@@ -14359,7 +11545,7 @@
         </p:nvSpPr>
         <p:spPr>
           <a:xfrm>
-            <a:off x="5450422" y="2002590"/>
+            <a:off x="5450422" y="2345478"/>
             <a:ext cx="895350" cy="614362"/>
           </a:xfrm>
           <a:prstGeom prst="rect">
@@ -14411,6 +11597,232 @@
           </a:p>
         </p:txBody>
       </p:sp>
+      <p:sp>
+        <p:nvSpPr>
+          <p:cNvPr id="46" name="Rectangle 45">
+            <a:extLst>
+              <a:ext uri="{FF2B5EF4-FFF2-40B4-BE49-F238E27FC236}">
+                <a16:creationId xmlns:a16="http://schemas.microsoft.com/office/drawing/2014/main" id="{B3634692-449C-CA43-B364-BEDC602ECF88}"/>
+              </a:ext>
+            </a:extLst>
+          </p:cNvPr>
+          <p:cNvSpPr/>
+          <p:nvPr/>
+        </p:nvSpPr>
+        <p:spPr>
+          <a:xfrm>
+            <a:off x="10419890" y="534739"/>
+            <a:ext cx="1664661" cy="742678"/>
+          </a:xfrm>
+          <a:prstGeom prst="rect">
+            <a:avLst/>
+          </a:prstGeom>
+          <a:noFill/>
+          <a:ln>
+            <a:solidFill>
+              <a:schemeClr val="tx1"/>
+            </a:solidFill>
+          </a:ln>
+        </p:spPr>
+        <p:style>
+          <a:lnRef idx="2">
+            <a:schemeClr val="accent1">
+              <a:shade val="50000"/>
+            </a:schemeClr>
+          </a:lnRef>
+          <a:fillRef idx="1">
+            <a:schemeClr val="accent1"/>
+          </a:fillRef>
+          <a:effectRef idx="0">
+            <a:schemeClr val="accent1"/>
+          </a:effectRef>
+          <a:fontRef idx="minor">
+            <a:schemeClr val="lt1"/>
+          </a:fontRef>
+        </p:style>
+        <p:txBody>
+          <a:bodyPr rot="0" spcFirstLastPara="0" vertOverflow="overflow" horzOverflow="overflow" vert="horz" wrap="square" lIns="91440" tIns="45720" rIns="91440" bIns="45720" numCol="1" spcCol="0" rtlCol="0" fromWordArt="0" anchor="t" anchorCtr="0" forceAA="0" compatLnSpc="1">
+            <a:prstTxWarp prst="textNoShape">
+              <a:avLst/>
+            </a:prstTxWarp>
+            <a:noAutofit/>
+          </a:bodyPr>
+          <a:lstStyle/>
+          <a:p>
+            <a:pPr algn="ctr"/>
+            <a:r>
+              <a:rPr lang="en-GB" sz="1600" dirty="0">
+                <a:solidFill>
+                  <a:schemeClr val="tx1"/>
+                </a:solidFill>
+                <a:latin typeface="Times New Roman" panose="02020603050405020304" pitchFamily="18" charset="0"/>
+                <a:cs typeface="Times New Roman" panose="02020603050405020304" pitchFamily="18" charset="0"/>
+              </a:rPr>
+              <a:t>Network Services</a:t>
+            </a:r>
+          </a:p>
+          <a:p>
+            <a:pPr algn="ctr"/>
+            <a:r>
+              <a:rPr lang="en-GB" sz="1200" dirty="0">
+                <a:solidFill>
+                  <a:schemeClr val="tx1"/>
+                </a:solidFill>
+                <a:latin typeface="Times New Roman" panose="02020603050405020304" pitchFamily="18" charset="0"/>
+                <a:cs typeface="Times New Roman" panose="02020603050405020304" pitchFamily="18" charset="0"/>
+              </a:rPr>
+              <a:t>Network Map</a:t>
+            </a:r>
+          </a:p>
+          <a:p>
+            <a:pPr algn="ctr"/>
+            <a:r>
+              <a:rPr lang="en-GB" sz="1200" dirty="0">
+                <a:solidFill>
+                  <a:schemeClr val="tx1"/>
+                </a:solidFill>
+                <a:latin typeface="Times New Roman" panose="02020603050405020304" pitchFamily="18" charset="0"/>
+                <a:cs typeface="Times New Roman" panose="02020603050405020304" pitchFamily="18" charset="0"/>
+              </a:rPr>
+              <a:t>Doorman &amp; CRL</a:t>
+            </a:r>
+          </a:p>
+        </p:txBody>
+      </p:sp>
+      <p:cxnSp>
+        <p:nvCxnSpPr>
+          <p:cNvPr id="10" name="Straight Arrow Connector 9">
+            <a:extLst>
+              <a:ext uri="{FF2B5EF4-FFF2-40B4-BE49-F238E27FC236}">
+                <a16:creationId xmlns:a16="http://schemas.microsoft.com/office/drawing/2014/main" id="{C59EF257-3F92-C644-940C-85D5BC3E00C6}"/>
+              </a:ext>
+            </a:extLst>
+          </p:cNvPr>
+          <p:cNvCxnSpPr>
+            <a:cxnSpLocks/>
+          </p:cNvCxnSpPr>
+          <p:nvPr/>
+        </p:nvCxnSpPr>
+        <p:spPr>
+          <a:xfrm>
+            <a:off x="9745464" y="1121954"/>
+            <a:ext cx="673841" cy="0"/>
+          </a:xfrm>
+          <a:prstGeom prst="straightConnector1">
+            <a:avLst/>
+          </a:prstGeom>
+          <a:ln>
+            <a:tailEnd type="triangle"/>
+          </a:ln>
+        </p:spPr>
+        <p:style>
+          <a:lnRef idx="1">
+            <a:schemeClr val="accent1"/>
+          </a:lnRef>
+          <a:fillRef idx="0">
+            <a:schemeClr val="accent1"/>
+          </a:fillRef>
+          <a:effectRef idx="0">
+            <a:schemeClr val="accent1"/>
+          </a:effectRef>
+          <a:fontRef idx="minor">
+            <a:schemeClr val="tx1"/>
+          </a:fontRef>
+        </p:style>
+      </p:cxnSp>
+      <p:cxnSp>
+        <p:nvCxnSpPr>
+          <p:cNvPr id="13" name="Elbow Connector 12">
+            <a:extLst>
+              <a:ext uri="{FF2B5EF4-FFF2-40B4-BE49-F238E27FC236}">
+                <a16:creationId xmlns:a16="http://schemas.microsoft.com/office/drawing/2014/main" id="{CD48EFEC-6EE6-3D43-95BD-36835046E322}"/>
+              </a:ext>
+            </a:extLst>
+          </p:cNvPr>
+          <p:cNvCxnSpPr>
+            <a:endCxn id="46" idx="1"/>
+          </p:cNvCxnSpPr>
+          <p:nvPr/>
+        </p:nvCxnSpPr>
+        <p:spPr>
+          <a:xfrm flipV="1">
+            <a:off x="6760370" y="906078"/>
+            <a:ext cx="3659520" cy="451693"/>
+          </a:xfrm>
+          <a:prstGeom prst="bentConnector3">
+            <a:avLst>
+              <a:gd name="adj1" fmla="val 20928"/>
+            </a:avLst>
+          </a:prstGeom>
+          <a:ln>
+            <a:tailEnd type="triangle"/>
+          </a:ln>
+        </p:spPr>
+        <p:style>
+          <a:lnRef idx="1">
+            <a:schemeClr val="accent1"/>
+          </a:lnRef>
+          <a:fillRef idx="0">
+            <a:schemeClr val="accent1"/>
+          </a:fillRef>
+          <a:effectRef idx="0">
+            <a:schemeClr val="accent1"/>
+          </a:effectRef>
+          <a:fontRef idx="minor">
+            <a:schemeClr val="tx1"/>
+          </a:fontRef>
+        </p:style>
+      </p:cxnSp>
+      <p:cxnSp>
+        <p:nvCxnSpPr>
+          <p:cNvPr id="3" name="Elbow Connector 2">
+            <a:extLst>
+              <a:ext uri="{FF2B5EF4-FFF2-40B4-BE49-F238E27FC236}">
+                <a16:creationId xmlns:a16="http://schemas.microsoft.com/office/drawing/2014/main" id="{B45D03FB-D6AA-FE4E-A6D9-EB54CC1EA749}"/>
+              </a:ext>
+            </a:extLst>
+          </p:cNvPr>
+          <p:cNvCxnSpPr>
+            <a:stCxn id="75" idx="0"/>
+            <a:endCxn id="46" idx="2"/>
+          </p:cNvCxnSpPr>
+          <p:nvPr/>
+        </p:nvCxnSpPr>
+        <p:spPr>
+          <a:xfrm rot="5400000" flipH="1" flipV="1">
+            <a:off x="9784882" y="760758"/>
+            <a:ext cx="950680" cy="1983998"/>
+          </a:xfrm>
+          <a:prstGeom prst="bentConnector3">
+            <a:avLst>
+              <a:gd name="adj1" fmla="val 26813"/>
+            </a:avLst>
+          </a:prstGeom>
+          <a:ln w="9525" cap="flat" cmpd="sng" algn="ctr">
+            <a:solidFill>
+              <a:schemeClr val="accent1"/>
+            </a:solidFill>
+            <a:prstDash val="solid"/>
+            <a:round/>
+            <a:headEnd type="none" w="med" len="med"/>
+            <a:tailEnd type="triangle"/>
+          </a:ln>
+        </p:spPr>
+        <p:style>
+          <a:lnRef idx="0">
+            <a:scrgbClr r="0" g="0" b="0"/>
+          </a:lnRef>
+          <a:fillRef idx="0">
+            <a:scrgbClr r="0" g="0" b="0"/>
+          </a:fillRef>
+          <a:effectRef idx="0">
+            <a:scrgbClr r="0" g="0" b="0"/>
+          </a:effectRef>
+          <a:fontRef idx="minor">
+            <a:schemeClr val="tx1"/>
+          </a:fontRef>
+        </p:style>
+      </p:cxnSp>
     </p:spTree>
     <p:extLst>
       <p:ext uri="{BB962C8B-B14F-4D97-AF65-F5344CB8AC3E}">
@@ -18954,7 +16366,7 @@
         </p:nvGrpSpPr>
         <p:grpSpPr>
           <a:xfrm>
-            <a:off x="6966349" y="1247771"/>
+            <a:off x="5841412" y="1477551"/>
             <a:ext cx="1278128" cy="867813"/>
             <a:chOff x="5582643" y="558800"/>
             <a:chExt cx="1278128" cy="867813"/>
@@ -19119,18 +16531,18 @@
           </p:cNvPr>
           <p:cNvCxnSpPr>
             <a:cxnSpLocks/>
-            <a:stCxn id="57" idx="0"/>
-            <a:endCxn id="80" idx="2"/>
           </p:cNvCxnSpPr>
           <p:nvPr/>
         </p:nvCxnSpPr>
         <p:spPr>
-          <a:xfrm flipH="1" flipV="1">
-            <a:off x="7529213" y="1963184"/>
-            <a:ext cx="4664" cy="709425"/>
-          </a:xfrm>
-          <a:prstGeom prst="straightConnector1">
-            <a:avLst/>
+          <a:xfrm rot="16200000" flipV="1">
+            <a:off x="6420670" y="1867986"/>
+            <a:ext cx="479645" cy="1129601"/>
+          </a:xfrm>
+          <a:prstGeom prst="bentConnector3">
+            <a:avLst>
+              <a:gd name="adj1" fmla="val 50000"/>
+            </a:avLst>
           </a:prstGeom>
           <a:ln>
             <a:solidFill>
@@ -19276,8 +16688,8 @@
         </p:nvSpPr>
         <p:spPr>
           <a:xfrm>
-            <a:off x="44856" y="3856832"/>
-            <a:ext cx="3028393" cy="2954655"/>
+            <a:off x="588639" y="3779718"/>
+            <a:ext cx="1752119" cy="1000274"/>
           </a:xfrm>
           <a:prstGeom prst="rect">
             <a:avLst/>
@@ -19290,7 +16702,7 @@
           </a:ln>
         </p:spPr>
         <p:txBody>
-          <a:bodyPr wrap="none" rtlCol="0">
+          <a:bodyPr wrap="square" rtlCol="0">
             <a:spAutoFit/>
           </a:bodyPr>
           <a:lstStyle/>
@@ -19322,7 +16734,19 @@
                 <a:latin typeface="Times New Roman" panose="02020603050405020304" pitchFamily="18" charset="0"/>
                 <a:cs typeface="Times New Roman" panose="02020603050405020304" pitchFamily="18" charset="0"/>
               </a:rPr>
-              <a:t>(duplicated on second node, but node server names modified)</a:t>
+              <a:t>(duplicated on second node, but</a:t>
+            </a:r>
+          </a:p>
+          <a:p>
+            <a:r>
+              <a:rPr lang="en-US" altLang="en-US" sz="900" dirty="0">
+                <a:solidFill>
+                  <a:srgbClr val="000000"/>
+                </a:solidFill>
+                <a:latin typeface="Times New Roman" panose="02020603050405020304" pitchFamily="18" charset="0"/>
+                <a:cs typeface="Times New Roman" panose="02020603050405020304" pitchFamily="18" charset="0"/>
+              </a:rPr>
+              <a:t> node server names modified)</a:t>
             </a:r>
           </a:p>
           <a:p>
@@ -19335,447 +16759,6 @@
             </a:endParaRPr>
           </a:p>
           <a:p>
-            <a:r>
-              <a:rPr lang="en-US" altLang="en-US" sz="800" dirty="0" err="1">
-                <a:solidFill>
-                  <a:srgbClr val="000000"/>
-                </a:solidFill>
-                <a:latin typeface="Courier New" panose="02070309020205020404" pitchFamily="49" charset="0"/>
-                <a:cs typeface="Courier New" panose="02070309020205020404" pitchFamily="49" charset="0"/>
-              </a:rPr>
-              <a:t>myLegalName</a:t>
-            </a:r>
-            <a:r>
-              <a:rPr lang="en-US" altLang="en-US" sz="800" dirty="0">
-                <a:solidFill>
-                  <a:srgbClr val="000000"/>
-                </a:solidFill>
-                <a:latin typeface="Courier New" panose="02070309020205020404" pitchFamily="49" charset="0"/>
-                <a:cs typeface="Courier New" panose="02070309020205020404" pitchFamily="49" charset="0"/>
-              </a:rPr>
-              <a:t> = "O=Bank A, L=New York, C=US"</a:t>
-            </a:r>
-            <a:br>
-              <a:rPr lang="en-US" altLang="en-US" sz="800" dirty="0">
-                <a:solidFill>
-                  <a:srgbClr val="000000"/>
-                </a:solidFill>
-                <a:latin typeface="Courier New" panose="02070309020205020404" pitchFamily="49" charset="0"/>
-                <a:cs typeface="Courier New" panose="02070309020205020404" pitchFamily="49" charset="0"/>
-              </a:rPr>
-            </a:br>
-            <a:r>
-              <a:rPr lang="en-US" altLang="en-US" sz="800" dirty="0">
-                <a:solidFill>
-                  <a:srgbClr val="000000"/>
-                </a:solidFill>
-                <a:latin typeface="Courier New" panose="02070309020205020404" pitchFamily="49" charset="0"/>
-                <a:cs typeface="Courier New" panose="02070309020205020404" pitchFamily="49" charset="0"/>
-              </a:rPr>
-              <a:t>p2pAddress = "banka.com:10005"</a:t>
-            </a:r>
-          </a:p>
-          <a:p>
-            <a:r>
-              <a:rPr lang="en-GB" sz="800" dirty="0" err="1">
-                <a:latin typeface="Courier New" panose="02070309020205020404" pitchFamily="49" charset="0"/>
-                <a:cs typeface="Courier New" panose="02070309020205020404" pitchFamily="49" charset="0"/>
-              </a:rPr>
-              <a:t>messagingServerAddress</a:t>
-            </a:r>
-            <a:r>
-              <a:rPr lang="en-GB" sz="800" dirty="0">
-                <a:latin typeface="Courier New" panose="02070309020205020404" pitchFamily="49" charset="0"/>
-                <a:cs typeface="Courier New" panose="02070309020205020404" pitchFamily="49" charset="0"/>
-              </a:rPr>
-              <a:t> = </a:t>
-            </a:r>
-            <a:r>
-              <a:rPr lang="en-US" altLang="en-US" sz="800" dirty="0">
-                <a:solidFill>
-                  <a:srgbClr val="000000"/>
-                </a:solidFill>
-                <a:latin typeface="Courier New" panose="02070309020205020404" pitchFamily="49" charset="0"/>
-                <a:cs typeface="Courier New" panose="02070309020205020404" pitchFamily="49" charset="0"/>
-              </a:rPr>
-              <a:t>"</a:t>
-            </a:r>
-            <a:r>
-              <a:rPr lang="en-GB" sz="800" dirty="0">
-                <a:latin typeface="Courier New" panose="02070309020205020404" pitchFamily="49" charset="0"/>
-                <a:cs typeface="Courier New" panose="02070309020205020404" pitchFamily="49" charset="0"/>
-              </a:rPr>
-              <a:t>artemiserver:11005</a:t>
-            </a:r>
-            <a:r>
-              <a:rPr lang="en-US" altLang="en-US" sz="800" dirty="0">
-                <a:solidFill>
-                  <a:srgbClr val="000000"/>
-                </a:solidFill>
-                <a:latin typeface="Courier New" panose="02070309020205020404" pitchFamily="49" charset="0"/>
-                <a:cs typeface="Courier New" panose="02070309020205020404" pitchFamily="49" charset="0"/>
-              </a:rPr>
-              <a:t>"</a:t>
-            </a:r>
-            <a:endParaRPr lang="en-GB" sz="800" dirty="0">
-              <a:latin typeface="Courier New" panose="02070309020205020404" pitchFamily="49" charset="0"/>
-              <a:cs typeface="Courier New" panose="02070309020205020404" pitchFamily="49" charset="0"/>
-            </a:endParaRPr>
-          </a:p>
-          <a:p>
-            <a:r>
-              <a:rPr lang="en-GB" sz="800" dirty="0" err="1">
-                <a:latin typeface="Courier New" panose="02070309020205020404" pitchFamily="49" charset="0"/>
-                <a:cs typeface="Courier New" panose="02070309020205020404" pitchFamily="49" charset="0"/>
-              </a:rPr>
-              <a:t>messagingServerExternal</a:t>
-            </a:r>
-            <a:r>
-              <a:rPr lang="en-GB" sz="800" dirty="0">
-                <a:latin typeface="Courier New" panose="02070309020205020404" pitchFamily="49" charset="0"/>
-                <a:cs typeface="Courier New" panose="02070309020205020404" pitchFamily="49" charset="0"/>
-              </a:rPr>
-              <a:t> = true</a:t>
-            </a:r>
-          </a:p>
-          <a:p>
-            <a:r>
-              <a:rPr lang="en-US" altLang="en-US" sz="800" dirty="0" err="1">
-                <a:solidFill>
-                  <a:srgbClr val="000000"/>
-                </a:solidFill>
-                <a:latin typeface="Courier New" panose="02070309020205020404" pitchFamily="49" charset="0"/>
-                <a:cs typeface="Courier New" panose="02070309020205020404" pitchFamily="49" charset="0"/>
-              </a:rPr>
-              <a:t>rpcSettings</a:t>
-            </a:r>
-            <a:r>
-              <a:rPr lang="en-US" altLang="en-US" sz="800" dirty="0">
-                <a:solidFill>
-                  <a:srgbClr val="000000"/>
-                </a:solidFill>
-                <a:latin typeface="Courier New" panose="02070309020205020404" pitchFamily="49" charset="0"/>
-                <a:cs typeface="Courier New" panose="02070309020205020404" pitchFamily="49" charset="0"/>
-              </a:rPr>
-              <a:t> {</a:t>
-            </a:r>
-            <a:br>
-              <a:rPr lang="en-US" altLang="en-US" sz="800" dirty="0">
-                <a:solidFill>
-                  <a:srgbClr val="000000"/>
-                </a:solidFill>
-                <a:latin typeface="Courier New" panose="02070309020205020404" pitchFamily="49" charset="0"/>
-                <a:cs typeface="Courier New" panose="02070309020205020404" pitchFamily="49" charset="0"/>
-              </a:rPr>
-            </a:br>
-            <a:r>
-              <a:rPr lang="en-US" altLang="en-US" sz="800" dirty="0">
-                <a:solidFill>
-                  <a:srgbClr val="000000"/>
-                </a:solidFill>
-                <a:latin typeface="Courier New" panose="02070309020205020404" pitchFamily="49" charset="0"/>
-                <a:cs typeface="Courier New" panose="02070309020205020404" pitchFamily="49" charset="0"/>
-              </a:rPr>
-              <a:t>    address = "</a:t>
-            </a:r>
-            <a:r>
-              <a:rPr lang="en-GB" sz="800" dirty="0">
-                <a:latin typeface="Courier New" panose="02070309020205020404" pitchFamily="49" charset="0"/>
-                <a:cs typeface="Courier New" panose="02070309020205020404" pitchFamily="49" charset="0"/>
-              </a:rPr>
-              <a:t>nodeserver1</a:t>
-            </a:r>
-            <a:r>
-              <a:rPr lang="en-US" altLang="en-US" sz="800" dirty="0">
-                <a:solidFill>
-                  <a:srgbClr val="000000"/>
-                </a:solidFill>
-                <a:latin typeface="Courier New" panose="02070309020205020404" pitchFamily="49" charset="0"/>
-                <a:cs typeface="Courier New" panose="02070309020205020404" pitchFamily="49" charset="0"/>
-              </a:rPr>
-              <a:t>:10006"</a:t>
-            </a:r>
-            <a:br>
-              <a:rPr lang="en-US" altLang="en-US" sz="800" dirty="0">
-                <a:solidFill>
-                  <a:srgbClr val="000000"/>
-                </a:solidFill>
-                <a:latin typeface="Courier New" panose="02070309020205020404" pitchFamily="49" charset="0"/>
-                <a:cs typeface="Courier New" panose="02070309020205020404" pitchFamily="49" charset="0"/>
-              </a:rPr>
-            </a:br>
-            <a:r>
-              <a:rPr lang="en-US" altLang="en-US" sz="800" dirty="0">
-                <a:solidFill>
-                  <a:srgbClr val="000000"/>
-                </a:solidFill>
-                <a:latin typeface="Courier New" panose="02070309020205020404" pitchFamily="49" charset="0"/>
-                <a:cs typeface="Courier New" panose="02070309020205020404" pitchFamily="49" charset="0"/>
-              </a:rPr>
-              <a:t>    </a:t>
-            </a:r>
-            <a:r>
-              <a:rPr lang="en-US" altLang="en-US" sz="800" dirty="0" err="1">
-                <a:solidFill>
-                  <a:srgbClr val="000000"/>
-                </a:solidFill>
-                <a:latin typeface="Courier New" panose="02070309020205020404" pitchFamily="49" charset="0"/>
-                <a:cs typeface="Courier New" panose="02070309020205020404" pitchFamily="49" charset="0"/>
-              </a:rPr>
-              <a:t>adminAddress</a:t>
-            </a:r>
-            <a:r>
-              <a:rPr lang="en-US" altLang="en-US" sz="800" dirty="0">
-                <a:solidFill>
-                  <a:srgbClr val="000000"/>
-                </a:solidFill>
-                <a:latin typeface="Courier New" panose="02070309020205020404" pitchFamily="49" charset="0"/>
-                <a:cs typeface="Courier New" panose="02070309020205020404" pitchFamily="49" charset="0"/>
-              </a:rPr>
-              <a:t> = "</a:t>
-            </a:r>
-            <a:r>
-              <a:rPr lang="en-GB" sz="800" dirty="0">
-                <a:latin typeface="Courier New" panose="02070309020205020404" pitchFamily="49" charset="0"/>
-                <a:cs typeface="Courier New" panose="02070309020205020404" pitchFamily="49" charset="0"/>
-              </a:rPr>
-              <a:t>nodeserver1</a:t>
-            </a:r>
-            <a:r>
-              <a:rPr lang="en-US" altLang="en-US" sz="800" dirty="0">
-                <a:solidFill>
-                  <a:srgbClr val="000000"/>
-                </a:solidFill>
-                <a:latin typeface="Courier New" panose="02070309020205020404" pitchFamily="49" charset="0"/>
-                <a:cs typeface="Courier New" panose="02070309020205020404" pitchFamily="49" charset="0"/>
-              </a:rPr>
-              <a:t>:10007"</a:t>
-            </a:r>
-            <a:br>
-              <a:rPr lang="en-US" altLang="en-US" sz="800" dirty="0">
-                <a:solidFill>
-                  <a:srgbClr val="000000"/>
-                </a:solidFill>
-                <a:latin typeface="Courier New" panose="02070309020205020404" pitchFamily="49" charset="0"/>
-                <a:cs typeface="Courier New" panose="02070309020205020404" pitchFamily="49" charset="0"/>
-              </a:rPr>
-            </a:br>
-            <a:r>
-              <a:rPr lang="en-US" altLang="en-US" sz="800" dirty="0">
-                <a:solidFill>
-                  <a:srgbClr val="000000"/>
-                </a:solidFill>
-                <a:latin typeface="Courier New" panose="02070309020205020404" pitchFamily="49" charset="0"/>
-                <a:cs typeface="Courier New" panose="02070309020205020404" pitchFamily="49" charset="0"/>
-              </a:rPr>
-              <a:t>}</a:t>
-            </a:r>
-          </a:p>
-          <a:p>
-            <a:r>
-              <a:rPr lang="en-GB" sz="800" dirty="0" err="1">
-                <a:latin typeface="Courier New" panose="02070309020205020404" pitchFamily="49" charset="0"/>
-                <a:cs typeface="Courier New" panose="02070309020205020404" pitchFamily="49" charset="0"/>
-              </a:rPr>
-              <a:t>enterpriseConfiguration</a:t>
-            </a:r>
-            <a:r>
-              <a:rPr lang="en-GB" sz="800" dirty="0">
-                <a:latin typeface="Courier New" panose="02070309020205020404" pitchFamily="49" charset="0"/>
-                <a:cs typeface="Courier New" panose="02070309020205020404" pitchFamily="49" charset="0"/>
-              </a:rPr>
-              <a:t> = {</a:t>
-            </a:r>
-          </a:p>
-          <a:p>
-            <a:r>
-              <a:rPr lang="en-GB" sz="800" dirty="0">
-                <a:latin typeface="Courier New" panose="02070309020205020404" pitchFamily="49" charset="0"/>
-                <a:cs typeface="Courier New" panose="02070309020205020404" pitchFamily="49" charset="0"/>
-              </a:rPr>
-              <a:t>    </a:t>
-            </a:r>
-            <a:r>
-              <a:rPr lang="en-GB" sz="800" dirty="0" err="1">
-                <a:latin typeface="Courier New" panose="02070309020205020404" pitchFamily="49" charset="0"/>
-                <a:cs typeface="Courier New" panose="02070309020205020404" pitchFamily="49" charset="0"/>
-              </a:rPr>
-              <a:t>externalBridge</a:t>
-            </a:r>
-            <a:r>
-              <a:rPr lang="en-GB" sz="800" dirty="0">
-                <a:latin typeface="Courier New" panose="02070309020205020404" pitchFamily="49" charset="0"/>
-                <a:cs typeface="Courier New" panose="02070309020205020404" pitchFamily="49" charset="0"/>
-              </a:rPr>
-              <a:t> = true</a:t>
-            </a:r>
-          </a:p>
-          <a:p>
-            <a:r>
-              <a:rPr lang="en-GB" sz="800" dirty="0">
-                <a:solidFill>
-                  <a:srgbClr val="FF0000"/>
-                </a:solidFill>
-                <a:latin typeface="Courier New" panose="02070309020205020404" pitchFamily="49" charset="0"/>
-                <a:cs typeface="Courier New" panose="02070309020205020404" pitchFamily="49" charset="0"/>
-              </a:rPr>
-              <a:t>    </a:t>
-            </a:r>
-            <a:r>
-              <a:rPr lang="en-GB" sz="800" dirty="0" err="1">
-                <a:solidFill>
-                  <a:srgbClr val="FF0000"/>
-                </a:solidFill>
-                <a:latin typeface="Courier New" panose="02070309020205020404" pitchFamily="49" charset="0"/>
-                <a:cs typeface="Courier New" panose="02070309020205020404" pitchFamily="49" charset="0"/>
-              </a:rPr>
-              <a:t>mutualExclusionConfiguration</a:t>
-            </a:r>
-            <a:r>
-              <a:rPr lang="en-GB" sz="800" dirty="0">
-                <a:solidFill>
-                  <a:srgbClr val="FF0000"/>
-                </a:solidFill>
-                <a:latin typeface="Courier New" panose="02070309020205020404" pitchFamily="49" charset="0"/>
-                <a:cs typeface="Courier New" panose="02070309020205020404" pitchFamily="49" charset="0"/>
-              </a:rPr>
-              <a:t> = {</a:t>
-            </a:r>
-          </a:p>
-          <a:p>
-            <a:r>
-              <a:rPr lang="en-GB" sz="800" dirty="0">
-                <a:solidFill>
-                  <a:srgbClr val="FF0000"/>
-                </a:solidFill>
-                <a:latin typeface="Courier New" panose="02070309020205020404" pitchFamily="49" charset="0"/>
-                <a:cs typeface="Courier New" panose="02070309020205020404" pitchFamily="49" charset="0"/>
-              </a:rPr>
-              <a:t>        on = true</a:t>
-            </a:r>
-          </a:p>
-          <a:p>
-            <a:r>
-              <a:rPr lang="en-GB" sz="800" dirty="0">
-                <a:solidFill>
-                  <a:srgbClr val="FF0000"/>
-                </a:solidFill>
-                <a:latin typeface="Courier New" panose="02070309020205020404" pitchFamily="49" charset="0"/>
-                <a:cs typeface="Courier New" panose="02070309020205020404" pitchFamily="49" charset="0"/>
-              </a:rPr>
-              <a:t>        </a:t>
-            </a:r>
-            <a:r>
-              <a:rPr lang="en-GB" sz="800" dirty="0" err="1">
-                <a:solidFill>
-                  <a:srgbClr val="FF0000"/>
-                </a:solidFill>
-                <a:latin typeface="Courier New" panose="02070309020205020404" pitchFamily="49" charset="0"/>
-                <a:cs typeface="Courier New" panose="02070309020205020404" pitchFamily="49" charset="0"/>
-              </a:rPr>
-              <a:t>machineName</a:t>
-            </a:r>
-            <a:r>
-              <a:rPr lang="en-GB" sz="800" dirty="0">
-                <a:solidFill>
-                  <a:srgbClr val="FF0000"/>
-                </a:solidFill>
-                <a:latin typeface="Courier New" panose="02070309020205020404" pitchFamily="49" charset="0"/>
-                <a:cs typeface="Courier New" panose="02070309020205020404" pitchFamily="49" charset="0"/>
-              </a:rPr>
-              <a:t> = "nodeserver1"</a:t>
-            </a:r>
-          </a:p>
-          <a:p>
-            <a:r>
-              <a:rPr lang="en-GB" sz="800" dirty="0">
-                <a:solidFill>
-                  <a:srgbClr val="FF0000"/>
-                </a:solidFill>
-                <a:latin typeface="Courier New" panose="02070309020205020404" pitchFamily="49" charset="0"/>
-                <a:cs typeface="Courier New" panose="02070309020205020404" pitchFamily="49" charset="0"/>
-              </a:rPr>
-              <a:t>        </a:t>
-            </a:r>
-            <a:r>
-              <a:rPr lang="en-GB" sz="800" dirty="0" err="1">
-                <a:solidFill>
-                  <a:srgbClr val="FF0000"/>
-                </a:solidFill>
-                <a:latin typeface="Courier New" panose="02070309020205020404" pitchFamily="49" charset="0"/>
-                <a:cs typeface="Courier New" panose="02070309020205020404" pitchFamily="49" charset="0"/>
-              </a:rPr>
-              <a:t>updateInterval</a:t>
-            </a:r>
-            <a:r>
-              <a:rPr lang="en-GB" sz="800" dirty="0">
-                <a:solidFill>
-                  <a:srgbClr val="FF0000"/>
-                </a:solidFill>
-                <a:latin typeface="Courier New" panose="02070309020205020404" pitchFamily="49" charset="0"/>
-                <a:cs typeface="Courier New" panose="02070309020205020404" pitchFamily="49" charset="0"/>
-              </a:rPr>
-              <a:t> = 20000</a:t>
-            </a:r>
-          </a:p>
-          <a:p>
-            <a:r>
-              <a:rPr lang="en-GB" sz="800" dirty="0">
-                <a:solidFill>
-                  <a:srgbClr val="FF0000"/>
-                </a:solidFill>
-                <a:latin typeface="Courier New" panose="02070309020205020404" pitchFamily="49" charset="0"/>
-                <a:cs typeface="Courier New" panose="02070309020205020404" pitchFamily="49" charset="0"/>
-              </a:rPr>
-              <a:t>        </a:t>
-            </a:r>
-            <a:r>
-              <a:rPr lang="en-GB" sz="800" dirty="0" err="1">
-                <a:solidFill>
-                  <a:srgbClr val="FF0000"/>
-                </a:solidFill>
-                <a:latin typeface="Courier New" panose="02070309020205020404" pitchFamily="49" charset="0"/>
-                <a:cs typeface="Courier New" panose="02070309020205020404" pitchFamily="49" charset="0"/>
-              </a:rPr>
-              <a:t>waitInterval</a:t>
-            </a:r>
-            <a:r>
-              <a:rPr lang="en-GB" sz="800" dirty="0">
-                <a:solidFill>
-                  <a:srgbClr val="FF0000"/>
-                </a:solidFill>
-                <a:latin typeface="Courier New" panose="02070309020205020404" pitchFamily="49" charset="0"/>
-                <a:cs typeface="Courier New" panose="02070309020205020404" pitchFamily="49" charset="0"/>
-              </a:rPr>
-              <a:t> = 40000</a:t>
-            </a:r>
-          </a:p>
-          <a:p>
-            <a:r>
-              <a:rPr lang="en-GB" sz="800" dirty="0">
-                <a:solidFill>
-                  <a:srgbClr val="FF0000"/>
-                </a:solidFill>
-                <a:latin typeface="Courier New" panose="02070309020205020404" pitchFamily="49" charset="0"/>
-                <a:cs typeface="Courier New" panose="02070309020205020404" pitchFamily="49" charset="0"/>
-              </a:rPr>
-              <a:t>    }</a:t>
-            </a:r>
-          </a:p>
-          <a:p>
-            <a:r>
-              <a:rPr lang="en-GB" sz="800" dirty="0">
-                <a:latin typeface="Courier New" panose="02070309020205020404" pitchFamily="49" charset="0"/>
-                <a:cs typeface="Courier New" panose="02070309020205020404" pitchFamily="49" charset="0"/>
-              </a:rPr>
-              <a:t>}</a:t>
-            </a:r>
-            <a:endParaRPr lang="en-US" altLang="en-US" sz="800" dirty="0">
-              <a:latin typeface="Courier New" panose="02070309020205020404" pitchFamily="49" charset="0"/>
-              <a:cs typeface="Courier New" panose="02070309020205020404" pitchFamily="49" charset="0"/>
-            </a:endParaRPr>
-          </a:p>
-          <a:p>
             <a:pPr algn="l"/>
             <a:endParaRPr lang="en-GB" sz="1600" dirty="0">
               <a:latin typeface="Times New Roman" panose="02020603050405020304" pitchFamily="18" charset="0"/>
@@ -19798,8 +16781,8 @@
         </p:nvSpPr>
         <p:spPr>
           <a:xfrm>
-            <a:off x="3117851" y="4040361"/>
-            <a:ext cx="4513130" cy="2831544"/>
+            <a:off x="6959691" y="4135193"/>
+            <a:ext cx="1148370" cy="246221"/>
           </a:xfrm>
           <a:prstGeom prst="rect">
             <a:avLst/>
@@ -19829,557 +16812,6 @@
               <a:cs typeface="Times New Roman" panose="02020603050405020304" pitchFamily="18" charset="0"/>
             </a:endParaRPr>
           </a:p>
-          <a:p>
-            <a:r>
-              <a:rPr lang="en-GB" sz="800" dirty="0" err="1">
-                <a:latin typeface="Courier New" panose="02070309020205020404" pitchFamily="49" charset="0"/>
-                <a:cs typeface="Courier New" panose="02070309020205020404" pitchFamily="49" charset="0"/>
-              </a:rPr>
-              <a:t>bridgeMode</a:t>
-            </a:r>
-            <a:r>
-              <a:rPr lang="en-GB" sz="800" dirty="0">
-                <a:latin typeface="Courier New" panose="02070309020205020404" pitchFamily="49" charset="0"/>
-                <a:cs typeface="Courier New" panose="02070309020205020404" pitchFamily="49" charset="0"/>
-              </a:rPr>
-              <a:t> = </a:t>
-            </a:r>
-            <a:r>
-              <a:rPr lang="en-GB" sz="800" dirty="0" err="1">
-                <a:latin typeface="Courier New" panose="02070309020205020404" pitchFamily="49" charset="0"/>
-                <a:cs typeface="Courier New" panose="02070309020205020404" pitchFamily="49" charset="0"/>
-              </a:rPr>
-              <a:t>BridgeInner</a:t>
-            </a:r>
-            <a:endParaRPr lang="en-GB" sz="800" dirty="0">
-              <a:latin typeface="Courier New" panose="02070309020205020404" pitchFamily="49" charset="0"/>
-              <a:cs typeface="Courier New" panose="02070309020205020404" pitchFamily="49" charset="0"/>
-            </a:endParaRPr>
-          </a:p>
-          <a:p>
-            <a:r>
-              <a:rPr lang="en-GB" sz="800" dirty="0" err="1">
-                <a:latin typeface="Courier New" panose="02070309020205020404" pitchFamily="49" charset="0"/>
-                <a:cs typeface="Courier New" panose="02070309020205020404" pitchFamily="49" charset="0"/>
-              </a:rPr>
-              <a:t>outboundConfig</a:t>
-            </a:r>
-            <a:r>
-              <a:rPr lang="en-GB" sz="800" dirty="0">
-                <a:latin typeface="Courier New" panose="02070309020205020404" pitchFamily="49" charset="0"/>
-                <a:cs typeface="Courier New" panose="02070309020205020404" pitchFamily="49" charset="0"/>
-              </a:rPr>
-              <a:t> {</a:t>
-            </a:r>
-          </a:p>
-          <a:p>
-            <a:r>
-              <a:rPr lang="en-GB" sz="800" dirty="0">
-                <a:latin typeface="Courier New" panose="02070309020205020404" pitchFamily="49" charset="0"/>
-                <a:cs typeface="Courier New" panose="02070309020205020404" pitchFamily="49" charset="0"/>
-              </a:rPr>
-              <a:t>    </a:t>
-            </a:r>
-            <a:r>
-              <a:rPr lang="en-GB" sz="800" dirty="0" err="1">
-                <a:latin typeface="Courier New" panose="02070309020205020404" pitchFamily="49" charset="0"/>
-                <a:cs typeface="Courier New" panose="02070309020205020404" pitchFamily="49" charset="0"/>
-              </a:rPr>
-              <a:t>artemisBrokerAddress</a:t>
-            </a:r>
-            <a:r>
-              <a:rPr lang="en-GB" sz="800" dirty="0">
-                <a:latin typeface="Courier New" panose="02070309020205020404" pitchFamily="49" charset="0"/>
-                <a:cs typeface="Courier New" panose="02070309020205020404" pitchFamily="49" charset="0"/>
-              </a:rPr>
-              <a:t> = "artemiserver:11005"</a:t>
-            </a:r>
-          </a:p>
-          <a:p>
-            <a:r>
-              <a:rPr lang="en-GB" sz="800" dirty="0">
-                <a:latin typeface="Courier New" panose="02070309020205020404" pitchFamily="49" charset="0"/>
-                <a:cs typeface="Courier New" panose="02070309020205020404" pitchFamily="49" charset="0"/>
-              </a:rPr>
-              <a:t>}</a:t>
-            </a:r>
-          </a:p>
-          <a:p>
-            <a:r>
-              <a:rPr lang="en-GB" sz="800" dirty="0" err="1">
-                <a:latin typeface="Courier New" panose="02070309020205020404" pitchFamily="49" charset="0"/>
-                <a:cs typeface="Courier New" panose="02070309020205020404" pitchFamily="49" charset="0"/>
-              </a:rPr>
-              <a:t>bridgeInnerConfig</a:t>
-            </a:r>
-            <a:r>
-              <a:rPr lang="en-GB" sz="800" dirty="0">
-                <a:latin typeface="Courier New" panose="02070309020205020404" pitchFamily="49" charset="0"/>
-                <a:cs typeface="Courier New" panose="02070309020205020404" pitchFamily="49" charset="0"/>
-              </a:rPr>
-              <a:t> {</a:t>
-            </a:r>
-          </a:p>
-          <a:p>
-            <a:r>
-              <a:rPr lang="en-GB" sz="800" dirty="0">
-                <a:latin typeface="Courier New" panose="02070309020205020404" pitchFamily="49" charset="0"/>
-                <a:cs typeface="Courier New" panose="02070309020205020404" pitchFamily="49" charset="0"/>
-              </a:rPr>
-              <a:t>    </a:t>
-            </a:r>
-            <a:r>
-              <a:rPr lang="en-GB" sz="800" dirty="0" err="1">
-                <a:latin typeface="Courier New" panose="02070309020205020404" pitchFamily="49" charset="0"/>
-                <a:cs typeface="Courier New" panose="02070309020205020404" pitchFamily="49" charset="0"/>
-              </a:rPr>
-              <a:t>floatAddresses</a:t>
-            </a:r>
-            <a:r>
-              <a:rPr lang="en-GB" sz="800" dirty="0">
-                <a:latin typeface="Courier New" panose="02070309020205020404" pitchFamily="49" charset="0"/>
-                <a:cs typeface="Courier New" panose="02070309020205020404" pitchFamily="49" charset="0"/>
-              </a:rPr>
-              <a:t> = </a:t>
-            </a:r>
-            <a:r>
-              <a:rPr lang="en-GB" sz="800" dirty="0">
-                <a:solidFill>
-                  <a:srgbClr val="FF0000"/>
-                </a:solidFill>
-                <a:latin typeface="Courier New" panose="02070309020205020404" pitchFamily="49" charset="0"/>
-                <a:cs typeface="Courier New" panose="02070309020205020404" pitchFamily="49" charset="0"/>
-              </a:rPr>
-              <a:t>["dmzinternal1:12005", "dmzinternal2:12005"]</a:t>
-            </a:r>
-          </a:p>
-          <a:p>
-            <a:r>
-              <a:rPr lang="en-GB" sz="800" dirty="0">
-                <a:latin typeface="Courier New" panose="02070309020205020404" pitchFamily="49" charset="0"/>
-                <a:cs typeface="Courier New" panose="02070309020205020404" pitchFamily="49" charset="0"/>
-              </a:rPr>
-              <a:t>    </a:t>
-            </a:r>
-            <a:r>
-              <a:rPr lang="en-GB" sz="800" dirty="0" err="1">
-                <a:latin typeface="Courier New" panose="02070309020205020404" pitchFamily="49" charset="0"/>
-                <a:cs typeface="Courier New" panose="02070309020205020404" pitchFamily="49" charset="0"/>
-              </a:rPr>
-              <a:t>expectedCertificateSubject</a:t>
-            </a:r>
-            <a:r>
-              <a:rPr lang="en-GB" sz="800" dirty="0">
-                <a:latin typeface="Courier New" panose="02070309020205020404" pitchFamily="49" charset="0"/>
-                <a:cs typeface="Courier New" panose="02070309020205020404" pitchFamily="49" charset="0"/>
-              </a:rPr>
-              <a:t> = "CN=Float </a:t>
-            </a:r>
-            <a:r>
-              <a:rPr lang="en-GB" sz="800" dirty="0" err="1">
-                <a:latin typeface="Courier New" panose="02070309020205020404" pitchFamily="49" charset="0"/>
-                <a:cs typeface="Courier New" panose="02070309020205020404" pitchFamily="49" charset="0"/>
-              </a:rPr>
-              <a:t>Local,O</a:t>
-            </a:r>
-            <a:r>
-              <a:rPr lang="en-GB" sz="800" dirty="0">
-                <a:latin typeface="Courier New" panose="02070309020205020404" pitchFamily="49" charset="0"/>
-                <a:cs typeface="Courier New" panose="02070309020205020404" pitchFamily="49" charset="0"/>
-              </a:rPr>
-              <a:t>=</a:t>
-            </a:r>
-            <a:r>
-              <a:rPr lang="en-GB" sz="800" dirty="0" err="1">
-                <a:latin typeface="Courier New" panose="02070309020205020404" pitchFamily="49" charset="0"/>
-                <a:cs typeface="Courier New" panose="02070309020205020404" pitchFamily="49" charset="0"/>
-              </a:rPr>
-              <a:t>Tunnel,L</a:t>
-            </a:r>
-            <a:r>
-              <a:rPr lang="en-GB" sz="800" dirty="0">
-                <a:latin typeface="Courier New" panose="02070309020205020404" pitchFamily="49" charset="0"/>
-                <a:cs typeface="Courier New" panose="02070309020205020404" pitchFamily="49" charset="0"/>
-              </a:rPr>
-              <a:t>=</a:t>
-            </a:r>
-            <a:r>
-              <a:rPr lang="en-GB" sz="800" dirty="0" err="1">
-                <a:latin typeface="Courier New" panose="02070309020205020404" pitchFamily="49" charset="0"/>
-                <a:cs typeface="Courier New" panose="02070309020205020404" pitchFamily="49" charset="0"/>
-              </a:rPr>
-              <a:t>London,C</a:t>
-            </a:r>
-            <a:r>
-              <a:rPr lang="en-GB" sz="800" dirty="0">
-                <a:latin typeface="Courier New" panose="02070309020205020404" pitchFamily="49" charset="0"/>
-                <a:cs typeface="Courier New" panose="02070309020205020404" pitchFamily="49" charset="0"/>
-              </a:rPr>
-              <a:t>=GB"</a:t>
-            </a:r>
-          </a:p>
-          <a:p>
-            <a:r>
-              <a:rPr lang="en-GB" sz="800" dirty="0">
-                <a:latin typeface="Courier New" panose="02070309020205020404" pitchFamily="49" charset="0"/>
-                <a:cs typeface="Courier New" panose="02070309020205020404" pitchFamily="49" charset="0"/>
-              </a:rPr>
-              <a:t>    </a:t>
-            </a:r>
-            <a:r>
-              <a:rPr lang="en-GB" sz="800" dirty="0" err="1">
-                <a:latin typeface="Courier New" panose="02070309020205020404" pitchFamily="49" charset="0"/>
-                <a:cs typeface="Courier New" panose="02070309020205020404" pitchFamily="49" charset="0"/>
-              </a:rPr>
-              <a:t>customSSLConfiguration</a:t>
-            </a:r>
-            <a:r>
-              <a:rPr lang="en-GB" sz="800" dirty="0">
-                <a:latin typeface="Courier New" panose="02070309020205020404" pitchFamily="49" charset="0"/>
-                <a:cs typeface="Courier New" panose="02070309020205020404" pitchFamily="49" charset="0"/>
-              </a:rPr>
-              <a:t> {</a:t>
-            </a:r>
-          </a:p>
-          <a:p>
-            <a:r>
-              <a:rPr lang="en-GB" sz="800" dirty="0">
-                <a:latin typeface="Courier New" panose="02070309020205020404" pitchFamily="49" charset="0"/>
-                <a:cs typeface="Courier New" panose="02070309020205020404" pitchFamily="49" charset="0"/>
-              </a:rPr>
-              <a:t>           </a:t>
-            </a:r>
-            <a:r>
-              <a:rPr lang="en-GB" sz="800" dirty="0" err="1">
-                <a:latin typeface="Courier New" panose="02070309020205020404" pitchFamily="49" charset="0"/>
-                <a:cs typeface="Courier New" panose="02070309020205020404" pitchFamily="49" charset="0"/>
-              </a:rPr>
-              <a:t>keyStorePassword</a:t>
-            </a:r>
-            <a:r>
-              <a:rPr lang="en-GB" sz="800" dirty="0">
-                <a:latin typeface="Courier New" panose="02070309020205020404" pitchFamily="49" charset="0"/>
-                <a:cs typeface="Courier New" panose="02070309020205020404" pitchFamily="49" charset="0"/>
-              </a:rPr>
-              <a:t> = "</a:t>
-            </a:r>
-            <a:r>
-              <a:rPr lang="en-GB" sz="800" dirty="0" err="1">
-                <a:latin typeface="Courier New" panose="02070309020205020404" pitchFamily="49" charset="0"/>
-                <a:cs typeface="Courier New" panose="02070309020205020404" pitchFamily="49" charset="0"/>
-              </a:rPr>
-              <a:t>bridgepass</a:t>
-            </a:r>
-            <a:r>
-              <a:rPr lang="en-GB" sz="800" dirty="0">
-                <a:latin typeface="Courier New" panose="02070309020205020404" pitchFamily="49" charset="0"/>
-                <a:cs typeface="Courier New" panose="02070309020205020404" pitchFamily="49" charset="0"/>
-              </a:rPr>
-              <a:t>"</a:t>
-            </a:r>
-          </a:p>
-          <a:p>
-            <a:r>
-              <a:rPr lang="en-GB" sz="800" dirty="0">
-                <a:latin typeface="Courier New" panose="02070309020205020404" pitchFamily="49" charset="0"/>
-                <a:cs typeface="Courier New" panose="02070309020205020404" pitchFamily="49" charset="0"/>
-              </a:rPr>
-              <a:t>           </a:t>
-            </a:r>
-            <a:r>
-              <a:rPr lang="en-GB" sz="800" dirty="0" err="1">
-                <a:latin typeface="Courier New" panose="02070309020205020404" pitchFamily="49" charset="0"/>
-                <a:cs typeface="Courier New" panose="02070309020205020404" pitchFamily="49" charset="0"/>
-              </a:rPr>
-              <a:t>trustStorePassword</a:t>
-            </a:r>
-            <a:r>
-              <a:rPr lang="en-GB" sz="800" dirty="0">
-                <a:latin typeface="Courier New" panose="02070309020205020404" pitchFamily="49" charset="0"/>
-                <a:cs typeface="Courier New" panose="02070309020205020404" pitchFamily="49" charset="0"/>
-              </a:rPr>
-              <a:t> = "</a:t>
-            </a:r>
-            <a:r>
-              <a:rPr lang="en-GB" sz="800" dirty="0" err="1">
-                <a:latin typeface="Courier New" panose="02070309020205020404" pitchFamily="49" charset="0"/>
-                <a:cs typeface="Courier New" panose="02070309020205020404" pitchFamily="49" charset="0"/>
-              </a:rPr>
-              <a:t>trustpass</a:t>
-            </a:r>
-            <a:r>
-              <a:rPr lang="en-GB" sz="800" dirty="0">
-                <a:latin typeface="Courier New" panose="02070309020205020404" pitchFamily="49" charset="0"/>
-                <a:cs typeface="Courier New" panose="02070309020205020404" pitchFamily="49" charset="0"/>
-              </a:rPr>
-              <a:t>"</a:t>
-            </a:r>
-          </a:p>
-          <a:p>
-            <a:r>
-              <a:rPr lang="en-GB" sz="800" dirty="0">
-                <a:latin typeface="Courier New" panose="02070309020205020404" pitchFamily="49" charset="0"/>
-                <a:cs typeface="Courier New" panose="02070309020205020404" pitchFamily="49" charset="0"/>
-              </a:rPr>
-              <a:t>           </a:t>
-            </a:r>
-            <a:r>
-              <a:rPr lang="en-GB" sz="800" dirty="0" err="1">
-                <a:latin typeface="Courier New" panose="02070309020205020404" pitchFamily="49" charset="0"/>
-                <a:cs typeface="Courier New" panose="02070309020205020404" pitchFamily="49" charset="0"/>
-              </a:rPr>
-              <a:t>sslKeystore</a:t>
-            </a:r>
-            <a:r>
-              <a:rPr lang="en-GB" sz="800" dirty="0">
-                <a:latin typeface="Courier New" panose="02070309020205020404" pitchFamily="49" charset="0"/>
-                <a:cs typeface="Courier New" panose="02070309020205020404" pitchFamily="49" charset="0"/>
-              </a:rPr>
-              <a:t> = "./</a:t>
-            </a:r>
-            <a:r>
-              <a:rPr lang="en-GB" sz="800" dirty="0" err="1">
-                <a:latin typeface="Courier New" panose="02070309020205020404" pitchFamily="49" charset="0"/>
-                <a:cs typeface="Courier New" panose="02070309020205020404" pitchFamily="49" charset="0"/>
-              </a:rPr>
-              <a:t>bridgecerts</a:t>
-            </a:r>
-            <a:r>
-              <a:rPr lang="en-GB" sz="800" dirty="0">
-                <a:latin typeface="Courier New" panose="02070309020205020404" pitchFamily="49" charset="0"/>
-                <a:cs typeface="Courier New" panose="02070309020205020404" pitchFamily="49" charset="0"/>
-              </a:rPr>
-              <a:t>/</a:t>
-            </a:r>
-            <a:r>
-              <a:rPr lang="en-GB" sz="800" dirty="0" err="1">
-                <a:latin typeface="Courier New" panose="02070309020205020404" pitchFamily="49" charset="0"/>
-                <a:cs typeface="Courier New" panose="02070309020205020404" pitchFamily="49" charset="0"/>
-              </a:rPr>
-              <a:t>bridge.jks</a:t>
-            </a:r>
-            <a:r>
-              <a:rPr lang="en-GB" sz="800" dirty="0">
-                <a:latin typeface="Courier New" panose="02070309020205020404" pitchFamily="49" charset="0"/>
-                <a:cs typeface="Courier New" panose="02070309020205020404" pitchFamily="49" charset="0"/>
-              </a:rPr>
-              <a:t>"</a:t>
-            </a:r>
-          </a:p>
-          <a:p>
-            <a:r>
-              <a:rPr lang="en-GB" sz="800" dirty="0">
-                <a:latin typeface="Courier New" panose="02070309020205020404" pitchFamily="49" charset="0"/>
-                <a:cs typeface="Courier New" panose="02070309020205020404" pitchFamily="49" charset="0"/>
-              </a:rPr>
-              <a:t>           </a:t>
-            </a:r>
-            <a:r>
-              <a:rPr lang="en-GB" sz="800" dirty="0" err="1">
-                <a:latin typeface="Courier New" panose="02070309020205020404" pitchFamily="49" charset="0"/>
-                <a:cs typeface="Courier New" panose="02070309020205020404" pitchFamily="49" charset="0"/>
-              </a:rPr>
-              <a:t>trustStoreFile</a:t>
-            </a:r>
-            <a:r>
-              <a:rPr lang="en-GB" sz="800" dirty="0">
-                <a:latin typeface="Courier New" panose="02070309020205020404" pitchFamily="49" charset="0"/>
-                <a:cs typeface="Courier New" panose="02070309020205020404" pitchFamily="49" charset="0"/>
-              </a:rPr>
-              <a:t> = "./</a:t>
-            </a:r>
-            <a:r>
-              <a:rPr lang="en-GB" sz="800" dirty="0" err="1">
-                <a:latin typeface="Courier New" panose="02070309020205020404" pitchFamily="49" charset="0"/>
-                <a:cs typeface="Courier New" panose="02070309020205020404" pitchFamily="49" charset="0"/>
-              </a:rPr>
-              <a:t>bridgecerts</a:t>
-            </a:r>
-            <a:r>
-              <a:rPr lang="en-GB" sz="800" dirty="0">
-                <a:latin typeface="Courier New" panose="02070309020205020404" pitchFamily="49" charset="0"/>
-                <a:cs typeface="Courier New" panose="02070309020205020404" pitchFamily="49" charset="0"/>
-              </a:rPr>
-              <a:t>/</a:t>
-            </a:r>
-            <a:r>
-              <a:rPr lang="en-GB" sz="800" dirty="0" err="1">
-                <a:latin typeface="Courier New" panose="02070309020205020404" pitchFamily="49" charset="0"/>
-                <a:cs typeface="Courier New" panose="02070309020205020404" pitchFamily="49" charset="0"/>
-              </a:rPr>
-              <a:t>trust.jks</a:t>
-            </a:r>
-            <a:r>
-              <a:rPr lang="en-GB" sz="800" dirty="0">
-                <a:latin typeface="Courier New" panose="02070309020205020404" pitchFamily="49" charset="0"/>
-                <a:cs typeface="Courier New" panose="02070309020205020404" pitchFamily="49" charset="0"/>
-              </a:rPr>
-              <a:t>“</a:t>
-            </a:r>
-          </a:p>
-          <a:p>
-            <a:r>
-              <a:rPr lang="en-GB" sz="800" dirty="0">
-                <a:latin typeface="Courier New" panose="02070309020205020404" pitchFamily="49" charset="0"/>
-                <a:cs typeface="Courier New" panose="02070309020205020404" pitchFamily="49" charset="0"/>
-              </a:rPr>
-              <a:t>           </a:t>
-            </a:r>
-            <a:r>
-              <a:rPr lang="en-GB" sz="800" dirty="0" err="1">
-                <a:latin typeface="Courier New" panose="02070309020205020404" pitchFamily="49" charset="0"/>
-                <a:cs typeface="Courier New" panose="02070309020205020404" pitchFamily="49" charset="0"/>
-              </a:rPr>
-              <a:t>crlCheckSoftFail</a:t>
-            </a:r>
-            <a:r>
-              <a:rPr lang="en-GB" sz="800" dirty="0">
-                <a:latin typeface="Courier New" panose="02070309020205020404" pitchFamily="49" charset="0"/>
-                <a:cs typeface="Courier New" panose="02070309020205020404" pitchFamily="49" charset="0"/>
-              </a:rPr>
-              <a:t> = true</a:t>
-            </a:r>
-          </a:p>
-          <a:p>
-            <a:r>
-              <a:rPr lang="en-GB" sz="800" dirty="0">
-                <a:latin typeface="Courier New" panose="02070309020205020404" pitchFamily="49" charset="0"/>
-                <a:cs typeface="Courier New" panose="02070309020205020404" pitchFamily="49" charset="0"/>
-              </a:rPr>
-              <a:t>    }</a:t>
-            </a:r>
-          </a:p>
-          <a:p>
-            <a:r>
-              <a:rPr lang="en-GB" sz="800" dirty="0">
-                <a:latin typeface="Courier New" panose="02070309020205020404" pitchFamily="49" charset="0"/>
-                <a:cs typeface="Courier New" panose="02070309020205020404" pitchFamily="49" charset="0"/>
-              </a:rPr>
-              <a:t>}</a:t>
-            </a:r>
-          </a:p>
-          <a:p>
-            <a:r>
-              <a:rPr lang="en-GB" sz="800" dirty="0" err="1">
-                <a:solidFill>
-                  <a:srgbClr val="FF0000"/>
-                </a:solidFill>
-                <a:latin typeface="Courier New" panose="02070309020205020404" pitchFamily="49" charset="0"/>
-                <a:cs typeface="Courier New" panose="02070309020205020404" pitchFamily="49" charset="0"/>
-              </a:rPr>
-              <a:t>haConfig</a:t>
-            </a:r>
-            <a:r>
-              <a:rPr lang="en-GB" sz="800" dirty="0">
-                <a:solidFill>
-                  <a:srgbClr val="FF0000"/>
-                </a:solidFill>
-                <a:latin typeface="Courier New" panose="02070309020205020404" pitchFamily="49" charset="0"/>
-                <a:cs typeface="Courier New" panose="02070309020205020404" pitchFamily="49" charset="0"/>
-              </a:rPr>
-              <a:t> {</a:t>
-            </a:r>
-          </a:p>
-          <a:p>
-            <a:r>
-              <a:rPr lang="en-GB" sz="800" dirty="0">
-                <a:solidFill>
-                  <a:srgbClr val="FF0000"/>
-                </a:solidFill>
-                <a:latin typeface="Courier New" panose="02070309020205020404" pitchFamily="49" charset="0"/>
-                <a:cs typeface="Courier New" panose="02070309020205020404" pitchFamily="49" charset="0"/>
-              </a:rPr>
-              <a:t>    </a:t>
-            </a:r>
-            <a:r>
-              <a:rPr lang="en-GB" sz="800" dirty="0" err="1">
-                <a:solidFill>
-                  <a:srgbClr val="FF0000"/>
-                </a:solidFill>
-                <a:latin typeface="Courier New" panose="02070309020205020404" pitchFamily="49" charset="0"/>
-                <a:cs typeface="Courier New" panose="02070309020205020404" pitchFamily="49" charset="0"/>
-              </a:rPr>
-              <a:t>haConnectionString</a:t>
-            </a:r>
-            <a:r>
-              <a:rPr lang="en-GB" sz="800" dirty="0">
-                <a:solidFill>
-                  <a:srgbClr val="FF0000"/>
-                </a:solidFill>
-                <a:latin typeface="Courier New" panose="02070309020205020404" pitchFamily="49" charset="0"/>
-                <a:cs typeface="Courier New" panose="02070309020205020404" pitchFamily="49" charset="0"/>
-              </a:rPr>
-              <a:t> = "</a:t>
-            </a:r>
-            <a:r>
-              <a:rPr lang="en-GB" sz="800" dirty="0" err="1">
-                <a:solidFill>
-                  <a:srgbClr val="FF0000"/>
-                </a:solidFill>
-                <a:latin typeface="Courier New" panose="02070309020205020404" pitchFamily="49" charset="0"/>
-                <a:cs typeface="Courier New" panose="02070309020205020404" pitchFamily="49" charset="0"/>
-              </a:rPr>
-              <a:t>zk</a:t>
-            </a:r>
-            <a:r>
-              <a:rPr lang="en-GB" sz="800" dirty="0">
-                <a:solidFill>
-                  <a:srgbClr val="FF0000"/>
-                </a:solidFill>
-                <a:latin typeface="Courier New" panose="02070309020205020404" pitchFamily="49" charset="0"/>
-                <a:cs typeface="Courier New" panose="02070309020205020404" pitchFamily="49" charset="0"/>
-              </a:rPr>
-              <a:t>://zookeep1:11105,zk://zookeep2:11105 ,</a:t>
-            </a:r>
-            <a:r>
-              <a:rPr lang="en-GB" sz="800" dirty="0" err="1">
-                <a:solidFill>
-                  <a:srgbClr val="FF0000"/>
-                </a:solidFill>
-                <a:latin typeface="Courier New" panose="02070309020205020404" pitchFamily="49" charset="0"/>
-                <a:cs typeface="Courier New" panose="02070309020205020404" pitchFamily="49" charset="0"/>
-              </a:rPr>
-              <a:t>zk</a:t>
-            </a:r>
-            <a:r>
-              <a:rPr lang="en-GB" sz="800" dirty="0">
-                <a:solidFill>
-                  <a:srgbClr val="FF0000"/>
-                </a:solidFill>
-                <a:latin typeface="Courier New" panose="02070309020205020404" pitchFamily="49" charset="0"/>
-                <a:cs typeface="Courier New" panose="02070309020205020404" pitchFamily="49" charset="0"/>
-              </a:rPr>
-              <a:t>://zookeep3:11105"</a:t>
-            </a:r>
-          </a:p>
-          <a:p>
-            <a:r>
-              <a:rPr lang="en-GB" sz="800" dirty="0">
-                <a:solidFill>
-                  <a:srgbClr val="FF0000"/>
-                </a:solidFill>
-                <a:latin typeface="Courier New" panose="02070309020205020404" pitchFamily="49" charset="0"/>
-                <a:cs typeface="Courier New" panose="02070309020205020404" pitchFamily="49" charset="0"/>
-              </a:rPr>
-              <a:t>}</a:t>
-            </a:r>
-          </a:p>
-          <a:p>
-            <a:r>
-              <a:rPr lang="en-GB" sz="800" dirty="0" err="1">
-                <a:latin typeface="Courier New" panose="02070309020205020404" pitchFamily="49" charset="0"/>
-                <a:cs typeface="Courier New" panose="02070309020205020404" pitchFamily="49" charset="0"/>
-              </a:rPr>
-              <a:t>networkParametersPath</a:t>
-            </a:r>
-            <a:r>
-              <a:rPr lang="en-GB" sz="800" dirty="0">
-                <a:latin typeface="Courier New" panose="02070309020205020404" pitchFamily="49" charset="0"/>
-                <a:cs typeface="Courier New" panose="02070309020205020404" pitchFamily="49" charset="0"/>
-              </a:rPr>
-              <a:t> = network-parameters</a:t>
-            </a:r>
-          </a:p>
         </p:txBody>
       </p:sp>
       <p:sp>
@@ -20396,8 +16828,8 @@
         </p:nvSpPr>
         <p:spPr>
           <a:xfrm>
-            <a:off x="7790603" y="4470798"/>
-            <a:ext cx="4306648" cy="2431435"/>
+            <a:off x="8539385" y="4482668"/>
+            <a:ext cx="1788161" cy="615553"/>
           </a:xfrm>
           <a:prstGeom prst="rect">
             <a:avLst/>
@@ -20420,7 +16852,7 @@
                 <a:latin typeface="Times New Roman" panose="02020603050405020304" pitchFamily="18" charset="0"/>
                 <a:cs typeface="Times New Roman" panose="02020603050405020304" pitchFamily="18" charset="0"/>
               </a:rPr>
-              <a:t>bridge.conf</a:t>
+              <a:t>float.conf</a:t>
             </a:r>
             <a:r>
               <a:rPr lang="en-GB" sz="1600" dirty="0">
@@ -20429,12 +16861,23 @@
               </a:rPr>
               <a:t> </a:t>
             </a:r>
+          </a:p>
+          <a:p>
             <a:r>
               <a:rPr lang="en-GB" sz="900" dirty="0">
                 <a:latin typeface="Times New Roman" panose="02020603050405020304" pitchFamily="18" charset="0"/>
                 <a:cs typeface="Times New Roman" panose="02020603050405020304" pitchFamily="18" charset="0"/>
               </a:rPr>
-              <a:t>(duplicated on second float, but with modified </a:t>
+              <a:t>(duplicated on second float, but </a:t>
+            </a:r>
+          </a:p>
+          <a:p>
+            <a:r>
+              <a:rPr lang="en-GB" sz="900" dirty="0">
+                <a:latin typeface="Times New Roman" panose="02020603050405020304" pitchFamily="18" charset="0"/>
+                <a:cs typeface="Times New Roman" panose="02020603050405020304" pitchFamily="18" charset="0"/>
+              </a:rPr>
+              <a:t>with modified </a:t>
             </a:r>
             <a:r>
               <a:rPr lang="en-GB" sz="900" dirty="0" err="1">
@@ -20449,441 +16892,6 @@
                 <a:cs typeface="Times New Roman" panose="02020603050405020304" pitchFamily="18" charset="0"/>
               </a:rPr>
               <a:t> server names)</a:t>
-            </a:r>
-          </a:p>
-          <a:p>
-            <a:r>
-              <a:rPr lang="en-GB" sz="800" dirty="0" err="1">
-                <a:latin typeface="Courier New" panose="02070309020205020404" pitchFamily="49" charset="0"/>
-                <a:cs typeface="Courier New" panose="02070309020205020404" pitchFamily="49" charset="0"/>
-              </a:rPr>
-              <a:t>bridgeMode</a:t>
-            </a:r>
-            <a:r>
-              <a:rPr lang="en-GB" sz="800" dirty="0">
-                <a:latin typeface="Courier New" panose="02070309020205020404" pitchFamily="49" charset="0"/>
-                <a:cs typeface="Courier New" panose="02070309020205020404" pitchFamily="49" charset="0"/>
-              </a:rPr>
-              <a:t> = </a:t>
-            </a:r>
-            <a:r>
-              <a:rPr lang="en-GB" sz="800" dirty="0" err="1">
-                <a:latin typeface="Courier New" panose="02070309020205020404" pitchFamily="49" charset="0"/>
-                <a:cs typeface="Courier New" panose="02070309020205020404" pitchFamily="49" charset="0"/>
-              </a:rPr>
-              <a:t>FloatOuter</a:t>
-            </a:r>
-            <a:endParaRPr lang="en-GB" sz="800" dirty="0">
-              <a:latin typeface="Courier New" panose="02070309020205020404" pitchFamily="49" charset="0"/>
-              <a:cs typeface="Courier New" panose="02070309020205020404" pitchFamily="49" charset="0"/>
-            </a:endParaRPr>
-          </a:p>
-          <a:p>
-            <a:r>
-              <a:rPr lang="en-GB" sz="800" dirty="0" err="1">
-                <a:latin typeface="Courier New" panose="02070309020205020404" pitchFamily="49" charset="0"/>
-                <a:cs typeface="Courier New" panose="02070309020205020404" pitchFamily="49" charset="0"/>
-              </a:rPr>
-              <a:t>inboundConfig</a:t>
-            </a:r>
-            <a:r>
-              <a:rPr lang="en-GB" sz="800" dirty="0">
-                <a:latin typeface="Courier New" panose="02070309020205020404" pitchFamily="49" charset="0"/>
-                <a:cs typeface="Courier New" panose="02070309020205020404" pitchFamily="49" charset="0"/>
-              </a:rPr>
-              <a:t> {</a:t>
-            </a:r>
-          </a:p>
-          <a:p>
-            <a:r>
-              <a:rPr lang="en-GB" sz="800" dirty="0">
-                <a:latin typeface="Courier New" panose="02070309020205020404" pitchFamily="49" charset="0"/>
-                <a:cs typeface="Courier New" panose="02070309020205020404" pitchFamily="49" charset="0"/>
-              </a:rPr>
-              <a:t>    </a:t>
-            </a:r>
-            <a:r>
-              <a:rPr lang="en-GB" sz="800" dirty="0" err="1">
-                <a:latin typeface="Courier New" panose="02070309020205020404" pitchFamily="49" charset="0"/>
-                <a:cs typeface="Courier New" panose="02070309020205020404" pitchFamily="49" charset="0"/>
-              </a:rPr>
-              <a:t>listeningAddress</a:t>
-            </a:r>
-            <a:r>
-              <a:rPr lang="en-GB" sz="800" dirty="0">
-                <a:latin typeface="Courier New" panose="02070309020205020404" pitchFamily="49" charset="0"/>
-                <a:cs typeface="Courier New" panose="02070309020205020404" pitchFamily="49" charset="0"/>
-              </a:rPr>
-              <a:t> = "dmzexternal1:10005"</a:t>
-            </a:r>
-          </a:p>
-          <a:p>
-            <a:r>
-              <a:rPr lang="en-GB" sz="800" dirty="0">
-                <a:latin typeface="Courier New" panose="02070309020205020404" pitchFamily="49" charset="0"/>
-                <a:cs typeface="Courier New" panose="02070309020205020404" pitchFamily="49" charset="0"/>
-              </a:rPr>
-              <a:t>}</a:t>
-            </a:r>
-          </a:p>
-          <a:p>
-            <a:r>
-              <a:rPr lang="en-GB" sz="800" dirty="0" err="1">
-                <a:latin typeface="Courier New" panose="02070309020205020404" pitchFamily="49" charset="0"/>
-                <a:cs typeface="Courier New" panose="02070309020205020404" pitchFamily="49" charset="0"/>
-              </a:rPr>
-              <a:t>floatOuterConfig</a:t>
-            </a:r>
-            <a:r>
-              <a:rPr lang="en-GB" sz="800" dirty="0">
-                <a:latin typeface="Courier New" panose="02070309020205020404" pitchFamily="49" charset="0"/>
-                <a:cs typeface="Courier New" panose="02070309020205020404" pitchFamily="49" charset="0"/>
-              </a:rPr>
-              <a:t> {</a:t>
-            </a:r>
-          </a:p>
-          <a:p>
-            <a:r>
-              <a:rPr lang="en-GB" sz="800" dirty="0">
-                <a:latin typeface="Courier New" panose="02070309020205020404" pitchFamily="49" charset="0"/>
-                <a:cs typeface="Courier New" panose="02070309020205020404" pitchFamily="49" charset="0"/>
-              </a:rPr>
-              <a:t>    </a:t>
-            </a:r>
-            <a:r>
-              <a:rPr lang="en-GB" sz="800" dirty="0" err="1">
-                <a:latin typeface="Courier New" panose="02070309020205020404" pitchFamily="49" charset="0"/>
-                <a:cs typeface="Courier New" panose="02070309020205020404" pitchFamily="49" charset="0"/>
-              </a:rPr>
-              <a:t>floatAddress</a:t>
-            </a:r>
-            <a:r>
-              <a:rPr lang="en-GB" sz="800" dirty="0">
-                <a:latin typeface="Courier New" panose="02070309020205020404" pitchFamily="49" charset="0"/>
-                <a:cs typeface="Courier New" panose="02070309020205020404" pitchFamily="49" charset="0"/>
-              </a:rPr>
-              <a:t> = "dmzinternal1:12005"</a:t>
-            </a:r>
-          </a:p>
-          <a:p>
-            <a:r>
-              <a:rPr lang="en-GB" sz="800" dirty="0">
-                <a:latin typeface="Courier New" panose="02070309020205020404" pitchFamily="49" charset="0"/>
-                <a:cs typeface="Courier New" panose="02070309020205020404" pitchFamily="49" charset="0"/>
-              </a:rPr>
-              <a:t>    </a:t>
-            </a:r>
-            <a:r>
-              <a:rPr lang="en-GB" sz="800" dirty="0" err="1">
-                <a:latin typeface="Courier New" panose="02070309020205020404" pitchFamily="49" charset="0"/>
-                <a:cs typeface="Courier New" panose="02070309020205020404" pitchFamily="49" charset="0"/>
-              </a:rPr>
-              <a:t>expectedCertificateSubject</a:t>
-            </a:r>
-            <a:r>
-              <a:rPr lang="en-GB" sz="800" dirty="0">
-                <a:latin typeface="Courier New" panose="02070309020205020404" pitchFamily="49" charset="0"/>
-                <a:cs typeface="Courier New" panose="02070309020205020404" pitchFamily="49" charset="0"/>
-              </a:rPr>
-              <a:t> = "CN=Bridge </a:t>
-            </a:r>
-            <a:r>
-              <a:rPr lang="en-GB" sz="800" dirty="0" err="1">
-                <a:latin typeface="Courier New" panose="02070309020205020404" pitchFamily="49" charset="0"/>
-                <a:cs typeface="Courier New" panose="02070309020205020404" pitchFamily="49" charset="0"/>
-              </a:rPr>
-              <a:t>Local,O</a:t>
-            </a:r>
-            <a:r>
-              <a:rPr lang="en-GB" sz="800" dirty="0">
-                <a:latin typeface="Courier New" panose="02070309020205020404" pitchFamily="49" charset="0"/>
-                <a:cs typeface="Courier New" panose="02070309020205020404" pitchFamily="49" charset="0"/>
-              </a:rPr>
-              <a:t>=</a:t>
-            </a:r>
-            <a:r>
-              <a:rPr lang="en-GB" sz="800" dirty="0" err="1">
-                <a:latin typeface="Courier New" panose="02070309020205020404" pitchFamily="49" charset="0"/>
-                <a:cs typeface="Courier New" panose="02070309020205020404" pitchFamily="49" charset="0"/>
-              </a:rPr>
-              <a:t>Tunnel,L</a:t>
-            </a:r>
-            <a:r>
-              <a:rPr lang="en-GB" sz="800" dirty="0">
-                <a:latin typeface="Courier New" panose="02070309020205020404" pitchFamily="49" charset="0"/>
-                <a:cs typeface="Courier New" panose="02070309020205020404" pitchFamily="49" charset="0"/>
-              </a:rPr>
-              <a:t>=</a:t>
-            </a:r>
-            <a:r>
-              <a:rPr lang="en-GB" sz="800" dirty="0" err="1">
-                <a:latin typeface="Courier New" panose="02070309020205020404" pitchFamily="49" charset="0"/>
-                <a:cs typeface="Courier New" panose="02070309020205020404" pitchFamily="49" charset="0"/>
-              </a:rPr>
-              <a:t>London,C</a:t>
-            </a:r>
-            <a:r>
-              <a:rPr lang="en-GB" sz="800" dirty="0">
-                <a:latin typeface="Courier New" panose="02070309020205020404" pitchFamily="49" charset="0"/>
-                <a:cs typeface="Courier New" panose="02070309020205020404" pitchFamily="49" charset="0"/>
-              </a:rPr>
-              <a:t>=GB"</a:t>
-            </a:r>
-          </a:p>
-          <a:p>
-            <a:r>
-              <a:rPr lang="en-GB" sz="800" dirty="0">
-                <a:latin typeface="Courier New" panose="02070309020205020404" pitchFamily="49" charset="0"/>
-                <a:cs typeface="Courier New" panose="02070309020205020404" pitchFamily="49" charset="0"/>
-              </a:rPr>
-              <a:t>    </a:t>
-            </a:r>
-            <a:r>
-              <a:rPr lang="en-GB" sz="800" dirty="0" err="1">
-                <a:latin typeface="Courier New" panose="02070309020205020404" pitchFamily="49" charset="0"/>
-                <a:cs typeface="Courier New" panose="02070309020205020404" pitchFamily="49" charset="0"/>
-              </a:rPr>
-              <a:t>customSSLConfiguration</a:t>
-            </a:r>
-            <a:r>
-              <a:rPr lang="en-GB" sz="800" dirty="0">
-                <a:latin typeface="Courier New" panose="02070309020205020404" pitchFamily="49" charset="0"/>
-                <a:cs typeface="Courier New" panose="02070309020205020404" pitchFamily="49" charset="0"/>
-              </a:rPr>
-              <a:t> {</a:t>
-            </a:r>
-          </a:p>
-          <a:p>
-            <a:r>
-              <a:rPr lang="en-GB" sz="800" dirty="0">
-                <a:latin typeface="Courier New" panose="02070309020205020404" pitchFamily="49" charset="0"/>
-                <a:cs typeface="Courier New" panose="02070309020205020404" pitchFamily="49" charset="0"/>
-              </a:rPr>
-              <a:t>           </a:t>
-            </a:r>
-            <a:r>
-              <a:rPr lang="en-GB" sz="800" dirty="0" err="1">
-                <a:latin typeface="Courier New" panose="02070309020205020404" pitchFamily="49" charset="0"/>
-                <a:cs typeface="Courier New" panose="02070309020205020404" pitchFamily="49" charset="0"/>
-              </a:rPr>
-              <a:t>keyStorePassword</a:t>
-            </a:r>
-            <a:r>
-              <a:rPr lang="en-GB" sz="800" dirty="0">
-                <a:latin typeface="Courier New" panose="02070309020205020404" pitchFamily="49" charset="0"/>
-                <a:cs typeface="Courier New" panose="02070309020205020404" pitchFamily="49" charset="0"/>
-              </a:rPr>
-              <a:t> = "</a:t>
-            </a:r>
-            <a:r>
-              <a:rPr lang="en-GB" sz="800" dirty="0" err="1">
-                <a:latin typeface="Courier New" panose="02070309020205020404" pitchFamily="49" charset="0"/>
-                <a:cs typeface="Courier New" panose="02070309020205020404" pitchFamily="49" charset="0"/>
-              </a:rPr>
-              <a:t>floatpass</a:t>
-            </a:r>
-            <a:r>
-              <a:rPr lang="en-GB" sz="800" dirty="0">
-                <a:latin typeface="Courier New" panose="02070309020205020404" pitchFamily="49" charset="0"/>
-                <a:cs typeface="Courier New" panose="02070309020205020404" pitchFamily="49" charset="0"/>
-              </a:rPr>
-              <a:t>"</a:t>
-            </a:r>
-          </a:p>
-          <a:p>
-            <a:r>
-              <a:rPr lang="en-GB" sz="800" dirty="0">
-                <a:latin typeface="Courier New" panose="02070309020205020404" pitchFamily="49" charset="0"/>
-                <a:cs typeface="Courier New" panose="02070309020205020404" pitchFamily="49" charset="0"/>
-              </a:rPr>
-              <a:t>           </a:t>
-            </a:r>
-            <a:r>
-              <a:rPr lang="en-GB" sz="800" dirty="0" err="1">
-                <a:latin typeface="Courier New" panose="02070309020205020404" pitchFamily="49" charset="0"/>
-                <a:cs typeface="Courier New" panose="02070309020205020404" pitchFamily="49" charset="0"/>
-              </a:rPr>
-              <a:t>trustStorePassword</a:t>
-            </a:r>
-            <a:r>
-              <a:rPr lang="en-GB" sz="800" dirty="0">
-                <a:latin typeface="Courier New" panose="02070309020205020404" pitchFamily="49" charset="0"/>
-                <a:cs typeface="Courier New" panose="02070309020205020404" pitchFamily="49" charset="0"/>
-              </a:rPr>
-              <a:t> = "</a:t>
-            </a:r>
-            <a:r>
-              <a:rPr lang="en-GB" sz="800" dirty="0" err="1">
-                <a:latin typeface="Courier New" panose="02070309020205020404" pitchFamily="49" charset="0"/>
-                <a:cs typeface="Courier New" panose="02070309020205020404" pitchFamily="49" charset="0"/>
-              </a:rPr>
-              <a:t>trustpass</a:t>
-            </a:r>
-            <a:r>
-              <a:rPr lang="en-GB" sz="800" dirty="0">
-                <a:latin typeface="Courier New" panose="02070309020205020404" pitchFamily="49" charset="0"/>
-                <a:cs typeface="Courier New" panose="02070309020205020404" pitchFamily="49" charset="0"/>
-              </a:rPr>
-              <a:t>"</a:t>
-            </a:r>
-          </a:p>
-          <a:p>
-            <a:r>
-              <a:rPr lang="en-GB" sz="800" dirty="0">
-                <a:latin typeface="Courier New" panose="02070309020205020404" pitchFamily="49" charset="0"/>
-                <a:cs typeface="Courier New" panose="02070309020205020404" pitchFamily="49" charset="0"/>
-              </a:rPr>
-              <a:t>           </a:t>
-            </a:r>
-            <a:r>
-              <a:rPr lang="en-GB" sz="800" dirty="0" err="1">
-                <a:latin typeface="Courier New" panose="02070309020205020404" pitchFamily="49" charset="0"/>
-                <a:cs typeface="Courier New" panose="02070309020205020404" pitchFamily="49" charset="0"/>
-              </a:rPr>
-              <a:t>sslKeystore</a:t>
-            </a:r>
-            <a:r>
-              <a:rPr lang="en-GB" sz="800" dirty="0">
-                <a:latin typeface="Courier New" panose="02070309020205020404" pitchFamily="49" charset="0"/>
-                <a:cs typeface="Courier New" panose="02070309020205020404" pitchFamily="49" charset="0"/>
-              </a:rPr>
-              <a:t> = "./</a:t>
-            </a:r>
-            <a:r>
-              <a:rPr lang="en-GB" sz="800" dirty="0" err="1">
-                <a:latin typeface="Courier New" panose="02070309020205020404" pitchFamily="49" charset="0"/>
-                <a:cs typeface="Courier New" panose="02070309020205020404" pitchFamily="49" charset="0"/>
-              </a:rPr>
-              <a:t>floatcerts</a:t>
-            </a:r>
-            <a:r>
-              <a:rPr lang="en-GB" sz="800" dirty="0">
-                <a:latin typeface="Courier New" panose="02070309020205020404" pitchFamily="49" charset="0"/>
-                <a:cs typeface="Courier New" panose="02070309020205020404" pitchFamily="49" charset="0"/>
-              </a:rPr>
-              <a:t>/</a:t>
-            </a:r>
-            <a:r>
-              <a:rPr lang="en-GB" sz="800" dirty="0" err="1">
-                <a:latin typeface="Courier New" panose="02070309020205020404" pitchFamily="49" charset="0"/>
-                <a:cs typeface="Courier New" panose="02070309020205020404" pitchFamily="49" charset="0"/>
-              </a:rPr>
-              <a:t>float.jks</a:t>
-            </a:r>
-            <a:r>
-              <a:rPr lang="en-GB" sz="800" dirty="0">
-                <a:latin typeface="Courier New" panose="02070309020205020404" pitchFamily="49" charset="0"/>
-                <a:cs typeface="Courier New" panose="02070309020205020404" pitchFamily="49" charset="0"/>
-              </a:rPr>
-              <a:t>"</a:t>
-            </a:r>
-          </a:p>
-          <a:p>
-            <a:r>
-              <a:rPr lang="en-GB" sz="800" dirty="0">
-                <a:latin typeface="Courier New" panose="02070309020205020404" pitchFamily="49" charset="0"/>
-                <a:cs typeface="Courier New" panose="02070309020205020404" pitchFamily="49" charset="0"/>
-              </a:rPr>
-              <a:t>           </a:t>
-            </a:r>
-            <a:r>
-              <a:rPr lang="en-GB" sz="800" dirty="0" err="1">
-                <a:latin typeface="Courier New" panose="02070309020205020404" pitchFamily="49" charset="0"/>
-                <a:cs typeface="Courier New" panose="02070309020205020404" pitchFamily="49" charset="0"/>
-              </a:rPr>
-              <a:t>trustStoreFile</a:t>
-            </a:r>
-            <a:r>
-              <a:rPr lang="en-GB" sz="800" dirty="0">
-                <a:latin typeface="Courier New" panose="02070309020205020404" pitchFamily="49" charset="0"/>
-                <a:cs typeface="Courier New" panose="02070309020205020404" pitchFamily="49" charset="0"/>
-              </a:rPr>
-              <a:t> = "./</a:t>
-            </a:r>
-            <a:r>
-              <a:rPr lang="en-GB" sz="800" dirty="0" err="1">
-                <a:latin typeface="Courier New" panose="02070309020205020404" pitchFamily="49" charset="0"/>
-                <a:cs typeface="Courier New" panose="02070309020205020404" pitchFamily="49" charset="0"/>
-              </a:rPr>
-              <a:t>floatcerts</a:t>
-            </a:r>
-            <a:r>
-              <a:rPr lang="en-GB" sz="800" dirty="0">
-                <a:latin typeface="Courier New" panose="02070309020205020404" pitchFamily="49" charset="0"/>
-                <a:cs typeface="Courier New" panose="02070309020205020404" pitchFamily="49" charset="0"/>
-              </a:rPr>
-              <a:t>/</a:t>
-            </a:r>
-            <a:r>
-              <a:rPr lang="en-GB" sz="800" dirty="0" err="1">
-                <a:latin typeface="Courier New" panose="02070309020205020404" pitchFamily="49" charset="0"/>
-                <a:cs typeface="Courier New" panose="02070309020205020404" pitchFamily="49" charset="0"/>
-              </a:rPr>
-              <a:t>trust.jks</a:t>
-            </a:r>
-            <a:r>
-              <a:rPr lang="en-GB" sz="800" dirty="0">
-                <a:latin typeface="Courier New" panose="02070309020205020404" pitchFamily="49" charset="0"/>
-                <a:cs typeface="Courier New" panose="02070309020205020404" pitchFamily="49" charset="0"/>
-              </a:rPr>
-              <a:t>“</a:t>
-            </a:r>
-          </a:p>
-          <a:p>
-            <a:r>
-              <a:rPr lang="en-GB" sz="800" dirty="0">
-                <a:latin typeface="Courier New" panose="02070309020205020404" pitchFamily="49" charset="0"/>
-                <a:cs typeface="Courier New" panose="02070309020205020404" pitchFamily="49" charset="0"/>
-              </a:rPr>
-              <a:t>           </a:t>
-            </a:r>
-            <a:r>
-              <a:rPr lang="en-GB" sz="800" dirty="0" err="1">
-                <a:latin typeface="Courier New" panose="02070309020205020404" pitchFamily="49" charset="0"/>
-                <a:cs typeface="Courier New" panose="02070309020205020404" pitchFamily="49" charset="0"/>
-              </a:rPr>
-              <a:t>crlCheckSoftFail</a:t>
-            </a:r>
-            <a:r>
-              <a:rPr lang="en-GB" sz="800" dirty="0">
-                <a:latin typeface="Courier New" panose="02070309020205020404" pitchFamily="49" charset="0"/>
-                <a:cs typeface="Courier New" panose="02070309020205020404" pitchFamily="49" charset="0"/>
-              </a:rPr>
-              <a:t> = true</a:t>
-            </a:r>
-          </a:p>
-          <a:p>
-            <a:r>
-              <a:rPr lang="en-GB" sz="800" dirty="0">
-                <a:latin typeface="Courier New" panose="02070309020205020404" pitchFamily="49" charset="0"/>
-                <a:cs typeface="Courier New" panose="02070309020205020404" pitchFamily="49" charset="0"/>
-              </a:rPr>
-              <a:t>    }</a:t>
-            </a:r>
-          </a:p>
-          <a:p>
-            <a:r>
-              <a:rPr lang="en-GB" sz="800" dirty="0">
-                <a:latin typeface="Courier New" panose="02070309020205020404" pitchFamily="49" charset="0"/>
-                <a:cs typeface="Courier New" panose="02070309020205020404" pitchFamily="49" charset="0"/>
-              </a:rPr>
-              <a:t>}</a:t>
-            </a:r>
-          </a:p>
-          <a:p>
-            <a:r>
-              <a:rPr lang="en-GB" sz="800" dirty="0" err="1">
-                <a:latin typeface="Courier New" panose="02070309020205020404" pitchFamily="49" charset="0"/>
-                <a:cs typeface="Courier New" panose="02070309020205020404" pitchFamily="49" charset="0"/>
-              </a:rPr>
-              <a:t>networkParametersPath</a:t>
-            </a:r>
-            <a:r>
-              <a:rPr lang="en-GB" sz="800" dirty="0">
-                <a:latin typeface="Courier New" panose="02070309020205020404" pitchFamily="49" charset="0"/>
-                <a:cs typeface="Courier New" panose="02070309020205020404" pitchFamily="49" charset="0"/>
-              </a:rPr>
-              <a:t> = network-parameters</a:t>
             </a:r>
           </a:p>
         </p:txBody>
@@ -20899,14 +16907,15 @@
           </p:cNvPr>
           <p:cNvCxnSpPr>
             <a:cxnSpLocks/>
-            <a:stCxn id="78" idx="2"/>
+            <a:stCxn id="57" idx="2"/>
+            <a:endCxn id="103" idx="0"/>
           </p:cNvCxnSpPr>
           <p:nvPr/>
         </p:nvCxnSpPr>
         <p:spPr>
           <a:xfrm flipH="1">
-            <a:off x="7198174" y="3666280"/>
-            <a:ext cx="488103" cy="374081"/>
+            <a:off x="7533876" y="3513880"/>
+            <a:ext cx="1" cy="621313"/>
           </a:xfrm>
           <a:prstGeom prst="straightConnector1">
             <a:avLst/>
@@ -20997,8 +17006,8 @@
         </p:nvCxnSpPr>
         <p:spPr>
           <a:xfrm rot="10800000" flipV="1">
-            <a:off x="1559053" y="3247934"/>
-            <a:ext cx="1409216" cy="608898"/>
+            <a:off x="1464700" y="3356372"/>
+            <a:ext cx="1526151" cy="423345"/>
           </a:xfrm>
           <a:prstGeom prst="bentConnector2">
             <a:avLst/>
@@ -21178,7 +17187,7 @@
         </p:nvSpPr>
         <p:spPr>
           <a:xfrm>
-            <a:off x="7185618" y="2075312"/>
+            <a:off x="7106135" y="1731651"/>
             <a:ext cx="1037463" cy="461665"/>
           </a:xfrm>
           <a:prstGeom prst="rect">
@@ -21532,6 +17541,229 @@
           </a:p>
         </p:txBody>
       </p:sp>
+      <p:sp>
+        <p:nvSpPr>
+          <p:cNvPr id="61" name="Rectangle 60">
+            <a:extLst>
+              <a:ext uri="{FF2B5EF4-FFF2-40B4-BE49-F238E27FC236}">
+                <a16:creationId xmlns:a16="http://schemas.microsoft.com/office/drawing/2014/main" id="{386DB56D-F4FF-F74C-BC78-4851CA39221E}"/>
+              </a:ext>
+            </a:extLst>
+          </p:cNvPr>
+          <p:cNvSpPr/>
+          <p:nvPr/>
+        </p:nvSpPr>
+        <p:spPr>
+          <a:xfrm>
+            <a:off x="10432005" y="1167389"/>
+            <a:ext cx="1664661" cy="742678"/>
+          </a:xfrm>
+          <a:prstGeom prst="rect">
+            <a:avLst/>
+          </a:prstGeom>
+          <a:noFill/>
+          <a:ln>
+            <a:solidFill>
+              <a:schemeClr val="tx1"/>
+            </a:solidFill>
+          </a:ln>
+        </p:spPr>
+        <p:style>
+          <a:lnRef idx="2">
+            <a:schemeClr val="accent1">
+              <a:shade val="50000"/>
+            </a:schemeClr>
+          </a:lnRef>
+          <a:fillRef idx="1">
+            <a:schemeClr val="accent1"/>
+          </a:fillRef>
+          <a:effectRef idx="0">
+            <a:schemeClr val="accent1"/>
+          </a:effectRef>
+          <a:fontRef idx="minor">
+            <a:schemeClr val="lt1"/>
+          </a:fontRef>
+        </p:style>
+        <p:txBody>
+          <a:bodyPr rot="0" spcFirstLastPara="0" vertOverflow="overflow" horzOverflow="overflow" vert="horz" wrap="square" lIns="91440" tIns="45720" rIns="91440" bIns="45720" numCol="1" spcCol="0" rtlCol="0" fromWordArt="0" anchor="t" anchorCtr="0" forceAA="0" compatLnSpc="1">
+            <a:prstTxWarp prst="textNoShape">
+              <a:avLst/>
+            </a:prstTxWarp>
+            <a:noAutofit/>
+          </a:bodyPr>
+          <a:lstStyle/>
+          <a:p>
+            <a:pPr algn="ctr"/>
+            <a:r>
+              <a:rPr lang="en-GB" sz="1600" dirty="0">
+                <a:solidFill>
+                  <a:schemeClr val="tx1"/>
+                </a:solidFill>
+                <a:latin typeface="Times New Roman" panose="02020603050405020304" pitchFamily="18" charset="0"/>
+                <a:cs typeface="Times New Roman" panose="02020603050405020304" pitchFamily="18" charset="0"/>
+              </a:rPr>
+              <a:t>Network Services</a:t>
+            </a:r>
+          </a:p>
+          <a:p>
+            <a:pPr algn="ctr"/>
+            <a:r>
+              <a:rPr lang="en-GB" sz="1200" dirty="0">
+                <a:solidFill>
+                  <a:schemeClr val="tx1"/>
+                </a:solidFill>
+                <a:latin typeface="Times New Roman" panose="02020603050405020304" pitchFamily="18" charset="0"/>
+                <a:cs typeface="Times New Roman" panose="02020603050405020304" pitchFamily="18" charset="0"/>
+              </a:rPr>
+              <a:t>Network Map</a:t>
+            </a:r>
+          </a:p>
+          <a:p>
+            <a:pPr algn="ctr"/>
+            <a:r>
+              <a:rPr lang="en-GB" sz="1200" dirty="0">
+                <a:solidFill>
+                  <a:schemeClr val="tx1"/>
+                </a:solidFill>
+                <a:latin typeface="Times New Roman" panose="02020603050405020304" pitchFamily="18" charset="0"/>
+                <a:cs typeface="Times New Roman" panose="02020603050405020304" pitchFamily="18" charset="0"/>
+              </a:rPr>
+              <a:t>Doorman &amp; CRL</a:t>
+            </a:r>
+          </a:p>
+        </p:txBody>
+      </p:sp>
+      <p:cxnSp>
+        <p:nvCxnSpPr>
+          <p:cNvPr id="16" name="Elbow Connector 15">
+            <a:extLst>
+              <a:ext uri="{FF2B5EF4-FFF2-40B4-BE49-F238E27FC236}">
+                <a16:creationId xmlns:a16="http://schemas.microsoft.com/office/drawing/2014/main" id="{35646EE6-2F5C-3E49-8D0A-CD0F566BC9F7}"/>
+              </a:ext>
+            </a:extLst>
+          </p:cNvPr>
+          <p:cNvCxnSpPr>
+            <a:stCxn id="38" idx="0"/>
+          </p:cNvCxnSpPr>
+          <p:nvPr/>
+        </p:nvCxnSpPr>
+        <p:spPr>
+          <a:xfrm rot="5400000" flipH="1" flipV="1">
+            <a:off x="7203858" y="-1661681"/>
+            <a:ext cx="221243" cy="6235052"/>
+          </a:xfrm>
+          <a:prstGeom prst="bentConnector2">
+            <a:avLst/>
+          </a:prstGeom>
+          <a:ln>
+            <a:tailEnd type="triangle"/>
+          </a:ln>
+        </p:spPr>
+        <p:style>
+          <a:lnRef idx="1">
+            <a:schemeClr val="accent1"/>
+          </a:lnRef>
+          <a:fillRef idx="0">
+            <a:schemeClr val="accent1"/>
+          </a:fillRef>
+          <a:effectRef idx="0">
+            <a:schemeClr val="accent1"/>
+          </a:effectRef>
+          <a:fontRef idx="minor">
+            <a:schemeClr val="tx1"/>
+          </a:fontRef>
+        </p:style>
+      </p:cxnSp>
+      <p:cxnSp>
+        <p:nvCxnSpPr>
+          <p:cNvPr id="20" name="Elbow Connector 19">
+            <a:extLst>
+              <a:ext uri="{FF2B5EF4-FFF2-40B4-BE49-F238E27FC236}">
+                <a16:creationId xmlns:a16="http://schemas.microsoft.com/office/drawing/2014/main" id="{2B744098-9CB8-4D41-9ABA-83CC45E62624}"/>
+              </a:ext>
+            </a:extLst>
+          </p:cNvPr>
+          <p:cNvCxnSpPr>
+            <a:endCxn id="61" idx="1"/>
+          </p:cNvCxnSpPr>
+          <p:nvPr/>
+        </p:nvCxnSpPr>
+        <p:spPr>
+          <a:xfrm flipV="1">
+            <a:off x="8030366" y="1538728"/>
+            <a:ext cx="2401639" cy="1207798"/>
+          </a:xfrm>
+          <a:prstGeom prst="bentConnector3">
+            <a:avLst>
+              <a:gd name="adj1" fmla="val 6801"/>
+            </a:avLst>
+          </a:prstGeom>
+          <a:ln>
+            <a:tailEnd type="triangle"/>
+          </a:ln>
+        </p:spPr>
+        <p:style>
+          <a:lnRef idx="1">
+            <a:schemeClr val="accent1"/>
+          </a:lnRef>
+          <a:fillRef idx="0">
+            <a:schemeClr val="accent1"/>
+          </a:fillRef>
+          <a:effectRef idx="0">
+            <a:schemeClr val="accent1"/>
+          </a:effectRef>
+          <a:fontRef idx="minor">
+            <a:schemeClr val="tx1"/>
+          </a:fontRef>
+        </p:style>
+      </p:cxnSp>
+      <p:cxnSp>
+        <p:nvCxnSpPr>
+          <p:cNvPr id="3" name="Elbow Connector 2">
+            <a:extLst>
+              <a:ext uri="{FF2B5EF4-FFF2-40B4-BE49-F238E27FC236}">
+                <a16:creationId xmlns:a16="http://schemas.microsoft.com/office/drawing/2014/main" id="{77086D81-FF08-0B4A-AD44-7B0DC72B9657}"/>
+              </a:ext>
+            </a:extLst>
+          </p:cNvPr>
+          <p:cNvCxnSpPr>
+            <a:stCxn id="63" idx="0"/>
+          </p:cNvCxnSpPr>
+          <p:nvPr/>
+        </p:nvCxnSpPr>
+        <p:spPr>
+          <a:xfrm rot="5400000" flipH="1" flipV="1">
+            <a:off x="9379593" y="1620197"/>
+            <a:ext cx="953743" cy="1151082"/>
+          </a:xfrm>
+          <a:prstGeom prst="bentConnector2">
+            <a:avLst/>
+          </a:prstGeom>
+          <a:ln w="9525" cap="flat" cmpd="sng" algn="ctr">
+            <a:solidFill>
+              <a:schemeClr val="accent1"/>
+            </a:solidFill>
+            <a:prstDash val="solid"/>
+            <a:round/>
+            <a:headEnd type="none" w="med" len="med"/>
+            <a:tailEnd type="triangle" w="med" len="med"/>
+          </a:ln>
+        </p:spPr>
+        <p:style>
+          <a:lnRef idx="0">
+            <a:scrgbClr r="0" g="0" b="0"/>
+          </a:lnRef>
+          <a:fillRef idx="0">
+            <a:scrgbClr r="0" g="0" b="0"/>
+          </a:fillRef>
+          <a:effectRef idx="0">
+            <a:scrgbClr r="0" g="0" b="0"/>
+          </a:effectRef>
+          <a:fontRef idx="minor">
+            <a:schemeClr val="tx1"/>
+          </a:fontRef>
+        </p:style>
+      </p:cxnSp>
     </p:spTree>
     <p:extLst>
       <p:ext uri="{BB962C8B-B14F-4D97-AF65-F5344CB8AC3E}">
@@ -21546,6 +17778,2571 @@
 </file>
 
 <file path=ppt/slides/slide7.xml><?xml version="1.0" encoding="utf-8"?>
+<p:sld xmlns:a="http://schemas.openxmlformats.org/drawingml/2006/main" xmlns:r="http://schemas.openxmlformats.org/officeDocument/2006/relationships" xmlns:p="http://schemas.openxmlformats.org/presentationml/2006/main">
+  <p:cSld>
+    <p:spTree>
+      <p:nvGrpSpPr>
+        <p:cNvPr id="1" name=""/>
+        <p:cNvGrpSpPr/>
+        <p:nvPr/>
+      </p:nvGrpSpPr>
+      <p:grpSpPr>
+        <a:xfrm>
+          <a:off x="0" y="0"/>
+          <a:ext cx="0" cy="0"/>
+          <a:chOff x="0" y="0"/>
+          <a:chExt cx="0" cy="0"/>
+        </a:xfrm>
+      </p:grpSpPr>
+      <p:sp>
+        <p:nvSpPr>
+          <p:cNvPr id="94" name="Rectangle 93">
+            <a:extLst>
+              <a:ext uri="{FF2B5EF4-FFF2-40B4-BE49-F238E27FC236}">
+                <a16:creationId xmlns:a16="http://schemas.microsoft.com/office/drawing/2014/main" id="{04BDDDB2-B9A1-42E5-BAA5-C2079633F4DC}"/>
+              </a:ext>
+            </a:extLst>
+          </p:cNvPr>
+          <p:cNvSpPr/>
+          <p:nvPr/>
+        </p:nvSpPr>
+        <p:spPr>
+          <a:xfrm>
+            <a:off x="2777494" y="27871"/>
+            <a:ext cx="6298519" cy="400110"/>
+          </a:xfrm>
+          <a:prstGeom prst="rect">
+            <a:avLst/>
+          </a:prstGeom>
+        </p:spPr>
+        <p:txBody>
+          <a:bodyPr wrap="none">
+            <a:spAutoFit/>
+          </a:bodyPr>
+          <a:lstStyle/>
+          <a:p>
+            <a:r>
+              <a:rPr lang="en-GB" sz="2000" dirty="0">
+                <a:latin typeface="Times New Roman" panose="02020603050405020304" pitchFamily="18" charset="0"/>
+                <a:cs typeface="Times New Roman" panose="02020603050405020304" pitchFamily="18" charset="0"/>
+              </a:rPr>
+              <a:t>Multiple nodes, Single External Bridge/Float Configuration</a:t>
+            </a:r>
+          </a:p>
+        </p:txBody>
+      </p:sp>
+      <p:sp>
+        <p:nvSpPr>
+          <p:cNvPr id="95" name="Rectangle 94">
+            <a:extLst>
+              <a:ext uri="{FF2B5EF4-FFF2-40B4-BE49-F238E27FC236}">
+                <a16:creationId xmlns:a16="http://schemas.microsoft.com/office/drawing/2014/main" id="{BE65A9BE-54F0-4A2B-A0A1-3ACF1247923A}"/>
+              </a:ext>
+            </a:extLst>
+          </p:cNvPr>
+          <p:cNvSpPr/>
+          <p:nvPr/>
+        </p:nvSpPr>
+        <p:spPr>
+          <a:xfrm>
+            <a:off x="2978150" y="779066"/>
+            <a:ext cx="2455859" cy="2292350"/>
+          </a:xfrm>
+          <a:prstGeom prst="rect">
+            <a:avLst/>
+          </a:prstGeom>
+          <a:noFill/>
+          <a:ln>
+            <a:solidFill>
+              <a:schemeClr val="tx1"/>
+            </a:solidFill>
+          </a:ln>
+        </p:spPr>
+        <p:style>
+          <a:lnRef idx="2">
+            <a:schemeClr val="accent1">
+              <a:shade val="50000"/>
+            </a:schemeClr>
+          </a:lnRef>
+          <a:fillRef idx="1">
+            <a:schemeClr val="accent1"/>
+          </a:fillRef>
+          <a:effectRef idx="0">
+            <a:schemeClr val="accent1"/>
+          </a:effectRef>
+          <a:fontRef idx="minor">
+            <a:schemeClr val="lt1"/>
+          </a:fontRef>
+        </p:style>
+        <p:txBody>
+          <a:bodyPr rot="0" spcFirstLastPara="0" vertOverflow="overflow" horzOverflow="overflow" vert="horz" wrap="square" lIns="91440" tIns="45720" rIns="91440" bIns="45720" numCol="1" spcCol="0" rtlCol="0" fromWordArt="0" anchor="t" anchorCtr="0" forceAA="0" compatLnSpc="1">
+            <a:prstTxWarp prst="textNoShape">
+              <a:avLst/>
+            </a:prstTxWarp>
+            <a:noAutofit/>
+          </a:bodyPr>
+          <a:lstStyle/>
+          <a:p>
+            <a:pPr algn="ctr"/>
+            <a:r>
+              <a:rPr lang="en-GB" sz="1600" dirty="0">
+                <a:solidFill>
+                  <a:schemeClr val="tx1"/>
+                </a:solidFill>
+                <a:latin typeface="Times New Roman" panose="02020603050405020304" pitchFamily="18" charset="0"/>
+                <a:cs typeface="Times New Roman" panose="02020603050405020304" pitchFamily="18" charset="0"/>
+              </a:rPr>
+              <a:t>Node</a:t>
+            </a:r>
+          </a:p>
+        </p:txBody>
+      </p:sp>
+      <p:sp>
+        <p:nvSpPr>
+          <p:cNvPr id="96" name="Rectangle 95">
+            <a:extLst>
+              <a:ext uri="{FF2B5EF4-FFF2-40B4-BE49-F238E27FC236}">
+                <a16:creationId xmlns:a16="http://schemas.microsoft.com/office/drawing/2014/main" id="{8438C44D-56B9-4F87-B28E-8A20433FA368}"/>
+              </a:ext>
+            </a:extLst>
+          </p:cNvPr>
+          <p:cNvSpPr/>
+          <p:nvPr/>
+        </p:nvSpPr>
+        <p:spPr>
+          <a:xfrm>
+            <a:off x="610079" y="2391966"/>
+            <a:ext cx="2076450" cy="679450"/>
+          </a:xfrm>
+          <a:prstGeom prst="rect">
+            <a:avLst/>
+          </a:prstGeom>
+          <a:noFill/>
+          <a:ln>
+            <a:solidFill>
+              <a:schemeClr val="tx1"/>
+            </a:solidFill>
+          </a:ln>
+        </p:spPr>
+        <p:style>
+          <a:lnRef idx="2">
+            <a:schemeClr val="accent1">
+              <a:shade val="50000"/>
+            </a:schemeClr>
+          </a:lnRef>
+          <a:fillRef idx="1">
+            <a:schemeClr val="accent1"/>
+          </a:fillRef>
+          <a:effectRef idx="0">
+            <a:schemeClr val="accent1"/>
+          </a:effectRef>
+          <a:fontRef idx="minor">
+            <a:schemeClr val="lt1"/>
+          </a:fontRef>
+        </p:style>
+        <p:txBody>
+          <a:bodyPr rot="0" spcFirstLastPara="0" vertOverflow="overflow" horzOverflow="overflow" vert="horz" wrap="square" lIns="91440" tIns="45720" rIns="91440" bIns="45720" numCol="1" spcCol="0" rtlCol="0" fromWordArt="0" anchor="t" anchorCtr="0" forceAA="0" compatLnSpc="1">
+            <a:prstTxWarp prst="textNoShape">
+              <a:avLst/>
+            </a:prstTxWarp>
+            <a:noAutofit/>
+          </a:bodyPr>
+          <a:lstStyle/>
+          <a:p>
+            <a:pPr algn="ctr"/>
+            <a:r>
+              <a:rPr lang="en-GB" sz="1600" dirty="0">
+                <a:solidFill>
+                  <a:schemeClr val="tx1"/>
+                </a:solidFill>
+                <a:latin typeface="Times New Roman" panose="02020603050405020304" pitchFamily="18" charset="0"/>
+                <a:cs typeface="Times New Roman" panose="02020603050405020304" pitchFamily="18" charset="0"/>
+              </a:rPr>
+              <a:t>RPC Clients</a:t>
+            </a:r>
+          </a:p>
+          <a:p>
+            <a:pPr algn="ctr"/>
+            <a:r>
+              <a:rPr lang="en-GB" sz="1600" dirty="0">
+                <a:solidFill>
+                  <a:schemeClr val="tx1"/>
+                </a:solidFill>
+                <a:latin typeface="Times New Roman" panose="02020603050405020304" pitchFamily="18" charset="0"/>
+                <a:cs typeface="Times New Roman" panose="02020603050405020304" pitchFamily="18" charset="0"/>
+              </a:rPr>
+              <a:t>e.g. REST Web Server</a:t>
+            </a:r>
+          </a:p>
+        </p:txBody>
+      </p:sp>
+      <p:cxnSp>
+        <p:nvCxnSpPr>
+          <p:cNvPr id="97" name="Straight Arrow Connector 96">
+            <a:extLst>
+              <a:ext uri="{FF2B5EF4-FFF2-40B4-BE49-F238E27FC236}">
+                <a16:creationId xmlns:a16="http://schemas.microsoft.com/office/drawing/2014/main" id="{7F6E3534-8C27-42BE-A950-4AFAB82F12E2}"/>
+              </a:ext>
+            </a:extLst>
+          </p:cNvPr>
+          <p:cNvCxnSpPr>
+            <a:stCxn id="96" idx="3"/>
+            <a:endCxn id="98" idx="1"/>
+          </p:cNvCxnSpPr>
+          <p:nvPr/>
+        </p:nvCxnSpPr>
+        <p:spPr>
+          <a:xfrm flipV="1">
+            <a:off x="2686529" y="2621902"/>
+            <a:ext cx="407562" cy="109789"/>
+          </a:xfrm>
+          <a:prstGeom prst="straightConnector1">
+            <a:avLst/>
+          </a:prstGeom>
+          <a:ln>
+            <a:headEnd type="triangle"/>
+            <a:tailEnd type="triangle"/>
+          </a:ln>
+        </p:spPr>
+        <p:style>
+          <a:lnRef idx="1">
+            <a:schemeClr val="accent1"/>
+          </a:lnRef>
+          <a:fillRef idx="0">
+            <a:schemeClr val="accent1"/>
+          </a:fillRef>
+          <a:effectRef idx="0">
+            <a:schemeClr val="accent1"/>
+          </a:effectRef>
+          <a:fontRef idx="minor">
+            <a:schemeClr val="tx1"/>
+          </a:fontRef>
+        </p:style>
+      </p:cxnSp>
+      <p:sp>
+        <p:nvSpPr>
+          <p:cNvPr id="98" name="Rectangle 97">
+            <a:extLst>
+              <a:ext uri="{FF2B5EF4-FFF2-40B4-BE49-F238E27FC236}">
+                <a16:creationId xmlns:a16="http://schemas.microsoft.com/office/drawing/2014/main" id="{E8FDE566-F0E7-421B-A687-22ECFC234D9E}"/>
+              </a:ext>
+            </a:extLst>
+          </p:cNvPr>
+          <p:cNvSpPr/>
+          <p:nvPr/>
+        </p:nvSpPr>
+        <p:spPr>
+          <a:xfrm>
+            <a:off x="3094091" y="2313927"/>
+            <a:ext cx="895350" cy="615950"/>
+          </a:xfrm>
+          <a:prstGeom prst="rect">
+            <a:avLst/>
+          </a:prstGeom>
+          <a:noFill/>
+          <a:ln>
+            <a:solidFill>
+              <a:schemeClr val="tx1"/>
+            </a:solidFill>
+          </a:ln>
+        </p:spPr>
+        <p:style>
+          <a:lnRef idx="2">
+            <a:schemeClr val="accent1">
+              <a:shade val="50000"/>
+            </a:schemeClr>
+          </a:lnRef>
+          <a:fillRef idx="1">
+            <a:schemeClr val="accent1"/>
+          </a:fillRef>
+          <a:effectRef idx="0">
+            <a:schemeClr val="accent1"/>
+          </a:effectRef>
+          <a:fontRef idx="minor">
+            <a:schemeClr val="lt1"/>
+          </a:fontRef>
+        </p:style>
+        <p:txBody>
+          <a:bodyPr rot="0" spcFirstLastPara="0" vertOverflow="overflow" horzOverflow="overflow" vert="horz" wrap="square" lIns="91440" tIns="45720" rIns="91440" bIns="45720" numCol="1" spcCol="0" rtlCol="0" fromWordArt="0" anchor="t" anchorCtr="0" forceAA="0" compatLnSpc="1">
+            <a:prstTxWarp prst="textNoShape">
+              <a:avLst/>
+            </a:prstTxWarp>
+            <a:noAutofit/>
+          </a:bodyPr>
+          <a:lstStyle/>
+          <a:p>
+            <a:pPr algn="ctr"/>
+            <a:r>
+              <a:rPr lang="en-GB" sz="1600" dirty="0">
+                <a:solidFill>
+                  <a:schemeClr val="tx1"/>
+                </a:solidFill>
+                <a:latin typeface="Times New Roman" panose="02020603050405020304" pitchFamily="18" charset="0"/>
+                <a:cs typeface="Times New Roman" panose="02020603050405020304" pitchFamily="18" charset="0"/>
+              </a:rPr>
+              <a:t>RPC Artemis</a:t>
+            </a:r>
+          </a:p>
+        </p:txBody>
+      </p:sp>
+      <p:sp>
+        <p:nvSpPr>
+          <p:cNvPr id="100" name="Rectangle 99">
+            <a:extLst>
+              <a:ext uri="{FF2B5EF4-FFF2-40B4-BE49-F238E27FC236}">
+                <a16:creationId xmlns:a16="http://schemas.microsoft.com/office/drawing/2014/main" id="{07BA8995-4267-40B3-820A-4E45BC30DFCD}"/>
+              </a:ext>
+            </a:extLst>
+          </p:cNvPr>
+          <p:cNvSpPr/>
+          <p:nvPr/>
+        </p:nvSpPr>
+        <p:spPr>
+          <a:xfrm>
+            <a:off x="4191001" y="1231900"/>
+            <a:ext cx="1095375" cy="387350"/>
+          </a:xfrm>
+          <a:prstGeom prst="rect">
+            <a:avLst/>
+          </a:prstGeom>
+          <a:noFill/>
+          <a:ln>
+            <a:solidFill>
+              <a:schemeClr val="tx1"/>
+            </a:solidFill>
+          </a:ln>
+        </p:spPr>
+        <p:style>
+          <a:lnRef idx="2">
+            <a:schemeClr val="accent1">
+              <a:shade val="50000"/>
+            </a:schemeClr>
+          </a:lnRef>
+          <a:fillRef idx="1">
+            <a:schemeClr val="accent1"/>
+          </a:fillRef>
+          <a:effectRef idx="0">
+            <a:schemeClr val="accent1"/>
+          </a:effectRef>
+          <a:fontRef idx="minor">
+            <a:schemeClr val="lt1"/>
+          </a:fontRef>
+        </p:style>
+        <p:txBody>
+          <a:bodyPr rot="0" spcFirstLastPara="0" vertOverflow="overflow" horzOverflow="overflow" vert="horz" wrap="square" lIns="91440" tIns="45720" rIns="91440" bIns="45720" numCol="1" spcCol="0" rtlCol="0" fromWordArt="0" anchor="t" anchorCtr="0" forceAA="0" compatLnSpc="1">
+            <a:prstTxWarp prst="textNoShape">
+              <a:avLst/>
+            </a:prstTxWarp>
+            <a:noAutofit/>
+          </a:bodyPr>
+          <a:lstStyle/>
+          <a:p>
+            <a:pPr algn="ctr"/>
+            <a:r>
+              <a:rPr lang="en-GB" sz="1600" dirty="0">
+                <a:solidFill>
+                  <a:schemeClr val="tx1"/>
+                </a:solidFill>
+                <a:latin typeface="Times New Roman" panose="02020603050405020304" pitchFamily="18" charset="0"/>
+                <a:cs typeface="Times New Roman" panose="02020603050405020304" pitchFamily="18" charset="0"/>
+              </a:rPr>
+              <a:t>Flows</a:t>
+            </a:r>
+          </a:p>
+        </p:txBody>
+      </p:sp>
+      <p:sp>
+        <p:nvSpPr>
+          <p:cNvPr id="101" name="Rectangle 100">
+            <a:extLst>
+              <a:ext uri="{FF2B5EF4-FFF2-40B4-BE49-F238E27FC236}">
+                <a16:creationId xmlns:a16="http://schemas.microsoft.com/office/drawing/2014/main" id="{03E9B298-4FC1-4808-9AB7-98B652BBDF78}"/>
+              </a:ext>
+            </a:extLst>
+          </p:cNvPr>
+          <p:cNvSpPr/>
+          <p:nvPr/>
+        </p:nvSpPr>
+        <p:spPr>
+          <a:xfrm>
+            <a:off x="4200979" y="2426244"/>
+            <a:ext cx="1095375" cy="387350"/>
+          </a:xfrm>
+          <a:prstGeom prst="rect">
+            <a:avLst/>
+          </a:prstGeom>
+          <a:noFill/>
+          <a:ln>
+            <a:solidFill>
+              <a:schemeClr val="tx1"/>
+            </a:solidFill>
+          </a:ln>
+        </p:spPr>
+        <p:style>
+          <a:lnRef idx="2">
+            <a:schemeClr val="accent1">
+              <a:shade val="50000"/>
+            </a:schemeClr>
+          </a:lnRef>
+          <a:fillRef idx="1">
+            <a:schemeClr val="accent1"/>
+          </a:fillRef>
+          <a:effectRef idx="0">
+            <a:schemeClr val="accent1"/>
+          </a:effectRef>
+          <a:fontRef idx="minor">
+            <a:schemeClr val="lt1"/>
+          </a:fontRef>
+        </p:style>
+        <p:txBody>
+          <a:bodyPr rot="0" spcFirstLastPara="0" vertOverflow="overflow" horzOverflow="overflow" vert="horz" wrap="square" lIns="91440" tIns="45720" rIns="91440" bIns="45720" numCol="1" spcCol="0" rtlCol="0" fromWordArt="0" anchor="t" anchorCtr="0" forceAA="0" compatLnSpc="1">
+            <a:prstTxWarp prst="textNoShape">
+              <a:avLst/>
+            </a:prstTxWarp>
+            <a:noAutofit/>
+          </a:bodyPr>
+          <a:lstStyle/>
+          <a:p>
+            <a:pPr algn="ctr"/>
+            <a:r>
+              <a:rPr lang="en-GB" sz="1600" dirty="0">
+                <a:solidFill>
+                  <a:schemeClr val="tx1"/>
+                </a:solidFill>
+                <a:latin typeface="Times New Roman" panose="02020603050405020304" pitchFamily="18" charset="0"/>
+                <a:cs typeface="Times New Roman" panose="02020603050405020304" pitchFamily="18" charset="0"/>
+              </a:rPr>
+              <a:t>Vault</a:t>
+            </a:r>
+          </a:p>
+        </p:txBody>
+      </p:sp>
+      <p:cxnSp>
+        <p:nvCxnSpPr>
+          <p:cNvPr id="102" name="Straight Arrow Connector 101">
+            <a:extLst>
+              <a:ext uri="{FF2B5EF4-FFF2-40B4-BE49-F238E27FC236}">
+                <a16:creationId xmlns:a16="http://schemas.microsoft.com/office/drawing/2014/main" id="{C5B6F389-8F1E-4EC6-B88E-1A5A6E7F7479}"/>
+              </a:ext>
+            </a:extLst>
+          </p:cNvPr>
+          <p:cNvCxnSpPr>
+            <a:stCxn id="100" idx="2"/>
+            <a:endCxn id="101" idx="0"/>
+          </p:cNvCxnSpPr>
+          <p:nvPr/>
+        </p:nvCxnSpPr>
+        <p:spPr>
+          <a:xfrm>
+            <a:off x="4738689" y="1619250"/>
+            <a:ext cx="9978" cy="806994"/>
+          </a:xfrm>
+          <a:prstGeom prst="straightConnector1">
+            <a:avLst/>
+          </a:prstGeom>
+          <a:ln>
+            <a:solidFill>
+              <a:srgbClr val="7030A0"/>
+            </a:solidFill>
+            <a:tailEnd type="triangle"/>
+          </a:ln>
+        </p:spPr>
+        <p:style>
+          <a:lnRef idx="1">
+            <a:schemeClr val="accent1"/>
+          </a:lnRef>
+          <a:fillRef idx="0">
+            <a:schemeClr val="accent1"/>
+          </a:fillRef>
+          <a:effectRef idx="0">
+            <a:schemeClr val="accent1"/>
+          </a:effectRef>
+          <a:fontRef idx="minor">
+            <a:schemeClr val="tx1"/>
+          </a:fontRef>
+        </p:style>
+      </p:cxnSp>
+      <p:cxnSp>
+        <p:nvCxnSpPr>
+          <p:cNvPr id="103" name="Straight Arrow Connector 102">
+            <a:extLst>
+              <a:ext uri="{FF2B5EF4-FFF2-40B4-BE49-F238E27FC236}">
+                <a16:creationId xmlns:a16="http://schemas.microsoft.com/office/drawing/2014/main" id="{3C0D81F3-1248-4D09-8B9A-AEBF785D198C}"/>
+              </a:ext>
+            </a:extLst>
+          </p:cNvPr>
+          <p:cNvCxnSpPr>
+            <a:cxnSpLocks/>
+            <a:stCxn id="98" idx="3"/>
+            <a:endCxn id="100" idx="1"/>
+          </p:cNvCxnSpPr>
+          <p:nvPr/>
+        </p:nvCxnSpPr>
+        <p:spPr>
+          <a:xfrm flipV="1">
+            <a:off x="3989441" y="1425575"/>
+            <a:ext cx="201560" cy="1196327"/>
+          </a:xfrm>
+          <a:prstGeom prst="straightConnector1">
+            <a:avLst/>
+          </a:prstGeom>
+          <a:ln>
+            <a:headEnd type="triangle"/>
+            <a:tailEnd type="triangle"/>
+          </a:ln>
+        </p:spPr>
+        <p:style>
+          <a:lnRef idx="1">
+            <a:schemeClr val="accent1"/>
+          </a:lnRef>
+          <a:fillRef idx="0">
+            <a:schemeClr val="accent1"/>
+          </a:fillRef>
+          <a:effectRef idx="0">
+            <a:schemeClr val="accent1"/>
+          </a:effectRef>
+          <a:fontRef idx="minor">
+            <a:schemeClr val="tx1"/>
+          </a:fontRef>
+        </p:style>
+      </p:cxnSp>
+      <p:cxnSp>
+        <p:nvCxnSpPr>
+          <p:cNvPr id="104" name="Straight Arrow Connector 103">
+            <a:extLst>
+              <a:ext uri="{FF2B5EF4-FFF2-40B4-BE49-F238E27FC236}">
+                <a16:creationId xmlns:a16="http://schemas.microsoft.com/office/drawing/2014/main" id="{10698CAE-A8F7-4A0E-99F9-B98B8733AB85}"/>
+              </a:ext>
+            </a:extLst>
+          </p:cNvPr>
+          <p:cNvCxnSpPr>
+            <a:cxnSpLocks/>
+            <a:stCxn id="100" idx="3"/>
+            <a:endCxn id="38" idx="1"/>
+          </p:cNvCxnSpPr>
+          <p:nvPr/>
+        </p:nvCxnSpPr>
+        <p:spPr>
+          <a:xfrm>
+            <a:off x="5286376" y="1425575"/>
+            <a:ext cx="483289" cy="888353"/>
+          </a:xfrm>
+          <a:prstGeom prst="straightConnector1">
+            <a:avLst/>
+          </a:prstGeom>
+          <a:ln>
+            <a:solidFill>
+              <a:srgbClr val="7030A0"/>
+            </a:solidFill>
+            <a:headEnd type="triangle"/>
+            <a:tailEnd type="triangle"/>
+          </a:ln>
+        </p:spPr>
+        <p:style>
+          <a:lnRef idx="1">
+            <a:schemeClr val="accent1"/>
+          </a:lnRef>
+          <a:fillRef idx="0">
+            <a:schemeClr val="accent1"/>
+          </a:fillRef>
+          <a:effectRef idx="0">
+            <a:schemeClr val="accent1"/>
+          </a:effectRef>
+          <a:fontRef idx="minor">
+            <a:schemeClr val="tx1"/>
+          </a:fontRef>
+        </p:style>
+      </p:cxnSp>
+      <p:cxnSp>
+        <p:nvCxnSpPr>
+          <p:cNvPr id="105" name="Straight Arrow Connector 104">
+            <a:extLst>
+              <a:ext uri="{FF2B5EF4-FFF2-40B4-BE49-F238E27FC236}">
+                <a16:creationId xmlns:a16="http://schemas.microsoft.com/office/drawing/2014/main" id="{B1364B1D-2913-4120-936D-3545B5BF876A}"/>
+              </a:ext>
+            </a:extLst>
+          </p:cNvPr>
+          <p:cNvCxnSpPr>
+            <a:cxnSpLocks/>
+            <a:stCxn id="98" idx="3"/>
+            <a:endCxn id="101" idx="1"/>
+          </p:cNvCxnSpPr>
+          <p:nvPr/>
+        </p:nvCxnSpPr>
+        <p:spPr>
+          <a:xfrm flipV="1">
+            <a:off x="3989441" y="2619919"/>
+            <a:ext cx="211538" cy="1983"/>
+          </a:xfrm>
+          <a:prstGeom prst="straightConnector1">
+            <a:avLst/>
+          </a:prstGeom>
+          <a:ln>
+            <a:headEnd type="triangle"/>
+            <a:tailEnd type="triangle"/>
+          </a:ln>
+        </p:spPr>
+        <p:style>
+          <a:lnRef idx="1">
+            <a:schemeClr val="accent1"/>
+          </a:lnRef>
+          <a:fillRef idx="0">
+            <a:schemeClr val="accent1"/>
+          </a:fillRef>
+          <a:effectRef idx="0">
+            <a:schemeClr val="accent1"/>
+          </a:effectRef>
+          <a:fontRef idx="minor">
+            <a:schemeClr val="tx1"/>
+          </a:fontRef>
+        </p:style>
+      </p:cxnSp>
+      <p:sp>
+        <p:nvSpPr>
+          <p:cNvPr id="106" name="Rectangle 105">
+            <a:extLst>
+              <a:ext uri="{FF2B5EF4-FFF2-40B4-BE49-F238E27FC236}">
+                <a16:creationId xmlns:a16="http://schemas.microsoft.com/office/drawing/2014/main" id="{956A1AC4-CB6F-47B8-AB14-266FCCE290FE}"/>
+              </a:ext>
+            </a:extLst>
+          </p:cNvPr>
+          <p:cNvSpPr/>
+          <p:nvPr/>
+        </p:nvSpPr>
+        <p:spPr>
+          <a:xfrm>
+            <a:off x="7024687" y="1885209"/>
+            <a:ext cx="992979" cy="841271"/>
+          </a:xfrm>
+          <a:prstGeom prst="rect">
+            <a:avLst/>
+          </a:prstGeom>
+          <a:noFill/>
+          <a:ln>
+            <a:solidFill>
+              <a:schemeClr val="tx1"/>
+            </a:solidFill>
+          </a:ln>
+        </p:spPr>
+        <p:style>
+          <a:lnRef idx="2">
+            <a:schemeClr val="accent1">
+              <a:shade val="50000"/>
+            </a:schemeClr>
+          </a:lnRef>
+          <a:fillRef idx="1">
+            <a:schemeClr val="accent1"/>
+          </a:fillRef>
+          <a:effectRef idx="0">
+            <a:schemeClr val="accent1"/>
+          </a:effectRef>
+          <a:fontRef idx="minor">
+            <a:schemeClr val="lt1"/>
+          </a:fontRef>
+        </p:style>
+        <p:txBody>
+          <a:bodyPr rot="0" spcFirstLastPara="0" vertOverflow="overflow" horzOverflow="overflow" vert="horz" wrap="square" lIns="91440" tIns="45720" rIns="91440" bIns="45720" numCol="1" spcCol="0" rtlCol="0" fromWordArt="0" anchor="t" anchorCtr="0" forceAA="0" compatLnSpc="1">
+            <a:prstTxWarp prst="textNoShape">
+              <a:avLst/>
+            </a:prstTxWarp>
+            <a:noAutofit/>
+          </a:bodyPr>
+          <a:lstStyle/>
+          <a:p>
+            <a:pPr algn="ctr"/>
+            <a:r>
+              <a:rPr lang="en-GB" sz="1600" dirty="0">
+                <a:solidFill>
+                  <a:schemeClr val="tx1"/>
+                </a:solidFill>
+                <a:latin typeface="Times New Roman" panose="02020603050405020304" pitchFamily="18" charset="0"/>
+                <a:cs typeface="Times New Roman" panose="02020603050405020304" pitchFamily="18" charset="0"/>
+              </a:rPr>
+              <a:t>AMQP Bridge Process</a:t>
+            </a:r>
+          </a:p>
+        </p:txBody>
+      </p:sp>
+      <p:cxnSp>
+        <p:nvCxnSpPr>
+          <p:cNvPr id="107" name="Straight Arrow Connector 106">
+            <a:extLst>
+              <a:ext uri="{FF2B5EF4-FFF2-40B4-BE49-F238E27FC236}">
+                <a16:creationId xmlns:a16="http://schemas.microsoft.com/office/drawing/2014/main" id="{A200F4D4-D88A-430C-B14D-A0C9020A49B2}"/>
+              </a:ext>
+            </a:extLst>
+          </p:cNvPr>
+          <p:cNvCxnSpPr>
+            <a:cxnSpLocks/>
+            <a:stCxn id="38" idx="3"/>
+            <a:endCxn id="106" idx="1"/>
+          </p:cNvCxnSpPr>
+          <p:nvPr/>
+        </p:nvCxnSpPr>
+        <p:spPr>
+          <a:xfrm flipV="1">
+            <a:off x="6665015" y="2305845"/>
+            <a:ext cx="359672" cy="8083"/>
+          </a:xfrm>
+          <a:prstGeom prst="straightConnector1">
+            <a:avLst/>
+          </a:prstGeom>
+          <a:ln>
+            <a:solidFill>
+              <a:srgbClr val="7030A0"/>
+            </a:solidFill>
+            <a:headEnd type="triangle"/>
+            <a:tailEnd type="triangle"/>
+          </a:ln>
+        </p:spPr>
+        <p:style>
+          <a:lnRef idx="1">
+            <a:schemeClr val="accent1"/>
+          </a:lnRef>
+          <a:fillRef idx="0">
+            <a:schemeClr val="accent1"/>
+          </a:fillRef>
+          <a:effectRef idx="0">
+            <a:schemeClr val="accent1"/>
+          </a:effectRef>
+          <a:fontRef idx="minor">
+            <a:schemeClr val="tx1"/>
+          </a:fontRef>
+        </p:style>
+      </p:cxnSp>
+      <p:sp>
+        <p:nvSpPr>
+          <p:cNvPr id="110" name="Rectangle 109">
+            <a:extLst>
+              <a:ext uri="{FF2B5EF4-FFF2-40B4-BE49-F238E27FC236}">
+                <a16:creationId xmlns:a16="http://schemas.microsoft.com/office/drawing/2014/main" id="{AA167C52-B4AE-464E-8C82-C9D4CF1E3624}"/>
+              </a:ext>
+            </a:extLst>
+          </p:cNvPr>
+          <p:cNvSpPr/>
+          <p:nvPr/>
+        </p:nvSpPr>
+        <p:spPr>
+          <a:xfrm>
+            <a:off x="9948082" y="1348767"/>
+            <a:ext cx="148949" cy="3751872"/>
+          </a:xfrm>
+          <a:prstGeom prst="rect">
+            <a:avLst/>
+          </a:prstGeom>
+          <a:noFill/>
+          <a:ln>
+            <a:solidFill>
+              <a:schemeClr val="tx1"/>
+            </a:solidFill>
+          </a:ln>
+        </p:spPr>
+        <p:style>
+          <a:lnRef idx="2">
+            <a:schemeClr val="accent1">
+              <a:shade val="50000"/>
+            </a:schemeClr>
+          </a:lnRef>
+          <a:fillRef idx="1">
+            <a:schemeClr val="accent1"/>
+          </a:fillRef>
+          <a:effectRef idx="0">
+            <a:schemeClr val="accent1"/>
+          </a:effectRef>
+          <a:fontRef idx="minor">
+            <a:schemeClr val="lt1"/>
+          </a:fontRef>
+        </p:style>
+        <p:txBody>
+          <a:bodyPr rot="0" spcFirstLastPara="0" vertOverflow="overflow" horzOverflow="overflow" vert="vert" wrap="square" lIns="0" tIns="45720" rIns="0" bIns="45720" numCol="1" spcCol="0" rtlCol="0" fromWordArt="0" anchor="t" anchorCtr="0" forceAA="0" compatLnSpc="1">
+            <a:prstTxWarp prst="textNoShape">
+              <a:avLst/>
+            </a:prstTxWarp>
+            <a:normAutofit fontScale="77500" lnSpcReduction="20000"/>
+          </a:bodyPr>
+          <a:lstStyle/>
+          <a:p>
+            <a:pPr algn="ctr"/>
+            <a:r>
+              <a:rPr lang="en-GB" sz="1600" dirty="0">
+                <a:solidFill>
+                  <a:schemeClr val="tx1"/>
+                </a:solidFill>
+                <a:latin typeface="Times New Roman" panose="02020603050405020304" pitchFamily="18" charset="0"/>
+                <a:cs typeface="Times New Roman" panose="02020603050405020304" pitchFamily="18" charset="0"/>
+              </a:rPr>
+              <a:t>Firewall</a:t>
+            </a:r>
+          </a:p>
+        </p:txBody>
+      </p:sp>
+      <p:cxnSp>
+        <p:nvCxnSpPr>
+          <p:cNvPr id="113" name="Straight Arrow Connector 112">
+            <a:extLst>
+              <a:ext uri="{FF2B5EF4-FFF2-40B4-BE49-F238E27FC236}">
+                <a16:creationId xmlns:a16="http://schemas.microsoft.com/office/drawing/2014/main" id="{BD34592E-21BD-4717-AB60-D7A14E9AC81A}"/>
+              </a:ext>
+            </a:extLst>
+          </p:cNvPr>
+          <p:cNvCxnSpPr>
+            <a:cxnSpLocks/>
+            <a:stCxn id="106" idx="3"/>
+            <a:endCxn id="117" idx="1"/>
+          </p:cNvCxnSpPr>
+          <p:nvPr/>
+        </p:nvCxnSpPr>
+        <p:spPr>
+          <a:xfrm flipV="1">
+            <a:off x="8017666" y="2304899"/>
+            <a:ext cx="3056232" cy="946"/>
+          </a:xfrm>
+          <a:prstGeom prst="straightConnector1">
+            <a:avLst/>
+          </a:prstGeom>
+          <a:ln>
+            <a:solidFill>
+              <a:srgbClr val="7030A0"/>
+            </a:solidFill>
+            <a:headEnd type="triangle"/>
+            <a:tailEnd type="none"/>
+          </a:ln>
+        </p:spPr>
+        <p:style>
+          <a:lnRef idx="1">
+            <a:schemeClr val="accent1"/>
+          </a:lnRef>
+          <a:fillRef idx="0">
+            <a:schemeClr val="accent1"/>
+          </a:fillRef>
+          <a:effectRef idx="0">
+            <a:schemeClr val="accent1"/>
+          </a:effectRef>
+          <a:fontRef idx="minor">
+            <a:schemeClr val="tx1"/>
+          </a:fontRef>
+        </p:style>
+      </p:cxnSp>
+      <p:sp>
+        <p:nvSpPr>
+          <p:cNvPr id="117" name="Rectangle 116">
+            <a:extLst>
+              <a:ext uri="{FF2B5EF4-FFF2-40B4-BE49-F238E27FC236}">
+                <a16:creationId xmlns:a16="http://schemas.microsoft.com/office/drawing/2014/main" id="{D9CEEA59-EE53-4E8A-A465-CA1EDA3073E7}"/>
+              </a:ext>
+            </a:extLst>
+          </p:cNvPr>
+          <p:cNvSpPr/>
+          <p:nvPr/>
+        </p:nvSpPr>
+        <p:spPr>
+          <a:xfrm>
+            <a:off x="11073898" y="1950876"/>
+            <a:ext cx="1010653" cy="708046"/>
+          </a:xfrm>
+          <a:prstGeom prst="rect">
+            <a:avLst/>
+          </a:prstGeom>
+          <a:noFill/>
+          <a:ln>
+            <a:solidFill>
+              <a:schemeClr val="tx1"/>
+            </a:solidFill>
+          </a:ln>
+        </p:spPr>
+        <p:style>
+          <a:lnRef idx="2">
+            <a:schemeClr val="accent1">
+              <a:shade val="50000"/>
+            </a:schemeClr>
+          </a:lnRef>
+          <a:fillRef idx="1">
+            <a:schemeClr val="accent1"/>
+          </a:fillRef>
+          <a:effectRef idx="0">
+            <a:schemeClr val="accent1"/>
+          </a:effectRef>
+          <a:fontRef idx="minor">
+            <a:schemeClr val="lt1"/>
+          </a:fontRef>
+        </p:style>
+        <p:txBody>
+          <a:bodyPr rtlCol="0" anchor="t" anchorCtr="0"/>
+          <a:lstStyle/>
+          <a:p>
+            <a:pPr algn="ctr"/>
+            <a:r>
+              <a:rPr lang="en-GB" sz="1600" dirty="0">
+                <a:solidFill>
+                  <a:schemeClr val="tx1"/>
+                </a:solidFill>
+                <a:latin typeface="Times New Roman" panose="02020603050405020304" pitchFamily="18" charset="0"/>
+                <a:cs typeface="Times New Roman" panose="02020603050405020304" pitchFamily="18" charset="0"/>
+              </a:rPr>
+              <a:t>Peer</a:t>
+            </a:r>
+          </a:p>
+          <a:p>
+            <a:pPr algn="ctr"/>
+            <a:r>
+              <a:rPr lang="en-GB" sz="1600" dirty="0">
+                <a:solidFill>
+                  <a:schemeClr val="tx1"/>
+                </a:solidFill>
+                <a:latin typeface="Times New Roman" panose="02020603050405020304" pitchFamily="18" charset="0"/>
+                <a:cs typeface="Times New Roman" panose="02020603050405020304" pitchFamily="18" charset="0"/>
+              </a:rPr>
+              <a:t>Node</a:t>
+            </a:r>
+          </a:p>
+        </p:txBody>
+      </p:sp>
+      <p:sp>
+        <p:nvSpPr>
+          <p:cNvPr id="39" name="TextBox 38">
+            <a:extLst>
+              <a:ext uri="{FF2B5EF4-FFF2-40B4-BE49-F238E27FC236}">
+                <a16:creationId xmlns:a16="http://schemas.microsoft.com/office/drawing/2014/main" id="{7F57FED2-094E-4ADD-AD47-E33203CAB35F}"/>
+              </a:ext>
+            </a:extLst>
+          </p:cNvPr>
+          <p:cNvSpPr txBox="1"/>
+          <p:nvPr/>
+        </p:nvSpPr>
+        <p:spPr>
+          <a:xfrm>
+            <a:off x="5546323" y="1669765"/>
+            <a:ext cx="1342034" cy="215444"/>
+          </a:xfrm>
+          <a:prstGeom prst="rect">
+            <a:avLst/>
+          </a:prstGeom>
+          <a:noFill/>
+        </p:spPr>
+        <p:txBody>
+          <a:bodyPr wrap="none" rtlCol="0">
+            <a:spAutoFit/>
+          </a:bodyPr>
+          <a:lstStyle/>
+          <a:p>
+            <a:pPr algn="l"/>
+            <a:r>
+              <a:rPr lang="en-GB" sz="800" dirty="0">
+                <a:solidFill>
+                  <a:srgbClr val="7030A0"/>
+                </a:solidFill>
+                <a:latin typeface="Courier New" panose="02070309020205020404" pitchFamily="49" charset="0"/>
+                <a:cs typeface="Courier New" panose="02070309020205020404" pitchFamily="49" charset="0"/>
+              </a:rPr>
+              <a:t>artemisserver:11005</a:t>
+            </a:r>
+          </a:p>
+        </p:txBody>
+      </p:sp>
+      <p:sp>
+        <p:nvSpPr>
+          <p:cNvPr id="40" name="TextBox 39">
+            <a:extLst>
+              <a:ext uri="{FF2B5EF4-FFF2-40B4-BE49-F238E27FC236}">
+                <a16:creationId xmlns:a16="http://schemas.microsoft.com/office/drawing/2014/main" id="{D298C3D8-639A-498F-9942-674CB2986785}"/>
+              </a:ext>
+            </a:extLst>
+          </p:cNvPr>
+          <p:cNvSpPr txBox="1"/>
+          <p:nvPr/>
+        </p:nvSpPr>
+        <p:spPr>
+          <a:xfrm>
+            <a:off x="2940824" y="2078381"/>
+            <a:ext cx="1159292" cy="215444"/>
+          </a:xfrm>
+          <a:prstGeom prst="rect">
+            <a:avLst/>
+          </a:prstGeom>
+          <a:noFill/>
+        </p:spPr>
+        <p:txBody>
+          <a:bodyPr wrap="none" rtlCol="0">
+            <a:spAutoFit/>
+          </a:bodyPr>
+          <a:lstStyle/>
+          <a:p>
+            <a:pPr algn="l"/>
+            <a:r>
+              <a:rPr lang="en-GB" sz="800" dirty="0">
+                <a:solidFill>
+                  <a:schemeClr val="accent1"/>
+                </a:solidFill>
+                <a:latin typeface="Courier New" panose="02070309020205020404" pitchFamily="49" charset="0"/>
+                <a:cs typeface="Courier New" panose="02070309020205020404" pitchFamily="49" charset="0"/>
+              </a:rPr>
+              <a:t>nodeserver:10006</a:t>
+            </a:r>
+          </a:p>
+        </p:txBody>
+      </p:sp>
+      <p:sp>
+        <p:nvSpPr>
+          <p:cNvPr id="42" name="TextBox 41">
+            <a:extLst>
+              <a:ext uri="{FF2B5EF4-FFF2-40B4-BE49-F238E27FC236}">
+                <a16:creationId xmlns:a16="http://schemas.microsoft.com/office/drawing/2014/main" id="{7E168187-808C-4FAB-900C-DF5D9B38C9E8}"/>
+              </a:ext>
+            </a:extLst>
+          </p:cNvPr>
+          <p:cNvSpPr txBox="1"/>
+          <p:nvPr/>
+        </p:nvSpPr>
+        <p:spPr>
+          <a:xfrm>
+            <a:off x="9702698" y="2552560"/>
+            <a:ext cx="307777" cy="1310615"/>
+          </a:xfrm>
+          <a:prstGeom prst="rect">
+            <a:avLst/>
+          </a:prstGeom>
+          <a:noFill/>
+        </p:spPr>
+        <p:txBody>
+          <a:bodyPr vert="vert" wrap="none" rtlCol="0">
+            <a:spAutoFit/>
+          </a:bodyPr>
+          <a:lstStyle/>
+          <a:p>
+            <a:r>
+              <a:rPr lang="en-US" altLang="en-US" sz="800" dirty="0">
+                <a:solidFill>
+                  <a:srgbClr val="7030A0"/>
+                </a:solidFill>
+                <a:latin typeface="Courier New" panose="02070309020205020404" pitchFamily="49" charset="0"/>
+                <a:cs typeface="Courier New" panose="02070309020205020404" pitchFamily="49" charset="0"/>
+              </a:rPr>
+              <a:t>bridgeexternal:10005</a:t>
+            </a:r>
+            <a:endParaRPr lang="en-GB" sz="800" dirty="0">
+              <a:solidFill>
+                <a:srgbClr val="7030A0"/>
+              </a:solidFill>
+              <a:latin typeface="Times New Roman" panose="02020603050405020304" pitchFamily="18" charset="0"/>
+              <a:cs typeface="Times New Roman" panose="02020603050405020304" pitchFamily="18" charset="0"/>
+            </a:endParaRPr>
+          </a:p>
+        </p:txBody>
+      </p:sp>
+      <p:sp>
+        <p:nvSpPr>
+          <p:cNvPr id="36" name="TextBox 35">
+            <a:extLst>
+              <a:ext uri="{FF2B5EF4-FFF2-40B4-BE49-F238E27FC236}">
+                <a16:creationId xmlns:a16="http://schemas.microsoft.com/office/drawing/2014/main" id="{C85E0F44-070A-49AA-AB86-D79D20CC1DEA}"/>
+              </a:ext>
+            </a:extLst>
+          </p:cNvPr>
+          <p:cNvSpPr txBox="1"/>
+          <p:nvPr/>
+        </p:nvSpPr>
+        <p:spPr>
+          <a:xfrm>
+            <a:off x="10266299" y="1941466"/>
+            <a:ext cx="356188" cy="338554"/>
+          </a:xfrm>
+          <a:prstGeom prst="rect">
+            <a:avLst/>
+          </a:prstGeom>
+          <a:noFill/>
+        </p:spPr>
+        <p:txBody>
+          <a:bodyPr wrap="none" rtlCol="0">
+            <a:spAutoFit/>
+          </a:bodyPr>
+          <a:lstStyle/>
+          <a:p>
+            <a:pPr algn="l"/>
+            <a:r>
+              <a:rPr lang="en-GB" sz="1600" dirty="0">
+                <a:latin typeface="Times New Roman" panose="02020603050405020304" pitchFamily="18" charset="0"/>
+                <a:cs typeface="Times New Roman" panose="02020603050405020304" pitchFamily="18" charset="0"/>
+              </a:rPr>
+              <a:t>In</a:t>
+            </a:r>
+          </a:p>
+        </p:txBody>
+      </p:sp>
+      <p:sp>
+        <p:nvSpPr>
+          <p:cNvPr id="37" name="TextBox 36">
+            <a:extLst>
+              <a:ext uri="{FF2B5EF4-FFF2-40B4-BE49-F238E27FC236}">
+                <a16:creationId xmlns:a16="http://schemas.microsoft.com/office/drawing/2014/main" id="{C6B8EF8B-8A59-42AB-A960-AC12306616CC}"/>
+              </a:ext>
+            </a:extLst>
+          </p:cNvPr>
+          <p:cNvSpPr txBox="1"/>
+          <p:nvPr/>
+        </p:nvSpPr>
+        <p:spPr>
+          <a:xfrm>
+            <a:off x="10076711" y="2730782"/>
+            <a:ext cx="307777" cy="945131"/>
+          </a:xfrm>
+          <a:prstGeom prst="rect">
+            <a:avLst/>
+          </a:prstGeom>
+          <a:noFill/>
+        </p:spPr>
+        <p:txBody>
+          <a:bodyPr vert="vert" wrap="none" rtlCol="0">
+            <a:spAutoFit/>
+          </a:bodyPr>
+          <a:lstStyle/>
+          <a:p>
+            <a:r>
+              <a:rPr lang="en-US" altLang="en-US" sz="800" dirty="0">
+                <a:solidFill>
+                  <a:srgbClr val="7030A0"/>
+                </a:solidFill>
+                <a:latin typeface="Courier New" panose="02070309020205020404" pitchFamily="49" charset="0"/>
+                <a:cs typeface="Courier New" panose="02070309020205020404" pitchFamily="49" charset="0"/>
+              </a:rPr>
+              <a:t>bank.com:10005</a:t>
+            </a:r>
+            <a:endParaRPr lang="en-GB" sz="800" dirty="0">
+              <a:solidFill>
+                <a:srgbClr val="7030A0"/>
+              </a:solidFill>
+              <a:latin typeface="Times New Roman" panose="02020603050405020304" pitchFamily="18" charset="0"/>
+              <a:cs typeface="Times New Roman" panose="02020603050405020304" pitchFamily="18" charset="0"/>
+            </a:endParaRPr>
+          </a:p>
+        </p:txBody>
+      </p:sp>
+      <p:sp>
+        <p:nvSpPr>
+          <p:cNvPr id="38" name="Rectangle 37">
+            <a:extLst>
+              <a:ext uri="{FF2B5EF4-FFF2-40B4-BE49-F238E27FC236}">
+                <a16:creationId xmlns:a16="http://schemas.microsoft.com/office/drawing/2014/main" id="{8FCAC823-63A6-4015-B8DA-A2AD09A52BD8}"/>
+              </a:ext>
+            </a:extLst>
+          </p:cNvPr>
+          <p:cNvSpPr/>
+          <p:nvPr/>
+        </p:nvSpPr>
+        <p:spPr>
+          <a:xfrm>
+            <a:off x="5769665" y="1923257"/>
+            <a:ext cx="895350" cy="781341"/>
+          </a:xfrm>
+          <a:prstGeom prst="rect">
+            <a:avLst/>
+          </a:prstGeom>
+          <a:noFill/>
+          <a:ln>
+            <a:solidFill>
+              <a:schemeClr val="tx1"/>
+            </a:solidFill>
+          </a:ln>
+        </p:spPr>
+        <p:style>
+          <a:lnRef idx="2">
+            <a:schemeClr val="accent1">
+              <a:shade val="50000"/>
+            </a:schemeClr>
+          </a:lnRef>
+          <a:fillRef idx="1">
+            <a:schemeClr val="accent1"/>
+          </a:fillRef>
+          <a:effectRef idx="0">
+            <a:schemeClr val="accent1"/>
+          </a:effectRef>
+          <a:fontRef idx="minor">
+            <a:schemeClr val="lt1"/>
+          </a:fontRef>
+        </p:style>
+        <p:txBody>
+          <a:bodyPr rot="0" spcFirstLastPara="0" vertOverflow="overflow" horzOverflow="overflow" vert="horz" wrap="square" lIns="91440" tIns="45720" rIns="91440" bIns="45720" numCol="1" spcCol="0" rtlCol="0" fromWordArt="0" anchor="t" anchorCtr="0" forceAA="0" compatLnSpc="1">
+            <a:prstTxWarp prst="textNoShape">
+              <a:avLst/>
+            </a:prstTxWarp>
+            <a:noAutofit/>
+          </a:bodyPr>
+          <a:lstStyle/>
+          <a:p>
+            <a:pPr algn="ctr"/>
+            <a:r>
+              <a:rPr lang="en-GB" sz="1600" dirty="0">
+                <a:solidFill>
+                  <a:schemeClr val="tx1"/>
+                </a:solidFill>
+                <a:latin typeface="Times New Roman" panose="02020603050405020304" pitchFamily="18" charset="0"/>
+                <a:cs typeface="Times New Roman" panose="02020603050405020304" pitchFamily="18" charset="0"/>
+              </a:rPr>
+              <a:t>P2P Artemis</a:t>
+            </a:r>
+          </a:p>
+          <a:p>
+            <a:pPr algn="ctr"/>
+            <a:r>
+              <a:rPr lang="en-GB" sz="1600" dirty="0">
+                <a:solidFill>
+                  <a:schemeClr val="tx1"/>
+                </a:solidFill>
+                <a:latin typeface="Times New Roman" panose="02020603050405020304" pitchFamily="18" charset="0"/>
+                <a:cs typeface="Times New Roman" panose="02020603050405020304" pitchFamily="18" charset="0"/>
+              </a:rPr>
+              <a:t>Broker</a:t>
+            </a:r>
+          </a:p>
+        </p:txBody>
+      </p:sp>
+      <p:sp>
+        <p:nvSpPr>
+          <p:cNvPr id="41" name="Rectangle 40">
+            <a:extLst>
+              <a:ext uri="{FF2B5EF4-FFF2-40B4-BE49-F238E27FC236}">
+                <a16:creationId xmlns:a16="http://schemas.microsoft.com/office/drawing/2014/main" id="{F00A9EAD-5ED5-8240-90A0-53CCA3C1EBFC}"/>
+              </a:ext>
+            </a:extLst>
+          </p:cNvPr>
+          <p:cNvSpPr/>
+          <p:nvPr/>
+        </p:nvSpPr>
+        <p:spPr>
+          <a:xfrm>
+            <a:off x="2978150" y="3261123"/>
+            <a:ext cx="2455859" cy="2292350"/>
+          </a:xfrm>
+          <a:prstGeom prst="rect">
+            <a:avLst/>
+          </a:prstGeom>
+          <a:noFill/>
+          <a:ln>
+            <a:solidFill>
+              <a:schemeClr val="tx1"/>
+            </a:solidFill>
+          </a:ln>
+        </p:spPr>
+        <p:style>
+          <a:lnRef idx="2">
+            <a:schemeClr val="accent1">
+              <a:shade val="50000"/>
+            </a:schemeClr>
+          </a:lnRef>
+          <a:fillRef idx="1">
+            <a:schemeClr val="accent1"/>
+          </a:fillRef>
+          <a:effectRef idx="0">
+            <a:schemeClr val="accent1"/>
+          </a:effectRef>
+          <a:fontRef idx="minor">
+            <a:schemeClr val="lt1"/>
+          </a:fontRef>
+        </p:style>
+        <p:txBody>
+          <a:bodyPr rot="0" spcFirstLastPara="0" vertOverflow="overflow" horzOverflow="overflow" vert="horz" wrap="square" lIns="91440" tIns="45720" rIns="91440" bIns="45720" numCol="1" spcCol="0" rtlCol="0" fromWordArt="0" anchor="t" anchorCtr="0" forceAA="0" compatLnSpc="1">
+            <a:prstTxWarp prst="textNoShape">
+              <a:avLst/>
+            </a:prstTxWarp>
+            <a:noAutofit/>
+          </a:bodyPr>
+          <a:lstStyle/>
+          <a:p>
+            <a:pPr algn="ctr"/>
+            <a:r>
+              <a:rPr lang="en-GB" sz="1600" dirty="0">
+                <a:solidFill>
+                  <a:schemeClr val="tx1"/>
+                </a:solidFill>
+                <a:latin typeface="Times New Roman" panose="02020603050405020304" pitchFamily="18" charset="0"/>
+                <a:cs typeface="Times New Roman" panose="02020603050405020304" pitchFamily="18" charset="0"/>
+              </a:rPr>
+              <a:t>Node</a:t>
+            </a:r>
+          </a:p>
+        </p:txBody>
+      </p:sp>
+      <p:sp>
+        <p:nvSpPr>
+          <p:cNvPr id="44" name="Rectangle 43">
+            <a:extLst>
+              <a:ext uri="{FF2B5EF4-FFF2-40B4-BE49-F238E27FC236}">
+                <a16:creationId xmlns:a16="http://schemas.microsoft.com/office/drawing/2014/main" id="{488C9BD0-BFBC-E94D-9241-03B231A7C71F}"/>
+              </a:ext>
+            </a:extLst>
+          </p:cNvPr>
+          <p:cNvSpPr/>
+          <p:nvPr/>
+        </p:nvSpPr>
+        <p:spPr>
+          <a:xfrm>
+            <a:off x="3105151" y="4097339"/>
+            <a:ext cx="895350" cy="615950"/>
+          </a:xfrm>
+          <a:prstGeom prst="rect">
+            <a:avLst/>
+          </a:prstGeom>
+          <a:noFill/>
+          <a:ln>
+            <a:solidFill>
+              <a:schemeClr val="tx1"/>
+            </a:solidFill>
+          </a:ln>
+        </p:spPr>
+        <p:style>
+          <a:lnRef idx="2">
+            <a:schemeClr val="accent1">
+              <a:shade val="50000"/>
+            </a:schemeClr>
+          </a:lnRef>
+          <a:fillRef idx="1">
+            <a:schemeClr val="accent1"/>
+          </a:fillRef>
+          <a:effectRef idx="0">
+            <a:schemeClr val="accent1"/>
+          </a:effectRef>
+          <a:fontRef idx="minor">
+            <a:schemeClr val="lt1"/>
+          </a:fontRef>
+        </p:style>
+        <p:txBody>
+          <a:bodyPr rot="0" spcFirstLastPara="0" vertOverflow="overflow" horzOverflow="overflow" vert="horz" wrap="square" lIns="91440" tIns="45720" rIns="91440" bIns="45720" numCol="1" spcCol="0" rtlCol="0" fromWordArt="0" anchor="t" anchorCtr="0" forceAA="0" compatLnSpc="1">
+            <a:prstTxWarp prst="textNoShape">
+              <a:avLst/>
+            </a:prstTxWarp>
+            <a:noAutofit/>
+          </a:bodyPr>
+          <a:lstStyle/>
+          <a:p>
+            <a:pPr algn="ctr"/>
+            <a:r>
+              <a:rPr lang="en-GB" sz="1600" dirty="0">
+                <a:solidFill>
+                  <a:schemeClr val="tx1"/>
+                </a:solidFill>
+                <a:latin typeface="Times New Roman" panose="02020603050405020304" pitchFamily="18" charset="0"/>
+                <a:cs typeface="Times New Roman" panose="02020603050405020304" pitchFamily="18" charset="0"/>
+              </a:rPr>
+              <a:t>RPC Artemis</a:t>
+            </a:r>
+          </a:p>
+        </p:txBody>
+      </p:sp>
+      <p:sp>
+        <p:nvSpPr>
+          <p:cNvPr id="45" name="Rectangle 44">
+            <a:extLst>
+              <a:ext uri="{FF2B5EF4-FFF2-40B4-BE49-F238E27FC236}">
+                <a16:creationId xmlns:a16="http://schemas.microsoft.com/office/drawing/2014/main" id="{640856F8-976D-6A46-B13C-5DEF3A9E32BF}"/>
+              </a:ext>
+            </a:extLst>
+          </p:cNvPr>
+          <p:cNvSpPr/>
+          <p:nvPr/>
+        </p:nvSpPr>
+        <p:spPr>
+          <a:xfrm>
+            <a:off x="4191001" y="3713957"/>
+            <a:ext cx="1095375" cy="387350"/>
+          </a:xfrm>
+          <a:prstGeom prst="rect">
+            <a:avLst/>
+          </a:prstGeom>
+          <a:noFill/>
+          <a:ln>
+            <a:solidFill>
+              <a:schemeClr val="tx1"/>
+            </a:solidFill>
+          </a:ln>
+        </p:spPr>
+        <p:style>
+          <a:lnRef idx="2">
+            <a:schemeClr val="accent1">
+              <a:shade val="50000"/>
+            </a:schemeClr>
+          </a:lnRef>
+          <a:fillRef idx="1">
+            <a:schemeClr val="accent1"/>
+          </a:fillRef>
+          <a:effectRef idx="0">
+            <a:schemeClr val="accent1"/>
+          </a:effectRef>
+          <a:fontRef idx="minor">
+            <a:schemeClr val="lt1"/>
+          </a:fontRef>
+        </p:style>
+        <p:txBody>
+          <a:bodyPr rot="0" spcFirstLastPara="0" vertOverflow="overflow" horzOverflow="overflow" vert="horz" wrap="square" lIns="91440" tIns="45720" rIns="91440" bIns="45720" numCol="1" spcCol="0" rtlCol="0" fromWordArt="0" anchor="t" anchorCtr="0" forceAA="0" compatLnSpc="1">
+            <a:prstTxWarp prst="textNoShape">
+              <a:avLst/>
+            </a:prstTxWarp>
+            <a:noAutofit/>
+          </a:bodyPr>
+          <a:lstStyle/>
+          <a:p>
+            <a:pPr algn="ctr"/>
+            <a:r>
+              <a:rPr lang="en-GB" sz="1600" dirty="0">
+                <a:solidFill>
+                  <a:schemeClr val="tx1"/>
+                </a:solidFill>
+                <a:latin typeface="Times New Roman" panose="02020603050405020304" pitchFamily="18" charset="0"/>
+                <a:cs typeface="Times New Roman" panose="02020603050405020304" pitchFamily="18" charset="0"/>
+              </a:rPr>
+              <a:t>Flows</a:t>
+            </a:r>
+          </a:p>
+        </p:txBody>
+      </p:sp>
+      <p:sp>
+        <p:nvSpPr>
+          <p:cNvPr id="46" name="Rectangle 45">
+            <a:extLst>
+              <a:ext uri="{FF2B5EF4-FFF2-40B4-BE49-F238E27FC236}">
+                <a16:creationId xmlns:a16="http://schemas.microsoft.com/office/drawing/2014/main" id="{C44FD137-D4EE-DB4D-8548-F08FA107EE5B}"/>
+              </a:ext>
+            </a:extLst>
+          </p:cNvPr>
+          <p:cNvSpPr/>
+          <p:nvPr/>
+        </p:nvSpPr>
+        <p:spPr>
+          <a:xfrm>
+            <a:off x="4191000" y="4713289"/>
+            <a:ext cx="1095375" cy="387350"/>
+          </a:xfrm>
+          <a:prstGeom prst="rect">
+            <a:avLst/>
+          </a:prstGeom>
+          <a:noFill/>
+          <a:ln>
+            <a:solidFill>
+              <a:schemeClr val="tx1"/>
+            </a:solidFill>
+          </a:ln>
+        </p:spPr>
+        <p:style>
+          <a:lnRef idx="2">
+            <a:schemeClr val="accent1">
+              <a:shade val="50000"/>
+            </a:schemeClr>
+          </a:lnRef>
+          <a:fillRef idx="1">
+            <a:schemeClr val="accent1"/>
+          </a:fillRef>
+          <a:effectRef idx="0">
+            <a:schemeClr val="accent1"/>
+          </a:effectRef>
+          <a:fontRef idx="minor">
+            <a:schemeClr val="lt1"/>
+          </a:fontRef>
+        </p:style>
+        <p:txBody>
+          <a:bodyPr rot="0" spcFirstLastPara="0" vertOverflow="overflow" horzOverflow="overflow" vert="horz" wrap="square" lIns="91440" tIns="45720" rIns="91440" bIns="45720" numCol="1" spcCol="0" rtlCol="0" fromWordArt="0" anchor="t" anchorCtr="0" forceAA="0" compatLnSpc="1">
+            <a:prstTxWarp prst="textNoShape">
+              <a:avLst/>
+            </a:prstTxWarp>
+            <a:noAutofit/>
+          </a:bodyPr>
+          <a:lstStyle/>
+          <a:p>
+            <a:pPr algn="ctr"/>
+            <a:r>
+              <a:rPr lang="en-GB" sz="1600" dirty="0">
+                <a:solidFill>
+                  <a:schemeClr val="tx1"/>
+                </a:solidFill>
+                <a:latin typeface="Times New Roman" panose="02020603050405020304" pitchFamily="18" charset="0"/>
+                <a:cs typeface="Times New Roman" panose="02020603050405020304" pitchFamily="18" charset="0"/>
+              </a:rPr>
+              <a:t>Vault</a:t>
+            </a:r>
+          </a:p>
+        </p:txBody>
+      </p:sp>
+      <p:cxnSp>
+        <p:nvCxnSpPr>
+          <p:cNvPr id="47" name="Straight Arrow Connector 46">
+            <a:extLst>
+              <a:ext uri="{FF2B5EF4-FFF2-40B4-BE49-F238E27FC236}">
+                <a16:creationId xmlns:a16="http://schemas.microsoft.com/office/drawing/2014/main" id="{866FC525-B2B2-964D-9373-75BDD3155C62}"/>
+              </a:ext>
+            </a:extLst>
+          </p:cNvPr>
+          <p:cNvCxnSpPr>
+            <a:stCxn id="45" idx="2"/>
+            <a:endCxn id="46" idx="0"/>
+          </p:cNvCxnSpPr>
+          <p:nvPr/>
+        </p:nvCxnSpPr>
+        <p:spPr>
+          <a:xfrm flipH="1">
+            <a:off x="4738688" y="4101307"/>
+            <a:ext cx="1" cy="611982"/>
+          </a:xfrm>
+          <a:prstGeom prst="straightConnector1">
+            <a:avLst/>
+          </a:prstGeom>
+          <a:ln>
+            <a:solidFill>
+              <a:srgbClr val="7030A0"/>
+            </a:solidFill>
+            <a:tailEnd type="triangle"/>
+          </a:ln>
+        </p:spPr>
+        <p:style>
+          <a:lnRef idx="1">
+            <a:schemeClr val="accent1"/>
+          </a:lnRef>
+          <a:fillRef idx="0">
+            <a:schemeClr val="accent1"/>
+          </a:fillRef>
+          <a:effectRef idx="0">
+            <a:schemeClr val="accent1"/>
+          </a:effectRef>
+          <a:fontRef idx="minor">
+            <a:schemeClr val="tx1"/>
+          </a:fontRef>
+        </p:style>
+      </p:cxnSp>
+      <p:cxnSp>
+        <p:nvCxnSpPr>
+          <p:cNvPr id="48" name="Straight Arrow Connector 47">
+            <a:extLst>
+              <a:ext uri="{FF2B5EF4-FFF2-40B4-BE49-F238E27FC236}">
+                <a16:creationId xmlns:a16="http://schemas.microsoft.com/office/drawing/2014/main" id="{CAEAD105-85A3-CB48-81AD-858998858700}"/>
+              </a:ext>
+            </a:extLst>
+          </p:cNvPr>
+          <p:cNvCxnSpPr>
+            <a:cxnSpLocks/>
+            <a:stCxn id="44" idx="3"/>
+            <a:endCxn id="45" idx="1"/>
+          </p:cNvCxnSpPr>
+          <p:nvPr/>
+        </p:nvCxnSpPr>
+        <p:spPr>
+          <a:xfrm flipV="1">
+            <a:off x="4000501" y="3907632"/>
+            <a:ext cx="190500" cy="497682"/>
+          </a:xfrm>
+          <a:prstGeom prst="straightConnector1">
+            <a:avLst/>
+          </a:prstGeom>
+          <a:ln>
+            <a:headEnd type="triangle"/>
+            <a:tailEnd type="triangle"/>
+          </a:ln>
+        </p:spPr>
+        <p:style>
+          <a:lnRef idx="1">
+            <a:schemeClr val="accent1"/>
+          </a:lnRef>
+          <a:fillRef idx="0">
+            <a:schemeClr val="accent1"/>
+          </a:fillRef>
+          <a:effectRef idx="0">
+            <a:schemeClr val="accent1"/>
+          </a:effectRef>
+          <a:fontRef idx="minor">
+            <a:schemeClr val="tx1"/>
+          </a:fontRef>
+        </p:style>
+      </p:cxnSp>
+      <p:cxnSp>
+        <p:nvCxnSpPr>
+          <p:cNvPr id="49" name="Straight Arrow Connector 48">
+            <a:extLst>
+              <a:ext uri="{FF2B5EF4-FFF2-40B4-BE49-F238E27FC236}">
+                <a16:creationId xmlns:a16="http://schemas.microsoft.com/office/drawing/2014/main" id="{6834C9F4-036F-7C4A-B251-A7C46D193377}"/>
+              </a:ext>
+            </a:extLst>
+          </p:cNvPr>
+          <p:cNvCxnSpPr>
+            <a:cxnSpLocks/>
+            <a:stCxn id="44" idx="3"/>
+            <a:endCxn id="46" idx="1"/>
+          </p:cNvCxnSpPr>
+          <p:nvPr/>
+        </p:nvCxnSpPr>
+        <p:spPr>
+          <a:xfrm>
+            <a:off x="4000501" y="4405314"/>
+            <a:ext cx="190499" cy="501650"/>
+          </a:xfrm>
+          <a:prstGeom prst="straightConnector1">
+            <a:avLst/>
+          </a:prstGeom>
+          <a:ln>
+            <a:headEnd type="triangle"/>
+            <a:tailEnd type="triangle"/>
+          </a:ln>
+        </p:spPr>
+        <p:style>
+          <a:lnRef idx="1">
+            <a:schemeClr val="accent1"/>
+          </a:lnRef>
+          <a:fillRef idx="0">
+            <a:schemeClr val="accent1"/>
+          </a:fillRef>
+          <a:effectRef idx="0">
+            <a:schemeClr val="accent1"/>
+          </a:effectRef>
+          <a:fontRef idx="minor">
+            <a:schemeClr val="tx1"/>
+          </a:fontRef>
+        </p:style>
+      </p:cxnSp>
+      <p:sp>
+        <p:nvSpPr>
+          <p:cNvPr id="50" name="TextBox 49">
+            <a:extLst>
+              <a:ext uri="{FF2B5EF4-FFF2-40B4-BE49-F238E27FC236}">
+                <a16:creationId xmlns:a16="http://schemas.microsoft.com/office/drawing/2014/main" id="{8130DA5B-DA76-2947-8E08-F5E23B26D2B7}"/>
+              </a:ext>
+            </a:extLst>
+          </p:cNvPr>
+          <p:cNvSpPr txBox="1"/>
+          <p:nvPr/>
+        </p:nvSpPr>
+        <p:spPr>
+          <a:xfrm>
+            <a:off x="2993302" y="4711622"/>
+            <a:ext cx="1159292" cy="215444"/>
+          </a:xfrm>
+          <a:prstGeom prst="rect">
+            <a:avLst/>
+          </a:prstGeom>
+          <a:noFill/>
+        </p:spPr>
+        <p:txBody>
+          <a:bodyPr wrap="none" rtlCol="0">
+            <a:spAutoFit/>
+          </a:bodyPr>
+          <a:lstStyle/>
+          <a:p>
+            <a:pPr algn="l"/>
+            <a:r>
+              <a:rPr lang="en-GB" sz="800" dirty="0">
+                <a:solidFill>
+                  <a:schemeClr val="accent1"/>
+                </a:solidFill>
+                <a:latin typeface="Courier New" panose="02070309020205020404" pitchFamily="49" charset="0"/>
+                <a:cs typeface="Courier New" panose="02070309020205020404" pitchFamily="49" charset="0"/>
+              </a:rPr>
+              <a:t>nodeserver:10016</a:t>
+            </a:r>
+          </a:p>
+        </p:txBody>
+      </p:sp>
+      <p:sp>
+        <p:nvSpPr>
+          <p:cNvPr id="51" name="Rectangle 50">
+            <a:extLst>
+              <a:ext uri="{FF2B5EF4-FFF2-40B4-BE49-F238E27FC236}">
+                <a16:creationId xmlns:a16="http://schemas.microsoft.com/office/drawing/2014/main" id="{316B2FB1-0B24-5B4C-9CF4-597F7C974A3F}"/>
+              </a:ext>
+            </a:extLst>
+          </p:cNvPr>
+          <p:cNvSpPr/>
+          <p:nvPr/>
+        </p:nvSpPr>
+        <p:spPr>
+          <a:xfrm>
+            <a:off x="611192" y="4874023"/>
+            <a:ext cx="2076450" cy="679450"/>
+          </a:xfrm>
+          <a:prstGeom prst="rect">
+            <a:avLst/>
+          </a:prstGeom>
+          <a:noFill/>
+          <a:ln>
+            <a:solidFill>
+              <a:schemeClr val="tx1"/>
+            </a:solidFill>
+          </a:ln>
+        </p:spPr>
+        <p:style>
+          <a:lnRef idx="2">
+            <a:schemeClr val="accent1">
+              <a:shade val="50000"/>
+            </a:schemeClr>
+          </a:lnRef>
+          <a:fillRef idx="1">
+            <a:schemeClr val="accent1"/>
+          </a:fillRef>
+          <a:effectRef idx="0">
+            <a:schemeClr val="accent1"/>
+          </a:effectRef>
+          <a:fontRef idx="minor">
+            <a:schemeClr val="lt1"/>
+          </a:fontRef>
+        </p:style>
+        <p:txBody>
+          <a:bodyPr rot="0" spcFirstLastPara="0" vertOverflow="overflow" horzOverflow="overflow" vert="horz" wrap="square" lIns="91440" tIns="45720" rIns="91440" bIns="45720" numCol="1" spcCol="0" rtlCol="0" fromWordArt="0" anchor="t" anchorCtr="0" forceAA="0" compatLnSpc="1">
+            <a:prstTxWarp prst="textNoShape">
+              <a:avLst/>
+            </a:prstTxWarp>
+            <a:noAutofit/>
+          </a:bodyPr>
+          <a:lstStyle/>
+          <a:p>
+            <a:pPr algn="ctr"/>
+            <a:r>
+              <a:rPr lang="en-GB" sz="1600" dirty="0">
+                <a:solidFill>
+                  <a:schemeClr val="tx1"/>
+                </a:solidFill>
+                <a:latin typeface="Times New Roman" panose="02020603050405020304" pitchFamily="18" charset="0"/>
+                <a:cs typeface="Times New Roman" panose="02020603050405020304" pitchFamily="18" charset="0"/>
+              </a:rPr>
+              <a:t>RPC Clients</a:t>
+            </a:r>
+          </a:p>
+          <a:p>
+            <a:pPr algn="ctr"/>
+            <a:r>
+              <a:rPr lang="en-GB" sz="1600" dirty="0">
+                <a:solidFill>
+                  <a:schemeClr val="tx1"/>
+                </a:solidFill>
+                <a:latin typeface="Times New Roman" panose="02020603050405020304" pitchFamily="18" charset="0"/>
+                <a:cs typeface="Times New Roman" panose="02020603050405020304" pitchFamily="18" charset="0"/>
+              </a:rPr>
+              <a:t>e.g. REST Web Server</a:t>
+            </a:r>
+          </a:p>
+        </p:txBody>
+      </p:sp>
+      <p:cxnSp>
+        <p:nvCxnSpPr>
+          <p:cNvPr id="53" name="Straight Arrow Connector 52">
+            <a:extLst>
+              <a:ext uri="{FF2B5EF4-FFF2-40B4-BE49-F238E27FC236}">
+                <a16:creationId xmlns:a16="http://schemas.microsoft.com/office/drawing/2014/main" id="{DE79CC46-D128-8044-A2BF-7C89999F1362}"/>
+              </a:ext>
+            </a:extLst>
+          </p:cNvPr>
+          <p:cNvCxnSpPr>
+            <a:cxnSpLocks/>
+            <a:stCxn id="45" idx="3"/>
+            <a:endCxn id="38" idx="1"/>
+          </p:cNvCxnSpPr>
+          <p:nvPr/>
+        </p:nvCxnSpPr>
+        <p:spPr>
+          <a:xfrm flipV="1">
+            <a:off x="5286376" y="2313928"/>
+            <a:ext cx="483289" cy="1593704"/>
+          </a:xfrm>
+          <a:prstGeom prst="straightConnector1">
+            <a:avLst/>
+          </a:prstGeom>
+          <a:ln>
+            <a:solidFill>
+              <a:srgbClr val="7030A0"/>
+            </a:solidFill>
+            <a:headEnd type="triangle"/>
+            <a:tailEnd type="triangle"/>
+          </a:ln>
+        </p:spPr>
+        <p:style>
+          <a:lnRef idx="1">
+            <a:schemeClr val="accent1"/>
+          </a:lnRef>
+          <a:fillRef idx="0">
+            <a:schemeClr val="accent1"/>
+          </a:fillRef>
+          <a:effectRef idx="0">
+            <a:schemeClr val="accent1"/>
+          </a:effectRef>
+          <a:fontRef idx="minor">
+            <a:schemeClr val="tx1"/>
+          </a:fontRef>
+        </p:style>
+      </p:cxnSp>
+      <p:sp>
+        <p:nvSpPr>
+          <p:cNvPr id="56" name="TextBox 55">
+            <a:extLst>
+              <a:ext uri="{FF2B5EF4-FFF2-40B4-BE49-F238E27FC236}">
+                <a16:creationId xmlns:a16="http://schemas.microsoft.com/office/drawing/2014/main" id="{00A7019D-266F-634D-A549-60F10522389D}"/>
+              </a:ext>
+            </a:extLst>
+          </p:cNvPr>
+          <p:cNvSpPr txBox="1"/>
+          <p:nvPr/>
+        </p:nvSpPr>
+        <p:spPr>
+          <a:xfrm>
+            <a:off x="602020" y="708110"/>
+            <a:ext cx="1672214" cy="1508105"/>
+          </a:xfrm>
+          <a:prstGeom prst="rect">
+            <a:avLst/>
+          </a:prstGeom>
+          <a:noFill/>
+          <a:ln>
+            <a:solidFill>
+              <a:schemeClr val="tx1"/>
+            </a:solidFill>
+          </a:ln>
+        </p:spPr>
+        <p:txBody>
+          <a:bodyPr wrap="square" rtlCol="0">
+            <a:spAutoFit/>
+          </a:bodyPr>
+          <a:lstStyle/>
+          <a:p>
+            <a:r>
+              <a:rPr lang="en-US" altLang="en-US" sz="1600" dirty="0" err="1">
+                <a:solidFill>
+                  <a:srgbClr val="000000"/>
+                </a:solidFill>
+                <a:latin typeface="Times New Roman" panose="02020603050405020304" pitchFamily="18" charset="0"/>
+                <a:cs typeface="Times New Roman" panose="02020603050405020304" pitchFamily="18" charset="0"/>
+              </a:rPr>
+              <a:t>node.conf</a:t>
+            </a:r>
+            <a:endParaRPr lang="en-US" altLang="en-US" sz="1600" dirty="0">
+              <a:solidFill>
+                <a:srgbClr val="000000"/>
+              </a:solidFill>
+              <a:latin typeface="Times New Roman" panose="02020603050405020304" pitchFamily="18" charset="0"/>
+              <a:cs typeface="Times New Roman" panose="02020603050405020304" pitchFamily="18" charset="0"/>
+            </a:endParaRPr>
+          </a:p>
+          <a:p>
+            <a:endParaRPr lang="en-US" altLang="en-US" sz="800" dirty="0">
+              <a:solidFill>
+                <a:srgbClr val="000000"/>
+              </a:solidFill>
+              <a:latin typeface="Courier New" panose="02070309020205020404" pitchFamily="49" charset="0"/>
+              <a:cs typeface="Courier New" panose="02070309020205020404" pitchFamily="49" charset="0"/>
+            </a:endParaRPr>
+          </a:p>
+          <a:p>
+            <a:endParaRPr lang="en-US" altLang="en-US" sz="800" dirty="0">
+              <a:solidFill>
+                <a:srgbClr val="000000"/>
+              </a:solidFill>
+              <a:latin typeface="Courier New" panose="02070309020205020404" pitchFamily="49" charset="0"/>
+              <a:cs typeface="Courier New" panose="02070309020205020404" pitchFamily="49" charset="0"/>
+            </a:endParaRPr>
+          </a:p>
+          <a:p>
+            <a:r>
+              <a:rPr lang="en-GB" sz="1200" dirty="0">
+                <a:latin typeface="Times New Roman" panose="02020603050405020304" pitchFamily="18" charset="0"/>
+                <a:cs typeface="Times New Roman" panose="02020603050405020304" pitchFamily="18" charset="0"/>
+              </a:rPr>
+              <a:t>Node Certs &amp; Keys:</a:t>
+            </a:r>
+          </a:p>
+          <a:p>
+            <a:r>
+              <a:rPr lang="en-GB" sz="1200" dirty="0" err="1">
+                <a:latin typeface="Times New Roman" panose="02020603050405020304" pitchFamily="18" charset="0"/>
+                <a:cs typeface="Times New Roman" panose="02020603050405020304" pitchFamily="18" charset="0"/>
+              </a:rPr>
+              <a:t>truststore.jks</a:t>
+            </a:r>
+            <a:endParaRPr lang="en-GB" sz="1200" dirty="0">
+              <a:latin typeface="Times New Roman" panose="02020603050405020304" pitchFamily="18" charset="0"/>
+              <a:cs typeface="Times New Roman" panose="02020603050405020304" pitchFamily="18" charset="0"/>
+            </a:endParaRPr>
+          </a:p>
+          <a:p>
+            <a:r>
+              <a:rPr lang="en-GB" sz="1200" dirty="0" err="1">
+                <a:latin typeface="Times New Roman" panose="02020603050405020304" pitchFamily="18" charset="0"/>
+                <a:cs typeface="Times New Roman" panose="02020603050405020304" pitchFamily="18" charset="0"/>
+              </a:rPr>
+              <a:t>nodekeystore.jks</a:t>
+            </a:r>
+            <a:endParaRPr lang="en-GB" sz="1200" dirty="0">
+              <a:latin typeface="Times New Roman" panose="02020603050405020304" pitchFamily="18" charset="0"/>
+              <a:cs typeface="Times New Roman" panose="02020603050405020304" pitchFamily="18" charset="0"/>
+            </a:endParaRPr>
+          </a:p>
+          <a:p>
+            <a:r>
+              <a:rPr lang="en-GB" sz="1200" dirty="0" err="1">
+                <a:latin typeface="Times New Roman" panose="02020603050405020304" pitchFamily="18" charset="0"/>
+                <a:cs typeface="Times New Roman" panose="02020603050405020304" pitchFamily="18" charset="0"/>
+              </a:rPr>
+              <a:t>artemis.jks</a:t>
+            </a:r>
+            <a:endParaRPr lang="en-GB" sz="1200" dirty="0">
+              <a:latin typeface="Times New Roman" panose="02020603050405020304" pitchFamily="18" charset="0"/>
+              <a:cs typeface="Times New Roman" panose="02020603050405020304" pitchFamily="18" charset="0"/>
+            </a:endParaRPr>
+          </a:p>
+          <a:p>
+            <a:r>
+              <a:rPr lang="en-GB" sz="1200" dirty="0" err="1">
+                <a:latin typeface="Times New Roman" panose="02020603050405020304" pitchFamily="18" charset="0"/>
+                <a:cs typeface="Times New Roman" panose="02020603050405020304" pitchFamily="18" charset="0"/>
+              </a:rPr>
+              <a:t>artemisTruststore.jks</a:t>
+            </a:r>
+            <a:endParaRPr lang="en-GB" sz="1200" dirty="0">
+              <a:latin typeface="Times New Roman" panose="02020603050405020304" pitchFamily="18" charset="0"/>
+              <a:cs typeface="Times New Roman" panose="02020603050405020304" pitchFamily="18" charset="0"/>
+            </a:endParaRPr>
+          </a:p>
+        </p:txBody>
+      </p:sp>
+      <p:cxnSp>
+        <p:nvCxnSpPr>
+          <p:cNvPr id="14" name="Straight Arrow Connector 13">
+            <a:extLst>
+              <a:ext uri="{FF2B5EF4-FFF2-40B4-BE49-F238E27FC236}">
+                <a16:creationId xmlns:a16="http://schemas.microsoft.com/office/drawing/2014/main" id="{1B8ADB86-4997-5F41-87C0-C7D66F0A8DA5}"/>
+              </a:ext>
+            </a:extLst>
+          </p:cNvPr>
+          <p:cNvCxnSpPr>
+            <a:stCxn id="56" idx="3"/>
+            <a:endCxn id="95" idx="1"/>
+          </p:cNvCxnSpPr>
+          <p:nvPr/>
+        </p:nvCxnSpPr>
+        <p:spPr>
+          <a:xfrm>
+            <a:off x="2274234" y="1462163"/>
+            <a:ext cx="703916" cy="463078"/>
+          </a:xfrm>
+          <a:prstGeom prst="straightConnector1">
+            <a:avLst/>
+          </a:prstGeom>
+          <a:ln w="9525" cap="flat" cmpd="sng" algn="ctr">
+            <a:solidFill>
+              <a:schemeClr val="accent2"/>
+            </a:solidFill>
+            <a:prstDash val="solid"/>
+            <a:round/>
+            <a:headEnd type="none" w="med" len="med"/>
+            <a:tailEnd type="arrow" w="med" len="med"/>
+          </a:ln>
+        </p:spPr>
+        <p:style>
+          <a:lnRef idx="0">
+            <a:scrgbClr r="0" g="0" b="0"/>
+          </a:lnRef>
+          <a:fillRef idx="0">
+            <a:scrgbClr r="0" g="0" b="0"/>
+          </a:fillRef>
+          <a:effectRef idx="0">
+            <a:scrgbClr r="0" g="0" b="0"/>
+          </a:effectRef>
+          <a:fontRef idx="minor">
+            <a:schemeClr val="tx1"/>
+          </a:fontRef>
+        </p:style>
+      </p:cxnSp>
+      <p:sp>
+        <p:nvSpPr>
+          <p:cNvPr id="63" name="TextBox 62">
+            <a:extLst>
+              <a:ext uri="{FF2B5EF4-FFF2-40B4-BE49-F238E27FC236}">
+                <a16:creationId xmlns:a16="http://schemas.microsoft.com/office/drawing/2014/main" id="{8A25B5B3-068F-264C-BFEA-92CFAD5208E2}"/>
+              </a:ext>
+            </a:extLst>
+          </p:cNvPr>
+          <p:cNvSpPr txBox="1"/>
+          <p:nvPr/>
+        </p:nvSpPr>
+        <p:spPr>
+          <a:xfrm>
+            <a:off x="617163" y="3153579"/>
+            <a:ext cx="1672214" cy="1508105"/>
+          </a:xfrm>
+          <a:prstGeom prst="rect">
+            <a:avLst/>
+          </a:prstGeom>
+          <a:noFill/>
+          <a:ln>
+            <a:solidFill>
+              <a:schemeClr val="tx1"/>
+            </a:solidFill>
+          </a:ln>
+        </p:spPr>
+        <p:txBody>
+          <a:bodyPr wrap="square" rtlCol="0">
+            <a:spAutoFit/>
+          </a:bodyPr>
+          <a:lstStyle/>
+          <a:p>
+            <a:r>
+              <a:rPr lang="en-US" altLang="en-US" sz="1600" dirty="0" err="1">
+                <a:solidFill>
+                  <a:srgbClr val="000000"/>
+                </a:solidFill>
+                <a:latin typeface="Times New Roman" panose="02020603050405020304" pitchFamily="18" charset="0"/>
+                <a:cs typeface="Times New Roman" panose="02020603050405020304" pitchFamily="18" charset="0"/>
+              </a:rPr>
+              <a:t>node.conf</a:t>
+            </a:r>
+            <a:endParaRPr lang="en-US" altLang="en-US" sz="1600" dirty="0">
+              <a:solidFill>
+                <a:srgbClr val="000000"/>
+              </a:solidFill>
+              <a:latin typeface="Times New Roman" panose="02020603050405020304" pitchFamily="18" charset="0"/>
+              <a:cs typeface="Times New Roman" panose="02020603050405020304" pitchFamily="18" charset="0"/>
+            </a:endParaRPr>
+          </a:p>
+          <a:p>
+            <a:endParaRPr lang="en-US" altLang="en-US" sz="800" dirty="0">
+              <a:solidFill>
+                <a:srgbClr val="000000"/>
+              </a:solidFill>
+              <a:latin typeface="Courier New" panose="02070309020205020404" pitchFamily="49" charset="0"/>
+              <a:cs typeface="Courier New" panose="02070309020205020404" pitchFamily="49" charset="0"/>
+            </a:endParaRPr>
+          </a:p>
+          <a:p>
+            <a:endParaRPr lang="en-US" altLang="en-US" sz="800" dirty="0">
+              <a:solidFill>
+                <a:srgbClr val="000000"/>
+              </a:solidFill>
+              <a:latin typeface="Courier New" panose="02070309020205020404" pitchFamily="49" charset="0"/>
+              <a:cs typeface="Courier New" panose="02070309020205020404" pitchFamily="49" charset="0"/>
+            </a:endParaRPr>
+          </a:p>
+          <a:p>
+            <a:r>
+              <a:rPr lang="en-GB" sz="1200" dirty="0">
+                <a:latin typeface="Times New Roman" panose="02020603050405020304" pitchFamily="18" charset="0"/>
+                <a:cs typeface="Times New Roman" panose="02020603050405020304" pitchFamily="18" charset="0"/>
+              </a:rPr>
+              <a:t>Node Certs &amp; Keys:</a:t>
+            </a:r>
+          </a:p>
+          <a:p>
+            <a:r>
+              <a:rPr lang="en-GB" sz="1200" dirty="0" err="1">
+                <a:latin typeface="Times New Roman" panose="02020603050405020304" pitchFamily="18" charset="0"/>
+                <a:cs typeface="Times New Roman" panose="02020603050405020304" pitchFamily="18" charset="0"/>
+              </a:rPr>
+              <a:t>truststore.jks</a:t>
+            </a:r>
+            <a:endParaRPr lang="en-GB" sz="1200" dirty="0">
+              <a:latin typeface="Times New Roman" panose="02020603050405020304" pitchFamily="18" charset="0"/>
+              <a:cs typeface="Times New Roman" panose="02020603050405020304" pitchFamily="18" charset="0"/>
+            </a:endParaRPr>
+          </a:p>
+          <a:p>
+            <a:r>
+              <a:rPr lang="en-GB" sz="1200" dirty="0" err="1">
+                <a:latin typeface="Times New Roman" panose="02020603050405020304" pitchFamily="18" charset="0"/>
+                <a:cs typeface="Times New Roman" panose="02020603050405020304" pitchFamily="18" charset="0"/>
+              </a:rPr>
+              <a:t>nodekeystore.jks</a:t>
+            </a:r>
+            <a:endParaRPr lang="en-GB" sz="1200" dirty="0">
+              <a:latin typeface="Times New Roman" panose="02020603050405020304" pitchFamily="18" charset="0"/>
+              <a:cs typeface="Times New Roman" panose="02020603050405020304" pitchFamily="18" charset="0"/>
+            </a:endParaRPr>
+          </a:p>
+          <a:p>
+            <a:r>
+              <a:rPr lang="en-GB" sz="1200" dirty="0" err="1">
+                <a:latin typeface="Times New Roman" panose="02020603050405020304" pitchFamily="18" charset="0"/>
+                <a:cs typeface="Times New Roman" panose="02020603050405020304" pitchFamily="18" charset="0"/>
+              </a:rPr>
+              <a:t>artemis.jks</a:t>
+            </a:r>
+            <a:endParaRPr lang="en-GB" sz="1200" dirty="0">
+              <a:latin typeface="Times New Roman" panose="02020603050405020304" pitchFamily="18" charset="0"/>
+              <a:cs typeface="Times New Roman" panose="02020603050405020304" pitchFamily="18" charset="0"/>
+            </a:endParaRPr>
+          </a:p>
+          <a:p>
+            <a:r>
+              <a:rPr lang="en-GB" sz="1200" dirty="0" err="1">
+                <a:latin typeface="Times New Roman" panose="02020603050405020304" pitchFamily="18" charset="0"/>
+                <a:cs typeface="Times New Roman" panose="02020603050405020304" pitchFamily="18" charset="0"/>
+              </a:rPr>
+              <a:t>artemisTruststore.jks</a:t>
+            </a:r>
+            <a:endParaRPr lang="en-GB" sz="1200" dirty="0">
+              <a:latin typeface="Times New Roman" panose="02020603050405020304" pitchFamily="18" charset="0"/>
+              <a:cs typeface="Times New Roman" panose="02020603050405020304" pitchFamily="18" charset="0"/>
+            </a:endParaRPr>
+          </a:p>
+        </p:txBody>
+      </p:sp>
+      <p:cxnSp>
+        <p:nvCxnSpPr>
+          <p:cNvPr id="64" name="Straight Arrow Connector 63">
+            <a:extLst>
+              <a:ext uri="{FF2B5EF4-FFF2-40B4-BE49-F238E27FC236}">
+                <a16:creationId xmlns:a16="http://schemas.microsoft.com/office/drawing/2014/main" id="{4B5152AD-D693-DB4D-A348-074EB493301A}"/>
+              </a:ext>
+            </a:extLst>
+          </p:cNvPr>
+          <p:cNvCxnSpPr>
+            <a:stCxn id="63" idx="3"/>
+          </p:cNvCxnSpPr>
+          <p:nvPr/>
+        </p:nvCxnSpPr>
+        <p:spPr>
+          <a:xfrm>
+            <a:off x="2289377" y="3907632"/>
+            <a:ext cx="703916" cy="463078"/>
+          </a:xfrm>
+          <a:prstGeom prst="straightConnector1">
+            <a:avLst/>
+          </a:prstGeom>
+          <a:ln w="9525" cap="flat" cmpd="sng" algn="ctr">
+            <a:solidFill>
+              <a:schemeClr val="accent2"/>
+            </a:solidFill>
+            <a:prstDash val="solid"/>
+            <a:round/>
+            <a:headEnd type="none" w="med" len="med"/>
+            <a:tailEnd type="arrow" w="med" len="med"/>
+          </a:ln>
+        </p:spPr>
+        <p:style>
+          <a:lnRef idx="0">
+            <a:scrgbClr r="0" g="0" b="0"/>
+          </a:lnRef>
+          <a:fillRef idx="0">
+            <a:scrgbClr r="0" g="0" b="0"/>
+          </a:fillRef>
+          <a:effectRef idx="0">
+            <a:scrgbClr r="0" g="0" b="0"/>
+          </a:effectRef>
+          <a:fontRef idx="minor">
+            <a:schemeClr val="tx1"/>
+          </a:fontRef>
+        </p:style>
+      </p:cxnSp>
+      <p:sp>
+        <p:nvSpPr>
+          <p:cNvPr id="65" name="Rectangle 64">
+            <a:extLst>
+              <a:ext uri="{FF2B5EF4-FFF2-40B4-BE49-F238E27FC236}">
+                <a16:creationId xmlns:a16="http://schemas.microsoft.com/office/drawing/2014/main" id="{30DE32D7-C6CA-0948-A84E-F11090EE5834}"/>
+              </a:ext>
+            </a:extLst>
+          </p:cNvPr>
+          <p:cNvSpPr/>
+          <p:nvPr/>
+        </p:nvSpPr>
+        <p:spPr>
+          <a:xfrm>
+            <a:off x="10419890" y="3876491"/>
+            <a:ext cx="1664661" cy="742678"/>
+          </a:xfrm>
+          <a:prstGeom prst="rect">
+            <a:avLst/>
+          </a:prstGeom>
+          <a:noFill/>
+          <a:ln>
+            <a:solidFill>
+              <a:schemeClr val="tx1"/>
+            </a:solidFill>
+          </a:ln>
+        </p:spPr>
+        <p:style>
+          <a:lnRef idx="2">
+            <a:schemeClr val="accent1">
+              <a:shade val="50000"/>
+            </a:schemeClr>
+          </a:lnRef>
+          <a:fillRef idx="1">
+            <a:schemeClr val="accent1"/>
+          </a:fillRef>
+          <a:effectRef idx="0">
+            <a:schemeClr val="accent1"/>
+          </a:effectRef>
+          <a:fontRef idx="minor">
+            <a:schemeClr val="lt1"/>
+          </a:fontRef>
+        </p:style>
+        <p:txBody>
+          <a:bodyPr rot="0" spcFirstLastPara="0" vertOverflow="overflow" horzOverflow="overflow" vert="horz" wrap="square" lIns="91440" tIns="45720" rIns="91440" bIns="45720" numCol="1" spcCol="0" rtlCol="0" fromWordArt="0" anchor="t" anchorCtr="0" forceAA="0" compatLnSpc="1">
+            <a:prstTxWarp prst="textNoShape">
+              <a:avLst/>
+            </a:prstTxWarp>
+            <a:noAutofit/>
+          </a:bodyPr>
+          <a:lstStyle/>
+          <a:p>
+            <a:pPr algn="ctr"/>
+            <a:r>
+              <a:rPr lang="en-GB" sz="1600" dirty="0">
+                <a:solidFill>
+                  <a:schemeClr val="tx1"/>
+                </a:solidFill>
+                <a:latin typeface="Times New Roman" panose="02020603050405020304" pitchFamily="18" charset="0"/>
+                <a:cs typeface="Times New Roman" panose="02020603050405020304" pitchFamily="18" charset="0"/>
+              </a:rPr>
+              <a:t>Network Services</a:t>
+            </a:r>
+          </a:p>
+          <a:p>
+            <a:pPr algn="ctr"/>
+            <a:r>
+              <a:rPr lang="en-GB" sz="1200" dirty="0">
+                <a:solidFill>
+                  <a:schemeClr val="tx1"/>
+                </a:solidFill>
+                <a:latin typeface="Times New Roman" panose="02020603050405020304" pitchFamily="18" charset="0"/>
+                <a:cs typeface="Times New Roman" panose="02020603050405020304" pitchFamily="18" charset="0"/>
+              </a:rPr>
+              <a:t>Network Map</a:t>
+            </a:r>
+          </a:p>
+          <a:p>
+            <a:pPr algn="ctr"/>
+            <a:r>
+              <a:rPr lang="en-GB" sz="1200" dirty="0">
+                <a:solidFill>
+                  <a:schemeClr val="tx1"/>
+                </a:solidFill>
+                <a:latin typeface="Times New Roman" panose="02020603050405020304" pitchFamily="18" charset="0"/>
+                <a:cs typeface="Times New Roman" panose="02020603050405020304" pitchFamily="18" charset="0"/>
+              </a:rPr>
+              <a:t>Doorman &amp; CRL</a:t>
+            </a:r>
+          </a:p>
+        </p:txBody>
+      </p:sp>
+      <p:cxnSp>
+        <p:nvCxnSpPr>
+          <p:cNvPr id="18" name="Elbow Connector 17">
+            <a:extLst>
+              <a:ext uri="{FF2B5EF4-FFF2-40B4-BE49-F238E27FC236}">
+                <a16:creationId xmlns:a16="http://schemas.microsoft.com/office/drawing/2014/main" id="{4F2B0003-62DF-3E49-8DF6-7A26EAB47BFB}"/>
+              </a:ext>
+            </a:extLst>
+          </p:cNvPr>
+          <p:cNvCxnSpPr>
+            <a:cxnSpLocks/>
+            <a:endCxn id="65" idx="1"/>
+          </p:cNvCxnSpPr>
+          <p:nvPr/>
+        </p:nvCxnSpPr>
+        <p:spPr>
+          <a:xfrm>
+            <a:off x="5434009" y="2916187"/>
+            <a:ext cx="4985881" cy="1331643"/>
+          </a:xfrm>
+          <a:prstGeom prst="bentConnector3">
+            <a:avLst>
+              <a:gd name="adj1" fmla="val 37956"/>
+            </a:avLst>
+          </a:prstGeom>
+          <a:ln w="9525" cap="flat" cmpd="sng" algn="ctr">
+            <a:solidFill>
+              <a:schemeClr val="accent5"/>
+            </a:solidFill>
+            <a:prstDash val="solid"/>
+            <a:round/>
+            <a:headEnd type="none" w="med" len="med"/>
+            <a:tailEnd type="arrow" w="med" len="med"/>
+          </a:ln>
+        </p:spPr>
+        <p:style>
+          <a:lnRef idx="0">
+            <a:scrgbClr r="0" g="0" b="0"/>
+          </a:lnRef>
+          <a:fillRef idx="0">
+            <a:scrgbClr r="0" g="0" b="0"/>
+          </a:fillRef>
+          <a:effectRef idx="0">
+            <a:scrgbClr r="0" g="0" b="0"/>
+          </a:effectRef>
+          <a:fontRef idx="minor">
+            <a:schemeClr val="tx1"/>
+          </a:fontRef>
+        </p:style>
+      </p:cxnSp>
+      <p:cxnSp>
+        <p:nvCxnSpPr>
+          <p:cNvPr id="21" name="Elbow Connector 20">
+            <a:extLst>
+              <a:ext uri="{FF2B5EF4-FFF2-40B4-BE49-F238E27FC236}">
+                <a16:creationId xmlns:a16="http://schemas.microsoft.com/office/drawing/2014/main" id="{C44528BB-ACD7-B04B-B250-32B691CCDF59}"/>
+              </a:ext>
+            </a:extLst>
+          </p:cNvPr>
+          <p:cNvCxnSpPr>
+            <a:cxnSpLocks/>
+            <a:stCxn id="106" idx="2"/>
+          </p:cNvCxnSpPr>
+          <p:nvPr/>
+        </p:nvCxnSpPr>
+        <p:spPr>
+          <a:xfrm rot="16200000" flipH="1">
+            <a:off x="8316423" y="1931234"/>
+            <a:ext cx="1307636" cy="2898128"/>
+          </a:xfrm>
+          <a:prstGeom prst="bentConnector2">
+            <a:avLst/>
+          </a:prstGeom>
+          <a:ln w="9525" cap="flat" cmpd="sng" algn="ctr">
+            <a:solidFill>
+              <a:schemeClr val="accent5"/>
+            </a:solidFill>
+            <a:prstDash val="solid"/>
+            <a:round/>
+            <a:headEnd type="none" w="med" len="med"/>
+            <a:tailEnd type="arrow" w="med" len="med"/>
+          </a:ln>
+        </p:spPr>
+        <p:style>
+          <a:lnRef idx="0">
+            <a:scrgbClr r="0" g="0" b="0"/>
+          </a:lnRef>
+          <a:fillRef idx="0">
+            <a:scrgbClr r="0" g="0" b="0"/>
+          </a:fillRef>
+          <a:effectRef idx="0">
+            <a:scrgbClr r="0" g="0" b="0"/>
+          </a:effectRef>
+          <a:fontRef idx="minor">
+            <a:schemeClr val="tx1"/>
+          </a:fontRef>
+        </p:style>
+      </p:cxnSp>
+      <p:cxnSp>
+        <p:nvCxnSpPr>
+          <p:cNvPr id="23" name="Elbow Connector 22">
+            <a:extLst>
+              <a:ext uri="{FF2B5EF4-FFF2-40B4-BE49-F238E27FC236}">
+                <a16:creationId xmlns:a16="http://schemas.microsoft.com/office/drawing/2014/main" id="{98F91007-B7DD-9041-BF58-18A133FF34C8}"/>
+              </a:ext>
+            </a:extLst>
+          </p:cNvPr>
+          <p:cNvCxnSpPr>
+            <a:cxnSpLocks/>
+          </p:cNvCxnSpPr>
+          <p:nvPr/>
+        </p:nvCxnSpPr>
+        <p:spPr>
+          <a:xfrm flipV="1">
+            <a:off x="5434009" y="4441232"/>
+            <a:ext cx="4985296" cy="214907"/>
+          </a:xfrm>
+          <a:prstGeom prst="bentConnector3">
+            <a:avLst>
+              <a:gd name="adj1" fmla="val 42439"/>
+            </a:avLst>
+          </a:prstGeom>
+          <a:ln w="9525" cap="flat" cmpd="sng" algn="ctr">
+            <a:solidFill>
+              <a:schemeClr val="accent5"/>
+            </a:solidFill>
+            <a:prstDash val="solid"/>
+            <a:round/>
+            <a:headEnd type="none" w="med" len="med"/>
+            <a:tailEnd type="arrow" w="med" len="med"/>
+          </a:ln>
+        </p:spPr>
+        <p:style>
+          <a:lnRef idx="0">
+            <a:scrgbClr r="0" g="0" b="0"/>
+          </a:lnRef>
+          <a:fillRef idx="0">
+            <a:scrgbClr r="0" g="0" b="0"/>
+          </a:fillRef>
+          <a:effectRef idx="0">
+            <a:scrgbClr r="0" g="0" b="0"/>
+          </a:effectRef>
+          <a:fontRef idx="minor">
+            <a:schemeClr val="tx1"/>
+          </a:fontRef>
+        </p:style>
+      </p:cxnSp>
+      <p:sp>
+        <p:nvSpPr>
+          <p:cNvPr id="80" name="TextBox 79">
+            <a:extLst>
+              <a:ext uri="{FF2B5EF4-FFF2-40B4-BE49-F238E27FC236}">
+                <a16:creationId xmlns:a16="http://schemas.microsoft.com/office/drawing/2014/main" id="{0D28045A-5295-084E-B164-BFB9F83742F5}"/>
+              </a:ext>
+            </a:extLst>
+          </p:cNvPr>
+          <p:cNvSpPr txBox="1"/>
+          <p:nvPr/>
+        </p:nvSpPr>
+        <p:spPr>
+          <a:xfrm>
+            <a:off x="8128235" y="565881"/>
+            <a:ext cx="1672214" cy="1384995"/>
+          </a:xfrm>
+          <a:prstGeom prst="rect">
+            <a:avLst/>
+          </a:prstGeom>
+          <a:noFill/>
+          <a:ln>
+            <a:solidFill>
+              <a:schemeClr val="tx1"/>
+            </a:solidFill>
+          </a:ln>
+        </p:spPr>
+        <p:txBody>
+          <a:bodyPr wrap="square" rtlCol="0">
+            <a:spAutoFit/>
+          </a:bodyPr>
+          <a:lstStyle/>
+          <a:p>
+            <a:r>
+              <a:rPr lang="en-US" altLang="en-US" sz="1600" dirty="0" err="1">
+                <a:solidFill>
+                  <a:srgbClr val="000000"/>
+                </a:solidFill>
+                <a:latin typeface="Times New Roman" panose="02020603050405020304" pitchFamily="18" charset="0"/>
+                <a:cs typeface="Times New Roman" panose="02020603050405020304" pitchFamily="18" charset="0"/>
+              </a:rPr>
+              <a:t>bridge.conf</a:t>
+            </a:r>
+            <a:endParaRPr lang="en-US" altLang="en-US" sz="1600" dirty="0">
+              <a:solidFill>
+                <a:srgbClr val="000000"/>
+              </a:solidFill>
+              <a:latin typeface="Times New Roman" panose="02020603050405020304" pitchFamily="18" charset="0"/>
+              <a:cs typeface="Times New Roman" panose="02020603050405020304" pitchFamily="18" charset="0"/>
+            </a:endParaRPr>
+          </a:p>
+          <a:p>
+            <a:endParaRPr lang="en-US" altLang="en-US" sz="800" dirty="0">
+              <a:solidFill>
+                <a:srgbClr val="000000"/>
+              </a:solidFill>
+              <a:latin typeface="Courier New" panose="02070309020205020404" pitchFamily="49" charset="0"/>
+              <a:cs typeface="Courier New" panose="02070309020205020404" pitchFamily="49" charset="0"/>
+            </a:endParaRPr>
+          </a:p>
+          <a:p>
+            <a:r>
+              <a:rPr lang="en-GB" sz="1200" dirty="0">
+                <a:latin typeface="Times New Roman" panose="02020603050405020304" pitchFamily="18" charset="0"/>
+                <a:cs typeface="Times New Roman" panose="02020603050405020304" pitchFamily="18" charset="0"/>
+              </a:rPr>
+              <a:t>Certs &amp; Keys:</a:t>
+            </a:r>
+          </a:p>
+          <a:p>
+            <a:r>
+              <a:rPr lang="en-GB" sz="1200" dirty="0" err="1">
+                <a:latin typeface="Times New Roman" panose="02020603050405020304" pitchFamily="18" charset="0"/>
+                <a:cs typeface="Times New Roman" panose="02020603050405020304" pitchFamily="18" charset="0"/>
+              </a:rPr>
+              <a:t>mergedSslKeytore.jks</a:t>
+            </a:r>
+            <a:endParaRPr lang="en-GB" sz="1200" dirty="0">
+              <a:latin typeface="Times New Roman" panose="02020603050405020304" pitchFamily="18" charset="0"/>
+              <a:cs typeface="Times New Roman" panose="02020603050405020304" pitchFamily="18" charset="0"/>
+            </a:endParaRPr>
+          </a:p>
+          <a:p>
+            <a:r>
+              <a:rPr lang="en-GB" sz="1200" dirty="0" err="1">
+                <a:latin typeface="Times New Roman" panose="02020603050405020304" pitchFamily="18" charset="0"/>
+                <a:cs typeface="Times New Roman" panose="02020603050405020304" pitchFamily="18" charset="0"/>
+              </a:rPr>
+              <a:t>truststore.jks</a:t>
+            </a:r>
+            <a:endParaRPr lang="en-GB" sz="1200" dirty="0">
+              <a:latin typeface="Times New Roman" panose="02020603050405020304" pitchFamily="18" charset="0"/>
+              <a:cs typeface="Times New Roman" panose="02020603050405020304" pitchFamily="18" charset="0"/>
+            </a:endParaRPr>
+          </a:p>
+          <a:p>
+            <a:r>
+              <a:rPr lang="en-GB" sz="1200" dirty="0" err="1">
+                <a:latin typeface="Times New Roman" panose="02020603050405020304" pitchFamily="18" charset="0"/>
+                <a:cs typeface="Times New Roman" panose="02020603050405020304" pitchFamily="18" charset="0"/>
+              </a:rPr>
+              <a:t>artemis.jks</a:t>
+            </a:r>
+            <a:endParaRPr lang="en-GB" sz="1200" dirty="0">
+              <a:latin typeface="Times New Roman" panose="02020603050405020304" pitchFamily="18" charset="0"/>
+              <a:cs typeface="Times New Roman" panose="02020603050405020304" pitchFamily="18" charset="0"/>
+            </a:endParaRPr>
+          </a:p>
+          <a:p>
+            <a:r>
+              <a:rPr lang="en-GB" sz="1200" dirty="0" err="1">
+                <a:latin typeface="Times New Roman" panose="02020603050405020304" pitchFamily="18" charset="0"/>
+                <a:cs typeface="Times New Roman" panose="02020603050405020304" pitchFamily="18" charset="0"/>
+              </a:rPr>
+              <a:t>artemisTruststore.jks</a:t>
+            </a:r>
+            <a:endParaRPr lang="en-GB" sz="1200" dirty="0">
+              <a:latin typeface="Times New Roman" panose="02020603050405020304" pitchFamily="18" charset="0"/>
+              <a:cs typeface="Times New Roman" panose="02020603050405020304" pitchFamily="18" charset="0"/>
+            </a:endParaRPr>
+          </a:p>
+        </p:txBody>
+      </p:sp>
+      <p:cxnSp>
+        <p:nvCxnSpPr>
+          <p:cNvPr id="32" name="Elbow Connector 31">
+            <a:extLst>
+              <a:ext uri="{FF2B5EF4-FFF2-40B4-BE49-F238E27FC236}">
+                <a16:creationId xmlns:a16="http://schemas.microsoft.com/office/drawing/2014/main" id="{FAB8AC18-A8AA-E046-9F5C-FAA6662148FF}"/>
+              </a:ext>
+            </a:extLst>
+          </p:cNvPr>
+          <p:cNvCxnSpPr>
+            <a:stCxn id="80" idx="1"/>
+            <a:endCxn id="106" idx="0"/>
+          </p:cNvCxnSpPr>
+          <p:nvPr/>
+        </p:nvCxnSpPr>
+        <p:spPr>
+          <a:xfrm rot="10800000" flipV="1">
+            <a:off x="7521177" y="1258379"/>
+            <a:ext cx="607058" cy="626830"/>
+          </a:xfrm>
+          <a:prstGeom prst="bentConnector2">
+            <a:avLst/>
+          </a:prstGeom>
+          <a:ln w="9525" cap="flat" cmpd="sng" algn="ctr">
+            <a:solidFill>
+              <a:schemeClr val="accent2"/>
+            </a:solidFill>
+            <a:prstDash val="solid"/>
+            <a:round/>
+            <a:headEnd type="none" w="med" len="med"/>
+            <a:tailEnd type="triangle"/>
+          </a:ln>
+        </p:spPr>
+        <p:style>
+          <a:lnRef idx="0">
+            <a:scrgbClr r="0" g="0" b="0"/>
+          </a:lnRef>
+          <a:fillRef idx="0">
+            <a:scrgbClr r="0" g="0" b="0"/>
+          </a:fillRef>
+          <a:effectRef idx="0">
+            <a:scrgbClr r="0" g="0" b="0"/>
+          </a:effectRef>
+          <a:fontRef idx="minor">
+            <a:schemeClr val="tx1"/>
+          </a:fontRef>
+        </p:style>
+      </p:cxnSp>
+    </p:spTree>
+    <p:extLst>
+      <p:ext uri="{BB962C8B-B14F-4D97-AF65-F5344CB8AC3E}">
+        <p14:creationId xmlns:p14="http://schemas.microsoft.com/office/powerpoint/2010/main" val="4003507266"/>
+      </p:ext>
+    </p:extLst>
+  </p:cSld>
+  <p:clrMapOvr>
+    <a:masterClrMapping/>
+  </p:clrMapOvr>
+</p:sld>
+</file>
+
+<file path=ppt/slides/slide8.xml><?xml version="1.0" encoding="utf-8"?>
 <p:sld xmlns:a="http://schemas.openxmlformats.org/drawingml/2006/main" xmlns:r="http://schemas.openxmlformats.org/officeDocument/2006/relationships" xmlns:p="http://schemas.openxmlformats.org/presentationml/2006/main">
   <p:cSld>
     <p:spTree>
@@ -25498,7 +24295,7 @@
 </p:sld>
 </file>
 
-<file path=ppt/slides/slide8.xml><?xml version="1.0" encoding="utf-8"?>
+<file path=ppt/slides/slide9.xml><?xml version="1.0" encoding="utf-8"?>
 <p:sld xmlns:a="http://schemas.openxmlformats.org/drawingml/2006/main" xmlns:r="http://schemas.openxmlformats.org/officeDocument/2006/relationships" xmlns:p="http://schemas.openxmlformats.org/presentationml/2006/main">
   <p:cSld>
     <p:spTree>
@@ -29932,6 +28729,35 @@
         </a:fontRef>
       </a:style>
     </a:spDef>
+    <a:lnDef>
+      <a:spPr>
+        <a:ln w="9525" cap="flat" cmpd="sng" algn="ctr">
+          <a:solidFill>
+            <a:schemeClr val="accent2"/>
+          </a:solidFill>
+          <a:prstDash val="solid"/>
+          <a:round/>
+          <a:headEnd type="none" w="med" len="med"/>
+          <a:tailEnd type="arrow" w="med" len="med"/>
+        </a:ln>
+      </a:spPr>
+      <a:bodyPr/>
+      <a:lstStyle/>
+      <a:style>
+        <a:lnRef idx="0">
+          <a:scrgbClr r="0" g="0" b="0"/>
+        </a:lnRef>
+        <a:fillRef idx="0">
+          <a:scrgbClr r="0" g="0" b="0"/>
+        </a:fillRef>
+        <a:effectRef idx="0">
+          <a:scrgbClr r="0" g="0" b="0"/>
+        </a:effectRef>
+        <a:fontRef idx="minor">
+          <a:schemeClr val="tx1"/>
+        </a:fontRef>
+      </a:style>
+    </a:lnDef>
     <a:txDef>
       <a:spPr>
         <a:noFill/>
